--- a/clases/Cap00_Lineas_Generales/program/PAT00_Presentacion.pptx
+++ b/clases/Cap00_Lineas_Generales/program/PAT00_Presentacion.pptx
@@ -6,7 +6,7 @@
     <p:sldMasterId id="2147483651" r:id="rId2"/>
   </p:sldMasterIdLst>
   <p:notesMasterIdLst>
-    <p:notesMasterId r:id="rId21"/>
+    <p:notesMasterId r:id="rId17"/>
   </p:notesMasterIdLst>
   <p:sldIdLst>
     <p:sldId id="503" r:id="rId3"/>
@@ -21,12 +21,8 @@
     <p:sldId id="494" r:id="rId12"/>
     <p:sldId id="495" r:id="rId13"/>
     <p:sldId id="496" r:id="rId14"/>
-    <p:sldId id="504" r:id="rId15"/>
-    <p:sldId id="500" r:id="rId16"/>
-    <p:sldId id="499" r:id="rId17"/>
-    <p:sldId id="497" r:id="rId18"/>
-    <p:sldId id="505" r:id="rId19"/>
-    <p:sldId id="508" r:id="rId20"/>
+    <p:sldId id="499" r:id="rId15"/>
+    <p:sldId id="497" r:id="rId16"/>
   </p:sldIdLst>
   <p:sldSz cx="9144000" cy="6858000" type="screen4x3"/>
   <p:notesSz cx="6858000" cy="9144000"/>
@@ -1006,101 +1002,6 @@
       </p:grpSpPr>
       <p:sp>
         <p:nvSpPr>
-          <p:cNvPr id="47106" name="Rectangle 7"/>
-          <p:cNvSpPr>
-            <a:spLocks noGrp="1" noChangeArrowheads="1"/>
-          </p:cNvSpPr>
-          <p:nvPr>
-            <p:ph type="sldNum" sz="quarter" idx="5"/>
-          </p:nvPr>
-        </p:nvSpPr>
-        <p:spPr>
-          <a:noFill/>
-        </p:spPr>
-        <p:txBody>
-          <a:bodyPr/>
-          <a:lstStyle/>
-          <a:p>
-            <a:fld id="{613A5B98-7B45-DE4E-9521-5CD6B51EF392}" type="slidenum">
-              <a:rPr lang="en-US"/>
-              <a:pPr/>
-              <a:t>14</a:t>
-            </a:fld>
-            <a:endParaRPr lang="en-US"/>
-          </a:p>
-        </p:txBody>
-      </p:sp>
-      <p:sp>
-        <p:nvSpPr>
-          <p:cNvPr id="47107" name="Rectangle 2"/>
-          <p:cNvSpPr>
-            <a:spLocks noGrp="1" noRot="1" noChangeAspect="1" noChangeArrowheads="1" noTextEdit="1"/>
-          </p:cNvSpPr>
-          <p:nvPr>
-            <p:ph type="sldImg"/>
-          </p:nvPr>
-        </p:nvSpPr>
-        <p:spPr>
-          <a:ln/>
-        </p:spPr>
-      </p:sp>
-      <p:sp>
-        <p:nvSpPr>
-          <p:cNvPr id="47108" name="Rectangle 3"/>
-          <p:cNvSpPr>
-            <a:spLocks noGrp="1" noChangeArrowheads="1"/>
-          </p:cNvSpPr>
-          <p:nvPr>
-            <p:ph type="body" idx="1"/>
-          </p:nvPr>
-        </p:nvSpPr>
-        <p:spPr>
-          <a:noFill/>
-          <a:ln/>
-        </p:spPr>
-        <p:txBody>
-          <a:bodyPr/>
-          <a:lstStyle/>
-          <a:p>
-            <a:pPr eaLnBrk="1" hangingPunct="1"/>
-            <a:endParaRPr lang="es-ES">
-              <a:latin typeface="Arial" charset="0"/>
-            </a:endParaRPr>
-          </a:p>
-        </p:txBody>
-      </p:sp>
-    </p:spTree>
-    <p:extLst>
-      <p:ext uri="{BB962C8B-B14F-4D97-AF65-F5344CB8AC3E}">
-        <p14:creationId xmlns:p14="http://schemas.microsoft.com/office/powerpoint/2010/main" val="2066195230"/>
-      </p:ext>
-    </p:extLst>
-  </p:cSld>
-  <p:clrMapOvr>
-    <a:masterClrMapping/>
-  </p:clrMapOvr>
-</p:notes>
-</file>
-
-<file path=ppt/notesSlides/notesSlide14.xml><?xml version="1.0" encoding="utf-8"?>
-<p:notes xmlns:a="http://schemas.openxmlformats.org/drawingml/2006/main" xmlns:r="http://schemas.openxmlformats.org/officeDocument/2006/relationships" xmlns:p="http://schemas.openxmlformats.org/presentationml/2006/main">
-  <p:cSld>
-    <p:spTree>
-      <p:nvGrpSpPr>
-        <p:cNvPr id="1" name=""/>
-        <p:cNvGrpSpPr/>
-        <p:nvPr/>
-      </p:nvGrpSpPr>
-      <p:grpSpPr>
-        <a:xfrm>
-          <a:off x="0" y="0"/>
-          <a:ext cx="0" cy="0"/>
-          <a:chOff x="0" y="0"/>
-          <a:chExt cx="0" cy="0"/>
-        </a:xfrm>
-      </p:grpSpPr>
-      <p:sp>
-        <p:nvSpPr>
           <p:cNvPr id="48130" name="Rectangle 7"/>
           <p:cNvSpPr>
             <a:spLocks noGrp="1" noChangeArrowheads="1"/>
@@ -1119,7 +1020,7 @@
             <a:fld id="{467CBDD7-73D8-9B43-BD1F-1839DCE59A40}" type="slidenum">
               <a:rPr lang="en-US"/>
               <a:pPr/>
-              <a:t>15</a:t>
+              <a:t>13</a:t>
             </a:fld>
             <a:endParaRPr lang="en-US"/>
           </a:p>
@@ -1177,7 +1078,7 @@
 </p:notes>
 </file>
 
-<file path=ppt/notesSlides/notesSlide15.xml><?xml version="1.0" encoding="utf-8"?>
+<file path=ppt/notesSlides/notesSlide14.xml><?xml version="1.0" encoding="utf-8"?>
 <p:notes xmlns:a="http://schemas.openxmlformats.org/drawingml/2006/main" xmlns:r="http://schemas.openxmlformats.org/officeDocument/2006/relationships" xmlns:p="http://schemas.openxmlformats.org/presentationml/2006/main">
   <p:cSld>
     <p:spTree>
@@ -1214,7 +1115,7 @@
             <a:fld id="{3632ACF5-D53C-164B-A5FB-68C4E461EBF3}" type="slidenum">
               <a:rPr lang="en-US"/>
               <a:pPr/>
-              <a:t>16</a:t>
+              <a:t>14</a:t>
             </a:fld>
             <a:endParaRPr lang="en-US"/>
           </a:p>
@@ -10053,142 +9954,7 @@
       </p:grpSpPr>
       <p:sp>
         <p:nvSpPr>
-          <p:cNvPr id="4" name="TextBox 3"/>
-          <p:cNvSpPr txBox="1"/>
-          <p:nvPr/>
-        </p:nvSpPr>
-        <p:spPr>
-          <a:xfrm>
-            <a:off x="0" y="1952625"/>
-            <a:ext cx="8882620" cy="3231654"/>
-          </a:xfrm>
-          <a:prstGeom prst="rect">
-            <a:avLst/>
-          </a:prstGeom>
-          <a:noFill/>
-        </p:spPr>
-        <p:txBody>
-          <a:bodyPr wrap="square" rtlCol="0">
-            <a:spAutoFit/>
-          </a:bodyPr>
-          <a:lstStyle/>
-          <a:p>
-            <a:pPr algn="just"/>
-            <a:r>
-              <a:rPr lang="es-ES" sz="2400" b="1" dirty="0" smtClean="0">
-                <a:solidFill>
-                  <a:schemeClr val="accent2"/>
-                </a:solidFill>
-                <a:latin typeface="Trebuchet MS" charset="0"/>
-              </a:rPr>
-              <a:t>Compromiso del Código de Honor de la Escuela de Ingeniería</a:t>
-            </a:r>
-            <a:endParaRPr lang="es-ES" sz="2400" b="1" dirty="0">
-              <a:solidFill>
-                <a:schemeClr val="accent2"/>
-              </a:solidFill>
-              <a:latin typeface="Trebuchet MS" charset="0"/>
-            </a:endParaRPr>
-          </a:p>
-          <a:p>
-            <a:pPr algn="just"/>
-            <a:endParaRPr lang="es-ES" dirty="0" smtClean="0"/>
-          </a:p>
-          <a:p>
-            <a:pPr algn="just"/>
-            <a:r>
-              <a:rPr lang="es-ES" dirty="0" smtClean="0"/>
-              <a:t>Este </a:t>
-            </a:r>
-            <a:r>
-              <a:rPr lang="es-ES" dirty="0"/>
-              <a:t>curso adscribe el Código de Honor establecido por la Escuela de Ingeniería el que es vinculante. Todo trabajo evaluado en este curso debe ser propio. En caso de que exista colaboración permitida con otros estudiantes, el trabajo deberá referenciar y atribuir correctamente dicha contribución a quien corresponda. Como estudiante es su deber conocer la versión en línea del Código de </a:t>
-            </a:r>
-            <a:r>
-              <a:rPr lang="es-ES" dirty="0" smtClean="0"/>
-              <a:t>Honor.</a:t>
-            </a:r>
-          </a:p>
-          <a:p>
-            <a:pPr algn="just"/>
-            <a:endParaRPr lang="es-ES" dirty="0"/>
-          </a:p>
-          <a:p>
-            <a:pPr algn="just"/>
-            <a:endParaRPr lang="es-ES" dirty="0" smtClean="0"/>
-          </a:p>
-          <a:p>
-            <a:pPr algn="just"/>
-            <a:r>
-              <a:rPr lang="es-ES" u="sng" dirty="0" smtClean="0">
-                <a:hlinkClick r:id="rId2"/>
-              </a:rPr>
-              <a:t>http</a:t>
-            </a:r>
-            <a:r>
-              <a:rPr lang="es-ES" u="sng" dirty="0">
-                <a:hlinkClick r:id="rId2"/>
-              </a:rPr>
-              <a:t>://ing.puc.cl/</a:t>
-            </a:r>
-            <a:r>
-              <a:rPr lang="es-ES" u="sng" dirty="0" smtClean="0">
-                <a:hlinkClick r:id="rId2"/>
-              </a:rPr>
-              <a:t>codigodehonor</a:t>
-            </a:r>
-            <a:r>
-              <a:rPr lang="es-ES" dirty="0" smtClean="0"/>
-              <a:t>.  </a:t>
-            </a:r>
-            <a:endParaRPr lang="en-US" dirty="0"/>
-          </a:p>
-          <a:p>
-            <a:pPr algn="just"/>
-            <a:endParaRPr lang="en-US" dirty="0"/>
-          </a:p>
-        </p:txBody>
-      </p:sp>
-    </p:spTree>
-    <p:extLst>
-      <p:ext uri="{BB962C8B-B14F-4D97-AF65-F5344CB8AC3E}">
-        <p14:creationId xmlns:p14="http://schemas.microsoft.com/office/powerpoint/2010/main" val="3388195197"/>
-      </p:ext>
-    </p:extLst>
-  </p:cSld>
-  <p:clrMapOvr>
-    <a:masterClrMapping/>
-  </p:clrMapOvr>
-  <p:timing>
-    <p:tnLst>
-      <p:par>
-        <p:cTn id="1" dur="indefinite" restart="never" nodeType="tmRoot"/>
-      </p:par>
-    </p:tnLst>
-  </p:timing>
-</p:sld>
-</file>
-
-<file path=ppt/slides/slide14.xml><?xml version="1.0" encoding="utf-8"?>
-<p:sld xmlns:a="http://schemas.openxmlformats.org/drawingml/2006/main" xmlns:r="http://schemas.openxmlformats.org/officeDocument/2006/relationships" xmlns:p="http://schemas.openxmlformats.org/presentationml/2006/main">
-  <p:cSld>
-    <p:spTree>
-      <p:nvGrpSpPr>
-        <p:cNvPr id="1" name=""/>
-        <p:cNvGrpSpPr/>
-        <p:nvPr/>
-      </p:nvGrpSpPr>
-      <p:grpSpPr>
-        <a:xfrm>
-          <a:off x="0" y="0"/>
-          <a:ext cx="0" cy="0"/>
-          <a:chOff x="0" y="0"/>
-          <a:chExt cx="0" cy="0"/>
-        </a:xfrm>
-      </p:grpSpPr>
-      <p:sp>
-        <p:nvSpPr>
-          <p:cNvPr id="22530" name="Text Box 2"/>
+          <p:cNvPr id="23554" name="Text Box 2"/>
           <p:cNvSpPr txBox="1">
             <a:spLocks noChangeArrowheads="1"/>
           </p:cNvSpPr>
@@ -10197,7 +9963,7 @@
         <p:spPr bwMode="auto">
           <a:xfrm>
             <a:off x="447675" y="1570038"/>
-            <a:ext cx="7966075" cy="4739759"/>
+            <a:ext cx="7966075" cy="5324535"/>
           </a:xfrm>
           <a:prstGeom prst="rect">
             <a:avLst/>
@@ -10220,17 +9986,60 @@
           <a:lstStyle/>
           <a:p>
             <a:r>
-              <a:rPr lang="es-ES" sz="3200" b="1" dirty="0">
-                <a:solidFill>
-                  <a:schemeClr val="accent2"/>
-                </a:solidFill>
-                <a:latin typeface="Trebuchet MS" charset="0"/>
-              </a:rPr>
-              <a:t>Integridad Académica</a:t>
-            </a:r>
-          </a:p>
-          <a:p>
-            <a:endParaRPr lang="es-ES" sz="1500" b="1" dirty="0">
+              <a:rPr lang="es-ES_tradnl" sz="2000" b="1" dirty="0" smtClean="0">
+                <a:solidFill>
+                  <a:schemeClr val="accent6"/>
+                </a:solidFill>
+              </a:rPr>
+              <a:t>Código de Honor e Integridad Académica</a:t>
+            </a:r>
+          </a:p>
+          <a:p>
+            <a:endParaRPr lang="es-ES_tradnl" sz="2000" b="1" dirty="0" smtClean="0"/>
+          </a:p>
+          <a:p>
+            <a:r>
+              <a:rPr lang="es-ES_tradnl" sz="2000" dirty="0" smtClean="0"/>
+              <a:t>Este curso adscribe el Código de Honor establecido por la Escuela de Ingeniería el que es vinculante. Todo trabajo evaluado en este curso debe ser propio. En caso de que exista colaboración permitida con otros estudiantes, el trabajo deberá referenciar y atribuir correctamente dicha contribución a quien corresponda. </a:t>
+            </a:r>
+          </a:p>
+          <a:p>
+            <a:r>
+              <a:rPr lang="es-ES_tradnl" sz="2000" dirty="0" smtClean="0"/>
+              <a:t>Como estudiante es su deber conocer la versión en línea del </a:t>
+            </a:r>
+            <a:r>
+              <a:rPr lang="es-ES_tradnl" sz="2000" dirty="0" smtClean="0">
+                <a:hlinkClick r:id="rId3"/>
+              </a:rPr>
+              <a:t>Código de Honor</a:t>
+            </a:r>
+            <a:r>
+              <a:rPr lang="es-ES_tradnl" sz="2000" dirty="0" smtClean="0"/>
+              <a:t>. </a:t>
+            </a:r>
+          </a:p>
+          <a:p>
+            <a:endParaRPr lang="es-ES_tradnl" sz="2000" dirty="0"/>
+          </a:p>
+          <a:p>
+            <a:r>
+              <a:rPr lang="es-ES_tradnl" sz="2000" dirty="0" smtClean="0"/>
+              <a:t>Además, los estudiantes de este curso declaran conocer </a:t>
+            </a:r>
+            <a:r>
+              <a:rPr lang="es-ES_tradnl" sz="2000" dirty="0" smtClean="0">
+                <a:hlinkClick r:id="rId4"/>
+              </a:rPr>
+              <a:t>Política de Integridad Académica del Departamento de Ciencia de la Computación</a:t>
+            </a:r>
+            <a:r>
+              <a:rPr lang="es-ES_tradnl" sz="2000" dirty="0" smtClean="0"/>
+              <a:t>.</a:t>
+            </a:r>
+          </a:p>
+          <a:p>
+            <a:endParaRPr lang="es-ES_tradnl" sz="2000" b="1" dirty="0" smtClean="0">
               <a:solidFill>
                 <a:schemeClr val="accent2"/>
               </a:solidFill>
@@ -10238,65 +10047,29 @@
             </a:endParaRPr>
           </a:p>
           <a:p>
-            <a:r>
-              <a:rPr lang="es-CL" sz="1500" dirty="0">
-                <a:latin typeface="Trebuchet MS" charset="0"/>
-              </a:rPr>
-              <a:t>Política de Integridad Académica del Departamento de Ciencia de la Computación </a:t>
-            </a:r>
-          </a:p>
-          <a:p>
-            <a:r>
-              <a:rPr lang="es-CL" sz="1500" dirty="0">
-                <a:latin typeface="Trebuchet MS" charset="0"/>
-              </a:rPr>
-              <a:t>Los alumnos de la Escuela de Ingeniería de la Pontificia Universidad Católica de Chile deben mantener un comportamiento acorde a la Declaración de Principios de la Universidad. En particular, se espera que mantengan altos estándares de honestidad académica. Cualquier acto deshonesto o fraude académico está prohibido; los alumnos que incurran en este tipo de acciones se exponen a un Procedimiento Sumario.</a:t>
-            </a:r>
-          </a:p>
-          <a:p>
-            <a:r>
-              <a:rPr lang="es-CL" sz="1500" dirty="0">
-                <a:latin typeface="Trebuchet MS" charset="0"/>
-              </a:rPr>
-              <a:t>Es responsabilidad de cada alumno conocer y respetar el documento sobre Integridad Académica publicado por la Dirección de Docencia de la Escuela de Ingeniería:</a:t>
-            </a:r>
-          </a:p>
-          <a:p>
-            <a:endParaRPr lang="es-CL" sz="1500" dirty="0" smtClean="0">
+            <a:endParaRPr lang="es-ES_tradnl" sz="2000" dirty="0" smtClean="0">
               <a:latin typeface="Trebuchet MS" charset="0"/>
             </a:endParaRPr>
           </a:p>
           <a:p>
             <a:r>
-              <a:rPr lang="es-ES_tradnl" sz="1500" dirty="0" smtClean="0">
-                <a:latin typeface="Trebuchet MS" charset="0"/>
-                <a:hlinkClick r:id="rId3"/>
-              </a:rPr>
-              <a:t>http://wwwold.ing.puc.cl/esp/alumpregrado/procedimientos/integridad_academica.html</a:t>
-            </a:r>
-            <a:endParaRPr lang="es-ES_tradnl" sz="1500" dirty="0" smtClean="0">
-              <a:latin typeface="Trebuchet MS" charset="0"/>
-            </a:endParaRPr>
-          </a:p>
-          <a:p>
-            <a:endParaRPr lang="es-CL" sz="1500" dirty="0" smtClean="0">
-              <a:latin typeface="Trebuchet MS" charset="0"/>
-            </a:endParaRPr>
-          </a:p>
-          <a:p>
-            <a:r>
-              <a:rPr lang="es-CL" sz="1500" dirty="0" smtClean="0">
-                <a:latin typeface="Trebuchet MS" charset="0"/>
-              </a:rPr>
-              <a:t>Específicamente</a:t>
-            </a:r>
-            <a:r>
-              <a:rPr lang="es-CL" sz="1500" dirty="0">
-                <a:latin typeface="Trebuchet MS" charset="0"/>
-              </a:rPr>
-              <a:t>, para los cursos del Departamento de Ciencia de la Computación, rige obligatoriamente la siguiente política de integridad académica. Todo trabajo presentado por un alumno para los efectos de la evaluación de un curso debe ser hecho individualmente por el alumno, sin apoyo en material de terceros. Por “trabajo” se entiende en general las interrogaciones escritas, las tareas de programación u otras, los trabajos de laboratorio, los proyectos, el examen, entre otros.</a:t>
-            </a:r>
-            <a:endParaRPr lang="es-ES" sz="1500" b="1" dirty="0">
+              <a:rPr lang="es-ES_tradnl" sz="2000" b="1" dirty="0" smtClean="0">
+                <a:solidFill>
+                  <a:schemeClr val="accent2"/>
+                </a:solidFill>
+                <a:latin typeface="Trebuchet MS" charset="0"/>
+              </a:rPr>
+              <a:t/>
+            </a:r>
+            <a:br>
+              <a:rPr lang="es-ES_tradnl" sz="2000" b="1" dirty="0" smtClean="0">
+                <a:solidFill>
+                  <a:schemeClr val="accent2"/>
+                </a:solidFill>
+                <a:latin typeface="Trebuchet MS" charset="0"/>
+              </a:rPr>
+            </a:br>
+            <a:endParaRPr lang="es-ES_tradnl" sz="2000" b="1" dirty="0">
               <a:solidFill>
                 <a:schemeClr val="accent2"/>
               </a:solidFill>
@@ -10320,201 +10093,7 @@
 </p:sld>
 </file>
 
-<file path=ppt/slides/slide15.xml><?xml version="1.0" encoding="utf-8"?>
-<p:sld xmlns:a="http://schemas.openxmlformats.org/drawingml/2006/main" xmlns:r="http://schemas.openxmlformats.org/officeDocument/2006/relationships" xmlns:p="http://schemas.openxmlformats.org/presentationml/2006/main">
-  <p:cSld>
-    <p:spTree>
-      <p:nvGrpSpPr>
-        <p:cNvPr id="1" name=""/>
-        <p:cNvGrpSpPr/>
-        <p:nvPr/>
-      </p:nvGrpSpPr>
-      <p:grpSpPr>
-        <a:xfrm>
-          <a:off x="0" y="0"/>
-          <a:ext cx="0" cy="0"/>
-          <a:chOff x="0" y="0"/>
-          <a:chExt cx="0" cy="0"/>
-        </a:xfrm>
-      </p:grpSpPr>
-      <p:sp>
-        <p:nvSpPr>
-          <p:cNvPr id="23554" name="Text Box 2"/>
-          <p:cNvSpPr txBox="1">
-            <a:spLocks noChangeArrowheads="1"/>
-          </p:cNvSpPr>
-          <p:nvPr/>
-        </p:nvSpPr>
-        <p:spPr bwMode="auto">
-          <a:xfrm>
-            <a:off x="447675" y="1570038"/>
-            <a:ext cx="7966075" cy="5509201"/>
-          </a:xfrm>
-          <a:prstGeom prst="rect">
-            <a:avLst/>
-          </a:prstGeom>
-          <a:noFill/>
-          <a:ln w="9525">
-            <a:noFill/>
-            <a:miter lim="800000"/>
-            <a:headEnd/>
-            <a:tailEnd/>
-          </a:ln>
-        </p:spPr>
-        <p:txBody>
-          <a:bodyPr>
-            <a:prstTxWarp prst="textNoShape">
-              <a:avLst/>
-            </a:prstTxWarp>
-            <a:spAutoFit/>
-          </a:bodyPr>
-          <a:lstStyle/>
-          <a:p>
-            <a:r>
-              <a:rPr lang="es-ES" sz="3200" b="1" dirty="0">
-                <a:solidFill>
-                  <a:schemeClr val="accent2"/>
-                </a:solidFill>
-                <a:latin typeface="Trebuchet MS" charset="0"/>
-              </a:rPr>
-              <a:t>Integridad Académica</a:t>
-            </a:r>
-          </a:p>
-          <a:p>
-            <a:endParaRPr lang="es-ES" b="1" dirty="0">
-              <a:solidFill>
-                <a:schemeClr val="accent2"/>
-              </a:solidFill>
-              <a:latin typeface="Trebuchet MS" charset="0"/>
-            </a:endParaRPr>
-          </a:p>
-          <a:p>
-            <a:r>
-              <a:rPr lang="es-CL" sz="1500" dirty="0">
-                <a:latin typeface="Trebuchet MS" charset="0"/>
-              </a:rPr>
-              <a:t>En particular, </a:t>
-            </a:r>
-            <a:r>
-              <a:rPr lang="es-CL" sz="1500" b="1" dirty="0">
-                <a:solidFill>
-                  <a:srgbClr val="FF0000"/>
-                </a:solidFill>
-                <a:latin typeface="Trebuchet MS" charset="0"/>
-              </a:rPr>
-              <a:t>si un alumno copia un trabajo, o si a un alumno se le prueba que compró o intentó comprar un trabajo, obtendrá nota final 1.1 (uno punto uno) en el curso</a:t>
-            </a:r>
-            <a:r>
-              <a:rPr lang="es-CL" sz="1500" dirty="0">
-                <a:solidFill>
-                  <a:srgbClr val="FF0000"/>
-                </a:solidFill>
-                <a:latin typeface="Trebuchet MS" charset="0"/>
-              </a:rPr>
-              <a:t> </a:t>
-            </a:r>
-            <a:r>
-              <a:rPr lang="es-CL" sz="1500" dirty="0">
-                <a:latin typeface="Trebuchet MS" charset="0"/>
-              </a:rPr>
-              <a:t>y se solicitará a la Dirección de Docencia de la Escuela de Ingeniería que no le permita retirar el curso de la carga académica semestral.</a:t>
-            </a:r>
-          </a:p>
-          <a:p>
-            <a:r>
-              <a:rPr lang="es-CL" sz="1500" dirty="0">
-                <a:latin typeface="Trebuchet MS" charset="0"/>
-              </a:rPr>
-              <a:t>Por “copia” se entiende incluir en el trabajo presentado como propio partes hechas por otro alumno. En este caso, la sanción anterior se aplicará a todos los alumnos involucrados. Por "compra" se entiende presentar como propio un trabajo hecho por otra persona. En este caso, se informará a la Dirección de Docencia la persona que vende el trabajo.</a:t>
-            </a:r>
-          </a:p>
-          <a:p>
-            <a:r>
-              <a:rPr lang="es-CL" sz="1500" dirty="0">
-                <a:latin typeface="Trebuchet MS" charset="0"/>
-              </a:rPr>
-              <a:t>Obviamente, está permitido usar material disponible públicamente, por ejemplo, libros o contenidos tomados de Internet, siempre y cuando se incluya la referencia correspondiente. Lo anterior se entiende como complemento al Reglamento del Alumno de la Pontificia Universidad Católica de Chile:</a:t>
-            </a:r>
-          </a:p>
-          <a:p>
-            <a:endParaRPr lang="es-CL" sz="1500" dirty="0" smtClean="0">
-              <a:latin typeface="Trebuchet MS" charset="0"/>
-            </a:endParaRPr>
-          </a:p>
-          <a:p>
-            <a:r>
-              <a:rPr lang="es-ES_tradnl" sz="1500" dirty="0" smtClean="0">
-                <a:latin typeface="Trebuchet MS" charset="0"/>
-                <a:hlinkClick r:id="rId3"/>
-              </a:rPr>
-              <a:t>http://dsrd.uc.cl/alumnos-uc/reglamento-estudiantiles</a:t>
-            </a:r>
-            <a:endParaRPr lang="es-ES_tradnl" sz="1500" dirty="0" smtClean="0">
-              <a:latin typeface="Trebuchet MS" charset="0"/>
-            </a:endParaRPr>
-          </a:p>
-          <a:p>
-            <a:endParaRPr lang="es-CL" sz="1500" dirty="0" smtClean="0">
-              <a:latin typeface="Trebuchet MS" charset="0"/>
-            </a:endParaRPr>
-          </a:p>
-          <a:p>
-            <a:r>
-              <a:rPr lang="es-CL" sz="1500" dirty="0" smtClean="0">
-                <a:latin typeface="Trebuchet MS" charset="0"/>
-              </a:rPr>
-              <a:t>Por </a:t>
-            </a:r>
-            <a:r>
-              <a:rPr lang="es-CL" sz="1500" dirty="0">
-                <a:latin typeface="Trebuchet MS" charset="0"/>
-              </a:rPr>
-              <a:t>ello, es posible pedir a la Universidad la aplicación de sanciones adicionales especificadas en dicho reglamento.</a:t>
-            </a:r>
-          </a:p>
-          <a:p>
-            <a:r>
-              <a:rPr lang="es-ES" sz="1600" b="1" dirty="0">
-                <a:solidFill>
-                  <a:schemeClr val="accent2"/>
-                </a:solidFill>
-                <a:latin typeface="Trebuchet MS" charset="0"/>
-              </a:rPr>
-              <a:t/>
-            </a:r>
-            <a:br>
-              <a:rPr lang="es-ES" sz="1600" b="1" dirty="0">
-                <a:solidFill>
-                  <a:schemeClr val="accent2"/>
-                </a:solidFill>
-                <a:latin typeface="Trebuchet MS" charset="0"/>
-              </a:rPr>
-            </a:br>
-            <a:endParaRPr lang="es-ES" sz="1600" b="1" dirty="0">
-              <a:solidFill>
-                <a:schemeClr val="accent2"/>
-              </a:solidFill>
-              <a:latin typeface="Trebuchet MS" charset="0"/>
-            </a:endParaRPr>
-          </a:p>
-        </p:txBody>
-      </p:sp>
-    </p:spTree>
-  </p:cSld>
-  <p:clrMapOvr>
-    <a:masterClrMapping/>
-  </p:clrMapOvr>
-  <p:timing>
-    <p:tnLst>
-      <p:par>
-        <p:cTn id="1" dur="indefinite" restart="never" nodeType="tmRoot"/>
-      </p:par>
-    </p:tnLst>
-  </p:timing>
-</p:sld>
-</file>
-
-<file path=ppt/slides/slide16.xml><?xml version="1.0" encoding="utf-8"?>
+<file path=ppt/slides/slide14.xml><?xml version="1.0" encoding="utf-8"?>
 <p:sld xmlns:a="http://schemas.openxmlformats.org/drawingml/2006/main" xmlns:r="http://schemas.openxmlformats.org/officeDocument/2006/relationships" xmlns:p="http://schemas.openxmlformats.org/presentationml/2006/main">
   <p:cSld>
     <p:spTree>
@@ -10752,8 +10331,23 @@
                 </a:solidFill>
                 <a:latin typeface="Trebuchet MS" charset="0"/>
               </a:rPr>
-              <a:t>Tel. 354-5808</a:t>
-            </a:r>
+              <a:t>Tel. </a:t>
+            </a:r>
+            <a:r>
+              <a:rPr lang="es-CL" b="1" dirty="0" smtClean="0">
+                <a:solidFill>
+                  <a:schemeClr val="accent2"/>
+                </a:solidFill>
+                <a:latin typeface="Trebuchet MS" charset="0"/>
+              </a:rPr>
+              <a:t>+562 2354-5808</a:t>
+            </a:r>
+            <a:endParaRPr lang="es-CL" b="1" dirty="0">
+              <a:solidFill>
+                <a:schemeClr val="accent2"/>
+              </a:solidFill>
+              <a:latin typeface="Trebuchet MS" charset="0"/>
+            </a:endParaRPr>
           </a:p>
           <a:p>
             <a:endParaRPr lang="es-CL" b="1" dirty="0">
@@ -10821,755 +10415,6 @@
     <p:tnLst>
       <p:par>
         <p:cTn id="1" dur="indefinite" restart="never" nodeType="tmRoot"/>
-      </p:par>
-    </p:tnLst>
-  </p:timing>
-</p:sld>
-</file>
-
-<file path=ppt/slides/slide17.xml><?xml version="1.0" encoding="utf-8"?>
-<p:sld xmlns:a="http://schemas.openxmlformats.org/drawingml/2006/main" xmlns:r="http://schemas.openxmlformats.org/officeDocument/2006/relationships" xmlns:p="http://schemas.openxmlformats.org/presentationml/2006/main">
-  <p:cSld>
-    <p:spTree>
-      <p:nvGrpSpPr>
-        <p:cNvPr id="1" name=""/>
-        <p:cNvGrpSpPr/>
-        <p:nvPr/>
-      </p:nvGrpSpPr>
-      <p:grpSpPr>
-        <a:xfrm>
-          <a:off x="0" y="0"/>
-          <a:ext cx="0" cy="0"/>
-          <a:chOff x="0" y="0"/>
-          <a:chExt cx="0" cy="0"/>
-        </a:xfrm>
-      </p:grpSpPr>
-      <p:sp>
-        <p:nvSpPr>
-          <p:cNvPr id="4" name="TextBox 3"/>
-          <p:cNvSpPr txBox="1"/>
-          <p:nvPr/>
-        </p:nvSpPr>
-        <p:spPr>
-          <a:xfrm>
-            <a:off x="2038816" y="2252008"/>
-            <a:ext cx="5229316" cy="2246769"/>
-          </a:xfrm>
-          <a:prstGeom prst="rect">
-            <a:avLst/>
-          </a:prstGeom>
-          <a:noFill/>
-        </p:spPr>
-        <p:txBody>
-          <a:bodyPr wrap="none" rtlCol="0">
-            <a:spAutoFit/>
-          </a:bodyPr>
-          <a:lstStyle/>
-          <a:p>
-            <a:pPr algn="ctr"/>
-            <a:r>
-              <a:rPr lang="es-CL" sz="6000" dirty="0" smtClean="0">
-                <a:latin typeface="Trebuchet MS"/>
-                <a:cs typeface="Trebuchet MS"/>
-              </a:rPr>
-              <a:t>El Proyecto</a:t>
-            </a:r>
-          </a:p>
-          <a:p>
-            <a:pPr algn="ctr"/>
-            <a:r>
-              <a:rPr lang="es-CL" sz="4000" dirty="0" smtClean="0">
-                <a:latin typeface="Trebuchet MS"/>
-                <a:cs typeface="Trebuchet MS"/>
-              </a:rPr>
-              <a:t>Estimación de la Edad</a:t>
-            </a:r>
-          </a:p>
-          <a:p>
-            <a:pPr algn="ctr"/>
-            <a:r>
-              <a:rPr lang="es-CL" sz="4000" dirty="0" smtClean="0">
-                <a:latin typeface="Trebuchet MS"/>
-                <a:cs typeface="Trebuchet MS"/>
-              </a:rPr>
-              <a:t>de una Persona</a:t>
-            </a:r>
-            <a:endParaRPr lang="es-CL" sz="4000" dirty="0">
-              <a:latin typeface="Trebuchet MS"/>
-              <a:cs typeface="Trebuchet MS"/>
-            </a:endParaRPr>
-          </a:p>
-        </p:txBody>
-      </p:sp>
-    </p:spTree>
-    <p:extLst>
-      <p:ext uri="{BB962C8B-B14F-4D97-AF65-F5344CB8AC3E}">
-        <p14:creationId xmlns:p14="http://schemas.microsoft.com/office/powerpoint/2010/main" val="2520961392"/>
-      </p:ext>
-    </p:extLst>
-  </p:cSld>
-  <p:clrMapOvr>
-    <a:masterClrMapping/>
-  </p:clrMapOvr>
-  <p:timing>
-    <p:tnLst>
-      <p:par>
-        <p:cTn id="1" dur="indefinite" restart="never" nodeType="tmRoot">
-          <p:childTnLst>
-            <p:seq concurrent="1" nextAc="seek">
-              <p:cTn id="2" dur="indefinite" nodeType="mainSeq">
-                <p:childTnLst>
-                  <p:par>
-                    <p:cTn id="3" fill="hold">
-                      <p:stCondLst>
-                        <p:cond delay="indefinite"/>
-                      </p:stCondLst>
-                      <p:childTnLst>
-                        <p:par>
-                          <p:cTn id="4" fill="hold">
-                            <p:stCondLst>
-                              <p:cond delay="0"/>
-                            </p:stCondLst>
-                            <p:childTnLst>
-                              <p:par>
-                                <p:cTn id="5" presetID="1" presetClass="entr" presetSubtype="0" fill="hold" grpId="0" nodeType="clickEffect">
-                                  <p:stCondLst>
-                                    <p:cond delay="0"/>
-                                  </p:stCondLst>
-                                  <p:childTnLst>
-                                    <p:set>
-                                      <p:cBhvr>
-                                        <p:cTn id="6" dur="1" fill="hold">
-                                          <p:stCondLst>
-                                            <p:cond delay="0"/>
-                                          </p:stCondLst>
-                                        </p:cTn>
-                                        <p:tgtEl>
-                                          <p:spTgt spid="4">
-                                            <p:txEl>
-                                              <p:pRg st="0" end="0"/>
-                                            </p:txEl>
-                                          </p:spTgt>
-                                        </p:tgtEl>
-                                        <p:attrNameLst>
-                                          <p:attrName>style.visibility</p:attrName>
-                                        </p:attrNameLst>
-                                      </p:cBhvr>
-                                      <p:to>
-                                        <p:strVal val="visible"/>
-                                      </p:to>
-                                    </p:set>
-                                  </p:childTnLst>
-                                </p:cTn>
-                              </p:par>
-                            </p:childTnLst>
-                          </p:cTn>
-                        </p:par>
-                      </p:childTnLst>
-                    </p:cTn>
-                  </p:par>
-                  <p:par>
-                    <p:cTn id="7" fill="hold">
-                      <p:stCondLst>
-                        <p:cond delay="indefinite"/>
-                      </p:stCondLst>
-                      <p:childTnLst>
-                        <p:par>
-                          <p:cTn id="8" fill="hold">
-                            <p:stCondLst>
-                              <p:cond delay="0"/>
-                            </p:stCondLst>
-                            <p:childTnLst>
-                              <p:par>
-                                <p:cTn id="9" presetID="1" presetClass="entr" presetSubtype="0" fill="hold" grpId="0" nodeType="clickEffect">
-                                  <p:stCondLst>
-                                    <p:cond delay="0"/>
-                                  </p:stCondLst>
-                                  <p:childTnLst>
-                                    <p:set>
-                                      <p:cBhvr>
-                                        <p:cTn id="10" dur="1" fill="hold">
-                                          <p:stCondLst>
-                                            <p:cond delay="0"/>
-                                          </p:stCondLst>
-                                        </p:cTn>
-                                        <p:tgtEl>
-                                          <p:spTgt spid="4">
-                                            <p:txEl>
-                                              <p:pRg st="1" end="1"/>
-                                            </p:txEl>
-                                          </p:spTgt>
-                                        </p:tgtEl>
-                                        <p:attrNameLst>
-                                          <p:attrName>style.visibility</p:attrName>
-                                        </p:attrNameLst>
-                                      </p:cBhvr>
-                                      <p:to>
-                                        <p:strVal val="visible"/>
-                                      </p:to>
-                                    </p:set>
-                                  </p:childTnLst>
-                                </p:cTn>
-                              </p:par>
-                            </p:childTnLst>
-                          </p:cTn>
-                        </p:par>
-                      </p:childTnLst>
-                    </p:cTn>
-                  </p:par>
-                  <p:par>
-                    <p:cTn id="11" fill="hold">
-                      <p:stCondLst>
-                        <p:cond delay="indefinite"/>
-                      </p:stCondLst>
-                      <p:childTnLst>
-                        <p:par>
-                          <p:cTn id="12" fill="hold">
-                            <p:stCondLst>
-                              <p:cond delay="0"/>
-                            </p:stCondLst>
-                            <p:childTnLst>
-                              <p:par>
-                                <p:cTn id="13" presetID="1" presetClass="entr" presetSubtype="0" fill="hold" grpId="0" nodeType="clickEffect">
-                                  <p:stCondLst>
-                                    <p:cond delay="0"/>
-                                  </p:stCondLst>
-                                  <p:childTnLst>
-                                    <p:set>
-                                      <p:cBhvr>
-                                        <p:cTn id="14" dur="1" fill="hold">
-                                          <p:stCondLst>
-                                            <p:cond delay="0"/>
-                                          </p:stCondLst>
-                                        </p:cTn>
-                                        <p:tgtEl>
-                                          <p:spTgt spid="4">
-                                            <p:txEl>
-                                              <p:pRg st="2" end="2"/>
-                                            </p:txEl>
-                                          </p:spTgt>
-                                        </p:tgtEl>
-                                        <p:attrNameLst>
-                                          <p:attrName>style.visibility</p:attrName>
-                                        </p:attrNameLst>
-                                      </p:cBhvr>
-                                      <p:to>
-                                        <p:strVal val="visible"/>
-                                      </p:to>
-                                    </p:set>
-                                  </p:childTnLst>
-                                </p:cTn>
-                              </p:par>
-                            </p:childTnLst>
-                          </p:cTn>
-                        </p:par>
-                      </p:childTnLst>
-                    </p:cTn>
-                  </p:par>
-                </p:childTnLst>
-              </p:cTn>
-              <p:prevCondLst>
-                <p:cond evt="onPrev" delay="0">
-                  <p:tgtEl>
-                    <p:sldTgt/>
-                  </p:tgtEl>
-                </p:cond>
-              </p:prevCondLst>
-              <p:nextCondLst>
-                <p:cond evt="onNext" delay="0">
-                  <p:tgtEl>
-                    <p:sldTgt/>
-                  </p:tgtEl>
-                </p:cond>
-              </p:nextCondLst>
-            </p:seq>
-          </p:childTnLst>
-        </p:cTn>
-      </p:par>
-    </p:tnLst>
-    <p:bldLst>
-      <p:bldP spid="4" grpId="0" build="p"/>
-    </p:bldLst>
-  </p:timing>
-</p:sld>
-</file>
-
-<file path=ppt/slides/slide18.xml><?xml version="1.0" encoding="utf-8"?>
-<p:sld xmlns:a="http://schemas.openxmlformats.org/drawingml/2006/main" xmlns:r="http://schemas.openxmlformats.org/officeDocument/2006/relationships" xmlns:p="http://schemas.openxmlformats.org/presentationml/2006/main">
-  <p:cSld>
-    <p:spTree>
-      <p:nvGrpSpPr>
-        <p:cNvPr id="1" name=""/>
-        <p:cNvGrpSpPr/>
-        <p:nvPr/>
-      </p:nvGrpSpPr>
-      <p:grpSpPr>
-        <a:xfrm>
-          <a:off x="0" y="0"/>
-          <a:ext cx="0" cy="0"/>
-          <a:chOff x="0" y="0"/>
-          <a:chExt cx="0" cy="0"/>
-        </a:xfrm>
-      </p:grpSpPr>
-      <p:pic>
-        <p:nvPicPr>
-          <p:cNvPr id="4" name="Picture 3"/>
-          <p:cNvPicPr>
-            <a:picLocks noChangeAspect="1"/>
-          </p:cNvPicPr>
-          <p:nvPr/>
-        </p:nvPicPr>
-        <p:blipFill>
-          <a:blip r:embed="rId2">
-            <a:extLst>
-              <a:ext uri="{28A0092B-C50C-407E-A947-70E740481C1C}">
-                <a14:useLocalDpi xmlns:a14="http://schemas.microsoft.com/office/drawing/2010/main" val="0"/>
-              </a:ext>
-            </a:extLst>
-          </a:blip>
-          <a:stretch>
-            <a:fillRect/>
-          </a:stretch>
-        </p:blipFill>
-        <p:spPr>
-          <a:xfrm>
-            <a:off x="1116454" y="2487666"/>
-            <a:ext cx="1073943" cy="1562100"/>
-          </a:xfrm>
-          <a:prstGeom prst="rect">
-            <a:avLst/>
-          </a:prstGeom>
-        </p:spPr>
-      </p:pic>
-      <p:grpSp>
-        <p:nvGrpSpPr>
-          <p:cNvPr id="13" name="Group 12"/>
-          <p:cNvGrpSpPr/>
-          <p:nvPr/>
-        </p:nvGrpSpPr>
-        <p:grpSpPr>
-          <a:xfrm>
-            <a:off x="2891676" y="2616847"/>
-            <a:ext cx="2645517" cy="1321252"/>
-            <a:chOff x="2891676" y="2616847"/>
-            <a:chExt cx="2645517" cy="1321252"/>
-          </a:xfrm>
-        </p:grpSpPr>
-        <p:sp>
-          <p:nvSpPr>
-            <p:cNvPr id="5" name="Rectangle 4"/>
-            <p:cNvSpPr/>
-            <p:nvPr/>
-          </p:nvSpPr>
-          <p:spPr>
-            <a:xfrm>
-              <a:off x="3207296" y="2616847"/>
-              <a:ext cx="2322082" cy="1321252"/>
-            </a:xfrm>
-            <a:prstGeom prst="rect">
-              <a:avLst/>
-            </a:prstGeom>
-            <a:solidFill>
-              <a:srgbClr val="FFFFFF"/>
-            </a:solidFill>
-            <a:ln>
-              <a:solidFill>
-                <a:schemeClr val="tx1"/>
-              </a:solidFill>
-            </a:ln>
-            <a:effectLst/>
-          </p:spPr>
-          <p:style>
-            <a:lnRef idx="1">
-              <a:schemeClr val="accent1"/>
-            </a:lnRef>
-            <a:fillRef idx="3">
-              <a:schemeClr val="accent1"/>
-            </a:fillRef>
-            <a:effectRef idx="2">
-              <a:schemeClr val="accent1"/>
-            </a:effectRef>
-            <a:fontRef idx="minor">
-              <a:schemeClr val="lt1"/>
-            </a:fontRef>
-          </p:style>
-          <p:txBody>
-            <a:bodyPr rtlCol="0" anchor="ctr"/>
-            <a:lstStyle/>
-            <a:p>
-              <a:pPr algn="ctr"/>
-              <a:endParaRPr lang="en-US"/>
-            </a:p>
-          </p:txBody>
-        </p:sp>
-        <p:sp>
-          <p:nvSpPr>
-            <p:cNvPr id="6" name="TextBox 5"/>
-            <p:cNvSpPr txBox="1"/>
-            <p:nvPr/>
-          </p:nvSpPr>
-          <p:spPr>
-            <a:xfrm>
-              <a:off x="3172180" y="3075780"/>
-              <a:ext cx="2365013" cy="369332"/>
-            </a:xfrm>
-            <a:prstGeom prst="rect">
-              <a:avLst/>
-            </a:prstGeom>
-            <a:noFill/>
-          </p:spPr>
-          <p:txBody>
-            <a:bodyPr wrap="square" rtlCol="0">
-              <a:spAutoFit/>
-            </a:bodyPr>
-            <a:lstStyle/>
-            <a:p>
-              <a:pPr algn="ctr"/>
-              <a:r>
-                <a:rPr lang="es-CL" dirty="0" smtClean="0">
-                  <a:latin typeface="Trebuchet MS"/>
-                  <a:cs typeface="Trebuchet MS"/>
-                </a:rPr>
-                <a:t>Age Estimator</a:t>
-              </a:r>
-              <a:endParaRPr lang="es-CL" dirty="0">
-                <a:latin typeface="Trebuchet MS"/>
-                <a:cs typeface="Trebuchet MS"/>
-              </a:endParaRPr>
-            </a:p>
-          </p:txBody>
-        </p:sp>
-        <p:cxnSp>
-          <p:nvCxnSpPr>
-            <p:cNvPr id="8" name="Straight Arrow Connector 7"/>
-            <p:cNvCxnSpPr>
-              <a:stCxn id="4" idx="3"/>
-              <a:endCxn id="5" idx="1"/>
-            </p:cNvCxnSpPr>
-            <p:nvPr/>
-          </p:nvCxnSpPr>
-          <p:spPr>
-            <a:xfrm>
-              <a:off x="2891676" y="3268716"/>
-              <a:ext cx="315620" cy="0"/>
-            </a:xfrm>
-            <a:prstGeom prst="straightConnector1">
-              <a:avLst/>
-            </a:prstGeom>
-            <a:ln>
-              <a:solidFill>
-                <a:srgbClr val="000000"/>
-              </a:solidFill>
-              <a:tailEnd type="arrow"/>
-            </a:ln>
-          </p:spPr>
-          <p:style>
-            <a:lnRef idx="2">
-              <a:schemeClr val="accent1"/>
-            </a:lnRef>
-            <a:fillRef idx="0">
-              <a:schemeClr val="accent1"/>
-            </a:fillRef>
-            <a:effectRef idx="1">
-              <a:schemeClr val="accent1"/>
-            </a:effectRef>
-            <a:fontRef idx="minor">
-              <a:schemeClr val="tx1"/>
-            </a:fontRef>
-          </p:style>
-        </p:cxnSp>
-      </p:grpSp>
-      <p:grpSp>
-        <p:nvGrpSpPr>
-          <p:cNvPr id="17" name="Group 16"/>
-          <p:cNvGrpSpPr/>
-          <p:nvPr/>
-        </p:nvGrpSpPr>
-        <p:grpSpPr>
-          <a:xfrm>
-            <a:off x="1300821" y="4041702"/>
-            <a:ext cx="5864651" cy="270201"/>
-            <a:chOff x="1300821" y="4041702"/>
-            <a:chExt cx="5864651" cy="270201"/>
-          </a:xfrm>
-        </p:grpSpPr>
-        <p:sp>
-          <p:nvSpPr>
-            <p:cNvPr id="15" name="TextBox 14"/>
-            <p:cNvSpPr txBox="1"/>
-            <p:nvPr/>
-          </p:nvSpPr>
-          <p:spPr>
-            <a:xfrm>
-              <a:off x="1300821" y="4041702"/>
-              <a:ext cx="700445" cy="246221"/>
-            </a:xfrm>
-            <a:prstGeom prst="rect">
-              <a:avLst/>
-            </a:prstGeom>
-            <a:noFill/>
-          </p:spPr>
-          <p:txBody>
-            <a:bodyPr wrap="none" rtlCol="0">
-              <a:spAutoFit/>
-            </a:bodyPr>
-            <a:lstStyle/>
-            <a:p>
-              <a:pPr algn="ctr"/>
-              <a:r>
-                <a:rPr lang="es-CL" sz="1000" dirty="0" smtClean="0">
-                  <a:latin typeface="Trebuchet MS"/>
-                  <a:cs typeface="Trebuchet MS"/>
-                </a:rPr>
-                <a:t>[ INPUT ]</a:t>
-              </a:r>
-              <a:endParaRPr lang="es-CL" sz="1000" dirty="0">
-                <a:latin typeface="Trebuchet MS"/>
-                <a:cs typeface="Trebuchet MS"/>
-              </a:endParaRPr>
-            </a:p>
-          </p:txBody>
-        </p:sp>
-        <p:sp>
-          <p:nvSpPr>
-            <p:cNvPr id="16" name="TextBox 15"/>
-            <p:cNvSpPr txBox="1"/>
-            <p:nvPr/>
-          </p:nvSpPr>
-          <p:spPr>
-            <a:xfrm>
-              <a:off x="6338540" y="4065682"/>
-              <a:ext cx="826932" cy="246221"/>
-            </a:xfrm>
-            <a:prstGeom prst="rect">
-              <a:avLst/>
-            </a:prstGeom>
-            <a:noFill/>
-          </p:spPr>
-          <p:txBody>
-            <a:bodyPr wrap="none" rtlCol="0">
-              <a:spAutoFit/>
-            </a:bodyPr>
-            <a:lstStyle/>
-            <a:p>
-              <a:pPr algn="ctr"/>
-              <a:r>
-                <a:rPr lang="es-CL" sz="1000" dirty="0" smtClean="0">
-                  <a:latin typeface="Trebuchet MS"/>
-                  <a:cs typeface="Trebuchet MS"/>
-                </a:rPr>
-                <a:t>[ OUTPUT ]</a:t>
-              </a:r>
-              <a:endParaRPr lang="es-CL" sz="1000" dirty="0">
-                <a:latin typeface="Trebuchet MS"/>
-                <a:cs typeface="Trebuchet MS"/>
-              </a:endParaRPr>
-            </a:p>
-          </p:txBody>
-        </p:sp>
-      </p:grpSp>
-      <p:cxnSp>
-        <p:nvCxnSpPr>
-          <p:cNvPr id="18" name="Straight Arrow Connector 17"/>
-          <p:cNvCxnSpPr/>
-          <p:nvPr/>
-        </p:nvCxnSpPr>
-        <p:spPr>
-          <a:xfrm>
-            <a:off x="5550208" y="3285652"/>
-            <a:ext cx="315620" cy="0"/>
-          </a:xfrm>
-          <a:prstGeom prst="straightConnector1">
-            <a:avLst/>
-          </a:prstGeom>
-          <a:ln>
-            <a:solidFill>
-              <a:srgbClr val="000000"/>
-            </a:solidFill>
-            <a:tailEnd type="arrow"/>
-          </a:ln>
-        </p:spPr>
-        <p:style>
-          <a:lnRef idx="2">
-            <a:schemeClr val="accent1"/>
-          </a:lnRef>
-          <a:fillRef idx="0">
-            <a:schemeClr val="accent1"/>
-          </a:fillRef>
-          <a:effectRef idx="1">
-            <a:schemeClr val="accent1"/>
-          </a:effectRef>
-          <a:fontRef idx="minor">
-            <a:schemeClr val="tx1"/>
-          </a:fontRef>
-        </p:style>
-      </p:cxnSp>
-      <p:sp>
-        <p:nvSpPr>
-          <p:cNvPr id="2" name="TextBox 1"/>
-          <p:cNvSpPr txBox="1"/>
-          <p:nvPr/>
-        </p:nvSpPr>
-        <p:spPr>
-          <a:xfrm>
-            <a:off x="5878843" y="3029613"/>
-            <a:ext cx="2735044" cy="461665"/>
-          </a:xfrm>
-          <a:prstGeom prst="rect">
-            <a:avLst/>
-          </a:prstGeom>
-          <a:noFill/>
-        </p:spPr>
-        <p:txBody>
-          <a:bodyPr wrap="none" rtlCol="0">
-            <a:spAutoFit/>
-          </a:bodyPr>
-          <a:lstStyle/>
-          <a:p>
-            <a:pPr algn="ctr"/>
-            <a:r>
-              <a:rPr lang="es-ES_tradnl" sz="2400" smtClean="0"/>
-              <a:t>entre 50 y 60 años</a:t>
-            </a:r>
-            <a:endParaRPr lang="es-ES_tradnl" sz="2400" dirty="0"/>
-          </a:p>
-        </p:txBody>
-      </p:sp>
-    </p:spTree>
-    <p:extLst>
-      <p:ext uri="{BB962C8B-B14F-4D97-AF65-F5344CB8AC3E}">
-        <p14:creationId xmlns:p14="http://schemas.microsoft.com/office/powerpoint/2010/main" val="1005229075"/>
-      </p:ext>
-    </p:extLst>
-  </p:cSld>
-  <p:clrMapOvr>
-    <a:masterClrMapping/>
-  </p:clrMapOvr>
-  <p:timing>
-    <p:tnLst>
-      <p:par>
-        <p:cTn id="1" dur="indefinite" restart="never" nodeType="tmRoot">
-          <p:childTnLst>
-            <p:seq concurrent="1" nextAc="seek">
-              <p:cTn id="2" dur="indefinite" nodeType="mainSeq">
-                <p:childTnLst>
-                  <p:par>
-                    <p:cTn id="3" fill="hold">
-                      <p:stCondLst>
-                        <p:cond delay="indefinite"/>
-                      </p:stCondLst>
-                      <p:childTnLst>
-                        <p:par>
-                          <p:cTn id="4" fill="hold">
-                            <p:stCondLst>
-                              <p:cond delay="0"/>
-                            </p:stCondLst>
-                            <p:childTnLst>
-                              <p:par>
-                                <p:cTn id="5" presetID="22" presetClass="entr" presetSubtype="8" fill="hold" nodeType="clickEffect">
-                                  <p:stCondLst>
-                                    <p:cond delay="0"/>
-                                  </p:stCondLst>
-                                  <p:childTnLst>
-                                    <p:set>
-                                      <p:cBhvr>
-                                        <p:cTn id="6" dur="1" fill="hold">
-                                          <p:stCondLst>
-                                            <p:cond delay="0"/>
-                                          </p:stCondLst>
-                                        </p:cTn>
-                                        <p:tgtEl>
-                                          <p:spTgt spid="13"/>
-                                        </p:tgtEl>
-                                        <p:attrNameLst>
-                                          <p:attrName>style.visibility</p:attrName>
-                                        </p:attrNameLst>
-                                      </p:cBhvr>
-                                      <p:to>
-                                        <p:strVal val="visible"/>
-                                      </p:to>
-                                    </p:set>
-                                    <p:animEffect transition="in" filter="wipe(left)">
-                                      <p:cBhvr>
-                                        <p:cTn id="7" dur="500"/>
-                                        <p:tgtEl>
-                                          <p:spTgt spid="13"/>
-                                        </p:tgtEl>
-                                      </p:cBhvr>
-                                    </p:animEffect>
-                                  </p:childTnLst>
-                                </p:cTn>
-                              </p:par>
-                            </p:childTnLst>
-                          </p:cTn>
-                        </p:par>
-                      </p:childTnLst>
-                    </p:cTn>
-                  </p:par>
-                  <p:par>
-                    <p:cTn id="8" fill="hold">
-                      <p:stCondLst>
-                        <p:cond delay="indefinite"/>
-                      </p:stCondLst>
-                      <p:childTnLst>
-                        <p:par>
-                          <p:cTn id="9" fill="hold">
-                            <p:stCondLst>
-                              <p:cond delay="0"/>
-                            </p:stCondLst>
-                            <p:childTnLst>
-                              <p:par>
-                                <p:cTn id="10" presetID="1" presetClass="entr" presetSubtype="0" fill="hold" nodeType="clickEffect">
-                                  <p:stCondLst>
-                                    <p:cond delay="0"/>
-                                  </p:stCondLst>
-                                  <p:childTnLst>
-                                    <p:set>
-                                      <p:cBhvr>
-                                        <p:cTn id="11" dur="1" fill="hold">
-                                          <p:stCondLst>
-                                            <p:cond delay="0"/>
-                                          </p:stCondLst>
-                                        </p:cTn>
-                                        <p:tgtEl>
-                                          <p:spTgt spid="17"/>
-                                        </p:tgtEl>
-                                        <p:attrNameLst>
-                                          <p:attrName>style.visibility</p:attrName>
-                                        </p:attrNameLst>
-                                      </p:cBhvr>
-                                      <p:to>
-                                        <p:strVal val="visible"/>
-                                      </p:to>
-                                    </p:set>
-                                  </p:childTnLst>
-                                </p:cTn>
-                              </p:par>
-                            </p:childTnLst>
-                          </p:cTn>
-                        </p:par>
-                      </p:childTnLst>
-                    </p:cTn>
-                  </p:par>
-                </p:childTnLst>
-              </p:cTn>
-              <p:prevCondLst>
-                <p:cond evt="onPrev" delay="0">
-                  <p:tgtEl>
-                    <p:sldTgt/>
-                  </p:tgtEl>
-                </p:cond>
-              </p:prevCondLst>
-              <p:nextCondLst>
-                <p:cond evt="onNext" delay="0">
-                  <p:tgtEl>
-                    <p:sldTgt/>
-                  </p:tgtEl>
-                </p:cond>
-              </p:nextCondLst>
-            </p:seq>
-          </p:childTnLst>
-        </p:cTn>
       </p:par>
     </p:tnLst>
   </p:timing>

--- a/clases/Cap00_Lineas_Generales/program/PAT00_Presentacion.pptx
+++ b/clases/Cap00_Lineas_Generales/program/PAT00_Presentacion.pptx
@@ -8122,7 +8122,36 @@
                 </a:solidFill>
                 <a:latin typeface="Trebuchet MS" charset="0"/>
               </a:rPr>
-              <a:t>-	Trabajo en Clases:</a:t>
+              <a:t>-	Trabajo en Clases:	</a:t>
+            </a:r>
+            <a:r>
+              <a:rPr lang="es-ES" b="1" dirty="0" smtClean="0">
+                <a:solidFill>
+                  <a:schemeClr val="accent2"/>
+                </a:solidFill>
+                <a:latin typeface="Trebuchet MS" charset="0"/>
+              </a:rPr>
+              <a:t>20</a:t>
+            </a:r>
+            <a:r>
+              <a:rPr lang="es-ES" b="1" dirty="0">
+                <a:solidFill>
+                  <a:schemeClr val="accent2"/>
+                </a:solidFill>
+                <a:latin typeface="Trebuchet MS" charset="0"/>
+              </a:rPr>
+              <a:t>%</a:t>
+            </a:r>
+          </a:p>
+          <a:p>
+            <a:r>
+              <a:rPr lang="es-ES" b="1" dirty="0">
+                <a:solidFill>
+                  <a:schemeClr val="accent2"/>
+                </a:solidFill>
+                <a:latin typeface="Trebuchet MS" charset="0"/>
+              </a:rPr>
+              <a:t>-</a:t>
             </a:r>
             <a:r>
               <a:rPr lang="es-ES" b="1">
@@ -8140,7 +8169,7 @@
                 </a:solidFill>
                 <a:latin typeface="Trebuchet MS" charset="0"/>
               </a:rPr>
-              <a:t>20</a:t>
+              <a:t>5 </a:t>
             </a:r>
             <a:r>
               <a:rPr lang="es-ES" b="1" dirty="0">
@@ -8149,18 +8178,7 @@
                 </a:solidFill>
                 <a:latin typeface="Trebuchet MS" charset="0"/>
               </a:rPr>
-              <a:t>%</a:t>
-            </a:r>
-          </a:p>
-          <a:p>
-            <a:r>
-              <a:rPr lang="es-ES" b="1" dirty="0">
-                <a:solidFill>
-                  <a:schemeClr val="accent2"/>
-                </a:solidFill>
-                <a:latin typeface="Trebuchet MS" charset="0"/>
-              </a:rPr>
-              <a:t>-	3 tareas:		50% &gt; 4.0</a:t>
+              <a:t>tareas:		50% &gt; 4.0</a:t>
             </a:r>
           </a:p>
           <a:p>

--- a/clases/Cap00_Lineas_Generales/program/PAT00_Presentacion.pptx
+++ b/clases/Cap00_Lineas_Generales/program/PAT00_Presentacion.pptx
@@ -681,7 +681,7 @@
           <a:lstStyle/>
           <a:p>
             <a:pPr eaLnBrk="1" hangingPunct="1"/>
-            <a:endParaRPr lang="es-ES" smtClean="0"/>
+            <a:endParaRPr lang="es-ES"/>
           </a:p>
         </p:txBody>
       </p:sp>
@@ -1974,7 +1974,7 @@
           <a:lstStyle/>
           <a:p>
             <a:r>
-              <a:rPr lang="es-ES" dirty="0" smtClean="0"/>
+              <a:rPr lang="es-ES" dirty="0"/>
               <a:t>Haga clic para modificar el estilo de título del patrón</a:t>
             </a:r>
             <a:endParaRPr lang="es-CL" dirty="0"/>
@@ -2042,7 +2042,7 @@
           </a:lstStyle>
           <a:p>
             <a:r>
-              <a:rPr lang="es-ES" dirty="0" smtClean="0"/>
+              <a:rPr lang="es-ES" dirty="0"/>
               <a:t>Haga clic para modificar el estilo de subtítulo del patrón</a:t>
             </a:r>
             <a:endParaRPr lang="es-CL" dirty="0"/>
@@ -2098,7 +2098,7 @@
           <a:lstStyle/>
           <a:p>
             <a:r>
-              <a:rPr lang="es-ES" smtClean="0"/>
+              <a:rPr lang="es-ES"/>
               <a:t>Haga clic para modificar el estilo de título del patrón</a:t>
             </a:r>
             <a:endParaRPr lang="es-CL"/>
@@ -2130,35 +2130,35 @@
           <a:p>
             <a:pPr lvl="0"/>
             <a:r>
-              <a:rPr lang="es-ES" smtClean="0"/>
+              <a:rPr lang="es-ES"/>
               <a:t>Haga clic para modificar el estilo de texto del patrón</a:t>
             </a:r>
           </a:p>
           <a:p>
             <a:pPr lvl="1"/>
             <a:r>
-              <a:rPr lang="es-ES" smtClean="0"/>
+              <a:rPr lang="es-ES"/>
               <a:t>Segundo nivel</a:t>
             </a:r>
           </a:p>
           <a:p>
             <a:pPr lvl="2"/>
             <a:r>
-              <a:rPr lang="es-ES" smtClean="0"/>
+              <a:rPr lang="es-ES"/>
               <a:t>Tercer nivel</a:t>
             </a:r>
           </a:p>
           <a:p>
             <a:pPr lvl="3"/>
             <a:r>
-              <a:rPr lang="es-ES" smtClean="0"/>
+              <a:rPr lang="es-ES"/>
               <a:t>Cuarto nivel</a:t>
             </a:r>
           </a:p>
           <a:p>
             <a:pPr lvl="4"/>
             <a:r>
-              <a:rPr lang="es-ES" smtClean="0"/>
+              <a:rPr lang="es-ES"/>
               <a:t>Quinto nivel</a:t>
             </a:r>
             <a:endParaRPr lang="es-CL"/>
@@ -2214,7 +2214,7 @@
           <a:lstStyle/>
           <a:p>
             <a:r>
-              <a:rPr lang="es-ES" smtClean="0"/>
+              <a:rPr lang="es-ES"/>
               <a:t>Haga clic para modificar el estilo de título del patrón</a:t>
             </a:r>
             <a:endParaRPr lang="es-CL"/>
@@ -2246,35 +2246,35 @@
           <a:p>
             <a:pPr lvl="0"/>
             <a:r>
-              <a:rPr lang="es-ES" smtClean="0"/>
+              <a:rPr lang="es-ES"/>
               <a:t>Haga clic para modificar el estilo de texto del patrón</a:t>
             </a:r>
           </a:p>
           <a:p>
             <a:pPr lvl="1"/>
             <a:r>
-              <a:rPr lang="es-ES" smtClean="0"/>
+              <a:rPr lang="es-ES"/>
               <a:t>Segundo nivel</a:t>
             </a:r>
           </a:p>
           <a:p>
             <a:pPr lvl="2"/>
             <a:r>
-              <a:rPr lang="es-ES" smtClean="0"/>
+              <a:rPr lang="es-ES"/>
               <a:t>Tercer nivel</a:t>
             </a:r>
           </a:p>
           <a:p>
             <a:pPr lvl="3"/>
             <a:r>
-              <a:rPr lang="es-ES" smtClean="0"/>
+              <a:rPr lang="es-ES"/>
               <a:t>Cuarto nivel</a:t>
             </a:r>
           </a:p>
           <a:p>
             <a:pPr lvl="4"/>
             <a:r>
-              <a:rPr lang="es-ES" smtClean="0"/>
+              <a:rPr lang="es-ES"/>
               <a:t>Quinto nivel</a:t>
             </a:r>
             <a:endParaRPr lang="es-CL"/>
@@ -2330,7 +2330,7 @@
           <a:lstStyle/>
           <a:p>
             <a:r>
-              <a:rPr lang="es-ES" smtClean="0"/>
+              <a:rPr lang="es-ES"/>
               <a:t>Haga clic para modificar el estilo de título del patrón</a:t>
             </a:r>
             <a:endParaRPr lang="es-CL"/>
@@ -2398,7 +2398,7 @@
           </a:lstStyle>
           <a:p>
             <a:r>
-              <a:rPr lang="es-ES" smtClean="0"/>
+              <a:rPr lang="es-ES"/>
               <a:t>Haga clic para modificar el estilo de subtítulo del patrón</a:t>
             </a:r>
             <a:endParaRPr lang="es-CL"/>
@@ -2454,7 +2454,7 @@
           <a:lstStyle/>
           <a:p>
             <a:r>
-              <a:rPr lang="es-ES" smtClean="0"/>
+              <a:rPr lang="es-ES"/>
               <a:t>Haga clic para modificar el estilo de título del patrón</a:t>
             </a:r>
             <a:endParaRPr lang="es-CL"/>
@@ -2486,35 +2486,35 @@
           <a:p>
             <a:pPr lvl="0"/>
             <a:r>
-              <a:rPr lang="es-ES" smtClean="0"/>
+              <a:rPr lang="es-ES"/>
               <a:t>Haga clic para modificar el estilo de texto del patrón</a:t>
             </a:r>
           </a:p>
           <a:p>
             <a:pPr lvl="1"/>
             <a:r>
-              <a:rPr lang="es-ES" smtClean="0"/>
+              <a:rPr lang="es-ES"/>
               <a:t>Segundo nivel</a:t>
             </a:r>
           </a:p>
           <a:p>
             <a:pPr lvl="2"/>
             <a:r>
-              <a:rPr lang="es-ES" smtClean="0"/>
+              <a:rPr lang="es-ES"/>
               <a:t>Tercer nivel</a:t>
             </a:r>
           </a:p>
           <a:p>
             <a:pPr lvl="3"/>
             <a:r>
-              <a:rPr lang="es-ES" smtClean="0"/>
+              <a:rPr lang="es-ES"/>
               <a:t>Cuarto nivel</a:t>
             </a:r>
           </a:p>
           <a:p>
             <a:pPr lvl="4"/>
             <a:r>
-              <a:rPr lang="es-ES" smtClean="0"/>
+              <a:rPr lang="es-ES"/>
               <a:t>Quinto nivel</a:t>
             </a:r>
             <a:endParaRPr lang="es-CL"/>
@@ -2574,7 +2574,7 @@
           </a:lstStyle>
           <a:p>
             <a:r>
-              <a:rPr lang="es-ES" smtClean="0"/>
+              <a:rPr lang="es-ES"/>
               <a:t>Haga clic para modificar el estilo de título del patrón</a:t>
             </a:r>
             <a:endParaRPr lang="es-CL"/>
@@ -2643,7 +2643,7 @@
           <a:p>
             <a:pPr lvl="0"/>
             <a:r>
-              <a:rPr lang="es-ES" smtClean="0"/>
+              <a:rPr lang="es-ES"/>
               <a:t>Haga clic para modificar el estilo de texto del patrón</a:t>
             </a:r>
           </a:p>
@@ -2698,7 +2698,7 @@
           <a:lstStyle/>
           <a:p>
             <a:r>
-              <a:rPr lang="es-ES" smtClean="0"/>
+              <a:rPr lang="es-ES"/>
               <a:t>Haga clic para modificar el estilo de título del patrón</a:t>
             </a:r>
             <a:endParaRPr lang="es-CL"/>
@@ -2758,35 +2758,35 @@
           <a:p>
             <a:pPr lvl="0"/>
             <a:r>
-              <a:rPr lang="es-ES" smtClean="0"/>
+              <a:rPr lang="es-ES"/>
               <a:t>Haga clic para modificar el estilo de texto del patrón</a:t>
             </a:r>
           </a:p>
           <a:p>
             <a:pPr lvl="1"/>
             <a:r>
-              <a:rPr lang="es-ES" smtClean="0"/>
+              <a:rPr lang="es-ES"/>
               <a:t>Segundo nivel</a:t>
             </a:r>
           </a:p>
           <a:p>
             <a:pPr lvl="2"/>
             <a:r>
-              <a:rPr lang="es-ES" smtClean="0"/>
+              <a:rPr lang="es-ES"/>
               <a:t>Tercer nivel</a:t>
             </a:r>
           </a:p>
           <a:p>
             <a:pPr lvl="3"/>
             <a:r>
-              <a:rPr lang="es-ES" smtClean="0"/>
+              <a:rPr lang="es-ES"/>
               <a:t>Cuarto nivel</a:t>
             </a:r>
           </a:p>
           <a:p>
             <a:pPr lvl="4"/>
             <a:r>
-              <a:rPr lang="es-ES" smtClean="0"/>
+              <a:rPr lang="es-ES"/>
               <a:t>Quinto nivel</a:t>
             </a:r>
             <a:endParaRPr lang="es-CL"/>
@@ -2846,35 +2846,35 @@
           <a:p>
             <a:pPr lvl="0"/>
             <a:r>
-              <a:rPr lang="es-ES" smtClean="0"/>
+              <a:rPr lang="es-ES"/>
               <a:t>Haga clic para modificar el estilo de texto del patrón</a:t>
             </a:r>
           </a:p>
           <a:p>
             <a:pPr lvl="1"/>
             <a:r>
-              <a:rPr lang="es-ES" smtClean="0"/>
+              <a:rPr lang="es-ES"/>
               <a:t>Segundo nivel</a:t>
             </a:r>
           </a:p>
           <a:p>
             <a:pPr lvl="2"/>
             <a:r>
-              <a:rPr lang="es-ES" smtClean="0"/>
+              <a:rPr lang="es-ES"/>
               <a:t>Tercer nivel</a:t>
             </a:r>
           </a:p>
           <a:p>
             <a:pPr lvl="3"/>
             <a:r>
-              <a:rPr lang="es-ES" smtClean="0"/>
+              <a:rPr lang="es-ES"/>
               <a:t>Cuarto nivel</a:t>
             </a:r>
           </a:p>
           <a:p>
             <a:pPr lvl="4"/>
             <a:r>
-              <a:rPr lang="es-ES" smtClean="0"/>
+              <a:rPr lang="es-ES"/>
               <a:t>Quinto nivel</a:t>
             </a:r>
             <a:endParaRPr lang="es-CL"/>
@@ -2934,7 +2934,7 @@
           </a:lstStyle>
           <a:p>
             <a:r>
-              <a:rPr lang="es-ES" smtClean="0"/>
+              <a:rPr lang="es-ES"/>
               <a:t>Haga clic para modificar el estilo de título del patrón</a:t>
             </a:r>
             <a:endParaRPr lang="es-CL"/>
@@ -3003,7 +3003,7 @@
           <a:p>
             <a:pPr lvl="0"/>
             <a:r>
-              <a:rPr lang="es-ES" smtClean="0"/>
+              <a:rPr lang="es-ES"/>
               <a:t>Haga clic para modificar el estilo de texto del patrón</a:t>
             </a:r>
           </a:p>
@@ -3062,35 +3062,35 @@
           <a:p>
             <a:pPr lvl="0"/>
             <a:r>
-              <a:rPr lang="es-ES" smtClean="0"/>
+              <a:rPr lang="es-ES"/>
               <a:t>Haga clic para modificar el estilo de texto del patrón</a:t>
             </a:r>
           </a:p>
           <a:p>
             <a:pPr lvl="1"/>
             <a:r>
-              <a:rPr lang="es-ES" smtClean="0"/>
+              <a:rPr lang="es-ES"/>
               <a:t>Segundo nivel</a:t>
             </a:r>
           </a:p>
           <a:p>
             <a:pPr lvl="2"/>
             <a:r>
-              <a:rPr lang="es-ES" smtClean="0"/>
+              <a:rPr lang="es-ES"/>
               <a:t>Tercer nivel</a:t>
             </a:r>
           </a:p>
           <a:p>
             <a:pPr lvl="3"/>
             <a:r>
-              <a:rPr lang="es-ES" smtClean="0"/>
+              <a:rPr lang="es-ES"/>
               <a:t>Cuarto nivel</a:t>
             </a:r>
           </a:p>
           <a:p>
             <a:pPr lvl="4"/>
             <a:r>
-              <a:rPr lang="es-ES" smtClean="0"/>
+              <a:rPr lang="es-ES"/>
               <a:t>Quinto nivel</a:t>
             </a:r>
             <a:endParaRPr lang="es-CL"/>
@@ -3159,7 +3159,7 @@
           <a:p>
             <a:pPr lvl="0"/>
             <a:r>
-              <a:rPr lang="es-ES" smtClean="0"/>
+              <a:rPr lang="es-ES"/>
               <a:t>Haga clic para modificar el estilo de texto del patrón</a:t>
             </a:r>
           </a:p>
@@ -3218,35 +3218,35 @@
           <a:p>
             <a:pPr lvl="0"/>
             <a:r>
-              <a:rPr lang="es-ES" smtClean="0"/>
+              <a:rPr lang="es-ES"/>
               <a:t>Haga clic para modificar el estilo de texto del patrón</a:t>
             </a:r>
           </a:p>
           <a:p>
             <a:pPr lvl="1"/>
             <a:r>
-              <a:rPr lang="es-ES" smtClean="0"/>
+              <a:rPr lang="es-ES"/>
               <a:t>Segundo nivel</a:t>
             </a:r>
           </a:p>
           <a:p>
             <a:pPr lvl="2"/>
             <a:r>
-              <a:rPr lang="es-ES" smtClean="0"/>
+              <a:rPr lang="es-ES"/>
               <a:t>Tercer nivel</a:t>
             </a:r>
           </a:p>
           <a:p>
             <a:pPr lvl="3"/>
             <a:r>
-              <a:rPr lang="es-ES" smtClean="0"/>
+              <a:rPr lang="es-ES"/>
               <a:t>Cuarto nivel</a:t>
             </a:r>
           </a:p>
           <a:p>
             <a:pPr lvl="4"/>
             <a:r>
-              <a:rPr lang="es-ES" smtClean="0"/>
+              <a:rPr lang="es-ES"/>
               <a:t>Quinto nivel</a:t>
             </a:r>
             <a:endParaRPr lang="es-CL"/>
@@ -3302,7 +3302,7 @@
           <a:lstStyle/>
           <a:p>
             <a:r>
-              <a:rPr lang="es-ES" smtClean="0"/>
+              <a:rPr lang="es-ES"/>
               <a:t>Haga clic para modificar el estilo de título del patrón</a:t>
             </a:r>
             <a:endParaRPr lang="es-CL"/>
@@ -3387,7 +3387,7 @@
           </a:lstStyle>
           <a:p>
             <a:r>
-              <a:rPr lang="es-ES" smtClean="0"/>
+              <a:rPr lang="es-ES"/>
               <a:t>Haga clic para modificar el estilo de título del patrón</a:t>
             </a:r>
             <a:endParaRPr lang="es-CL"/>
@@ -3447,35 +3447,35 @@
           <a:p>
             <a:pPr lvl="0"/>
             <a:r>
-              <a:rPr lang="es-ES" smtClean="0"/>
+              <a:rPr lang="es-ES"/>
               <a:t>Haga clic para modificar el estilo de texto del patrón</a:t>
             </a:r>
           </a:p>
           <a:p>
             <a:pPr lvl="1"/>
             <a:r>
-              <a:rPr lang="es-ES" smtClean="0"/>
+              <a:rPr lang="es-ES"/>
               <a:t>Segundo nivel</a:t>
             </a:r>
           </a:p>
           <a:p>
             <a:pPr lvl="2"/>
             <a:r>
-              <a:rPr lang="es-ES" smtClean="0"/>
+              <a:rPr lang="es-ES"/>
               <a:t>Tercer nivel</a:t>
             </a:r>
           </a:p>
           <a:p>
             <a:pPr lvl="3"/>
             <a:r>
-              <a:rPr lang="es-ES" smtClean="0"/>
+              <a:rPr lang="es-ES"/>
               <a:t>Cuarto nivel</a:t>
             </a:r>
           </a:p>
           <a:p>
             <a:pPr lvl="4"/>
             <a:r>
-              <a:rPr lang="es-ES" smtClean="0"/>
+              <a:rPr lang="es-ES"/>
               <a:t>Quinto nivel</a:t>
             </a:r>
             <a:endParaRPr lang="es-CL"/>
@@ -3544,7 +3544,7 @@
           <a:p>
             <a:pPr lvl="0"/>
             <a:r>
-              <a:rPr lang="es-ES" smtClean="0"/>
+              <a:rPr lang="es-ES"/>
               <a:t>Haga clic para modificar el estilo de texto del patrón</a:t>
             </a:r>
           </a:p>
@@ -3599,7 +3599,7 @@
           <a:lstStyle/>
           <a:p>
             <a:r>
-              <a:rPr lang="es-ES" smtClean="0"/>
+              <a:rPr lang="es-ES"/>
               <a:t>Haga clic para modificar el estilo de título del patrón</a:t>
             </a:r>
             <a:endParaRPr lang="es-CL"/>
@@ -3631,35 +3631,35 @@
           <a:p>
             <a:pPr lvl="0"/>
             <a:r>
-              <a:rPr lang="es-ES" smtClean="0"/>
+              <a:rPr lang="es-ES"/>
               <a:t>Haga clic para modificar el estilo de texto del patrón</a:t>
             </a:r>
           </a:p>
           <a:p>
             <a:pPr lvl="1"/>
             <a:r>
-              <a:rPr lang="es-ES" smtClean="0"/>
+              <a:rPr lang="es-ES"/>
               <a:t>Segundo nivel</a:t>
             </a:r>
           </a:p>
           <a:p>
             <a:pPr lvl="2"/>
             <a:r>
-              <a:rPr lang="es-ES" smtClean="0"/>
+              <a:rPr lang="es-ES"/>
               <a:t>Tercer nivel</a:t>
             </a:r>
           </a:p>
           <a:p>
             <a:pPr lvl="3"/>
             <a:r>
-              <a:rPr lang="es-ES" smtClean="0"/>
+              <a:rPr lang="es-ES"/>
               <a:t>Cuarto nivel</a:t>
             </a:r>
           </a:p>
           <a:p>
             <a:pPr lvl="4"/>
             <a:r>
-              <a:rPr lang="es-ES" smtClean="0"/>
+              <a:rPr lang="es-ES"/>
               <a:t>Quinto nivel</a:t>
             </a:r>
             <a:endParaRPr lang="es-CL"/>
@@ -3719,7 +3719,7 @@
           </a:lstStyle>
           <a:p>
             <a:r>
-              <a:rPr lang="es-ES" smtClean="0"/>
+              <a:rPr lang="es-ES"/>
               <a:t>Haga clic para modificar el estilo de título del patrón</a:t>
             </a:r>
             <a:endParaRPr lang="es-CL"/>
@@ -3787,7 +3787,7 @@
           </a:lstStyle>
           <a:p>
             <a:pPr lvl="0"/>
-            <a:endParaRPr lang="es-CL" noProof="0" smtClean="0"/>
+            <a:endParaRPr lang="es-CL" noProof="0"/>
           </a:p>
         </p:txBody>
       </p:sp>
@@ -3853,7 +3853,7 @@
           <a:p>
             <a:pPr lvl="0"/>
             <a:r>
-              <a:rPr lang="es-ES" smtClean="0"/>
+              <a:rPr lang="es-ES"/>
               <a:t>Haga clic para modificar el estilo de texto del patrón</a:t>
             </a:r>
           </a:p>
@@ -3908,7 +3908,7 @@
           <a:lstStyle/>
           <a:p>
             <a:r>
-              <a:rPr lang="es-ES" smtClean="0"/>
+              <a:rPr lang="es-ES"/>
               <a:t>Haga clic para modificar el estilo de título del patrón</a:t>
             </a:r>
             <a:endParaRPr lang="es-CL"/>
@@ -3940,35 +3940,35 @@
           <a:p>
             <a:pPr lvl="0"/>
             <a:r>
-              <a:rPr lang="es-ES" smtClean="0"/>
+              <a:rPr lang="es-ES"/>
               <a:t>Haga clic para modificar el estilo de texto del patrón</a:t>
             </a:r>
           </a:p>
           <a:p>
             <a:pPr lvl="1"/>
             <a:r>
-              <a:rPr lang="es-ES" smtClean="0"/>
+              <a:rPr lang="es-ES"/>
               <a:t>Segundo nivel</a:t>
             </a:r>
           </a:p>
           <a:p>
             <a:pPr lvl="2"/>
             <a:r>
-              <a:rPr lang="es-ES" smtClean="0"/>
+              <a:rPr lang="es-ES"/>
               <a:t>Tercer nivel</a:t>
             </a:r>
           </a:p>
           <a:p>
             <a:pPr lvl="3"/>
             <a:r>
-              <a:rPr lang="es-ES" smtClean="0"/>
+              <a:rPr lang="es-ES"/>
               <a:t>Cuarto nivel</a:t>
             </a:r>
           </a:p>
           <a:p>
             <a:pPr lvl="4"/>
             <a:r>
-              <a:rPr lang="es-ES" smtClean="0"/>
+              <a:rPr lang="es-ES"/>
               <a:t>Quinto nivel</a:t>
             </a:r>
             <a:endParaRPr lang="es-CL"/>
@@ -4024,7 +4024,7 @@
           <a:lstStyle/>
           <a:p>
             <a:r>
-              <a:rPr lang="es-ES" smtClean="0"/>
+              <a:rPr lang="es-ES"/>
               <a:t>Haga clic para modificar el estilo de título del patrón</a:t>
             </a:r>
             <a:endParaRPr lang="es-CL"/>
@@ -4056,35 +4056,35 @@
           <a:p>
             <a:pPr lvl="0"/>
             <a:r>
-              <a:rPr lang="es-ES" smtClean="0"/>
+              <a:rPr lang="es-ES"/>
               <a:t>Haga clic para modificar el estilo de texto del patrón</a:t>
             </a:r>
           </a:p>
           <a:p>
             <a:pPr lvl="1"/>
             <a:r>
-              <a:rPr lang="es-ES" smtClean="0"/>
+              <a:rPr lang="es-ES"/>
               <a:t>Segundo nivel</a:t>
             </a:r>
           </a:p>
           <a:p>
             <a:pPr lvl="2"/>
             <a:r>
-              <a:rPr lang="es-ES" smtClean="0"/>
+              <a:rPr lang="es-ES"/>
               <a:t>Tercer nivel</a:t>
             </a:r>
           </a:p>
           <a:p>
             <a:pPr lvl="3"/>
             <a:r>
-              <a:rPr lang="es-ES" smtClean="0"/>
+              <a:rPr lang="es-ES"/>
               <a:t>Cuarto nivel</a:t>
             </a:r>
           </a:p>
           <a:p>
             <a:pPr lvl="4"/>
             <a:r>
-              <a:rPr lang="es-ES" smtClean="0"/>
+              <a:rPr lang="es-ES"/>
               <a:t>Quinto nivel</a:t>
             </a:r>
             <a:endParaRPr lang="es-CL"/>
@@ -4144,7 +4144,7 @@
           </a:lstStyle>
           <a:p>
             <a:r>
-              <a:rPr lang="es-ES" smtClean="0"/>
+              <a:rPr lang="es-ES"/>
               <a:t>Haga clic para modificar el estilo de título del patrón</a:t>
             </a:r>
             <a:endParaRPr lang="es-CL"/>
@@ -4213,7 +4213,7 @@
           <a:p>
             <a:pPr lvl="0"/>
             <a:r>
-              <a:rPr lang="es-ES" smtClean="0"/>
+              <a:rPr lang="es-ES"/>
               <a:t>Haga clic para modificar el estilo de texto del patrón</a:t>
             </a:r>
           </a:p>
@@ -4268,7 +4268,7 @@
           <a:lstStyle/>
           <a:p>
             <a:r>
-              <a:rPr lang="es-ES" smtClean="0"/>
+              <a:rPr lang="es-ES"/>
               <a:t>Haga clic para modificar el estilo de título del patrón</a:t>
             </a:r>
             <a:endParaRPr lang="es-CL"/>
@@ -4328,35 +4328,35 @@
           <a:p>
             <a:pPr lvl="0"/>
             <a:r>
-              <a:rPr lang="es-ES" smtClean="0"/>
+              <a:rPr lang="es-ES"/>
               <a:t>Haga clic para modificar el estilo de texto del patrón</a:t>
             </a:r>
           </a:p>
           <a:p>
             <a:pPr lvl="1"/>
             <a:r>
-              <a:rPr lang="es-ES" smtClean="0"/>
+              <a:rPr lang="es-ES"/>
               <a:t>Segundo nivel</a:t>
             </a:r>
           </a:p>
           <a:p>
             <a:pPr lvl="2"/>
             <a:r>
-              <a:rPr lang="es-ES" smtClean="0"/>
+              <a:rPr lang="es-ES"/>
               <a:t>Tercer nivel</a:t>
             </a:r>
           </a:p>
           <a:p>
             <a:pPr lvl="3"/>
             <a:r>
-              <a:rPr lang="es-ES" smtClean="0"/>
+              <a:rPr lang="es-ES"/>
               <a:t>Cuarto nivel</a:t>
             </a:r>
           </a:p>
           <a:p>
             <a:pPr lvl="4"/>
             <a:r>
-              <a:rPr lang="es-ES" smtClean="0"/>
+              <a:rPr lang="es-ES"/>
               <a:t>Quinto nivel</a:t>
             </a:r>
             <a:endParaRPr lang="es-CL"/>
@@ -4416,35 +4416,35 @@
           <a:p>
             <a:pPr lvl="0"/>
             <a:r>
-              <a:rPr lang="es-ES" smtClean="0"/>
+              <a:rPr lang="es-ES"/>
               <a:t>Haga clic para modificar el estilo de texto del patrón</a:t>
             </a:r>
           </a:p>
           <a:p>
             <a:pPr lvl="1"/>
             <a:r>
-              <a:rPr lang="es-ES" smtClean="0"/>
+              <a:rPr lang="es-ES"/>
               <a:t>Segundo nivel</a:t>
             </a:r>
           </a:p>
           <a:p>
             <a:pPr lvl="2"/>
             <a:r>
-              <a:rPr lang="es-ES" smtClean="0"/>
+              <a:rPr lang="es-ES"/>
               <a:t>Tercer nivel</a:t>
             </a:r>
           </a:p>
           <a:p>
             <a:pPr lvl="3"/>
             <a:r>
-              <a:rPr lang="es-ES" smtClean="0"/>
+              <a:rPr lang="es-ES"/>
               <a:t>Cuarto nivel</a:t>
             </a:r>
           </a:p>
           <a:p>
             <a:pPr lvl="4"/>
             <a:r>
-              <a:rPr lang="es-ES" smtClean="0"/>
+              <a:rPr lang="es-ES"/>
               <a:t>Quinto nivel</a:t>
             </a:r>
             <a:endParaRPr lang="es-CL"/>
@@ -4504,7 +4504,7 @@
           </a:lstStyle>
           <a:p>
             <a:r>
-              <a:rPr lang="es-ES" smtClean="0"/>
+              <a:rPr lang="es-ES"/>
               <a:t>Haga clic para modificar el estilo de título del patrón</a:t>
             </a:r>
             <a:endParaRPr lang="es-CL"/>
@@ -4573,7 +4573,7 @@
           <a:p>
             <a:pPr lvl="0"/>
             <a:r>
-              <a:rPr lang="es-ES" smtClean="0"/>
+              <a:rPr lang="es-ES"/>
               <a:t>Haga clic para modificar el estilo de texto del patrón</a:t>
             </a:r>
           </a:p>
@@ -4632,35 +4632,35 @@
           <a:p>
             <a:pPr lvl="0"/>
             <a:r>
-              <a:rPr lang="es-ES" smtClean="0"/>
+              <a:rPr lang="es-ES"/>
               <a:t>Haga clic para modificar el estilo de texto del patrón</a:t>
             </a:r>
           </a:p>
           <a:p>
             <a:pPr lvl="1"/>
             <a:r>
-              <a:rPr lang="es-ES" smtClean="0"/>
+              <a:rPr lang="es-ES"/>
               <a:t>Segundo nivel</a:t>
             </a:r>
           </a:p>
           <a:p>
             <a:pPr lvl="2"/>
             <a:r>
-              <a:rPr lang="es-ES" smtClean="0"/>
+              <a:rPr lang="es-ES"/>
               <a:t>Tercer nivel</a:t>
             </a:r>
           </a:p>
           <a:p>
             <a:pPr lvl="3"/>
             <a:r>
-              <a:rPr lang="es-ES" smtClean="0"/>
+              <a:rPr lang="es-ES"/>
               <a:t>Cuarto nivel</a:t>
             </a:r>
           </a:p>
           <a:p>
             <a:pPr lvl="4"/>
             <a:r>
-              <a:rPr lang="es-ES" smtClean="0"/>
+              <a:rPr lang="es-ES"/>
               <a:t>Quinto nivel</a:t>
             </a:r>
             <a:endParaRPr lang="es-CL"/>
@@ -4729,7 +4729,7 @@
           <a:p>
             <a:pPr lvl="0"/>
             <a:r>
-              <a:rPr lang="es-ES" smtClean="0"/>
+              <a:rPr lang="es-ES"/>
               <a:t>Haga clic para modificar el estilo de texto del patrón</a:t>
             </a:r>
           </a:p>
@@ -4788,35 +4788,35 @@
           <a:p>
             <a:pPr lvl="0"/>
             <a:r>
-              <a:rPr lang="es-ES" smtClean="0"/>
+              <a:rPr lang="es-ES"/>
               <a:t>Haga clic para modificar el estilo de texto del patrón</a:t>
             </a:r>
           </a:p>
           <a:p>
             <a:pPr lvl="1"/>
             <a:r>
-              <a:rPr lang="es-ES" smtClean="0"/>
+              <a:rPr lang="es-ES"/>
               <a:t>Segundo nivel</a:t>
             </a:r>
           </a:p>
           <a:p>
             <a:pPr lvl="2"/>
             <a:r>
-              <a:rPr lang="es-ES" smtClean="0"/>
+              <a:rPr lang="es-ES"/>
               <a:t>Tercer nivel</a:t>
             </a:r>
           </a:p>
           <a:p>
             <a:pPr lvl="3"/>
             <a:r>
-              <a:rPr lang="es-ES" smtClean="0"/>
+              <a:rPr lang="es-ES"/>
               <a:t>Cuarto nivel</a:t>
             </a:r>
           </a:p>
           <a:p>
             <a:pPr lvl="4"/>
             <a:r>
-              <a:rPr lang="es-ES" smtClean="0"/>
+              <a:rPr lang="es-ES"/>
               <a:t>Quinto nivel</a:t>
             </a:r>
             <a:endParaRPr lang="es-CL"/>
@@ -4872,7 +4872,7 @@
           <a:lstStyle/>
           <a:p>
             <a:r>
-              <a:rPr lang="es-ES" smtClean="0"/>
+              <a:rPr lang="es-ES"/>
               <a:t>Haga clic para modificar el estilo de título del patrón</a:t>
             </a:r>
             <a:endParaRPr lang="es-CL"/>
@@ -4957,7 +4957,7 @@
           </a:lstStyle>
           <a:p>
             <a:r>
-              <a:rPr lang="es-ES" smtClean="0"/>
+              <a:rPr lang="es-ES"/>
               <a:t>Haga clic para modificar el estilo de título del patrón</a:t>
             </a:r>
             <a:endParaRPr lang="es-CL"/>
@@ -5017,35 +5017,35 @@
           <a:p>
             <a:pPr lvl="0"/>
             <a:r>
-              <a:rPr lang="es-ES" smtClean="0"/>
+              <a:rPr lang="es-ES"/>
               <a:t>Haga clic para modificar el estilo de texto del patrón</a:t>
             </a:r>
           </a:p>
           <a:p>
             <a:pPr lvl="1"/>
             <a:r>
-              <a:rPr lang="es-ES" smtClean="0"/>
+              <a:rPr lang="es-ES"/>
               <a:t>Segundo nivel</a:t>
             </a:r>
           </a:p>
           <a:p>
             <a:pPr lvl="2"/>
             <a:r>
-              <a:rPr lang="es-ES" smtClean="0"/>
+              <a:rPr lang="es-ES"/>
               <a:t>Tercer nivel</a:t>
             </a:r>
           </a:p>
           <a:p>
             <a:pPr lvl="3"/>
             <a:r>
-              <a:rPr lang="es-ES" smtClean="0"/>
+              <a:rPr lang="es-ES"/>
               <a:t>Cuarto nivel</a:t>
             </a:r>
           </a:p>
           <a:p>
             <a:pPr lvl="4"/>
             <a:r>
-              <a:rPr lang="es-ES" smtClean="0"/>
+              <a:rPr lang="es-ES"/>
               <a:t>Quinto nivel</a:t>
             </a:r>
             <a:endParaRPr lang="es-CL"/>
@@ -5114,7 +5114,7 @@
           <a:p>
             <a:pPr lvl="0"/>
             <a:r>
-              <a:rPr lang="es-ES" smtClean="0"/>
+              <a:rPr lang="es-ES"/>
               <a:t>Haga clic para modificar el estilo de texto del patrón</a:t>
             </a:r>
           </a:p>
@@ -5173,7 +5173,7 @@
           </a:lstStyle>
           <a:p>
             <a:r>
-              <a:rPr lang="es-ES" smtClean="0"/>
+              <a:rPr lang="es-ES"/>
               <a:t>Haga clic para modificar el estilo de título del patrón</a:t>
             </a:r>
             <a:endParaRPr lang="es-CL"/>
@@ -5241,7 +5241,7 @@
           </a:lstStyle>
           <a:p>
             <a:pPr lvl="0"/>
-            <a:endParaRPr lang="es-CL" noProof="0" smtClean="0"/>
+            <a:endParaRPr lang="es-CL" noProof="0"/>
           </a:p>
         </p:txBody>
       </p:sp>
@@ -5307,7 +5307,7 @@
           <a:p>
             <a:pPr lvl="0"/>
             <a:r>
-              <a:rPr lang="es-ES" smtClean="0"/>
+              <a:rPr lang="es-ES"/>
               <a:t>Haga clic para modificar el estilo de texto del patrón</a:t>
             </a:r>
           </a:p>
@@ -5362,13 +5362,6 @@
     <p:sldLayoutId id="2147483661" r:id="rId10"/>
     <p:sldLayoutId id="2147483662" r:id="rId11"/>
   </p:sldLayoutIdLst>
-  <p:timing>
-    <p:tnLst>
-      <p:par>
-        <p:cTn id="1" dur="indefinite" restart="never" nodeType="tmRoot"/>
-      </p:par>
-    </p:tnLst>
-  </p:timing>
   <p:txStyles>
     <p:titleStyle>
       <a:lvl1pPr algn="ctr" rtl="0" eaLnBrk="0" fontAlgn="base" hangingPunct="0">
@@ -6267,13 +6260,6 @@
     <p:sldLayoutId id="2147483672" r:id="rId10"/>
     <p:sldLayoutId id="2147483673" r:id="rId11"/>
   </p:sldLayoutIdLst>
-  <p:timing>
-    <p:tnLst>
-      <p:par>
-        <p:cTn id="1" dur="indefinite" restart="never" nodeType="tmRoot"/>
-      </p:par>
-    </p:tnLst>
-  </p:timing>
   <p:txStyles>
     <p:titleStyle>
       <a:lvl1pPr algn="ctr" rtl="0" eaLnBrk="0" fontAlgn="base" hangingPunct="0">
@@ -6704,7 +6690,7 @@
           <a:p>
             <a:pPr algn="ctr"/>
             <a:r>
-              <a:rPr lang="es-CL" sz="2400" dirty="0" smtClean="0">
+              <a:rPr lang="es-CL" sz="2400" dirty="0">
                 <a:solidFill>
                   <a:srgbClr val="FF0000"/>
                 </a:solidFill>
@@ -6713,7 +6699,7 @@
               <a:t>R</a:t>
             </a:r>
             <a:r>
-              <a:rPr lang="es-CL" sz="2400" dirty="0" smtClean="0">
+              <a:rPr lang="es-CL" sz="2400" dirty="0">
                 <a:solidFill>
                   <a:srgbClr val="3366FF"/>
                 </a:solidFill>
@@ -6722,7 +6708,7 @@
               <a:t>e</a:t>
             </a:r>
             <a:r>
-              <a:rPr lang="es-CL" sz="2400" dirty="0" smtClean="0">
+              <a:rPr lang="es-CL" sz="2400" dirty="0">
                 <a:solidFill>
                   <a:srgbClr val="FFFF00"/>
                 </a:solidFill>
@@ -6731,7 +6717,7 @@
               <a:t>c</a:t>
             </a:r>
             <a:r>
-              <a:rPr lang="es-CL" sz="2400" dirty="0" smtClean="0">
+              <a:rPr lang="es-CL" sz="2400" dirty="0">
                 <a:solidFill>
                   <a:srgbClr val="00FF00"/>
                 </a:solidFill>
@@ -6740,7 +6726,7 @@
               <a:t>o</a:t>
             </a:r>
             <a:r>
-              <a:rPr lang="es-CL" sz="2400" dirty="0" smtClean="0">
+              <a:rPr lang="es-CL" sz="2400" dirty="0">
                 <a:solidFill>
                   <a:schemeClr val="bg1"/>
                 </a:solidFill>
@@ -6749,7 +6735,7 @@
               <a:t>n</a:t>
             </a:r>
             <a:r>
-              <a:rPr lang="es-CL" sz="2400" dirty="0" smtClean="0">
+              <a:rPr lang="es-CL" sz="2400" dirty="0">
                 <a:solidFill>
                   <a:srgbClr val="FF6600"/>
                 </a:solidFill>
@@ -6758,7 +6744,7 @@
               <a:t>o</a:t>
             </a:r>
             <a:r>
-              <a:rPr lang="es-CL" sz="2400" dirty="0" smtClean="0">
+              <a:rPr lang="es-CL" sz="2400" dirty="0">
                 <a:solidFill>
                   <a:srgbClr val="FF0000"/>
                 </a:solidFill>
@@ -6767,7 +6753,7 @@
               <a:t>c</a:t>
             </a:r>
             <a:r>
-              <a:rPr lang="es-CL" sz="2400" dirty="0" smtClean="0">
+              <a:rPr lang="es-CL" sz="2400" dirty="0">
                 <a:solidFill>
                   <a:srgbClr val="3366FF"/>
                 </a:solidFill>
@@ -6776,7 +6762,7 @@
               <a:t>i</a:t>
             </a:r>
             <a:r>
-              <a:rPr lang="es-CL" sz="2400" dirty="0" smtClean="0">
+              <a:rPr lang="es-CL" sz="2400" dirty="0">
                 <a:solidFill>
                   <a:schemeClr val="bg1"/>
                 </a:solidFill>
@@ -6785,7 +6771,7 @@
               <a:t>m</a:t>
             </a:r>
             <a:r>
-              <a:rPr lang="es-CL" sz="2400" dirty="0" smtClean="0">
+              <a:rPr lang="es-CL" sz="2400" dirty="0">
                 <a:solidFill>
                   <a:srgbClr val="FFFF00"/>
                 </a:solidFill>
@@ -6794,7 +6780,7 @@
               <a:t>i</a:t>
             </a:r>
             <a:r>
-              <a:rPr lang="es-CL" sz="2400" dirty="0" smtClean="0">
+              <a:rPr lang="es-CL" sz="2400" dirty="0">
                 <a:solidFill>
                   <a:srgbClr val="00FF00"/>
                 </a:solidFill>
@@ -6803,7 +6789,7 @@
               <a:t>e</a:t>
             </a:r>
             <a:r>
-              <a:rPr lang="es-CL" sz="2400" dirty="0" smtClean="0">
+              <a:rPr lang="es-CL" sz="2400" dirty="0">
                 <a:solidFill>
                   <a:schemeClr val="bg1"/>
                 </a:solidFill>
@@ -6812,7 +6798,7 @@
               <a:t>n</a:t>
             </a:r>
             <a:r>
-              <a:rPr lang="es-CL" sz="2400" dirty="0" smtClean="0">
+              <a:rPr lang="es-CL" sz="2400" dirty="0">
                 <a:solidFill>
                   <a:srgbClr val="FF6600"/>
                 </a:solidFill>
@@ -6821,7 +6807,7 @@
               <a:t>t</a:t>
             </a:r>
             <a:r>
-              <a:rPr lang="es-CL" sz="2400" dirty="0" smtClean="0">
+              <a:rPr lang="es-CL" sz="2400" dirty="0">
                 <a:solidFill>
                   <a:srgbClr val="FF0000"/>
                 </a:solidFill>
@@ -6830,7 +6816,7 @@
               <a:t>o</a:t>
             </a:r>
             <a:r>
-              <a:rPr lang="es-CL" sz="2400" dirty="0" smtClean="0">
+              <a:rPr lang="es-CL" sz="2400" dirty="0">
                 <a:solidFill>
                   <a:srgbClr val="3333CC"/>
                 </a:solidFill>
@@ -6839,7 +6825,7 @@
               <a:t> </a:t>
             </a:r>
             <a:r>
-              <a:rPr lang="es-CL" sz="2400" dirty="0" smtClean="0">
+              <a:rPr lang="es-CL" sz="2400" dirty="0">
                 <a:solidFill>
                   <a:srgbClr val="3366FF"/>
                 </a:solidFill>
@@ -6848,7 +6834,7 @@
               <a:t>d</a:t>
             </a:r>
             <a:r>
-              <a:rPr lang="es-CL" sz="2400" dirty="0" smtClean="0">
+              <a:rPr lang="es-CL" sz="2400" dirty="0">
                 <a:solidFill>
                   <a:srgbClr val="FFFF00"/>
                 </a:solidFill>
@@ -6857,7 +6843,7 @@
               <a:t>e </a:t>
             </a:r>
             <a:r>
-              <a:rPr lang="es-CL" sz="2400" dirty="0" smtClean="0">
+              <a:rPr lang="es-CL" sz="2400" dirty="0">
                 <a:solidFill>
                   <a:srgbClr val="00FF00"/>
                 </a:solidFill>
@@ -6866,7 +6852,7 @@
               <a:t>P</a:t>
             </a:r>
             <a:r>
-              <a:rPr lang="es-CL" sz="2400" dirty="0" smtClean="0">
+              <a:rPr lang="es-CL" sz="2400" dirty="0">
                 <a:solidFill>
                   <a:schemeClr val="bg1"/>
                 </a:solidFill>
@@ -6875,7 +6861,7 @@
               <a:t>a</a:t>
             </a:r>
             <a:r>
-              <a:rPr lang="es-CL" sz="2400" dirty="0" smtClean="0">
+              <a:rPr lang="es-CL" sz="2400" dirty="0">
                 <a:solidFill>
                   <a:srgbClr val="FF6600"/>
                 </a:solidFill>
@@ -6884,7 +6870,7 @@
               <a:t>t</a:t>
             </a:r>
             <a:r>
-              <a:rPr lang="es-CL" sz="2400" dirty="0" smtClean="0">
+              <a:rPr lang="es-CL" sz="2400" dirty="0">
                 <a:solidFill>
                   <a:srgbClr val="FF0000"/>
                 </a:solidFill>
@@ -6893,7 +6879,7 @@
               <a:t>r</a:t>
             </a:r>
             <a:r>
-              <a:rPr lang="es-CL" sz="2400" dirty="0" smtClean="0">
+              <a:rPr lang="es-CL" sz="2400" dirty="0">
                 <a:solidFill>
                   <a:srgbClr val="3366FF"/>
                 </a:solidFill>
@@ -6902,7 +6888,7 @@
               <a:t>o</a:t>
             </a:r>
             <a:r>
-              <a:rPr lang="es-CL" sz="2400" dirty="0" smtClean="0">
+              <a:rPr lang="es-CL" sz="2400" dirty="0">
                 <a:solidFill>
                   <a:srgbClr val="FFFF00"/>
                 </a:solidFill>
@@ -6911,7 +6897,7 @@
               <a:t>n</a:t>
             </a:r>
             <a:r>
-              <a:rPr lang="es-CL" sz="2400" dirty="0" smtClean="0">
+              <a:rPr lang="es-CL" sz="2400" dirty="0">
                 <a:solidFill>
                   <a:srgbClr val="00FF00"/>
                 </a:solidFill>
@@ -6920,7 +6906,7 @@
               <a:t>e</a:t>
             </a:r>
             <a:r>
-              <a:rPr lang="es-CL" sz="2400" dirty="0" smtClean="0">
+              <a:rPr lang="es-CL" sz="2400" dirty="0">
                 <a:solidFill>
                   <a:schemeClr val="bg1"/>
                 </a:solidFill>
@@ -6928,7 +6914,7 @@
               </a:rPr>
               <a:t>s</a:t>
             </a:r>
-            <a:endParaRPr lang="es-CL" sz="2400" dirty="0" smtClean="0">
+            <a:endParaRPr lang="es-CL" sz="2400" dirty="0">
               <a:solidFill>
                 <a:srgbClr val="FF0000"/>
               </a:solidFill>
@@ -6938,7 +6924,7 @@
           <a:p>
             <a:pPr algn="ctr"/>
             <a:r>
-              <a:rPr lang="es-CL" sz="2400" dirty="0" smtClean="0">
+              <a:rPr lang="es-CL" sz="2400" dirty="0">
                 <a:solidFill>
                   <a:schemeClr val="bg2">
                     <a:lumMod val="60000"/>
@@ -6949,19 +6935,10 @@
               </a:rPr>
               <a:t> </a:t>
             </a:r>
+          </a:p>
+          <a:p>
+            <a:pPr algn="ctr"/>
             <a:endParaRPr lang="es-CL" sz="2400" dirty="0">
-              <a:solidFill>
-                <a:schemeClr val="bg2">
-                  <a:lumMod val="60000"/>
-                  <a:lumOff val="40000"/>
-                </a:schemeClr>
-              </a:solidFill>
-              <a:latin typeface="Trebuchet MS" pitchFamily="34" charset="0"/>
-            </a:endParaRPr>
-          </a:p>
-          <a:p>
-            <a:pPr algn="ctr"/>
-            <a:endParaRPr lang="es-CL" sz="2400" dirty="0" smtClean="0">
               <a:solidFill>
                 <a:srgbClr val="3333CC"/>
               </a:solidFill>
@@ -7032,7 +7009,7 @@
           <a:p>
             <a:pPr algn="ctr"/>
             <a:r>
-              <a:rPr lang="es-CL" sz="1200" dirty="0" smtClean="0">
+              <a:rPr lang="es-CL" sz="1200" dirty="0">
                 <a:solidFill>
                   <a:schemeClr val="bg1">
                     <a:lumMod val="75000"/>
@@ -7042,19 +7019,11 @@
               </a:rPr>
               <a:t>Departmento de Ciencia de la Computación</a:t>
             </a:r>
-            <a:endParaRPr lang="es-CL" sz="1200" dirty="0">
-              <a:solidFill>
-                <a:schemeClr val="bg1">
-                  <a:lumMod val="75000"/>
-                </a:schemeClr>
-              </a:solidFill>
-              <a:latin typeface="Trebuchet MS" pitchFamily="34" charset="0"/>
-            </a:endParaRPr>
           </a:p>
           <a:p>
             <a:pPr algn="ctr"/>
             <a:r>
-              <a:rPr lang="es-CL" sz="1200" dirty="0" smtClean="0">
+              <a:rPr lang="es-CL" sz="1200" dirty="0">
                 <a:solidFill>
                   <a:schemeClr val="bg1">
                     <a:lumMod val="75000"/>
@@ -7068,7 +7037,7 @@
           <a:p>
             <a:pPr algn="ctr"/>
             <a:r>
-              <a:rPr lang="es-CL" sz="1200" dirty="0" smtClean="0">
+              <a:rPr lang="es-CL" sz="1200" dirty="0">
                 <a:solidFill>
                   <a:schemeClr val="bg1">
                     <a:lumMod val="75000"/>
@@ -7078,14 +7047,6 @@
               </a:rPr>
               <a:t>Universidad Católica de Chile</a:t>
             </a:r>
-            <a:endParaRPr lang="es-CL" sz="1200" dirty="0">
-              <a:solidFill>
-                <a:schemeClr val="bg1">
-                  <a:lumMod val="75000"/>
-                </a:schemeClr>
-              </a:solidFill>
-              <a:latin typeface="Trebuchet MS" pitchFamily="34" charset="0"/>
-            </a:endParaRPr>
           </a:p>
           <a:p>
             <a:pPr algn="ctr"/>
@@ -7124,7 +7085,7 @@
           <a:p>
             <a:pPr algn="ctr"/>
             <a:r>
-              <a:rPr lang="es-CL" sz="2400" b="1" smtClean="0">
+              <a:rPr lang="es-CL" sz="2400" b="1">
                 <a:solidFill>
                   <a:srgbClr val="FFFFFF"/>
                 </a:solidFill>
@@ -8007,13 +7968,6 @@
   <p:clrMapOvr>
     <a:masterClrMapping/>
   </p:clrMapOvr>
-  <p:timing>
-    <p:tnLst>
-      <p:par>
-        <p:cTn id="1" dur="indefinite" restart="never" nodeType="tmRoot"/>
-      </p:par>
-    </p:tnLst>
-  </p:timing>
 </p:sld>
 </file>
 
@@ -8093,17 +8047,10 @@
                 </a:solidFill>
                 <a:latin typeface="Trebuchet MS" charset="0"/>
               </a:rPr>
-              <a:t>-	Asistencia:	 	</a:t>
-            </a:r>
-            <a:r>
-              <a:rPr lang="es-ES" b="1" dirty="0" smtClean="0">
-                <a:solidFill>
-                  <a:schemeClr val="accent2"/>
-                </a:solidFill>
-                <a:latin typeface="Trebuchet MS" charset="0"/>
-              </a:rPr>
-              <a:t>&gt; </a:t>
-            </a:r>
+              <a:t>-	Asistencia:	 	&gt; 75%</a:t>
+            </a:r>
+          </a:p>
+          <a:p>
             <a:r>
               <a:rPr lang="es-ES" b="1" dirty="0">
                 <a:solidFill>
@@ -8111,7 +8058,7 @@
                 </a:solidFill>
                 <a:latin typeface="Trebuchet MS" charset="0"/>
               </a:rPr>
-              <a:t>75%</a:t>
+              <a:t>-	Trabajo en Clases:	20%</a:t>
             </a:r>
           </a:p>
           <a:p>
@@ -8122,63 +8069,7 @@
                 </a:solidFill>
                 <a:latin typeface="Trebuchet MS" charset="0"/>
               </a:rPr>
-              <a:t>-	Trabajo en Clases:	</a:t>
-            </a:r>
-            <a:r>
-              <a:rPr lang="es-ES" b="1" dirty="0" smtClean="0">
-                <a:solidFill>
-                  <a:schemeClr val="accent2"/>
-                </a:solidFill>
-                <a:latin typeface="Trebuchet MS" charset="0"/>
-              </a:rPr>
-              <a:t>20</a:t>
-            </a:r>
-            <a:r>
-              <a:rPr lang="es-ES" b="1" dirty="0">
-                <a:solidFill>
-                  <a:schemeClr val="accent2"/>
-                </a:solidFill>
-                <a:latin typeface="Trebuchet MS" charset="0"/>
-              </a:rPr>
-              <a:t>%</a:t>
-            </a:r>
-          </a:p>
-          <a:p>
-            <a:r>
-              <a:rPr lang="es-ES" b="1" dirty="0">
-                <a:solidFill>
-                  <a:schemeClr val="accent2"/>
-                </a:solidFill>
-                <a:latin typeface="Trebuchet MS" charset="0"/>
-              </a:rPr>
-              <a:t>-</a:t>
-            </a:r>
-            <a:r>
-              <a:rPr lang="es-ES" b="1">
-                <a:solidFill>
-                  <a:schemeClr val="accent2"/>
-                </a:solidFill>
-                <a:latin typeface="Trebuchet MS" charset="0"/>
-              </a:rPr>
-              <a:t>	</a:t>
-            </a:r>
-            <a:r>
-              <a:rPr lang="es-ES" b="1" smtClean="0">
-                <a:solidFill>
-                  <a:schemeClr val="accent2"/>
-                </a:solidFill>
-                <a:latin typeface="Trebuchet MS" charset="0"/>
-              </a:rPr>
-              <a:t>5 </a:t>
-            </a:r>
-            <a:r>
-              <a:rPr lang="es-ES" b="1" dirty="0">
-                <a:solidFill>
-                  <a:schemeClr val="accent2"/>
-                </a:solidFill>
-                <a:latin typeface="Trebuchet MS" charset="0"/>
-              </a:rPr>
-              <a:t>tareas:		50% &gt; 4.0</a:t>
+              <a:t>-	4 tareas:		50% &gt; 4.0</a:t>
             </a:r>
           </a:p>
           <a:p>
@@ -8208,25 +8099,7 @@
                 </a:solidFill>
                 <a:latin typeface="Trebuchet MS" charset="0"/>
               </a:rPr>
-              <a:t>Para aprobar el curso se debe obtener más del 75% de asistencia </a:t>
-            </a:r>
-            <a:r>
-              <a:rPr lang="es-ES" b="1" dirty="0" smtClean="0">
-                <a:solidFill>
-                  <a:schemeClr val="accent2"/>
-                </a:solidFill>
-                <a:latin typeface="Trebuchet MS" charset="0"/>
-              </a:rPr>
-              <a:t>y tener </a:t>
-            </a:r>
-            <a:r>
-              <a:rPr lang="es-ES" b="1" dirty="0">
-                <a:solidFill>
-                  <a:schemeClr val="accent2"/>
-                </a:solidFill>
-                <a:latin typeface="Trebuchet MS" charset="0"/>
-              </a:rPr>
-              <a:t>promedio sobre 4.0 en las tareas y en el proyecto, de lo contrario la nota será el mínimo de ellas. </a:t>
+              <a:t>Para aprobar el curso se debe obtener más del 75% de asistencia y tener promedio sobre 4.0 en las tareas y en el proyecto, de lo contrario la nota será el mínimo de ellas. </a:t>
             </a:r>
           </a:p>
           <a:p>
@@ -8238,7 +8111,7 @@
             </a:endParaRPr>
           </a:p>
           <a:p>
-            <a:endParaRPr lang="es-ES" b="1" dirty="0" smtClean="0">
+            <a:endParaRPr lang="es-ES" b="1" dirty="0">
               <a:solidFill>
                 <a:schemeClr val="accent2"/>
               </a:solidFill>
@@ -8252,13 +8125,6 @@
   <p:clrMapOvr>
     <a:masterClrMapping/>
   </p:clrMapOvr>
-  <p:timing>
-    <p:tnLst>
-      <p:par>
-        <p:cTn id="1" dur="indefinite" restart="never" nodeType="tmRoot"/>
-      </p:par>
-    </p:tnLst>
-  </p:timing>
 </p:sld>
 </file>
 
@@ -8313,7 +8179,7 @@
           <a:lstStyle/>
           <a:p>
             <a:r>
-              <a:rPr lang="es-ES" sz="3200" b="1" dirty="0" smtClean="0">
+              <a:rPr lang="es-ES" sz="3200" b="1" dirty="0">
                 <a:solidFill>
                   <a:schemeClr val="accent2"/>
                 </a:solidFill>
@@ -8323,7 +8189,7 @@
             </a:r>
           </a:p>
           <a:p>
-            <a:endParaRPr lang="es-ES" sz="3200" b="1" dirty="0" smtClean="0">
+            <a:endParaRPr lang="es-ES" sz="3200" b="1" dirty="0">
               <a:solidFill>
                 <a:schemeClr val="accent2"/>
               </a:solidFill>
@@ -8332,7 +8198,7 @@
           </a:p>
           <a:p>
             <a:r>
-              <a:rPr lang="es-ES" sz="1600" b="1" dirty="0" err="1" smtClean="0">
+              <a:rPr lang="es-ES" sz="1600" b="1" dirty="0" err="1">
                 <a:solidFill>
                   <a:schemeClr val="accent2"/>
                 </a:solidFill>
@@ -8493,19 +8359,10 @@
                 </a:solidFill>
                 <a:latin typeface="Trebuchet MS" charset="0"/>
               </a:rPr>
-              <a:t>, New York, Oxford </a:t>
-            </a:r>
-            <a:r>
-              <a:rPr lang="es-ES" sz="1600" b="1" dirty="0" smtClean="0">
-                <a:solidFill>
-                  <a:schemeClr val="accent2"/>
-                </a:solidFill>
-                <a:latin typeface="Trebuchet MS" charset="0"/>
-              </a:rPr>
-              <a:t>		</a:t>
-            </a:r>
-            <a:r>
-              <a:rPr lang="es-ES" sz="1600" b="1" dirty="0" err="1" smtClean="0">
+              <a:t>, New York, Oxford 		</a:t>
+            </a:r>
+            <a:r>
+              <a:rPr lang="es-ES" sz="1600" b="1" dirty="0" err="1">
                 <a:solidFill>
                   <a:schemeClr val="accent2"/>
                 </a:solidFill>
@@ -8514,7 +8371,7 @@
               <a:t>University</a:t>
             </a:r>
             <a:r>
-              <a:rPr lang="es-ES" sz="1600" b="1" dirty="0" smtClean="0">
+              <a:rPr lang="es-ES" sz="1600" b="1" dirty="0">
                 <a:solidFill>
                   <a:schemeClr val="accent2"/>
                 </a:solidFill>
@@ -8603,28 +8460,596 @@
                 </a:solidFill>
                 <a:latin typeface="Trebuchet MS" charset="0"/>
               </a:rPr>
+              <a:t>, R. </a:t>
+            </a:r>
+            <a:r>
+              <a:rPr lang="es-ES" sz="1600" b="1" dirty="0" err="1">
+                <a:solidFill>
+                  <a:schemeClr val="accent2"/>
+                </a:solidFill>
+                <a:latin typeface="Trebuchet MS" charset="0"/>
+              </a:rPr>
+              <a:t>Shape</a:t>
+            </a:r>
+            <a:r>
+              <a:rPr lang="es-ES" sz="1600" b="1" dirty="0">
+                <a:solidFill>
+                  <a:schemeClr val="accent2"/>
+                </a:solidFill>
+                <a:latin typeface="Trebuchet MS" charset="0"/>
+              </a:rPr>
+              <a:t> </a:t>
+            </a:r>
+            <a:r>
+              <a:rPr lang="es-ES" sz="1600" b="1" dirty="0" err="1">
+                <a:solidFill>
+                  <a:schemeClr val="accent2"/>
+                </a:solidFill>
+                <a:latin typeface="Trebuchet MS" charset="0"/>
+              </a:rPr>
+              <a:t>Analysis</a:t>
+            </a:r>
+            <a:r>
+              <a:rPr lang="es-ES" sz="1600" b="1" dirty="0">
+                <a:solidFill>
+                  <a:schemeClr val="accent2"/>
+                </a:solidFill>
+                <a:latin typeface="Trebuchet MS" charset="0"/>
+              </a:rPr>
+              <a:t> and </a:t>
+            </a:r>
+            <a:r>
+              <a:rPr lang="es-ES" sz="1600" b="1" dirty="0" err="1">
+                <a:solidFill>
+                  <a:schemeClr val="accent2"/>
+                </a:solidFill>
+                <a:latin typeface="Trebuchet MS" charset="0"/>
+              </a:rPr>
+              <a:t>Classification</a:t>
+            </a:r>
+            <a:r>
+              <a:rPr lang="es-ES" sz="1600" b="1" dirty="0">
+                <a:solidFill>
+                  <a:schemeClr val="accent2"/>
+                </a:solidFill>
+                <a:latin typeface="Trebuchet MS" charset="0"/>
+              </a:rPr>
+              <a:t>, Boca </a:t>
+            </a:r>
+            <a:r>
+              <a:rPr lang="es-ES" sz="1600" b="1" dirty="0" err="1">
+                <a:solidFill>
+                  <a:schemeClr val="accent2"/>
+                </a:solidFill>
+                <a:latin typeface="Trebuchet MS" charset="0"/>
+              </a:rPr>
+              <a:t>Raton</a:t>
+            </a:r>
+            <a:r>
+              <a:rPr lang="es-ES" sz="1600" b="1" dirty="0">
+                <a:solidFill>
+                  <a:schemeClr val="accent2"/>
+                </a:solidFill>
+                <a:latin typeface="Trebuchet MS" charset="0"/>
+              </a:rPr>
+              <a:t>, CRC 		</a:t>
+            </a:r>
+            <a:r>
+              <a:rPr lang="es-ES" sz="1600" b="1" dirty="0" err="1">
+                <a:solidFill>
+                  <a:schemeClr val="accent2"/>
+                </a:solidFill>
+                <a:latin typeface="Trebuchet MS" charset="0"/>
+              </a:rPr>
+              <a:t>Press</a:t>
+            </a:r>
+            <a:r>
+              <a:rPr lang="es-ES" sz="1600" b="1" dirty="0">
+                <a:solidFill>
+                  <a:schemeClr val="accent2"/>
+                </a:solidFill>
+                <a:latin typeface="Trebuchet MS" charset="0"/>
+              </a:rPr>
+              <a:t>, 2001.</a:t>
+            </a:r>
+          </a:p>
+          <a:p>
+            <a:r>
+              <a:rPr lang="es-ES" sz="1600" b="1" dirty="0">
+                <a:solidFill>
+                  <a:schemeClr val="accent2"/>
+                </a:solidFill>
+                <a:latin typeface="Trebuchet MS" charset="0"/>
+              </a:rPr>
+              <a:t>Duda, R.; </a:t>
+            </a:r>
+            <a:r>
+              <a:rPr lang="es-ES" sz="1600" b="1" dirty="0" err="1">
+                <a:solidFill>
+                  <a:schemeClr val="accent2"/>
+                </a:solidFill>
+                <a:latin typeface="Trebuchet MS" charset="0"/>
+              </a:rPr>
+              <a:t>Hart</a:t>
+            </a:r>
+            <a:r>
+              <a:rPr lang="es-ES" sz="1600" b="1" dirty="0">
+                <a:solidFill>
+                  <a:schemeClr val="accent2"/>
+                </a:solidFill>
+                <a:latin typeface="Trebuchet MS" charset="0"/>
+              </a:rPr>
+              <a:t>, P.; </a:t>
+            </a:r>
+            <a:r>
+              <a:rPr lang="es-ES" sz="1600" b="1" dirty="0" err="1">
+                <a:solidFill>
+                  <a:schemeClr val="accent2"/>
+                </a:solidFill>
+                <a:latin typeface="Trebuchet MS" charset="0"/>
+              </a:rPr>
+              <a:t>Stork</a:t>
+            </a:r>
+            <a:r>
+              <a:rPr lang="es-ES" sz="1600" b="1" dirty="0">
+                <a:solidFill>
+                  <a:schemeClr val="accent2"/>
+                </a:solidFill>
+                <a:latin typeface="Trebuchet MS" charset="0"/>
+              </a:rPr>
+              <a:t>, D.	</a:t>
+            </a:r>
+            <a:r>
+              <a:rPr lang="es-ES" sz="1600" b="1" dirty="0" err="1">
+                <a:solidFill>
+                  <a:schemeClr val="accent2"/>
+                </a:solidFill>
+                <a:latin typeface="Trebuchet MS" charset="0"/>
+              </a:rPr>
+              <a:t>Pattern</a:t>
+            </a:r>
+            <a:r>
+              <a:rPr lang="es-ES" sz="1600" b="1" dirty="0">
+                <a:solidFill>
+                  <a:schemeClr val="accent2"/>
+                </a:solidFill>
+                <a:latin typeface="Trebuchet MS" charset="0"/>
+              </a:rPr>
+              <a:t> </a:t>
+            </a:r>
+            <a:r>
+              <a:rPr lang="es-ES" sz="1600" b="1" dirty="0" err="1">
+                <a:solidFill>
+                  <a:schemeClr val="accent2"/>
+                </a:solidFill>
+                <a:latin typeface="Trebuchet MS" charset="0"/>
+              </a:rPr>
+              <a:t>Classification</a:t>
+            </a:r>
+            <a:r>
+              <a:rPr lang="es-ES" sz="1600" b="1" dirty="0">
+                <a:solidFill>
+                  <a:schemeClr val="accent2"/>
+                </a:solidFill>
+                <a:latin typeface="Trebuchet MS" charset="0"/>
+              </a:rPr>
+              <a:t>, New York, John </a:t>
+            </a:r>
+            <a:r>
+              <a:rPr lang="es-ES" sz="1600" b="1" dirty="0" err="1">
+                <a:solidFill>
+                  <a:schemeClr val="accent2"/>
+                </a:solidFill>
+                <a:latin typeface="Trebuchet MS" charset="0"/>
+              </a:rPr>
+              <a:t>Wiley</a:t>
+            </a:r>
+            <a:r>
+              <a:rPr lang="es-ES" sz="1600" b="1" dirty="0">
+                <a:solidFill>
+                  <a:schemeClr val="accent2"/>
+                </a:solidFill>
+                <a:latin typeface="Trebuchet MS" charset="0"/>
+              </a:rPr>
+              <a:t> &amp; </a:t>
+            </a:r>
+            <a:r>
+              <a:rPr lang="es-ES" sz="1600" b="1" dirty="0" err="1">
+                <a:solidFill>
+                  <a:schemeClr val="accent2"/>
+                </a:solidFill>
+                <a:latin typeface="Trebuchet MS" charset="0"/>
+              </a:rPr>
+              <a:t>Sons</a:t>
+            </a:r>
+            <a:r>
+              <a:rPr lang="es-ES" sz="1600" b="1" dirty="0">
+                <a:solidFill>
+                  <a:schemeClr val="accent2"/>
+                </a:solidFill>
+                <a:latin typeface="Trebuchet MS" charset="0"/>
+              </a:rPr>
+              <a:t>, 		Inc., 2001.</a:t>
+            </a:r>
+          </a:p>
+          <a:p>
+            <a:r>
+              <a:rPr lang="es-ES" sz="1600" b="1" dirty="0" err="1">
+                <a:solidFill>
+                  <a:schemeClr val="accent2"/>
+                </a:solidFill>
+                <a:latin typeface="Trebuchet MS" charset="0"/>
+              </a:rPr>
+              <a:t>Hastie</a:t>
+            </a:r>
+            <a:r>
+              <a:rPr lang="es-ES" sz="1600" b="1" dirty="0">
+                <a:solidFill>
+                  <a:schemeClr val="accent2"/>
+                </a:solidFill>
+                <a:latin typeface="Trebuchet MS" charset="0"/>
+              </a:rPr>
+              <a:t>, T.; </a:t>
+            </a:r>
+            <a:r>
+              <a:rPr lang="es-ES" sz="1600" b="1" dirty="0" err="1">
+                <a:solidFill>
+                  <a:schemeClr val="accent2"/>
+                </a:solidFill>
+                <a:latin typeface="Trebuchet MS" charset="0"/>
+              </a:rPr>
+              <a:t>Tibshirani</a:t>
+            </a:r>
+            <a:r>
+              <a:rPr lang="es-ES" sz="1600" b="1" dirty="0">
+                <a:solidFill>
+                  <a:schemeClr val="accent2"/>
+                </a:solidFill>
+                <a:latin typeface="Trebuchet MS" charset="0"/>
+              </a:rPr>
+              <a:t>, R,; Friedman, J.: </a:t>
+            </a:r>
+            <a:r>
+              <a:rPr lang="es-ES" sz="1600" b="1" dirty="0" err="1">
+                <a:solidFill>
+                  <a:schemeClr val="accent2"/>
+                </a:solidFill>
+                <a:latin typeface="Trebuchet MS" charset="0"/>
+              </a:rPr>
+              <a:t>The</a:t>
+            </a:r>
+            <a:r>
+              <a:rPr lang="es-ES" sz="1600" b="1" dirty="0">
+                <a:solidFill>
+                  <a:schemeClr val="accent2"/>
+                </a:solidFill>
+                <a:latin typeface="Trebuchet MS" charset="0"/>
+              </a:rPr>
+              <a:t> </a:t>
+            </a:r>
+            <a:r>
+              <a:rPr lang="es-ES" sz="1600" b="1" dirty="0" err="1">
+                <a:solidFill>
+                  <a:schemeClr val="accent2"/>
+                </a:solidFill>
+                <a:latin typeface="Trebuchet MS" charset="0"/>
+              </a:rPr>
+              <a:t>Elements</a:t>
+            </a:r>
+            <a:r>
+              <a:rPr lang="es-ES" sz="1600" b="1" dirty="0">
+                <a:solidFill>
+                  <a:schemeClr val="accent2"/>
+                </a:solidFill>
+                <a:latin typeface="Trebuchet MS" charset="0"/>
+              </a:rPr>
+              <a:t> of </a:t>
+            </a:r>
+            <a:r>
+              <a:rPr lang="es-ES" sz="1600" b="1" dirty="0" err="1">
+                <a:solidFill>
+                  <a:schemeClr val="accent2"/>
+                </a:solidFill>
+                <a:latin typeface="Trebuchet MS" charset="0"/>
+              </a:rPr>
+              <a:t>Statistical</a:t>
+            </a:r>
+            <a:r>
+              <a:rPr lang="es-ES" sz="1600" b="1" dirty="0">
+                <a:solidFill>
+                  <a:schemeClr val="accent2"/>
+                </a:solidFill>
+                <a:latin typeface="Trebuchet MS" charset="0"/>
+              </a:rPr>
+              <a:t> </a:t>
+            </a:r>
+            <a:r>
+              <a:rPr lang="es-ES" sz="1600" b="1" dirty="0" err="1">
+                <a:solidFill>
+                  <a:schemeClr val="accent2"/>
+                </a:solidFill>
+                <a:latin typeface="Trebuchet MS" charset="0"/>
+              </a:rPr>
+              <a:t>Learning</a:t>
+            </a:r>
+            <a:r>
+              <a:rPr lang="es-ES" sz="1600" b="1" dirty="0">
+                <a:solidFill>
+                  <a:schemeClr val="accent2"/>
+                </a:solidFill>
+                <a:latin typeface="Trebuchet MS" charset="0"/>
+              </a:rPr>
+              <a:t>, 		</a:t>
+            </a:r>
+            <a:r>
+              <a:rPr lang="es-ES" sz="1600" b="1" dirty="0" err="1">
+                <a:solidFill>
+                  <a:schemeClr val="accent2"/>
+                </a:solidFill>
+                <a:latin typeface="Trebuchet MS" charset="0"/>
+              </a:rPr>
+              <a:t>Springer</a:t>
+            </a:r>
+            <a:r>
+              <a:rPr lang="es-ES" sz="1600" b="1" dirty="0">
+                <a:solidFill>
+                  <a:schemeClr val="accent2"/>
+                </a:solidFill>
+                <a:latin typeface="Trebuchet MS" charset="0"/>
+              </a:rPr>
+              <a:t>, 2001.</a:t>
+            </a:r>
+          </a:p>
+          <a:p>
+            <a:r>
+              <a:rPr lang="es-ES" sz="1600" b="1" dirty="0" err="1">
+                <a:solidFill>
+                  <a:schemeClr val="accent2"/>
+                </a:solidFill>
+                <a:latin typeface="Trebuchet MS" charset="0"/>
+              </a:rPr>
+              <a:t>Marsland</a:t>
+            </a:r>
+            <a:r>
+              <a:rPr lang="es-ES" sz="1600" b="1" dirty="0">
+                <a:solidFill>
+                  <a:schemeClr val="accent2"/>
+                </a:solidFill>
+                <a:latin typeface="Trebuchet MS" charset="0"/>
+              </a:rPr>
+              <a:t>, S.	Machine </a:t>
+            </a:r>
+            <a:r>
+              <a:rPr lang="es-ES" sz="1600" b="1" dirty="0" err="1">
+                <a:solidFill>
+                  <a:schemeClr val="accent2"/>
+                </a:solidFill>
+                <a:latin typeface="Trebuchet MS" charset="0"/>
+              </a:rPr>
+              <a:t>Learning</a:t>
+            </a:r>
+            <a:r>
+              <a:rPr lang="es-ES" sz="1600" b="1" dirty="0">
+                <a:solidFill>
+                  <a:schemeClr val="accent2"/>
+                </a:solidFill>
+                <a:latin typeface="Trebuchet MS" charset="0"/>
+              </a:rPr>
+              <a:t>: </a:t>
+            </a:r>
+            <a:r>
+              <a:rPr lang="es-ES" sz="1600" b="1" dirty="0" err="1">
+                <a:solidFill>
+                  <a:schemeClr val="accent2"/>
+                </a:solidFill>
+                <a:latin typeface="Trebuchet MS" charset="0"/>
+              </a:rPr>
+              <a:t>An</a:t>
+            </a:r>
+            <a:r>
+              <a:rPr lang="es-ES" sz="1600" b="1" dirty="0">
+                <a:solidFill>
+                  <a:schemeClr val="accent2"/>
+                </a:solidFill>
+                <a:latin typeface="Trebuchet MS" charset="0"/>
+              </a:rPr>
+              <a:t> </a:t>
+            </a:r>
+            <a:r>
+              <a:rPr lang="es-ES" sz="1600" b="1" dirty="0" err="1">
+                <a:solidFill>
+                  <a:schemeClr val="accent2"/>
+                </a:solidFill>
+                <a:latin typeface="Trebuchet MS" charset="0"/>
+              </a:rPr>
+              <a:t>algorithmic</a:t>
+            </a:r>
+            <a:r>
+              <a:rPr lang="es-ES" sz="1600" b="1" dirty="0">
+                <a:solidFill>
+                  <a:schemeClr val="accent2"/>
+                </a:solidFill>
+                <a:latin typeface="Trebuchet MS" charset="0"/>
+              </a:rPr>
+              <a:t> </a:t>
+            </a:r>
+            <a:r>
+              <a:rPr lang="es-ES" sz="1600" b="1" dirty="0" err="1">
+                <a:solidFill>
+                  <a:schemeClr val="accent2"/>
+                </a:solidFill>
+                <a:latin typeface="Trebuchet MS" charset="0"/>
+              </a:rPr>
+              <a:t>Perspective</a:t>
+            </a:r>
+            <a:r>
+              <a:rPr lang="es-ES" sz="1600" b="1" dirty="0">
+                <a:solidFill>
+                  <a:schemeClr val="accent2"/>
+                </a:solidFill>
+                <a:latin typeface="Trebuchet MS" charset="0"/>
+              </a:rPr>
+              <a:t>, CRC </a:t>
+            </a:r>
+            <a:r>
+              <a:rPr lang="es-ES" sz="1600" b="1" dirty="0" err="1">
+                <a:solidFill>
+                  <a:schemeClr val="accent2"/>
+                </a:solidFill>
+                <a:latin typeface="Trebuchet MS" charset="0"/>
+              </a:rPr>
+              <a:t>Press</a:t>
+            </a:r>
+            <a:r>
+              <a:rPr lang="es-ES" sz="1600" b="1" dirty="0">
+                <a:solidFill>
+                  <a:schemeClr val="accent2"/>
+                </a:solidFill>
+                <a:latin typeface="Trebuchet MS" charset="0"/>
+              </a:rPr>
+              <a:t>, 2009.</a:t>
+            </a:r>
+          </a:p>
+          <a:p>
+            <a:r>
+              <a:rPr lang="es-ES" sz="1600" b="1" dirty="0">
+                <a:solidFill>
+                  <a:schemeClr val="accent2"/>
+                </a:solidFill>
+                <a:latin typeface="Trebuchet MS" charset="0"/>
+              </a:rPr>
+              <a:t>Mery, D.		</a:t>
+            </a:r>
+            <a:r>
+              <a:rPr lang="es-ES" sz="1600" b="1" dirty="0" err="1">
+                <a:solidFill>
+                  <a:schemeClr val="accent2"/>
+                </a:solidFill>
+                <a:latin typeface="Trebuchet MS" charset="0"/>
+              </a:rPr>
+              <a:t>Computer</a:t>
+            </a:r>
+            <a:r>
+              <a:rPr lang="es-ES" sz="1600" b="1" dirty="0">
+                <a:solidFill>
+                  <a:schemeClr val="accent2"/>
+                </a:solidFill>
+                <a:latin typeface="Trebuchet MS" charset="0"/>
+              </a:rPr>
+              <a:t> </a:t>
+            </a:r>
+            <a:r>
+              <a:rPr lang="es-ES" sz="1600" b="1" dirty="0" err="1">
+                <a:solidFill>
+                  <a:schemeClr val="accent2"/>
+                </a:solidFill>
+                <a:latin typeface="Trebuchet MS" charset="0"/>
+              </a:rPr>
+              <a:t>Vision</a:t>
+            </a:r>
+            <a:r>
+              <a:rPr lang="es-ES" sz="1600" b="1" dirty="0">
+                <a:solidFill>
+                  <a:schemeClr val="accent2"/>
+                </a:solidFill>
+                <a:latin typeface="Trebuchet MS" charset="0"/>
+              </a:rPr>
+              <a:t> </a:t>
+            </a:r>
+            <a:r>
+              <a:rPr lang="es-ES" sz="1600" b="1" dirty="0" err="1">
+                <a:solidFill>
+                  <a:schemeClr val="accent2"/>
+                </a:solidFill>
+                <a:latin typeface="Trebuchet MS" charset="0"/>
+              </a:rPr>
+              <a:t>for</a:t>
+            </a:r>
+            <a:r>
+              <a:rPr lang="es-ES" sz="1600" b="1" dirty="0">
+                <a:solidFill>
+                  <a:schemeClr val="accent2"/>
+                </a:solidFill>
+                <a:latin typeface="Trebuchet MS" charset="0"/>
+              </a:rPr>
+              <a:t> X-</a:t>
+            </a:r>
+            <a:r>
+              <a:rPr lang="es-ES" sz="1600" b="1" dirty="0" err="1">
+                <a:solidFill>
+                  <a:schemeClr val="accent2"/>
+                </a:solidFill>
+                <a:latin typeface="Trebuchet MS" charset="0"/>
+              </a:rPr>
+              <a:t>ray</a:t>
+            </a:r>
+            <a:r>
+              <a:rPr lang="es-ES" sz="1600" b="1" dirty="0">
+                <a:solidFill>
+                  <a:schemeClr val="accent2"/>
+                </a:solidFill>
+                <a:latin typeface="Trebuchet MS" charset="0"/>
+              </a:rPr>
+              <a:t> </a:t>
+            </a:r>
+            <a:r>
+              <a:rPr lang="es-ES" sz="1600" b="1" dirty="0" err="1">
+                <a:solidFill>
+                  <a:schemeClr val="accent2"/>
+                </a:solidFill>
+                <a:latin typeface="Trebuchet MS" charset="0"/>
+              </a:rPr>
+              <a:t>Testing</a:t>
+            </a:r>
+            <a:r>
+              <a:rPr lang="es-ES" sz="1600" b="1" dirty="0">
+                <a:solidFill>
+                  <a:schemeClr val="accent2"/>
+                </a:solidFill>
+                <a:latin typeface="Trebuchet MS" charset="0"/>
+              </a:rPr>
               <a:t>, </a:t>
             </a:r>
             <a:r>
-              <a:rPr lang="es-ES" sz="1600" b="1" dirty="0" smtClean="0">
-                <a:solidFill>
-                  <a:schemeClr val="accent2"/>
-                </a:solidFill>
-                <a:latin typeface="Trebuchet MS" charset="0"/>
-              </a:rPr>
-              <a:t>R. </a:t>
-            </a:r>
-            <a:r>
-              <a:rPr lang="es-ES" sz="1600" b="1" dirty="0" err="1" smtClean="0">
-                <a:solidFill>
-                  <a:schemeClr val="accent2"/>
-                </a:solidFill>
-                <a:latin typeface="Trebuchet MS" charset="0"/>
-              </a:rPr>
-              <a:t>Shape</a:t>
-            </a:r>
-            <a:r>
-              <a:rPr lang="es-ES" sz="1600" b="1" dirty="0" smtClean="0">
+              <a:rPr lang="es-ES" sz="1600" b="1" dirty="0" err="1">
+                <a:solidFill>
+                  <a:schemeClr val="accent2"/>
+                </a:solidFill>
+                <a:latin typeface="Trebuchet MS" charset="0"/>
+              </a:rPr>
+              <a:t>Springer</a:t>
+            </a:r>
+            <a:r>
+              <a:rPr lang="es-ES" sz="1600" b="1" dirty="0">
+                <a:solidFill>
+                  <a:schemeClr val="accent2"/>
+                </a:solidFill>
+                <a:latin typeface="Trebuchet MS" charset="0"/>
+              </a:rPr>
+              <a:t>, 2015</a:t>
+            </a:r>
+          </a:p>
+          <a:p>
+            <a:r>
+              <a:rPr lang="es-ES" sz="1600" b="1" dirty="0">
+                <a:solidFill>
+                  <a:schemeClr val="accent2"/>
+                </a:solidFill>
+                <a:latin typeface="Trebuchet MS" charset="0"/>
+              </a:rPr>
+              <a:t>Nixon, M.; Aguado, A. </a:t>
+            </a:r>
+            <a:r>
+              <a:rPr lang="es-ES" sz="1600" b="1" dirty="0" err="1">
+                <a:solidFill>
+                  <a:schemeClr val="accent2"/>
+                </a:solidFill>
+                <a:latin typeface="Trebuchet MS" charset="0"/>
+              </a:rPr>
+              <a:t>Feature</a:t>
+            </a:r>
+            <a:r>
+              <a:rPr lang="es-ES" sz="1600" b="1" dirty="0">
                 <a:solidFill>
                   <a:schemeClr val="accent2"/>
                 </a:solidFill>
@@ -8639,7 +9064,7 @@
                 </a:solidFill>
                 <a:latin typeface="Trebuchet MS" charset="0"/>
               </a:rPr>
-              <a:t>Analysis</a:t>
+              <a:t>Extraction</a:t>
             </a:r>
             <a:r>
               <a:rPr lang="es-ES" sz="1600" b="1" dirty="0">
@@ -8648,7 +9073,7 @@
                 </a:solidFill>
                 <a:latin typeface="Trebuchet MS" charset="0"/>
               </a:rPr>
-              <a:t> and </a:t>
+              <a:t> &amp; </a:t>
             </a:r>
             <a:r>
               <a:rPr lang="es-ES" sz="1600" b="1" dirty="0" err="1">
@@ -8657,7 +9082,7 @@
                 </a:solidFill>
                 <a:latin typeface="Trebuchet MS" charset="0"/>
               </a:rPr>
-              <a:t>Classification</a:t>
+              <a:t>Image</a:t>
             </a:r>
             <a:r>
               <a:rPr lang="es-ES" sz="1600" b="1" dirty="0">
@@ -8666,7 +9091,7 @@
                 </a:solidFill>
                 <a:latin typeface="Trebuchet MS" charset="0"/>
               </a:rPr>
-              <a:t>, Boca </a:t>
+              <a:t> </a:t>
             </a:r>
             <a:r>
               <a:rPr lang="es-ES" sz="1600" b="1" dirty="0" err="1">
@@ -8675,7 +9100,7 @@
                 </a:solidFill>
                 <a:latin typeface="Trebuchet MS" charset="0"/>
               </a:rPr>
-              <a:t>Raton</a:t>
+              <a:t>Processing</a:t>
             </a:r>
             <a:r>
               <a:rPr lang="es-ES" sz="1600" b="1" dirty="0">
@@ -8684,25 +9109,16 @@
                 </a:solidFill>
                 <a:latin typeface="Trebuchet MS" charset="0"/>
               </a:rPr>
-              <a:t>, CRC </a:t>
-            </a:r>
-            <a:r>
-              <a:rPr lang="es-ES" sz="1600" b="1" dirty="0" smtClean="0">
-                <a:solidFill>
-                  <a:schemeClr val="accent2"/>
-                </a:solidFill>
-                <a:latin typeface="Trebuchet MS" charset="0"/>
-              </a:rPr>
-              <a:t>		</a:t>
-            </a:r>
-            <a:r>
-              <a:rPr lang="es-ES" sz="1600" b="1" dirty="0" err="1" smtClean="0">
-                <a:solidFill>
-                  <a:schemeClr val="accent2"/>
-                </a:solidFill>
-                <a:latin typeface="Trebuchet MS" charset="0"/>
-              </a:rPr>
-              <a:t>Press</a:t>
+              <a:t>, </a:t>
+            </a:r>
+            <a:r>
+              <a:rPr lang="es-ES" sz="1600" b="1" dirty="0" err="1">
+                <a:solidFill>
+                  <a:schemeClr val="accent2"/>
+                </a:solidFill>
+                <a:latin typeface="Trebuchet MS" charset="0"/>
+              </a:rPr>
+              <a:t>Amsterdam</a:t>
             </a:r>
             <a:r>
               <a:rPr lang="es-ES" sz="1600" b="1" dirty="0">
@@ -8711,10 +9127,17 @@
                 </a:solidFill>
                 <a:latin typeface="Trebuchet MS" charset="0"/>
               </a:rPr>
-              <a:t>, 2001.</a:t>
-            </a:r>
-          </a:p>
-          <a:p>
+              <a:t>, </a:t>
+            </a:r>
+            <a:r>
+              <a:rPr lang="es-ES" sz="1600" b="1" dirty="0" err="1">
+                <a:solidFill>
+                  <a:schemeClr val="accent2"/>
+                </a:solidFill>
+                <a:latin typeface="Trebuchet MS" charset="0"/>
+              </a:rPr>
+              <a:t>Elsevier</a:t>
+            </a:r>
             <a:r>
               <a:rPr lang="es-ES" sz="1600" b="1" dirty="0">
                 <a:solidFill>
@@ -8722,8 +9145,10 @@
                 </a:solidFill>
                 <a:latin typeface="Trebuchet MS" charset="0"/>
               </a:rPr>
-              <a:t>Duda, R.; </a:t>
-            </a:r>
+              <a:t>, 		2004.</a:t>
+            </a:r>
+          </a:p>
+          <a:p>
             <a:r>
               <a:rPr lang="es-ES" sz="1600" b="1" dirty="0" err="1">
                 <a:solidFill>
@@ -8731,7 +9156,7 @@
                 </a:solidFill>
                 <a:latin typeface="Trebuchet MS" charset="0"/>
               </a:rPr>
-              <a:t>Hart</a:t>
+              <a:t>Webb</a:t>
             </a:r>
             <a:r>
               <a:rPr lang="es-ES" sz="1600" b="1" dirty="0">
@@ -8740,7 +9165,7 @@
                 </a:solidFill>
                 <a:latin typeface="Trebuchet MS" charset="0"/>
               </a:rPr>
-              <a:t>, P.; </a:t>
+              <a:t>, A.		</a:t>
             </a:r>
             <a:r>
               <a:rPr lang="es-ES" sz="1600" b="1" dirty="0" err="1">
@@ -8749,7 +9174,7 @@
                 </a:solidFill>
                 <a:latin typeface="Trebuchet MS" charset="0"/>
               </a:rPr>
-              <a:t>Stork</a:t>
+              <a:t>Statistical</a:t>
             </a:r>
             <a:r>
               <a:rPr lang="es-ES" sz="1600" b="1" dirty="0">
@@ -8758,7 +9183,7 @@
                 </a:solidFill>
                 <a:latin typeface="Trebuchet MS" charset="0"/>
               </a:rPr>
-              <a:t>, D.	</a:t>
+              <a:t> </a:t>
             </a:r>
             <a:r>
               <a:rPr lang="es-ES" sz="1600" b="1" dirty="0" err="1">
@@ -8785,7 +9210,7 @@
                 </a:solidFill>
                 <a:latin typeface="Trebuchet MS" charset="0"/>
               </a:rPr>
-              <a:t>Classification</a:t>
+              <a:t>Recognition</a:t>
             </a:r>
             <a:r>
               <a:rPr lang="es-ES" sz="1600" b="1" dirty="0">
@@ -8794,7 +9219,7 @@
                 </a:solidFill>
                 <a:latin typeface="Trebuchet MS" charset="0"/>
               </a:rPr>
-              <a:t>, New York, John </a:t>
+              <a:t>, </a:t>
             </a:r>
             <a:r>
               <a:rPr lang="es-ES" sz="1600" b="1" dirty="0" err="1">
@@ -8812,7 +9237,7 @@
                 </a:solidFill>
                 <a:latin typeface="Trebuchet MS" charset="0"/>
               </a:rPr>
-              <a:t> &amp; </a:t>
+              <a:t>, </a:t>
             </a:r>
             <a:r>
               <a:rPr lang="es-ES" sz="1600" b="1" dirty="0" err="1">
@@ -8821,7 +9246,7 @@
                 </a:solidFill>
                 <a:latin typeface="Trebuchet MS" charset="0"/>
               </a:rPr>
-              <a:t>Sons</a:t>
+              <a:t>Second</a:t>
             </a:r>
             <a:r>
               <a:rPr lang="es-ES" sz="1600" b="1" dirty="0">
@@ -8830,16 +9255,144 @@
                 </a:solidFill>
                 <a:latin typeface="Trebuchet MS" charset="0"/>
               </a:rPr>
+              <a:t> </a:t>
+            </a:r>
+            <a:r>
+              <a:rPr lang="es-ES" sz="1600" b="1" dirty="0" err="1">
+                <a:solidFill>
+                  <a:schemeClr val="accent2"/>
+                </a:solidFill>
+                <a:latin typeface="Trebuchet MS" charset="0"/>
+              </a:rPr>
+              <a:t>Edition</a:t>
+            </a:r>
+            <a:r>
+              <a:rPr lang="es-ES" sz="1600" b="1" dirty="0">
+                <a:solidFill>
+                  <a:schemeClr val="accent2"/>
+                </a:solidFill>
+                <a:latin typeface="Trebuchet MS" charset="0"/>
+              </a:rPr>
+              <a:t>, 2002.</a:t>
+            </a:r>
+          </a:p>
+          <a:p>
+            <a:r>
+              <a:rPr lang="es-ES" sz="1600" b="1" dirty="0" err="1">
+                <a:solidFill>
+                  <a:schemeClr val="accent2"/>
+                </a:solidFill>
+                <a:latin typeface="Trebuchet MS" charset="0"/>
+              </a:rPr>
+              <a:t>Witten</a:t>
+            </a:r>
+            <a:r>
+              <a:rPr lang="es-ES" sz="1600" b="1" dirty="0">
+                <a:solidFill>
+                  <a:schemeClr val="accent2"/>
+                </a:solidFill>
+                <a:latin typeface="Trebuchet MS" charset="0"/>
+              </a:rPr>
+              <a:t>, I.H; Frank, E. Data </a:t>
+            </a:r>
+            <a:r>
+              <a:rPr lang="es-ES" sz="1600" b="1" dirty="0" err="1">
+                <a:solidFill>
+                  <a:schemeClr val="accent2"/>
+                </a:solidFill>
+                <a:latin typeface="Trebuchet MS" charset="0"/>
+              </a:rPr>
+              <a:t>Mining</a:t>
+            </a:r>
+            <a:r>
+              <a:rPr lang="es-ES" sz="1600" b="1" dirty="0">
+                <a:solidFill>
+                  <a:schemeClr val="accent2"/>
+                </a:solidFill>
+                <a:latin typeface="Trebuchet MS" charset="0"/>
+              </a:rPr>
+              <a:t>: </a:t>
+            </a:r>
+            <a:r>
+              <a:rPr lang="es-ES" sz="1600" b="1" dirty="0" err="1">
+                <a:solidFill>
+                  <a:schemeClr val="accent2"/>
+                </a:solidFill>
+                <a:latin typeface="Trebuchet MS" charset="0"/>
+              </a:rPr>
+              <a:t>Practical</a:t>
+            </a:r>
+            <a:r>
+              <a:rPr lang="es-ES" sz="1600" b="1" dirty="0">
+                <a:solidFill>
+                  <a:schemeClr val="accent2"/>
+                </a:solidFill>
+                <a:latin typeface="Trebuchet MS" charset="0"/>
+              </a:rPr>
+              <a:t> Machine </a:t>
+            </a:r>
+            <a:r>
+              <a:rPr lang="es-ES" sz="1600" b="1" dirty="0" err="1">
+                <a:solidFill>
+                  <a:schemeClr val="accent2"/>
+                </a:solidFill>
+                <a:latin typeface="Trebuchet MS" charset="0"/>
+              </a:rPr>
+              <a:t>Learning</a:t>
+            </a:r>
+            <a:r>
+              <a:rPr lang="es-ES" sz="1600" b="1" dirty="0">
+                <a:solidFill>
+                  <a:schemeClr val="accent2"/>
+                </a:solidFill>
+                <a:latin typeface="Trebuchet MS" charset="0"/>
+              </a:rPr>
+              <a:t> Tools and </a:t>
+            </a:r>
+            <a:r>
+              <a:rPr lang="es-ES" sz="1600" b="1" dirty="0" err="1">
+                <a:solidFill>
+                  <a:schemeClr val="accent2"/>
+                </a:solidFill>
+                <a:latin typeface="Trebuchet MS" charset="0"/>
+              </a:rPr>
+              <a:t>Techniques</a:t>
+            </a:r>
+            <a:r>
+              <a:rPr lang="es-ES" sz="1600" b="1" dirty="0">
+                <a:solidFill>
+                  <a:schemeClr val="accent2"/>
+                </a:solidFill>
+                <a:latin typeface="Trebuchet MS" charset="0"/>
+              </a:rPr>
+              <a:t>, 		</a:t>
+            </a:r>
+            <a:r>
+              <a:rPr lang="es-ES" sz="1600" b="1" dirty="0" err="1">
+                <a:solidFill>
+                  <a:schemeClr val="accent2"/>
+                </a:solidFill>
+                <a:latin typeface="Trebuchet MS" charset="0"/>
+              </a:rPr>
+              <a:t>Elsevier</a:t>
+            </a:r>
+            <a:r>
+              <a:rPr lang="es-ES" sz="1600" b="1" dirty="0">
+                <a:solidFill>
+                  <a:schemeClr val="accent2"/>
+                </a:solidFill>
+                <a:latin typeface="Trebuchet MS" charset="0"/>
+              </a:rPr>
               <a:t>, </a:t>
             </a:r>
             <a:r>
-              <a:rPr lang="es-ES" sz="1600" b="1" dirty="0" smtClean="0">
-                <a:solidFill>
-                  <a:schemeClr val="accent2"/>
-                </a:solidFill>
-                <a:latin typeface="Trebuchet MS" charset="0"/>
-              </a:rPr>
-              <a:t>		Inc</a:t>
+              <a:rPr lang="es-ES" sz="1600" b="1" dirty="0" err="1">
+                <a:solidFill>
+                  <a:schemeClr val="accent2"/>
+                </a:solidFill>
+                <a:latin typeface="Trebuchet MS" charset="0"/>
+              </a:rPr>
+              <a:t>Second</a:t>
             </a:r>
             <a:r>
               <a:rPr lang="es-ES" sz="1600" b="1" dirty="0">
@@ -8848,10 +9401,8 @@
                 </a:solidFill>
                 <a:latin typeface="Trebuchet MS" charset="0"/>
               </a:rPr>
-              <a:t>., 2001.</a:t>
-            </a:r>
-          </a:p>
-          <a:p>
+              <a:t> </a:t>
+            </a:r>
             <a:r>
               <a:rPr lang="es-ES" sz="1600" b="1" dirty="0" err="1">
                 <a:solidFill>
@@ -8859,7 +9410,7 @@
                 </a:solidFill>
                 <a:latin typeface="Trebuchet MS" charset="0"/>
               </a:rPr>
-              <a:t>Hastie</a:t>
+              <a:t>Edition</a:t>
             </a:r>
             <a:r>
               <a:rPr lang="es-ES" sz="1600" b="1" dirty="0">
@@ -8868,813 +9419,11 @@
                 </a:solidFill>
                 <a:latin typeface="Trebuchet MS" charset="0"/>
               </a:rPr>
-              <a:t>, T.; </a:t>
-            </a:r>
-            <a:r>
-              <a:rPr lang="es-ES" sz="1600" b="1" dirty="0" err="1">
-                <a:solidFill>
-                  <a:schemeClr val="accent2"/>
-                </a:solidFill>
-                <a:latin typeface="Trebuchet MS" charset="0"/>
-              </a:rPr>
-              <a:t>Tibshirani</a:t>
-            </a:r>
-            <a:r>
-              <a:rPr lang="es-ES" sz="1600" b="1" dirty="0">
-                <a:solidFill>
-                  <a:schemeClr val="accent2"/>
-                </a:solidFill>
-                <a:latin typeface="Trebuchet MS" charset="0"/>
-              </a:rPr>
-              <a:t>, R,; Friedman, J.: </a:t>
-            </a:r>
-            <a:r>
-              <a:rPr lang="es-ES" sz="1600" b="1" dirty="0" err="1">
-                <a:solidFill>
-                  <a:schemeClr val="accent2"/>
-                </a:solidFill>
-                <a:latin typeface="Trebuchet MS" charset="0"/>
-              </a:rPr>
-              <a:t>The</a:t>
-            </a:r>
-            <a:r>
-              <a:rPr lang="es-ES" sz="1600" b="1" dirty="0">
-                <a:solidFill>
-                  <a:schemeClr val="accent2"/>
-                </a:solidFill>
-                <a:latin typeface="Trebuchet MS" charset="0"/>
-              </a:rPr>
-              <a:t> </a:t>
-            </a:r>
-            <a:r>
-              <a:rPr lang="es-ES" sz="1600" b="1" dirty="0" err="1">
-                <a:solidFill>
-                  <a:schemeClr val="accent2"/>
-                </a:solidFill>
-                <a:latin typeface="Trebuchet MS" charset="0"/>
-              </a:rPr>
-              <a:t>Elements</a:t>
-            </a:r>
-            <a:r>
-              <a:rPr lang="es-ES" sz="1600" b="1" dirty="0">
-                <a:solidFill>
-                  <a:schemeClr val="accent2"/>
-                </a:solidFill>
-                <a:latin typeface="Trebuchet MS" charset="0"/>
-              </a:rPr>
-              <a:t> of </a:t>
-            </a:r>
-            <a:r>
-              <a:rPr lang="es-ES" sz="1600" b="1" dirty="0" err="1">
-                <a:solidFill>
-                  <a:schemeClr val="accent2"/>
-                </a:solidFill>
-                <a:latin typeface="Trebuchet MS" charset="0"/>
-              </a:rPr>
-              <a:t>Statistical</a:t>
-            </a:r>
-            <a:r>
-              <a:rPr lang="es-ES" sz="1600" b="1" dirty="0">
-                <a:solidFill>
-                  <a:schemeClr val="accent2"/>
-                </a:solidFill>
-                <a:latin typeface="Trebuchet MS" charset="0"/>
-              </a:rPr>
-              <a:t> </a:t>
-            </a:r>
-            <a:r>
-              <a:rPr lang="es-ES" sz="1600" b="1" dirty="0" err="1">
-                <a:solidFill>
-                  <a:schemeClr val="accent2"/>
-                </a:solidFill>
-                <a:latin typeface="Trebuchet MS" charset="0"/>
-              </a:rPr>
-              <a:t>Learning</a:t>
-            </a:r>
-            <a:r>
-              <a:rPr lang="es-ES" sz="1600" b="1" dirty="0">
-                <a:solidFill>
-                  <a:schemeClr val="accent2"/>
-                </a:solidFill>
-                <a:latin typeface="Trebuchet MS" charset="0"/>
-              </a:rPr>
-              <a:t>, </a:t>
-            </a:r>
-            <a:r>
-              <a:rPr lang="es-ES" sz="1600" b="1" dirty="0" smtClean="0">
-                <a:solidFill>
-                  <a:schemeClr val="accent2"/>
-                </a:solidFill>
-                <a:latin typeface="Trebuchet MS" charset="0"/>
-              </a:rPr>
-              <a:t>		</a:t>
-            </a:r>
-            <a:r>
-              <a:rPr lang="es-ES" sz="1600" b="1" dirty="0" err="1" smtClean="0">
-                <a:solidFill>
-                  <a:schemeClr val="accent2"/>
-                </a:solidFill>
-                <a:latin typeface="Trebuchet MS" charset="0"/>
-              </a:rPr>
-              <a:t>Springer</a:t>
-            </a:r>
-            <a:r>
-              <a:rPr lang="es-ES" sz="1600" b="1" dirty="0">
-                <a:solidFill>
-                  <a:schemeClr val="accent2"/>
-                </a:solidFill>
-                <a:latin typeface="Trebuchet MS" charset="0"/>
-              </a:rPr>
-              <a:t>, 2001.</a:t>
-            </a:r>
-          </a:p>
-          <a:p>
-            <a:r>
-              <a:rPr lang="es-ES" sz="1600" b="1" dirty="0" err="1">
-                <a:solidFill>
-                  <a:schemeClr val="accent2"/>
-                </a:solidFill>
-                <a:latin typeface="Trebuchet MS" charset="0"/>
-              </a:rPr>
-              <a:t>Marsland</a:t>
-            </a:r>
-            <a:r>
-              <a:rPr lang="es-ES" sz="1600" b="1" dirty="0">
-                <a:solidFill>
-                  <a:schemeClr val="accent2"/>
-                </a:solidFill>
-                <a:latin typeface="Trebuchet MS" charset="0"/>
-              </a:rPr>
-              <a:t>, S.	Machine </a:t>
-            </a:r>
-            <a:r>
-              <a:rPr lang="es-ES" sz="1600" b="1" dirty="0" err="1">
-                <a:solidFill>
-                  <a:schemeClr val="accent2"/>
-                </a:solidFill>
-                <a:latin typeface="Trebuchet MS" charset="0"/>
-              </a:rPr>
-              <a:t>Learning</a:t>
-            </a:r>
-            <a:r>
-              <a:rPr lang="es-ES" sz="1600" b="1" dirty="0">
-                <a:solidFill>
-                  <a:schemeClr val="accent2"/>
-                </a:solidFill>
-                <a:latin typeface="Trebuchet MS" charset="0"/>
-              </a:rPr>
-              <a:t>: </a:t>
-            </a:r>
-            <a:r>
-              <a:rPr lang="es-ES" sz="1600" b="1" dirty="0" err="1">
-                <a:solidFill>
-                  <a:schemeClr val="accent2"/>
-                </a:solidFill>
-                <a:latin typeface="Trebuchet MS" charset="0"/>
-              </a:rPr>
-              <a:t>An</a:t>
-            </a:r>
-            <a:r>
-              <a:rPr lang="es-ES" sz="1600" b="1" dirty="0">
-                <a:solidFill>
-                  <a:schemeClr val="accent2"/>
-                </a:solidFill>
-                <a:latin typeface="Trebuchet MS" charset="0"/>
-              </a:rPr>
-              <a:t> </a:t>
-            </a:r>
-            <a:r>
-              <a:rPr lang="es-ES" sz="1600" b="1" dirty="0" err="1">
-                <a:solidFill>
-                  <a:schemeClr val="accent2"/>
-                </a:solidFill>
-                <a:latin typeface="Trebuchet MS" charset="0"/>
-              </a:rPr>
-              <a:t>algorithmic</a:t>
-            </a:r>
-            <a:r>
-              <a:rPr lang="es-ES" sz="1600" b="1" dirty="0">
-                <a:solidFill>
-                  <a:schemeClr val="accent2"/>
-                </a:solidFill>
-                <a:latin typeface="Trebuchet MS" charset="0"/>
-              </a:rPr>
-              <a:t> </a:t>
-            </a:r>
-            <a:r>
-              <a:rPr lang="es-ES" sz="1600" b="1" dirty="0" err="1">
-                <a:solidFill>
-                  <a:schemeClr val="accent2"/>
-                </a:solidFill>
-                <a:latin typeface="Trebuchet MS" charset="0"/>
-              </a:rPr>
-              <a:t>Perspective</a:t>
-            </a:r>
-            <a:r>
-              <a:rPr lang="es-ES" sz="1600" b="1" dirty="0">
-                <a:solidFill>
-                  <a:schemeClr val="accent2"/>
-                </a:solidFill>
-                <a:latin typeface="Trebuchet MS" charset="0"/>
-              </a:rPr>
-              <a:t>, CRC </a:t>
-            </a:r>
-            <a:r>
-              <a:rPr lang="es-ES" sz="1600" b="1" dirty="0" err="1">
-                <a:solidFill>
-                  <a:schemeClr val="accent2"/>
-                </a:solidFill>
-                <a:latin typeface="Trebuchet MS" charset="0"/>
-              </a:rPr>
-              <a:t>Press</a:t>
-            </a:r>
-            <a:r>
-              <a:rPr lang="es-ES" sz="1600" b="1" dirty="0">
-                <a:solidFill>
-                  <a:schemeClr val="accent2"/>
-                </a:solidFill>
-                <a:latin typeface="Trebuchet MS" charset="0"/>
-              </a:rPr>
-              <a:t>, 2009.</a:t>
-            </a:r>
-          </a:p>
-          <a:p>
-            <a:r>
-              <a:rPr lang="es-ES" sz="1600" b="1" dirty="0">
-                <a:solidFill>
-                  <a:schemeClr val="accent2"/>
-                </a:solidFill>
-                <a:latin typeface="Trebuchet MS" charset="0"/>
-              </a:rPr>
-              <a:t>Mery, D.	</a:t>
-            </a:r>
-            <a:r>
-              <a:rPr lang="es-ES" sz="1600" b="1" dirty="0" smtClean="0">
-                <a:solidFill>
-                  <a:schemeClr val="accent2"/>
-                </a:solidFill>
-                <a:latin typeface="Trebuchet MS" charset="0"/>
-              </a:rPr>
-              <a:t>	</a:t>
-            </a:r>
-            <a:r>
-              <a:rPr lang="es-ES" sz="1600" b="1" dirty="0" err="1" smtClean="0">
-                <a:solidFill>
-                  <a:schemeClr val="accent2"/>
-                </a:solidFill>
-                <a:latin typeface="Trebuchet MS" charset="0"/>
-              </a:rPr>
-              <a:t>Computer</a:t>
-            </a:r>
-            <a:r>
-              <a:rPr lang="es-ES" sz="1600" b="1" dirty="0" smtClean="0">
-                <a:solidFill>
-                  <a:schemeClr val="accent2"/>
-                </a:solidFill>
-                <a:latin typeface="Trebuchet MS" charset="0"/>
-              </a:rPr>
-              <a:t> </a:t>
-            </a:r>
-            <a:r>
-              <a:rPr lang="es-ES" sz="1600" b="1" dirty="0" err="1">
-                <a:solidFill>
-                  <a:schemeClr val="accent2"/>
-                </a:solidFill>
-                <a:latin typeface="Trebuchet MS" charset="0"/>
-              </a:rPr>
-              <a:t>Vision</a:t>
-            </a:r>
-            <a:r>
-              <a:rPr lang="es-ES" sz="1600" b="1" dirty="0">
-                <a:solidFill>
-                  <a:schemeClr val="accent2"/>
-                </a:solidFill>
-                <a:latin typeface="Trebuchet MS" charset="0"/>
-              </a:rPr>
-              <a:t> </a:t>
-            </a:r>
-            <a:r>
-              <a:rPr lang="es-ES" sz="1600" b="1" dirty="0" err="1">
-                <a:solidFill>
-                  <a:schemeClr val="accent2"/>
-                </a:solidFill>
-                <a:latin typeface="Trebuchet MS" charset="0"/>
-              </a:rPr>
-              <a:t>for</a:t>
-            </a:r>
-            <a:r>
-              <a:rPr lang="es-ES" sz="1600" b="1" dirty="0">
-                <a:solidFill>
-                  <a:schemeClr val="accent2"/>
-                </a:solidFill>
-                <a:latin typeface="Trebuchet MS" charset="0"/>
-              </a:rPr>
-              <a:t> X-</a:t>
-            </a:r>
-            <a:r>
-              <a:rPr lang="es-ES" sz="1600" b="1" dirty="0" err="1">
-                <a:solidFill>
-                  <a:schemeClr val="accent2"/>
-                </a:solidFill>
-                <a:latin typeface="Trebuchet MS" charset="0"/>
-              </a:rPr>
-              <a:t>ray</a:t>
-            </a:r>
-            <a:r>
-              <a:rPr lang="es-ES" sz="1600" b="1" dirty="0">
-                <a:solidFill>
-                  <a:schemeClr val="accent2"/>
-                </a:solidFill>
-                <a:latin typeface="Trebuchet MS" charset="0"/>
-              </a:rPr>
-              <a:t> </a:t>
-            </a:r>
-            <a:r>
-              <a:rPr lang="es-ES" sz="1600" b="1" dirty="0" err="1">
-                <a:solidFill>
-                  <a:schemeClr val="accent2"/>
-                </a:solidFill>
-                <a:latin typeface="Trebuchet MS" charset="0"/>
-              </a:rPr>
-              <a:t>Testing</a:t>
-            </a:r>
-            <a:r>
-              <a:rPr lang="es-ES" sz="1600" b="1" dirty="0">
-                <a:solidFill>
-                  <a:schemeClr val="accent2"/>
-                </a:solidFill>
-                <a:latin typeface="Trebuchet MS" charset="0"/>
-              </a:rPr>
-              <a:t>, </a:t>
-            </a:r>
-            <a:r>
-              <a:rPr lang="es-ES" sz="1600" b="1" dirty="0" err="1">
-                <a:solidFill>
-                  <a:schemeClr val="accent2"/>
-                </a:solidFill>
-                <a:latin typeface="Trebuchet MS" charset="0"/>
-              </a:rPr>
-              <a:t>Springer</a:t>
-            </a:r>
-            <a:r>
-              <a:rPr lang="es-ES" sz="1600" b="1" dirty="0">
-                <a:solidFill>
-                  <a:schemeClr val="accent2"/>
-                </a:solidFill>
-                <a:latin typeface="Trebuchet MS" charset="0"/>
-              </a:rPr>
-              <a:t>, 2015</a:t>
-            </a:r>
-          </a:p>
-          <a:p>
-            <a:r>
-              <a:rPr lang="es-ES" sz="1600" b="1" dirty="0">
-                <a:solidFill>
-                  <a:schemeClr val="accent2"/>
-                </a:solidFill>
-                <a:latin typeface="Trebuchet MS" charset="0"/>
-              </a:rPr>
-              <a:t>Nixon, M.; Aguado, </a:t>
-            </a:r>
-            <a:r>
-              <a:rPr lang="es-ES" sz="1600" b="1" dirty="0" smtClean="0">
-                <a:solidFill>
-                  <a:schemeClr val="accent2"/>
-                </a:solidFill>
-                <a:latin typeface="Trebuchet MS" charset="0"/>
-              </a:rPr>
-              <a:t>A. </a:t>
-            </a:r>
-            <a:r>
-              <a:rPr lang="es-ES" sz="1600" b="1" dirty="0" err="1" smtClean="0">
-                <a:solidFill>
-                  <a:schemeClr val="accent2"/>
-                </a:solidFill>
-                <a:latin typeface="Trebuchet MS" charset="0"/>
-              </a:rPr>
-              <a:t>Feature</a:t>
-            </a:r>
-            <a:r>
-              <a:rPr lang="es-ES" sz="1600" b="1" dirty="0" smtClean="0">
-                <a:solidFill>
-                  <a:schemeClr val="accent2"/>
-                </a:solidFill>
-                <a:latin typeface="Trebuchet MS" charset="0"/>
-              </a:rPr>
-              <a:t> </a:t>
-            </a:r>
-            <a:r>
-              <a:rPr lang="es-ES" sz="1600" b="1" dirty="0" err="1">
-                <a:solidFill>
-                  <a:schemeClr val="accent2"/>
-                </a:solidFill>
-                <a:latin typeface="Trebuchet MS" charset="0"/>
-              </a:rPr>
-              <a:t>Extraction</a:t>
-            </a:r>
-            <a:r>
-              <a:rPr lang="es-ES" sz="1600" b="1" dirty="0">
-                <a:solidFill>
-                  <a:schemeClr val="accent2"/>
-                </a:solidFill>
-                <a:latin typeface="Trebuchet MS" charset="0"/>
-              </a:rPr>
-              <a:t> &amp; </a:t>
-            </a:r>
-            <a:r>
-              <a:rPr lang="es-ES" sz="1600" b="1" dirty="0" err="1">
-                <a:solidFill>
-                  <a:schemeClr val="accent2"/>
-                </a:solidFill>
-                <a:latin typeface="Trebuchet MS" charset="0"/>
-              </a:rPr>
-              <a:t>Image</a:t>
-            </a:r>
-            <a:r>
-              <a:rPr lang="es-ES" sz="1600" b="1" dirty="0">
-                <a:solidFill>
-                  <a:schemeClr val="accent2"/>
-                </a:solidFill>
-                <a:latin typeface="Trebuchet MS" charset="0"/>
-              </a:rPr>
-              <a:t> </a:t>
-            </a:r>
-            <a:r>
-              <a:rPr lang="es-ES" sz="1600" b="1" dirty="0" err="1">
-                <a:solidFill>
-                  <a:schemeClr val="accent2"/>
-                </a:solidFill>
-                <a:latin typeface="Trebuchet MS" charset="0"/>
-              </a:rPr>
-              <a:t>Processing</a:t>
-            </a:r>
-            <a:r>
-              <a:rPr lang="es-ES" sz="1600" b="1" dirty="0">
-                <a:solidFill>
-                  <a:schemeClr val="accent2"/>
-                </a:solidFill>
-                <a:latin typeface="Trebuchet MS" charset="0"/>
-              </a:rPr>
-              <a:t>, </a:t>
-            </a:r>
-            <a:r>
-              <a:rPr lang="es-ES" sz="1600" b="1" dirty="0" err="1">
-                <a:solidFill>
-                  <a:schemeClr val="accent2"/>
-                </a:solidFill>
-                <a:latin typeface="Trebuchet MS" charset="0"/>
-              </a:rPr>
-              <a:t>Amsterdam</a:t>
-            </a:r>
-            <a:r>
-              <a:rPr lang="es-ES" sz="1600" b="1" dirty="0">
-                <a:solidFill>
-                  <a:schemeClr val="accent2"/>
-                </a:solidFill>
-                <a:latin typeface="Trebuchet MS" charset="0"/>
-              </a:rPr>
-              <a:t>, </a:t>
-            </a:r>
-            <a:r>
-              <a:rPr lang="es-ES" sz="1600" b="1" dirty="0" err="1">
-                <a:solidFill>
-                  <a:schemeClr val="accent2"/>
-                </a:solidFill>
-                <a:latin typeface="Trebuchet MS" charset="0"/>
-              </a:rPr>
-              <a:t>Elsevier</a:t>
-            </a:r>
-            <a:r>
-              <a:rPr lang="es-ES" sz="1600" b="1" dirty="0">
-                <a:solidFill>
-                  <a:schemeClr val="accent2"/>
-                </a:solidFill>
-                <a:latin typeface="Trebuchet MS" charset="0"/>
-              </a:rPr>
-              <a:t>, </a:t>
-            </a:r>
-            <a:r>
-              <a:rPr lang="es-ES" sz="1600" b="1" dirty="0" smtClean="0">
-                <a:solidFill>
-                  <a:schemeClr val="accent2"/>
-                </a:solidFill>
-                <a:latin typeface="Trebuchet MS" charset="0"/>
-              </a:rPr>
-              <a:t>		2004</a:t>
-            </a:r>
-            <a:r>
-              <a:rPr lang="es-ES" sz="1600" b="1" dirty="0">
-                <a:solidFill>
-                  <a:schemeClr val="accent2"/>
-                </a:solidFill>
-                <a:latin typeface="Trebuchet MS" charset="0"/>
-              </a:rPr>
-              <a:t>.</a:t>
-            </a:r>
-          </a:p>
-          <a:p>
-            <a:r>
-              <a:rPr lang="es-ES" sz="1600" b="1" dirty="0" err="1">
-                <a:solidFill>
-                  <a:schemeClr val="accent2"/>
-                </a:solidFill>
-                <a:latin typeface="Trebuchet MS" charset="0"/>
-              </a:rPr>
-              <a:t>Webb</a:t>
-            </a:r>
-            <a:r>
-              <a:rPr lang="es-ES" sz="1600" b="1" dirty="0">
-                <a:solidFill>
-                  <a:schemeClr val="accent2"/>
-                </a:solidFill>
-                <a:latin typeface="Trebuchet MS" charset="0"/>
-              </a:rPr>
-              <a:t>, A.	</a:t>
-            </a:r>
-            <a:r>
-              <a:rPr lang="es-ES" sz="1600" b="1" dirty="0" smtClean="0">
-                <a:solidFill>
-                  <a:schemeClr val="accent2"/>
-                </a:solidFill>
-                <a:latin typeface="Trebuchet MS" charset="0"/>
-              </a:rPr>
-              <a:t>	</a:t>
-            </a:r>
-            <a:r>
-              <a:rPr lang="es-ES" sz="1600" b="1" dirty="0" err="1" smtClean="0">
-                <a:solidFill>
-                  <a:schemeClr val="accent2"/>
-                </a:solidFill>
-                <a:latin typeface="Trebuchet MS" charset="0"/>
-              </a:rPr>
-              <a:t>Statistical</a:t>
-            </a:r>
-            <a:r>
-              <a:rPr lang="es-ES" sz="1600" b="1" dirty="0" smtClean="0">
-                <a:solidFill>
-                  <a:schemeClr val="accent2"/>
-                </a:solidFill>
-                <a:latin typeface="Trebuchet MS" charset="0"/>
-              </a:rPr>
-              <a:t> </a:t>
-            </a:r>
-            <a:r>
-              <a:rPr lang="es-ES" sz="1600" b="1" dirty="0" err="1">
-                <a:solidFill>
-                  <a:schemeClr val="accent2"/>
-                </a:solidFill>
-                <a:latin typeface="Trebuchet MS" charset="0"/>
-              </a:rPr>
-              <a:t>Pattern</a:t>
-            </a:r>
-            <a:r>
-              <a:rPr lang="es-ES" sz="1600" b="1" dirty="0">
-                <a:solidFill>
-                  <a:schemeClr val="accent2"/>
-                </a:solidFill>
-                <a:latin typeface="Trebuchet MS" charset="0"/>
-              </a:rPr>
-              <a:t> </a:t>
-            </a:r>
-            <a:r>
-              <a:rPr lang="es-ES" sz="1600" b="1" dirty="0" err="1">
-                <a:solidFill>
-                  <a:schemeClr val="accent2"/>
-                </a:solidFill>
-                <a:latin typeface="Trebuchet MS" charset="0"/>
-              </a:rPr>
-              <a:t>Recognition</a:t>
-            </a:r>
-            <a:r>
-              <a:rPr lang="es-ES" sz="1600" b="1" dirty="0">
-                <a:solidFill>
-                  <a:schemeClr val="accent2"/>
-                </a:solidFill>
-                <a:latin typeface="Trebuchet MS" charset="0"/>
-              </a:rPr>
-              <a:t>, </a:t>
-            </a:r>
-            <a:r>
-              <a:rPr lang="es-ES" sz="1600" b="1" dirty="0" err="1">
-                <a:solidFill>
-                  <a:schemeClr val="accent2"/>
-                </a:solidFill>
-                <a:latin typeface="Trebuchet MS" charset="0"/>
-              </a:rPr>
-              <a:t>Wiley</a:t>
-            </a:r>
-            <a:r>
-              <a:rPr lang="es-ES" sz="1600" b="1" dirty="0">
-                <a:solidFill>
-                  <a:schemeClr val="accent2"/>
-                </a:solidFill>
-                <a:latin typeface="Trebuchet MS" charset="0"/>
-              </a:rPr>
-              <a:t>, </a:t>
-            </a:r>
-            <a:r>
-              <a:rPr lang="es-ES" sz="1600" b="1" dirty="0" err="1">
-                <a:solidFill>
-                  <a:schemeClr val="accent2"/>
-                </a:solidFill>
-                <a:latin typeface="Trebuchet MS" charset="0"/>
-              </a:rPr>
-              <a:t>Second</a:t>
-            </a:r>
-            <a:r>
-              <a:rPr lang="es-ES" sz="1600" b="1" dirty="0">
-                <a:solidFill>
-                  <a:schemeClr val="accent2"/>
-                </a:solidFill>
-                <a:latin typeface="Trebuchet MS" charset="0"/>
-              </a:rPr>
-              <a:t> </a:t>
-            </a:r>
-            <a:r>
-              <a:rPr lang="es-ES" sz="1600" b="1" dirty="0" err="1">
-                <a:solidFill>
-                  <a:schemeClr val="accent2"/>
-                </a:solidFill>
-                <a:latin typeface="Trebuchet MS" charset="0"/>
-              </a:rPr>
-              <a:t>Edition</a:t>
-            </a:r>
-            <a:r>
-              <a:rPr lang="es-ES" sz="1600" b="1" dirty="0">
-                <a:solidFill>
-                  <a:schemeClr val="accent2"/>
-                </a:solidFill>
-                <a:latin typeface="Trebuchet MS" charset="0"/>
-              </a:rPr>
-              <a:t>, 2002.</a:t>
-            </a:r>
-          </a:p>
-          <a:p>
-            <a:r>
-              <a:rPr lang="es-ES" sz="1600" b="1" dirty="0" err="1">
-                <a:solidFill>
-                  <a:schemeClr val="accent2"/>
-                </a:solidFill>
-                <a:latin typeface="Trebuchet MS" charset="0"/>
-              </a:rPr>
-              <a:t>Witten</a:t>
-            </a:r>
-            <a:r>
-              <a:rPr lang="es-ES" sz="1600" b="1" dirty="0">
-                <a:solidFill>
-                  <a:schemeClr val="accent2"/>
-                </a:solidFill>
-                <a:latin typeface="Trebuchet MS" charset="0"/>
-              </a:rPr>
-              <a:t>, I.H; Frank, </a:t>
-            </a:r>
-            <a:r>
-              <a:rPr lang="es-ES" sz="1600" b="1" dirty="0" smtClean="0">
-                <a:solidFill>
-                  <a:schemeClr val="accent2"/>
-                </a:solidFill>
-                <a:latin typeface="Trebuchet MS" charset="0"/>
-              </a:rPr>
-              <a:t>E. Data </a:t>
-            </a:r>
-            <a:r>
-              <a:rPr lang="es-ES" sz="1600" b="1" dirty="0" err="1">
-                <a:solidFill>
-                  <a:schemeClr val="accent2"/>
-                </a:solidFill>
-                <a:latin typeface="Trebuchet MS" charset="0"/>
-              </a:rPr>
-              <a:t>Mining</a:t>
-            </a:r>
-            <a:r>
-              <a:rPr lang="es-ES" sz="1600" b="1" dirty="0">
-                <a:solidFill>
-                  <a:schemeClr val="accent2"/>
-                </a:solidFill>
-                <a:latin typeface="Trebuchet MS" charset="0"/>
-              </a:rPr>
-              <a:t>: </a:t>
-            </a:r>
-            <a:r>
-              <a:rPr lang="es-ES" sz="1600" b="1" dirty="0" err="1">
-                <a:solidFill>
-                  <a:schemeClr val="accent2"/>
-                </a:solidFill>
-                <a:latin typeface="Trebuchet MS" charset="0"/>
-              </a:rPr>
-              <a:t>Practical</a:t>
-            </a:r>
-            <a:r>
-              <a:rPr lang="es-ES" sz="1600" b="1" dirty="0">
-                <a:solidFill>
-                  <a:schemeClr val="accent2"/>
-                </a:solidFill>
-                <a:latin typeface="Trebuchet MS" charset="0"/>
-              </a:rPr>
-              <a:t> Machine </a:t>
-            </a:r>
-            <a:r>
-              <a:rPr lang="es-ES" sz="1600" b="1" dirty="0" err="1">
-                <a:solidFill>
-                  <a:schemeClr val="accent2"/>
-                </a:solidFill>
-                <a:latin typeface="Trebuchet MS" charset="0"/>
-              </a:rPr>
-              <a:t>Learning</a:t>
-            </a:r>
-            <a:r>
-              <a:rPr lang="es-ES" sz="1600" b="1" dirty="0">
-                <a:solidFill>
-                  <a:schemeClr val="accent2"/>
-                </a:solidFill>
-                <a:latin typeface="Trebuchet MS" charset="0"/>
-              </a:rPr>
-              <a:t> Tools and </a:t>
-            </a:r>
-            <a:r>
-              <a:rPr lang="es-ES" sz="1600" b="1" dirty="0" err="1">
-                <a:solidFill>
-                  <a:schemeClr val="accent2"/>
-                </a:solidFill>
-                <a:latin typeface="Trebuchet MS" charset="0"/>
-              </a:rPr>
-              <a:t>Techniques</a:t>
-            </a:r>
-            <a:r>
-              <a:rPr lang="es-ES" sz="1600" b="1" dirty="0">
-                <a:solidFill>
-                  <a:schemeClr val="accent2"/>
-                </a:solidFill>
-                <a:latin typeface="Trebuchet MS" charset="0"/>
-              </a:rPr>
-              <a:t>, </a:t>
-            </a:r>
-            <a:r>
-              <a:rPr lang="es-ES" sz="1600" b="1" dirty="0" smtClean="0">
-                <a:solidFill>
-                  <a:schemeClr val="accent2"/>
-                </a:solidFill>
-                <a:latin typeface="Trebuchet MS" charset="0"/>
-              </a:rPr>
-              <a:t>		</a:t>
-            </a:r>
-            <a:r>
-              <a:rPr lang="es-ES" sz="1600" b="1" dirty="0" err="1" smtClean="0">
-                <a:solidFill>
-                  <a:schemeClr val="accent2"/>
-                </a:solidFill>
-                <a:latin typeface="Trebuchet MS" charset="0"/>
-              </a:rPr>
-              <a:t>Elsevier</a:t>
-            </a:r>
-            <a:r>
-              <a:rPr lang="es-ES" sz="1600" b="1" dirty="0">
-                <a:solidFill>
-                  <a:schemeClr val="accent2"/>
-                </a:solidFill>
-                <a:latin typeface="Trebuchet MS" charset="0"/>
-              </a:rPr>
-              <a:t>, </a:t>
-            </a:r>
-            <a:r>
-              <a:rPr lang="es-ES" sz="1600" b="1" dirty="0" err="1">
-                <a:solidFill>
-                  <a:schemeClr val="accent2"/>
-                </a:solidFill>
-                <a:latin typeface="Trebuchet MS" charset="0"/>
-              </a:rPr>
-              <a:t>Second</a:t>
-            </a:r>
-            <a:r>
-              <a:rPr lang="es-ES" sz="1600" b="1" dirty="0">
-                <a:solidFill>
-                  <a:schemeClr val="accent2"/>
-                </a:solidFill>
-                <a:latin typeface="Trebuchet MS" charset="0"/>
-              </a:rPr>
-              <a:t> </a:t>
-            </a:r>
-            <a:r>
-              <a:rPr lang="es-ES" sz="1600" b="1" dirty="0" err="1">
-                <a:solidFill>
-                  <a:schemeClr val="accent2"/>
-                </a:solidFill>
-                <a:latin typeface="Trebuchet MS" charset="0"/>
-              </a:rPr>
-              <a:t>Edition</a:t>
-            </a:r>
-            <a:r>
-              <a:rPr lang="es-ES" sz="1600" b="1" dirty="0">
-                <a:solidFill>
-                  <a:schemeClr val="accent2"/>
-                </a:solidFill>
-                <a:latin typeface="Trebuchet MS" charset="0"/>
-              </a:rPr>
               <a:t>, 2005.</a:t>
             </a:r>
           </a:p>
           <a:p>
-            <a:endParaRPr lang="es-ES" sz="1600" b="1" dirty="0" smtClean="0">
+            <a:endParaRPr lang="es-ES" sz="1600" b="1" dirty="0">
               <a:solidFill>
                 <a:schemeClr val="accent2"/>
               </a:solidFill>
@@ -9683,22 +9432,13 @@
           </a:p>
           <a:p>
             <a:r>
-              <a:rPr lang="es-ES" sz="1600" b="1" dirty="0" smtClean="0">
-                <a:solidFill>
-                  <a:schemeClr val="accent2"/>
-                </a:solidFill>
-                <a:latin typeface="Trebuchet MS" charset="0"/>
-              </a:rPr>
-              <a:t>Artículos </a:t>
-            </a:r>
-            <a:r>
               <a:rPr lang="es-ES" sz="1600" b="1" dirty="0">
                 <a:solidFill>
                   <a:schemeClr val="accent2"/>
                 </a:solidFill>
                 <a:latin typeface="Trebuchet MS" charset="0"/>
               </a:rPr>
-              <a:t>seleccionados de IEEE </a:t>
+              <a:t>Artículos seleccionados de IEEE </a:t>
             </a:r>
             <a:r>
               <a:rPr lang="es-ES" sz="1600" b="1" dirty="0" err="1">
@@ -9943,13 +9683,6 @@
   <p:clrMapOvr>
     <a:masterClrMapping/>
   </p:clrMapOvr>
-  <p:timing>
-    <p:tnLst>
-      <p:par>
-        <p:cTn id="1" dur="indefinite" restart="never" nodeType="tmRoot"/>
-      </p:par>
-    </p:tnLst>
-  </p:timing>
 </p:sld>
 </file>
 
@@ -10004,7 +9737,7 @@
           <a:lstStyle/>
           <a:p>
             <a:r>
-              <a:rPr lang="es-ES_tradnl" sz="2000" b="1" dirty="0" smtClean="0">
+              <a:rPr lang="es-ES_tradnl" sz="2000" b="1" dirty="0">
                 <a:solidFill>
                   <a:schemeClr val="accent6"/>
                 </a:solidFill>
@@ -10013,27 +9746,27 @@
             </a:r>
           </a:p>
           <a:p>
-            <a:endParaRPr lang="es-ES_tradnl" sz="2000" b="1" dirty="0" smtClean="0"/>
-          </a:p>
-          <a:p>
-            <a:r>
-              <a:rPr lang="es-ES_tradnl" sz="2000" dirty="0" smtClean="0"/>
+            <a:endParaRPr lang="es-ES_tradnl" sz="2000" b="1" dirty="0"/>
+          </a:p>
+          <a:p>
+            <a:r>
+              <a:rPr lang="es-ES_tradnl" sz="2000" dirty="0"/>
               <a:t>Este curso adscribe el Código de Honor establecido por la Escuela de Ingeniería el que es vinculante. Todo trabajo evaluado en este curso debe ser propio. En caso de que exista colaboración permitida con otros estudiantes, el trabajo deberá referenciar y atribuir correctamente dicha contribución a quien corresponda. </a:t>
             </a:r>
           </a:p>
           <a:p>
             <a:r>
-              <a:rPr lang="es-ES_tradnl" sz="2000" dirty="0" smtClean="0"/>
+              <a:rPr lang="es-ES_tradnl" sz="2000" dirty="0"/>
               <a:t>Como estudiante es su deber conocer la versión en línea del </a:t>
             </a:r>
             <a:r>
-              <a:rPr lang="es-ES_tradnl" sz="2000" dirty="0" smtClean="0">
+              <a:rPr lang="es-ES_tradnl" sz="2000" dirty="0">
                 <a:hlinkClick r:id="rId3"/>
               </a:rPr>
               <a:t>Código de Honor</a:t>
             </a:r>
             <a:r>
-              <a:rPr lang="es-ES_tradnl" sz="2000" dirty="0" smtClean="0"/>
+              <a:rPr lang="es-ES_tradnl" sz="2000" dirty="0"/>
               <a:t>. </a:t>
             </a:r>
           </a:p>
@@ -10042,22 +9775,22 @@
           </a:p>
           <a:p>
             <a:r>
-              <a:rPr lang="es-ES_tradnl" sz="2000" dirty="0" smtClean="0"/>
+              <a:rPr lang="es-ES_tradnl" sz="2000" dirty="0"/>
               <a:t>Además, los estudiantes de este curso declaran conocer </a:t>
             </a:r>
             <a:r>
-              <a:rPr lang="es-ES_tradnl" sz="2000" dirty="0" smtClean="0">
+              <a:rPr lang="es-ES_tradnl" sz="2000" dirty="0">
                 <a:hlinkClick r:id="rId4"/>
               </a:rPr>
               <a:t>Política de Integridad Académica del Departamento de Ciencia de la Computación</a:t>
             </a:r>
             <a:r>
-              <a:rPr lang="es-ES_tradnl" sz="2000" dirty="0" smtClean="0"/>
+              <a:rPr lang="es-ES_tradnl" sz="2000" dirty="0"/>
               <a:t>.</a:t>
             </a:r>
           </a:p>
           <a:p>
-            <a:endParaRPr lang="es-ES_tradnl" sz="2000" b="1" dirty="0" smtClean="0">
+            <a:endParaRPr lang="es-ES_tradnl" sz="2000" b="1" dirty="0">
               <a:solidFill>
                 <a:schemeClr val="accent2"/>
               </a:solidFill>
@@ -10065,22 +9798,13 @@
             </a:endParaRPr>
           </a:p>
           <a:p>
-            <a:endParaRPr lang="es-ES_tradnl" sz="2000" dirty="0" smtClean="0">
+            <a:endParaRPr lang="es-ES_tradnl" sz="2000" dirty="0">
               <a:latin typeface="Trebuchet MS" charset="0"/>
             </a:endParaRPr>
           </a:p>
           <a:p>
-            <a:r>
-              <a:rPr lang="es-ES_tradnl" sz="2000" b="1" dirty="0" smtClean="0">
-                <a:solidFill>
-                  <a:schemeClr val="accent2"/>
-                </a:solidFill>
-                <a:latin typeface="Trebuchet MS" charset="0"/>
-              </a:rPr>
-              <a:t/>
-            </a:r>
             <a:br>
-              <a:rPr lang="es-ES_tradnl" sz="2000" b="1" dirty="0" smtClean="0">
+              <a:rPr lang="es-ES_tradnl" sz="2000" b="1" dirty="0">
                 <a:solidFill>
                   <a:schemeClr val="accent2"/>
                 </a:solidFill>
@@ -10101,13 +9825,6 @@
   <p:clrMapOvr>
     <a:masterClrMapping/>
   </p:clrMapOvr>
-  <p:timing>
-    <p:tnLst>
-      <p:par>
-        <p:cTn id="1" dur="indefinite" restart="never" nodeType="tmRoot"/>
-      </p:par>
-    </p:tnLst>
-  </p:timing>
 </p:sld>
 </file>
 
@@ -10139,7 +9856,7 @@
         <p:spPr bwMode="auto">
           <a:xfrm>
             <a:off x="447675" y="1884363"/>
-            <a:ext cx="7966075" cy="4524316"/>
+            <a:ext cx="7966075" cy="4524315"/>
           </a:xfrm>
           <a:prstGeom prst="rect">
             <a:avLst/>
@@ -10237,7 +9954,7 @@
                 <a:latin typeface="Trebuchet MS" charset="0"/>
                 <a:hlinkClick r:id="rId3"/>
               </a:rPr>
-              <a:t>http://dmery.ing.puc.cl</a:t>
+              <a:t>http://domingomery.ing.uc.cl</a:t>
             </a:r>
             <a:r>
               <a:rPr lang="es-CL" b="1" dirty="0">
@@ -10246,35 +9963,10 @@
                 </a:solidFill>
                 <a:latin typeface="Trebuchet MS" charset="0"/>
               </a:rPr>
-              <a:t> &gt;</a:t>
-            </a:r>
-            <a:r>
-              <a:rPr lang="es-CL" b="1" dirty="0" smtClean="0">
-                <a:solidFill>
-                  <a:schemeClr val="accent2"/>
-                </a:solidFill>
-                <a:latin typeface="Trebuchet MS" charset="0"/>
-              </a:rPr>
-              <a:t> Teaching </a:t>
-            </a:r>
-            <a:r>
-              <a:rPr lang="es-CL" b="1" dirty="0">
-                <a:solidFill>
-                  <a:schemeClr val="accent2"/>
-                </a:solidFill>
-                <a:latin typeface="Trebuchet MS" charset="0"/>
-              </a:rPr>
-              <a:t>&gt;</a:t>
-            </a:r>
-            <a:r>
-              <a:rPr lang="es-CL" b="1" dirty="0" smtClean="0">
-                <a:solidFill>
-                  <a:schemeClr val="accent2"/>
-                </a:solidFill>
-                <a:latin typeface="Trebuchet MS" charset="0"/>
-              </a:rPr>
-              <a:t> Reconocimiento de Patrones</a:t>
-            </a:r>
+              <a:t> &gt; Teaching &gt; Reconocimiento de Patrones</a:t>
+            </a:r>
+          </a:p>
+          <a:p>
             <a:endParaRPr lang="es-CL" b="1" dirty="0">
               <a:solidFill>
                 <a:schemeClr val="accent2"/>
@@ -10283,6 +9975,16 @@
             </a:endParaRPr>
           </a:p>
           <a:p>
+            <a:r>
+              <a:rPr lang="es-CL" b="1" dirty="0">
+                <a:solidFill>
+                  <a:schemeClr val="accent2"/>
+                </a:solidFill>
+                <a:latin typeface="Trebuchet MS" charset="0"/>
+                <a:hlinkClick r:id="rId4"/>
+              </a:rPr>
+              <a:t>domingo.mery@uc.cl</a:t>
+            </a:r>
             <a:endParaRPr lang="es-CL" b="1" dirty="0">
               <a:solidFill>
                 <a:schemeClr val="accent2"/>
@@ -10291,24 +9993,6 @@
             </a:endParaRPr>
           </a:p>
           <a:p>
-            <a:r>
-              <a:rPr lang="es-CL" b="1" dirty="0" smtClean="0">
-                <a:solidFill>
-                  <a:schemeClr val="accent2"/>
-                </a:solidFill>
-                <a:latin typeface="Trebuchet MS" charset="0"/>
-                <a:hlinkClick r:id="rId4"/>
-              </a:rPr>
-              <a:t>domingo.mery@uc.cl</a:t>
-            </a:r>
-            <a:endParaRPr lang="es-CL" b="1" dirty="0" smtClean="0">
-              <a:solidFill>
-                <a:schemeClr val="accent2"/>
-              </a:solidFill>
-              <a:latin typeface="Trebuchet MS" charset="0"/>
-            </a:endParaRPr>
-          </a:p>
-          <a:p>
             <a:endParaRPr lang="es-CL" b="1" dirty="0">
               <a:solidFill>
                 <a:schemeClr val="accent2"/>
@@ -10318,7 +10002,7 @@
           </a:p>
           <a:p>
             <a:r>
-              <a:rPr lang="es-CL" b="1" dirty="0" smtClean="0">
+              <a:rPr lang="es-CL" b="1" dirty="0">
                 <a:solidFill>
                   <a:schemeClr val="accent2"/>
                 </a:solidFill>
@@ -10326,6 +10010,8 @@
               </a:rPr>
               <a:t>      @CVCND</a:t>
             </a:r>
+          </a:p>
+          <a:p>
             <a:endParaRPr lang="es-CL" b="1" dirty="0">
               <a:solidFill>
                 <a:schemeClr val="accent2"/>
@@ -10334,14 +10020,6 @@
             </a:endParaRPr>
           </a:p>
           <a:p>
-            <a:endParaRPr lang="es-CL" b="1" dirty="0">
-              <a:solidFill>
-                <a:schemeClr val="accent2"/>
-              </a:solidFill>
-              <a:latin typeface="Trebuchet MS" charset="0"/>
-            </a:endParaRPr>
-          </a:p>
-          <a:p>
             <a:r>
               <a:rPr lang="es-CL" b="1" dirty="0">
                 <a:solidFill>
@@ -10349,23 +10027,8 @@
                 </a:solidFill>
                 <a:latin typeface="Trebuchet MS" charset="0"/>
               </a:rPr>
-              <a:t>Tel. </a:t>
-            </a:r>
-            <a:r>
-              <a:rPr lang="es-CL" b="1" dirty="0" smtClean="0">
-                <a:solidFill>
-                  <a:schemeClr val="accent2"/>
-                </a:solidFill>
-                <a:latin typeface="Trebuchet MS" charset="0"/>
-              </a:rPr>
-              <a:t>+562 2354-5808</a:t>
-            </a:r>
-            <a:endParaRPr lang="es-CL" b="1" dirty="0">
-              <a:solidFill>
-                <a:schemeClr val="accent2"/>
-              </a:solidFill>
-              <a:latin typeface="Trebuchet MS" charset="0"/>
-            </a:endParaRPr>
+              <a:t>Tel. +562 2354-5808</a:t>
+            </a:r>
           </a:p>
           <a:p>
             <a:endParaRPr lang="es-CL" b="1" dirty="0">
@@ -10429,13 +10092,6 @@
   <p:clrMapOvr>
     <a:masterClrMapping/>
   </p:clrMapOvr>
-  <p:timing>
-    <p:tnLst>
-      <p:par>
-        <p:cTn id="1" dur="indefinite" restart="never" nodeType="tmRoot"/>
-      </p:par>
-    </p:tnLst>
-  </p:timing>
 </p:sld>
 </file>
 
@@ -10491,7 +10147,7 @@
           <a:p>
             <a:pPr algn="ctr"/>
             <a:r>
-              <a:rPr lang="es-CL" sz="3200" b="1" dirty="0" smtClean="0">
+              <a:rPr lang="es-CL" sz="3200" b="1" dirty="0">
                 <a:solidFill>
                   <a:srgbClr val="3333CC"/>
                 </a:solidFill>
@@ -10499,12 +10155,6 @@
               </a:rPr>
               <a:t>Reconocimiento de Patrones</a:t>
             </a:r>
-            <a:endParaRPr lang="es-CL" sz="3200" b="1" dirty="0">
-              <a:solidFill>
-                <a:srgbClr val="3333CC"/>
-              </a:solidFill>
-              <a:latin typeface="Trebuchet MS" charset="0"/>
-            </a:endParaRPr>
           </a:p>
           <a:p>
             <a:pPr algn="ctr"/>
@@ -10515,16 +10165,7 @@
                 </a:solidFill>
                 <a:latin typeface="Trebuchet MS" charset="0"/>
               </a:rPr>
-              <a:t>ICC / IEE</a:t>
-            </a:r>
-            <a:r>
-              <a:rPr lang="es-CL" sz="3200" b="1" dirty="0" smtClean="0">
-                <a:solidFill>
-                  <a:srgbClr val="3333CC"/>
-                </a:solidFill>
-                <a:latin typeface="Trebuchet MS" charset="0"/>
-              </a:rPr>
-              <a:t> 3724</a:t>
+              <a:t>ICC / IEE 3724</a:t>
             </a:r>
           </a:p>
           <a:p>
@@ -10597,13 +10238,6 @@
   <p:clrMapOvr>
     <a:masterClrMapping/>
   </p:clrMapOvr>
-  <p:timing>
-    <p:tnLst>
-      <p:par>
-        <p:cTn id="1" dur="indefinite" restart="never" nodeType="tmRoot"/>
-      </p:par>
-    </p:tnLst>
-  </p:timing>
 </p:sld>
 </file>
 
@@ -11163,13 +10797,6 @@
   <p:clrMapOvr>
     <a:masterClrMapping/>
   </p:clrMapOvr>
-  <p:timing>
-    <p:tnLst>
-      <p:par>
-        <p:cTn id="1" dur="indefinite" restart="never" nodeType="tmRoot"/>
-      </p:par>
-    </p:tnLst>
-  </p:timing>
 </p:sld>
 </file>
 
@@ -11227,13 +10854,6 @@
   <p:clrMapOvr>
     <a:masterClrMapping/>
   </p:clrMapOvr>
-  <p:timing>
-    <p:tnLst>
-      <p:par>
-        <p:cTn id="1" dur="indefinite" restart="never" nodeType="tmRoot"/>
-      </p:par>
-    </p:tnLst>
-  </p:timing>
 </p:sld>
 </file>
 
@@ -11298,7 +10918,7 @@
             </a:r>
           </a:p>
           <a:p>
-            <a:endParaRPr lang="es-ES" b="1" dirty="0" smtClean="0">
+            <a:endParaRPr lang="es-ES" b="1" dirty="0">
               <a:solidFill>
                 <a:schemeClr val="accent2"/>
               </a:solidFill>
@@ -11306,7 +10926,7 @@
             </a:endParaRPr>
           </a:p>
           <a:p>
-            <a:endParaRPr lang="es-ES" b="1" dirty="0" smtClean="0">
+            <a:endParaRPr lang="es-ES" b="1" dirty="0">
               <a:solidFill>
                 <a:schemeClr val="accent2"/>
               </a:solidFill>
@@ -11316,22 +10936,13 @@
           <a:p>
             <a:pPr algn="just"/>
             <a:r>
-              <a:rPr lang="es-ES" sz="2400" dirty="0" smtClean="0">
-                <a:solidFill>
-                  <a:schemeClr val="accent2"/>
-                </a:solidFill>
-                <a:latin typeface="Trebuchet MS" charset="0"/>
-              </a:rPr>
-              <a:t>El </a:t>
-            </a:r>
-            <a:r>
               <a:rPr lang="es-ES" sz="2400" dirty="0">
                 <a:solidFill>
                   <a:schemeClr val="accent2"/>
                 </a:solidFill>
                 <a:latin typeface="Trebuchet MS" charset="0"/>
               </a:rPr>
-              <a:t>reconocimiento, la descripción, la clasificación y la agrupación de patrones de forma automática, son problemas importantes en una gran variedad de aplicaciones de ingeniería, psicología, medicina, economía, biologías, etc. El problema consiste en asignar automáticamente a una clase una muestra según las mediciones realizadas sobre la muestra. En el curso se estudiará la teoría necesaria para resolver este problema, y se aplicará la teoría en ejemplos prácticos tales como detección automática de tumores, reconocimiento de caracteres, detección de defectos, etc.</a:t>
+              <a:t>El reconocimiento, la descripción, la clasificación y la agrupación de patrones de forma automática, son problemas importantes en una gran variedad de aplicaciones de ingeniería, psicología, medicina, economía, biologías, etc. El problema consiste en asignar automáticamente a una clase una muestra según las mediciones realizadas sobre la muestra. En el curso se estudiará la teoría necesaria para resolver este problema, y se aplicará la teoría en ejemplos prácticos tales como detección automática de tumores, reconocimiento de caracteres, detección de defectos, etc.</a:t>
             </a:r>
           </a:p>
           <a:p>
@@ -11349,13 +10960,6 @@
   <p:clrMapOvr>
     <a:masterClrMapping/>
   </p:clrMapOvr>
-  <p:timing>
-    <p:tnLst>
-      <p:par>
-        <p:cTn id="1" dur="indefinite" restart="never" nodeType="tmRoot"/>
-      </p:par>
-    </p:tnLst>
-  </p:timing>
 </p:sld>
 </file>
 
@@ -11469,14 +11073,7 @@
                 <a:latin typeface="Trebuchet MS"/>
                 <a:cs typeface="Trebuchet MS"/>
               </a:rPr>
-              <a:t>Evaluar algoritmos eficientes para seleccionar características: Análisis de componentes principales, discriminante de Fisher, búsqueda exhaustiva, búsqueda secuencial, Branch&amp;Bound, entre otros</a:t>
-            </a:r>
-            <a:r>
-              <a:rPr lang="es-CL" sz="2000" dirty="0" smtClean="0">
-                <a:latin typeface="Trebuchet MS"/>
-                <a:cs typeface="Trebuchet MS"/>
-              </a:rPr>
-              <a:t>.</a:t>
+              <a:t>Evaluar algoritmos eficientes para seleccionar características: Análisis de componentes principales, discriminante de Fisher, búsqueda exhaustiva, búsqueda secuencial, Branch&amp;Bound, entre otros.</a:t>
             </a:r>
           </a:p>
         </p:txBody>
@@ -11537,13 +11134,6 @@
   <p:clrMapOvr>
     <a:masterClrMapping/>
   </p:clrMapOvr>
-  <p:timing>
-    <p:tnLst>
-      <p:par>
-        <p:cTn id="1" dur="indefinite" restart="never" nodeType="tmRoot"/>
-      </p:par>
-    </p:tnLst>
-  </p:timing>
 </p:sld>
 </file>
 
@@ -11602,18 +11192,11 @@
               <a:buAutoNum type="arabicPeriod" startAt="5"/>
             </a:pPr>
             <a:r>
-              <a:rPr lang="es-CL" sz="2000" dirty="0" smtClean="0">
-                <a:latin typeface="Trebuchet MS"/>
-                <a:cs typeface="Trebuchet MS"/>
-              </a:rPr>
-              <a:t>Diseñar </a:t>
-            </a:r>
-            <a:r>
               <a:rPr lang="es-CL" sz="2000" dirty="0">
                 <a:latin typeface="Trebuchet MS"/>
                 <a:cs typeface="Trebuchet MS"/>
               </a:rPr>
-              <a:t>clasificadores capaces de resolver problemas reales basados en las técnicas de clasificador lineal, árbol binario de decisión, vecino más cercano, Mahalanobis, Bayes, SVM, redes neuronales entre otros.</a:t>
+              <a:t>Diseñar clasificadores capaces de resolver problemas reales basados en las técnicas de clasificador lineal, árbol binario de decisión, vecino más cercano, Mahalanobis, Bayes, SVM, redes neuronales entre otros.</a:t>
             </a:r>
             <a:endParaRPr lang="en-US" sz="2000" dirty="0">
               <a:latin typeface="Trebuchet MS"/>
@@ -11717,13 +11300,6 @@
   <p:clrMapOvr>
     <a:masterClrMapping/>
   </p:clrMapOvr>
-  <p:timing>
-    <p:tnLst>
-      <p:par>
-        <p:cTn id="1" dur="indefinite" restart="never" nodeType="tmRoot"/>
-      </p:par>
-    </p:tnLst>
-  </p:timing>
 </p:sld>
 </file>
 
@@ -11797,13 +11373,73 @@
               <a:buAutoNum type="arabicPeriod"/>
             </a:pPr>
             <a:r>
-              <a:rPr lang="es-ES" dirty="0" smtClean="0">
+              <a:rPr lang="es-ES" dirty="0">
                 <a:solidFill>
                   <a:schemeClr val="accent2"/>
                 </a:solidFill>
                 <a:latin typeface="Trebuchet MS" charset="0"/>
               </a:rPr>
               <a:t>Extracción de Características</a:t>
+            </a:r>
+          </a:p>
+          <a:p>
+            <a:pPr marL="342900" indent="-342900">
+              <a:buFontTx/>
+              <a:buAutoNum type="arabicPeriod"/>
+            </a:pPr>
+            <a:r>
+              <a:rPr lang="es-ES" dirty="0">
+                <a:solidFill>
+                  <a:schemeClr val="accent2"/>
+                </a:solidFill>
+                <a:latin typeface="Trebuchet MS" charset="0"/>
+              </a:rPr>
+              <a:t>Selección de Características</a:t>
+            </a:r>
+          </a:p>
+          <a:p>
+            <a:pPr marL="342900" indent="-342900">
+              <a:buFontTx/>
+              <a:buAutoNum type="arabicPeriod"/>
+            </a:pPr>
+            <a:r>
+              <a:rPr lang="es-ES" dirty="0">
+                <a:solidFill>
+                  <a:schemeClr val="accent2"/>
+                </a:solidFill>
+                <a:latin typeface="Trebuchet MS" charset="0"/>
+              </a:rPr>
+              <a:t>Clasificación</a:t>
+            </a:r>
+          </a:p>
+          <a:p>
+            <a:pPr marL="342900" indent="-342900">
+              <a:buFontTx/>
+              <a:buAutoNum type="arabicPeriod"/>
+            </a:pPr>
+            <a:r>
+              <a:rPr lang="es-ES" dirty="0">
+                <a:solidFill>
+                  <a:schemeClr val="accent2"/>
+                </a:solidFill>
+                <a:latin typeface="Trebuchet MS" charset="0"/>
+              </a:rPr>
+              <a:t>Evaluación de Desempeño</a:t>
+            </a:r>
+          </a:p>
+          <a:p>
+            <a:pPr marL="342900" indent="-342900">
+              <a:buFontTx/>
+              <a:buAutoNum type="arabicPeriod"/>
+            </a:pPr>
+            <a:r>
+              <a:rPr lang="es-ES" dirty="0" err="1">
+                <a:solidFill>
+                  <a:schemeClr val="accent2"/>
+                </a:solidFill>
+                <a:latin typeface="Trebuchet MS" charset="0"/>
+              </a:rPr>
+              <a:t>Clustering</a:t>
             </a:r>
             <a:endParaRPr lang="es-ES" dirty="0">
               <a:solidFill>
@@ -11818,91 +11454,7 @@
               <a:buAutoNum type="arabicPeriod"/>
             </a:pPr>
             <a:r>
-              <a:rPr lang="es-ES" dirty="0" smtClean="0">
-                <a:solidFill>
-                  <a:schemeClr val="accent2"/>
-                </a:solidFill>
-                <a:latin typeface="Trebuchet MS" charset="0"/>
-              </a:rPr>
-              <a:t>Selección de Características</a:t>
-            </a:r>
-            <a:endParaRPr lang="es-ES" dirty="0">
-              <a:solidFill>
-                <a:schemeClr val="accent2"/>
-              </a:solidFill>
-              <a:latin typeface="Trebuchet MS" charset="0"/>
-            </a:endParaRPr>
-          </a:p>
-          <a:p>
-            <a:pPr marL="342900" indent="-342900">
-              <a:buFontTx/>
-              <a:buAutoNum type="arabicPeriod"/>
-            </a:pPr>
-            <a:r>
-              <a:rPr lang="es-ES" dirty="0" smtClean="0">
-                <a:solidFill>
-                  <a:schemeClr val="accent2"/>
-                </a:solidFill>
-                <a:latin typeface="Trebuchet MS" charset="0"/>
-              </a:rPr>
-              <a:t>Clasificación</a:t>
-            </a:r>
-            <a:endParaRPr lang="es-ES" dirty="0">
-              <a:solidFill>
-                <a:schemeClr val="accent2"/>
-              </a:solidFill>
-              <a:latin typeface="Trebuchet MS" charset="0"/>
-            </a:endParaRPr>
-          </a:p>
-          <a:p>
-            <a:pPr marL="342900" indent="-342900">
-              <a:buFontTx/>
-              <a:buAutoNum type="arabicPeriod"/>
-            </a:pPr>
-            <a:r>
-              <a:rPr lang="es-ES" dirty="0" smtClean="0">
-                <a:solidFill>
-                  <a:schemeClr val="accent2"/>
-                </a:solidFill>
-                <a:latin typeface="Trebuchet MS" charset="0"/>
-              </a:rPr>
-              <a:t>Evaluación de Desempeño</a:t>
-            </a:r>
-            <a:endParaRPr lang="es-ES" dirty="0">
-              <a:solidFill>
-                <a:schemeClr val="accent2"/>
-              </a:solidFill>
-              <a:latin typeface="Trebuchet MS" charset="0"/>
-            </a:endParaRPr>
-          </a:p>
-          <a:p>
-            <a:pPr marL="342900" indent="-342900">
-              <a:buFontTx/>
-              <a:buAutoNum type="arabicPeriod"/>
-            </a:pPr>
-            <a:r>
-              <a:rPr lang="es-ES" dirty="0" err="1" smtClean="0">
-                <a:solidFill>
-                  <a:schemeClr val="accent2"/>
-                </a:solidFill>
-                <a:latin typeface="Trebuchet MS" charset="0"/>
-              </a:rPr>
-              <a:t>Clustering</a:t>
-            </a:r>
-            <a:endParaRPr lang="es-ES" dirty="0">
-              <a:solidFill>
-                <a:schemeClr val="accent2"/>
-              </a:solidFill>
-              <a:latin typeface="Trebuchet MS" charset="0"/>
-            </a:endParaRPr>
-          </a:p>
-          <a:p>
-            <a:pPr marL="342900" indent="-342900">
-              <a:buFontTx/>
-              <a:buAutoNum type="arabicPeriod"/>
-            </a:pPr>
-            <a:r>
-              <a:rPr lang="es-ES" dirty="0" smtClean="0">
+              <a:rPr lang="es-ES" dirty="0">
                 <a:solidFill>
                   <a:schemeClr val="accent2"/>
                 </a:solidFill>
@@ -11910,12 +11462,6 @@
               </a:rPr>
               <a:t>Aplicaciones</a:t>
             </a:r>
-            <a:endParaRPr lang="es-ES" dirty="0">
-              <a:solidFill>
-                <a:schemeClr val="accent2"/>
-              </a:solidFill>
-              <a:latin typeface="Trebuchet MS" charset="0"/>
-            </a:endParaRPr>
           </a:p>
         </p:txBody>
       </p:sp>
@@ -11975,13 +11521,6 @@
   <p:clrMapOvr>
     <a:masterClrMapping/>
   </p:clrMapOvr>
-  <p:timing>
-    <p:tnLst>
-      <p:par>
-        <p:cTn id="1" dur="indefinite" restart="never" nodeType="tmRoot"/>
-      </p:par>
-    </p:tnLst>
-  </p:timing>
 </p:sld>
 </file>
 

--- a/clases/Cap00_Lineas_Generales/program/PAT00_Presentacion.pptx
+++ b/clases/Cap00_Lineas_Generales/program/PAT00_Presentacion.pptx
@@ -7904,7 +7904,7 @@
         <p:spPr bwMode="auto">
           <a:xfrm>
             <a:off x="447675" y="1903413"/>
-            <a:ext cx="7966075" cy="1416050"/>
+            <a:ext cx="7966075" cy="1692771"/>
           </a:xfrm>
           <a:prstGeom prst="rect">
             <a:avLst/>
@@ -7927,7 +7927,7 @@
           <a:lstStyle/>
           <a:p>
             <a:r>
-              <a:rPr lang="es-ES" sz="3200" b="1">
+              <a:rPr lang="es-ES" sz="3200" b="1" dirty="0">
                 <a:solidFill>
                   <a:schemeClr val="accent2"/>
                 </a:solidFill>
@@ -7937,7 +7937,7 @@
             </a:r>
           </a:p>
           <a:p>
-            <a:endParaRPr lang="es-ES" b="1">
+            <a:endParaRPr lang="es-ES" b="1" dirty="0">
               <a:solidFill>
                 <a:schemeClr val="accent2"/>
               </a:solidFill>
@@ -7946,15 +7946,15 @@
           </a:p>
           <a:p>
             <a:r>
-              <a:rPr lang="es-CL">
-                <a:solidFill>
-                  <a:schemeClr val="accent2"/>
-                </a:solidFill>
-                <a:latin typeface="Trebuchet MS" charset="0"/>
-              </a:rPr>
-              <a:t>El curso contempla clases expositivas teóricas y trabajos individuales de programación en computador.</a:t>
-            </a:r>
-            <a:endParaRPr lang="es-ES">
+              <a:rPr lang="es-CL" dirty="0">
+                <a:solidFill>
+                  <a:schemeClr val="accent2"/>
+                </a:solidFill>
+                <a:latin typeface="Trebuchet MS" charset="0"/>
+              </a:rPr>
+              <a:t>El curso contempla clases expositivas teóricas, trabajo en clase, ejercicios en grupo y trabajos individuales de programación en computador. Finalmente se realiza un proyecto en grupo.</a:t>
+            </a:r>
+            <a:endParaRPr lang="es-ES" dirty="0">
               <a:solidFill>
                 <a:schemeClr val="accent2"/>
               </a:solidFill>
@@ -7999,7 +7999,7 @@
         <p:spPr bwMode="auto">
           <a:xfrm>
             <a:off x="447675" y="1903413"/>
-            <a:ext cx="7966075" cy="3631764"/>
+            <a:ext cx="7966075" cy="3077766"/>
           </a:xfrm>
           <a:prstGeom prst="rect">
             <a:avLst/>
@@ -8047,18 +8047,7 @@
                 </a:solidFill>
                 <a:latin typeface="Trebuchet MS" charset="0"/>
               </a:rPr>
-              <a:t>-	Asistencia:	 	&gt; 75%</a:t>
-            </a:r>
-          </a:p>
-          <a:p>
-            <a:r>
-              <a:rPr lang="es-ES" b="1" dirty="0">
-                <a:solidFill>
-                  <a:schemeClr val="accent2"/>
-                </a:solidFill>
-                <a:latin typeface="Trebuchet MS" charset="0"/>
-              </a:rPr>
-              <a:t>-	Trabajo en Clases:	20%</a:t>
+              <a:t>-	Trabajo en Clases:	20% &gt; 4.0</a:t>
             </a:r>
           </a:p>
           <a:p>
@@ -8099,7 +8088,7 @@
                 </a:solidFill>
                 <a:latin typeface="Trebuchet MS" charset="0"/>
               </a:rPr>
-              <a:t>Para aprobar el curso se debe obtener más del 75% de asistencia y tener promedio sobre 4.0 en las tareas y en el proyecto, de lo contrario la nota será el mínimo de ellas. </a:t>
+              <a:t>Para aprobar el curso se debe obtener más de 4.0 en cada ítem, de lo contrario la nota será el mínimo de ellas. </a:t>
             </a:r>
           </a:p>
           <a:p>
@@ -8156,7 +8145,7 @@
         <p:spPr bwMode="auto">
           <a:xfrm>
             <a:off x="447675" y="735036"/>
-            <a:ext cx="8362950" cy="6494087"/>
+            <a:ext cx="8362950" cy="6740307"/>
           </a:xfrm>
           <a:prstGeom prst="rect">
             <a:avLst/>
@@ -8918,7 +8907,7 @@
                 </a:solidFill>
                 <a:latin typeface="Trebuchet MS" charset="0"/>
               </a:rPr>
-              <a:t>Mery, D.		</a:t>
+              <a:t>Mery, D.; </a:t>
             </a:r>
             <a:r>
               <a:rPr lang="es-ES" sz="1600" b="1" dirty="0" err="1">
@@ -8927,6 +8916,24 @@
                 </a:solidFill>
                 <a:latin typeface="Trebuchet MS" charset="0"/>
               </a:rPr>
+              <a:t>Pieringer</a:t>
+            </a:r>
+            <a:r>
+              <a:rPr lang="es-ES" sz="1600" b="1" dirty="0">
+                <a:solidFill>
+                  <a:schemeClr val="accent2"/>
+                </a:solidFill>
+                <a:latin typeface="Trebuchet MS" charset="0"/>
+              </a:rPr>
+              <a:t>, C.: </a:t>
+            </a:r>
+            <a:r>
+              <a:rPr lang="es-ES" sz="1600" b="1" dirty="0" err="1">
+                <a:solidFill>
+                  <a:schemeClr val="accent2"/>
+                </a:solidFill>
+                <a:latin typeface="Trebuchet MS" charset="0"/>
+              </a:rPr>
               <a:t>Computer</a:t>
             </a:r>
             <a:r>
@@ -9026,7 +9033,7 @@
                 </a:solidFill>
                 <a:latin typeface="Trebuchet MS" charset="0"/>
               </a:rPr>
-              <a:t>, 2015</a:t>
+              <a:t>, 2021</a:t>
             </a:r>
           </a:p>
           <a:p>
@@ -9855,8 +9862,8 @@
         </p:nvSpPr>
         <p:spPr bwMode="auto">
           <a:xfrm>
-            <a:off x="447675" y="1884363"/>
-            <a:ext cx="7966075" cy="4524315"/>
+            <a:off x="447675" y="313137"/>
+            <a:ext cx="8490263" cy="6401753"/>
           </a:xfrm>
           <a:prstGeom prst="rect">
             <a:avLst/>
@@ -9870,7 +9877,7 @@
           </a:ln>
         </p:spPr>
         <p:txBody>
-          <a:bodyPr>
+          <a:bodyPr wrap="square">
             <a:prstTxWarp prst="textNoShape">
               <a:avLst/>
             </a:prstTxWarp>
@@ -9879,7 +9886,7 @@
           <a:lstStyle/>
           <a:p>
             <a:r>
-              <a:rPr lang="es-ES" b="1" dirty="0">
+              <a:rPr lang="es-ES" sz="3200" b="1" dirty="0">
                 <a:solidFill>
                   <a:schemeClr val="accent2"/>
                 </a:solidFill>
@@ -9908,7 +9915,10 @@
             <a:r>
               <a:rPr lang="es-CL" b="1" dirty="0">
                 <a:solidFill>
-                  <a:schemeClr val="accent2"/>
+                  <a:schemeClr val="tx2">
+                    <a:lumMod val="50000"/>
+                    <a:lumOff val="50000"/>
+                  </a:schemeClr>
                 </a:solidFill>
                 <a:latin typeface="Trebuchet MS" charset="0"/>
               </a:rPr>
@@ -9919,7 +9929,10 @@
             <a:r>
               <a:rPr lang="es-CL" b="1" dirty="0">
                 <a:solidFill>
-                  <a:schemeClr val="accent2"/>
+                  <a:schemeClr val="tx2">
+                    <a:lumMod val="50000"/>
+                    <a:lumOff val="50000"/>
+                  </a:schemeClr>
                 </a:solidFill>
                 <a:latin typeface="Trebuchet MS" charset="0"/>
               </a:rPr>
@@ -9930,7 +9943,10 @@
             <a:r>
               <a:rPr lang="es-CL" b="1" dirty="0">
                 <a:solidFill>
-                  <a:schemeClr val="accent2"/>
+                  <a:schemeClr val="tx2">
+                    <a:lumMod val="50000"/>
+                    <a:lumOff val="50000"/>
+                  </a:schemeClr>
                 </a:solidFill>
                 <a:latin typeface="Trebuchet MS" charset="0"/>
               </a:rPr>
@@ -9938,6 +9954,16 @@
             </a:r>
           </a:p>
           <a:p>
+            <a:r>
+              <a:rPr lang="es-CL" b="1" dirty="0">
+                <a:solidFill>
+                  <a:schemeClr val="accent2"/>
+                </a:solidFill>
+                <a:latin typeface="Trebuchet MS" charset="0"/>
+                <a:hlinkClick r:id="rId3"/>
+              </a:rPr>
+              <a:t>http://domingomery.ing.uc.cl</a:t>
+            </a:r>
             <a:endParaRPr lang="es-CL" b="1" dirty="0">
               <a:solidFill>
                 <a:schemeClr val="accent2"/>
@@ -9946,27 +9972,6 @@
             </a:endParaRPr>
           </a:p>
           <a:p>
-            <a:r>
-              <a:rPr lang="es-CL" b="1" dirty="0">
-                <a:solidFill>
-                  <a:schemeClr val="accent2"/>
-                </a:solidFill>
-                <a:latin typeface="Trebuchet MS" charset="0"/>
-                <a:hlinkClick r:id="rId3"/>
-              </a:rPr>
-              <a:t>http://domingomery.ing.uc.cl</a:t>
-            </a:r>
-            <a:r>
-              <a:rPr lang="es-CL" b="1" dirty="0">
-                <a:solidFill>
-                  <a:schemeClr val="accent2"/>
-                </a:solidFill>
-                <a:latin typeface="Trebuchet MS" charset="0"/>
-              </a:rPr>
-              <a:t> &gt; Teaching &gt; Reconocimiento de Patrones</a:t>
-            </a:r>
-          </a:p>
-          <a:p>
             <a:endParaRPr lang="es-CL" b="1" dirty="0">
               <a:solidFill>
                 <a:schemeClr val="accent2"/>
@@ -9975,16 +9980,6 @@
             </a:endParaRPr>
           </a:p>
           <a:p>
-            <a:r>
-              <a:rPr lang="es-CL" b="1" dirty="0">
-                <a:solidFill>
-                  <a:schemeClr val="accent2"/>
-                </a:solidFill>
-                <a:latin typeface="Trebuchet MS" charset="0"/>
-                <a:hlinkClick r:id="rId4"/>
-              </a:rPr>
-              <a:t>domingo.mery@uc.cl</a:t>
-            </a:r>
             <a:endParaRPr lang="es-CL" b="1" dirty="0">
               <a:solidFill>
                 <a:schemeClr val="accent2"/>
@@ -9993,6 +9988,25 @@
             </a:endParaRPr>
           </a:p>
           <a:p>
+            <a:r>
+              <a:rPr lang="es-CL" b="1" dirty="0">
+                <a:solidFill>
+                  <a:schemeClr val="accent2"/>
+                </a:solidFill>
+                <a:latin typeface="Trebuchet MS" charset="0"/>
+              </a:rPr>
+              <a:t>     + Mail:	</a:t>
+            </a:r>
+            <a:r>
+              <a:rPr lang="es-CL" b="1" dirty="0">
+                <a:solidFill>
+                  <a:schemeClr val="accent2"/>
+                </a:solidFill>
+                <a:latin typeface="Trebuchet MS" charset="0"/>
+                <a:hlinkClick r:id="rId4"/>
+              </a:rPr>
+              <a:t>domingo.mery@uc.cl</a:t>
+            </a:r>
             <a:endParaRPr lang="es-CL" b="1" dirty="0">
               <a:solidFill>
                 <a:schemeClr val="accent2"/>
@@ -10001,17 +10015,6 @@
             </a:endParaRPr>
           </a:p>
           <a:p>
-            <a:r>
-              <a:rPr lang="es-CL" b="1" dirty="0">
-                <a:solidFill>
-                  <a:schemeClr val="accent2"/>
-                </a:solidFill>
-                <a:latin typeface="Trebuchet MS" charset="0"/>
-              </a:rPr>
-              <a:t>      @CVCND</a:t>
-            </a:r>
-          </a:p>
-          <a:p>
             <a:endParaRPr lang="es-CL" b="1" dirty="0">
               <a:solidFill>
                 <a:schemeClr val="accent2"/>
@@ -10027,10 +10030,18 @@
                 </a:solidFill>
                 <a:latin typeface="Trebuchet MS" charset="0"/>
               </a:rPr>
-              <a:t>Tel. +562 2354-5808</a:t>
-            </a:r>
-          </a:p>
-          <a:p>
+              <a:t>     + Zoom: 	</a:t>
+            </a:r>
+            <a:r>
+              <a:rPr lang="es-CL" b="1" dirty="0">
+                <a:solidFill>
+                  <a:schemeClr val="accent2"/>
+                </a:solidFill>
+                <a:latin typeface="Trebuchet MS" charset="0"/>
+                <a:hlinkClick r:id="rId5"/>
+              </a:rPr>
+              <a:t>https://notredame.zoom.us/my/patrones</a:t>
+            </a:r>
             <a:endParaRPr lang="es-CL" b="1" dirty="0">
               <a:solidFill>
                 <a:schemeClr val="accent2"/>
@@ -10039,54 +10050,156 @@
             </a:endParaRPr>
           </a:p>
           <a:p>
-            <a:r>
-              <a:rPr lang="es-CL" b="1" dirty="0">
-                <a:solidFill>
-                  <a:schemeClr val="accent2"/>
-                </a:solidFill>
-                <a:latin typeface="Trebuchet MS" charset="0"/>
-              </a:rPr>
-              <a:t>Oficina 20, Edificio San Agustín</a:t>
-            </a:r>
-            <a:endParaRPr lang="es-ES" b="1" dirty="0">
+            <a:endParaRPr lang="es-CL" b="1" dirty="0">
               <a:solidFill>
                 <a:schemeClr val="accent2"/>
               </a:solidFill>
               <a:latin typeface="Trebuchet MS" charset="0"/>
             </a:endParaRPr>
           </a:p>
+          <a:p>
+            <a:r>
+              <a:rPr lang="es-CL" b="1" dirty="0">
+                <a:solidFill>
+                  <a:schemeClr val="accent2"/>
+                </a:solidFill>
+                <a:latin typeface="Trebuchet MS" charset="0"/>
+              </a:rPr>
+              <a:t>     		Meeting ID: 386 155 8778</a:t>
+            </a:r>
+          </a:p>
+          <a:p>
+            <a:endParaRPr lang="es-CL" b="1" dirty="0">
+              <a:solidFill>
+                <a:schemeClr val="accent2"/>
+              </a:solidFill>
+              <a:latin typeface="Trebuchet MS" charset="0"/>
+            </a:endParaRPr>
+          </a:p>
+          <a:p>
+            <a:r>
+              <a:rPr lang="es-CL" b="1" dirty="0">
+                <a:solidFill>
+                  <a:schemeClr val="accent2"/>
+                </a:solidFill>
+                <a:latin typeface="Trebuchet MS" charset="0"/>
+              </a:rPr>
+              <a:t>     + YouTube: 	</a:t>
+            </a:r>
+            <a:r>
+              <a:rPr lang="es-CL" b="1" dirty="0">
+                <a:solidFill>
+                  <a:schemeClr val="accent2"/>
+                </a:solidFill>
+                <a:latin typeface="Trebuchet MS" charset="0"/>
+                <a:hlinkClick r:id="rId6"/>
+              </a:rPr>
+              <a:t>http:/youtube.com/domingomery</a:t>
+            </a:r>
+            <a:r>
+              <a:rPr lang="es-CL" b="1" dirty="0">
+                <a:solidFill>
+                  <a:schemeClr val="accent2"/>
+                </a:solidFill>
+                <a:latin typeface="Trebuchet MS" charset="0"/>
+              </a:rPr>
+              <a:t> </a:t>
+            </a:r>
+          </a:p>
+          <a:p>
+            <a:endParaRPr lang="es-CL" b="1" dirty="0">
+              <a:solidFill>
+                <a:schemeClr val="accent2"/>
+              </a:solidFill>
+              <a:latin typeface="Trebuchet MS" charset="0"/>
+            </a:endParaRPr>
+          </a:p>
+          <a:p>
+            <a:r>
+              <a:rPr lang="es-CL" b="1" dirty="0">
+                <a:solidFill>
+                  <a:schemeClr val="accent2"/>
+                </a:solidFill>
+                <a:latin typeface="Trebuchet MS" charset="0"/>
+              </a:rPr>
+              <a:t>     + GitHub: 	</a:t>
+            </a:r>
+            <a:r>
+              <a:rPr lang="es-CL" b="1" dirty="0">
+                <a:solidFill>
+                  <a:schemeClr val="accent2"/>
+                </a:solidFill>
+                <a:latin typeface="Trebuchet MS" charset="0"/>
+                <a:hlinkClick r:id="rId7"/>
+              </a:rPr>
+              <a:t>https://github.com/domingomery/patrones</a:t>
+            </a:r>
+            <a:endParaRPr lang="es-CL" b="1" dirty="0">
+              <a:solidFill>
+                <a:schemeClr val="accent2"/>
+              </a:solidFill>
+              <a:latin typeface="Trebuchet MS" charset="0"/>
+            </a:endParaRPr>
+          </a:p>
+          <a:p>
+            <a:endParaRPr lang="es-CL" b="1" dirty="0">
+              <a:solidFill>
+                <a:schemeClr val="accent2"/>
+              </a:solidFill>
+              <a:latin typeface="Trebuchet MS" charset="0"/>
+            </a:endParaRPr>
+          </a:p>
+          <a:p>
+            <a:r>
+              <a:rPr lang="es-CL" b="1" dirty="0">
+                <a:solidFill>
+                  <a:schemeClr val="accent2"/>
+                </a:solidFill>
+                <a:latin typeface="Trebuchet MS" charset="0"/>
+              </a:rPr>
+              <a:t>     + Web: 	</a:t>
+            </a:r>
+            <a:r>
+              <a:rPr lang="es-CL" b="1" dirty="0">
+                <a:solidFill>
+                  <a:schemeClr val="accent2"/>
+                </a:solidFill>
+                <a:latin typeface="Trebuchet MS" charset="0"/>
+                <a:hlinkClick r:id="rId8"/>
+              </a:rPr>
+              <a:t>https://domingomery.ing.uc.cl/teaching/patrones/</a:t>
+            </a:r>
+            <a:r>
+              <a:rPr lang="es-CL" b="1" dirty="0">
+                <a:solidFill>
+                  <a:schemeClr val="accent2"/>
+                </a:solidFill>
+                <a:latin typeface="Trebuchet MS" charset="0"/>
+              </a:rPr>
+              <a:t> </a:t>
+            </a:r>
+          </a:p>
+          <a:p>
+            <a:endParaRPr lang="es-CL" b="1" dirty="0">
+              <a:solidFill>
+                <a:schemeClr val="accent2"/>
+              </a:solidFill>
+              <a:latin typeface="Trebuchet MS" charset="0"/>
+            </a:endParaRPr>
+          </a:p>
+          <a:p>
+            <a:r>
+              <a:rPr lang="es-CL" b="1" dirty="0">
+                <a:solidFill>
+                  <a:schemeClr val="accent2"/>
+                </a:solidFill>
+                <a:latin typeface="Trebuchet MS" charset="0"/>
+              </a:rPr>
+              <a:t>     + Twitter: 	@CVCND</a:t>
+            </a:r>
+          </a:p>
         </p:txBody>
       </p:sp>
-      <p:pic>
-        <p:nvPicPr>
-          <p:cNvPr id="2" name="Picture 1" descr="Screen Shot 2016-03-08 at 9.51.22 AM.png"/>
-          <p:cNvPicPr>
-            <a:picLocks noChangeAspect="1"/>
-          </p:cNvPicPr>
-          <p:nvPr/>
-        </p:nvPicPr>
-        <p:blipFill>
-          <a:blip r:embed="rId5">
-            <a:extLst>
-              <a:ext uri="{28A0092B-C50C-407E-A947-70E740481C1C}">
-                <a14:useLocalDpi xmlns:a14="http://schemas.microsoft.com/office/drawing/2010/main" val="0"/>
-              </a:ext>
-            </a:extLst>
-          </a:blip>
-          <a:stretch>
-            <a:fillRect/>
-          </a:stretch>
-        </p:blipFill>
-        <p:spPr>
-          <a:xfrm>
-            <a:off x="516467" y="4927600"/>
-            <a:ext cx="395492" cy="342900"/>
-          </a:xfrm>
-          <a:prstGeom prst="rect">
-            <a:avLst/>
-          </a:prstGeom>
-        </p:spPr>
-      </p:pic>
     </p:spTree>
   </p:cSld>
   <p:clrMapOvr>
@@ -10242,7 +10355,7 @@
 </file>
 
 <file path=ppt/slides/slide3.xml><?xml version="1.0" encoding="utf-8"?>
-<p:sld xmlns:a="http://schemas.openxmlformats.org/drawingml/2006/main" xmlns:r="http://schemas.openxmlformats.org/officeDocument/2006/relationships" xmlns:p="http://schemas.openxmlformats.org/presentationml/2006/main">
+<p:sld xmlns:a="http://schemas.openxmlformats.org/drawingml/2006/main" xmlns:r="http://schemas.openxmlformats.org/officeDocument/2006/relationships" xmlns:p="http://schemas.openxmlformats.org/presentationml/2006/main" show="0">
   <p:cSld>
     <p:spTree>
       <p:nvGrpSpPr>
@@ -10744,7 +10857,7 @@
 </file>
 
 <file path=ppt/slides/slide4.xml><?xml version="1.0" encoding="utf-8"?>
-<p:sld xmlns:a="http://schemas.openxmlformats.org/drawingml/2006/main" xmlns:r="http://schemas.openxmlformats.org/officeDocument/2006/relationships" xmlns:p="http://schemas.openxmlformats.org/presentationml/2006/main">
+<p:sld xmlns:a="http://schemas.openxmlformats.org/drawingml/2006/main" xmlns:r="http://schemas.openxmlformats.org/officeDocument/2006/relationships" xmlns:p="http://schemas.openxmlformats.org/presentationml/2006/main" show="0">
   <p:cSld>
     <p:spTree>
       <p:nvGrpSpPr>
@@ -10801,7 +10914,7 @@
 </file>
 
 <file path=ppt/slides/slide5.xml><?xml version="1.0" encoding="utf-8"?>
-<p:sld xmlns:a="http://schemas.openxmlformats.org/drawingml/2006/main" xmlns:r="http://schemas.openxmlformats.org/officeDocument/2006/relationships" xmlns:p="http://schemas.openxmlformats.org/presentationml/2006/main">
+<p:sld xmlns:a="http://schemas.openxmlformats.org/drawingml/2006/main" xmlns:r="http://schemas.openxmlformats.org/officeDocument/2006/relationships" xmlns:p="http://schemas.openxmlformats.org/presentationml/2006/main" show="0">
   <p:cSld>
     <p:spTree>
       <p:nvGrpSpPr>
@@ -10990,7 +11103,7 @@
         </p:nvSpPr>
         <p:spPr bwMode="auto">
           <a:xfrm>
-            <a:off x="460374" y="2370138"/>
+            <a:off x="460374" y="1751953"/>
             <a:ext cx="8124825" cy="4401205"/>
           </a:xfrm>
           <a:prstGeom prst="rect">
@@ -11088,8 +11201,8 @@
         </p:nvSpPr>
         <p:spPr bwMode="auto">
           <a:xfrm>
-            <a:off x="450850" y="1274763"/>
-            <a:ext cx="2132013" cy="584200"/>
+            <a:off x="450850" y="656578"/>
+            <a:ext cx="3198311" cy="584775"/>
           </a:xfrm>
           <a:prstGeom prst="rect">
             <a:avLst/>
@@ -11112,15 +11225,15 @@
           <a:lstStyle/>
           <a:p>
             <a:r>
-              <a:rPr lang="es-CL" sz="3200" b="1">
-                <a:solidFill>
-                  <a:schemeClr val="accent2"/>
-                </a:solidFill>
-                <a:latin typeface="Trebuchet MS" charset="0"/>
-              </a:rPr>
-              <a:t>Objetivos </a:t>
-            </a:r>
-            <a:endParaRPr lang="es-ES" sz="3200" b="1">
+              <a:rPr lang="es-CL" sz="3200" b="1" dirty="0">
+                <a:solidFill>
+                  <a:schemeClr val="accent2"/>
+                </a:solidFill>
+                <a:latin typeface="Trebuchet MS" charset="0"/>
+              </a:rPr>
+              <a:t>Objetivos (1/2) </a:t>
+            </a:r>
+            <a:endParaRPr lang="es-ES" sz="3200" b="1" dirty="0">
               <a:solidFill>
                 <a:schemeClr val="accent2"/>
               </a:solidFill>
@@ -11241,7 +11354,13 @@
       </p:sp>
       <p:sp>
         <p:nvSpPr>
-          <p:cNvPr id="8195" name="Text Box 4"/>
+          <p:cNvPr id="4" name="Text Box 4">
+            <a:extLst>
+              <a:ext uri="{FF2B5EF4-FFF2-40B4-BE49-F238E27FC236}">
+                <a16:creationId xmlns:a16="http://schemas.microsoft.com/office/drawing/2014/main" id="{85076E2F-253B-584B-B667-EA70417671EC}"/>
+              </a:ext>
+            </a:extLst>
+          </p:cNvPr>
           <p:cNvSpPr txBox="1">
             <a:spLocks noChangeArrowheads="1"/>
           </p:cNvSpPr>
@@ -11249,8 +11368,8 @@
         </p:nvSpPr>
         <p:spPr bwMode="auto">
           <a:xfrm>
-            <a:off x="450850" y="1274763"/>
-            <a:ext cx="2132013" cy="584200"/>
+            <a:off x="450850" y="656578"/>
+            <a:ext cx="3198311" cy="584775"/>
           </a:xfrm>
           <a:prstGeom prst="rect">
             <a:avLst/>
@@ -11273,15 +11392,15 @@
           <a:lstStyle/>
           <a:p>
             <a:r>
-              <a:rPr lang="es-CL" sz="3200" b="1">
-                <a:solidFill>
-                  <a:schemeClr val="accent2"/>
-                </a:solidFill>
-                <a:latin typeface="Trebuchet MS" charset="0"/>
-              </a:rPr>
-              <a:t>Objetivos </a:t>
-            </a:r>
-            <a:endParaRPr lang="es-ES" sz="3200" b="1">
+              <a:rPr lang="es-CL" sz="3200" b="1" dirty="0">
+                <a:solidFill>
+                  <a:schemeClr val="accent2"/>
+                </a:solidFill>
+                <a:latin typeface="Trebuchet MS" charset="0"/>
+              </a:rPr>
+              <a:t>Objetivos (2/2) </a:t>
+            </a:r>
+            <a:endParaRPr lang="es-ES" sz="3200" b="1" dirty="0">
               <a:solidFill>
                 <a:schemeClr val="accent2"/>
               </a:solidFill>

--- a/clases/Cap00_Lineas_Generales/program/PAT00_Presentacion.pptx
+++ b/clases/Cap00_Lineas_Generales/program/PAT00_Presentacion.pptx
@@ -6,7 +6,7 @@
     <p:sldMasterId id="2147483651" r:id="rId2"/>
   </p:sldMasterIdLst>
   <p:notesMasterIdLst>
-    <p:notesMasterId r:id="rId17"/>
+    <p:notesMasterId r:id="rId25"/>
   </p:notesMasterIdLst>
   <p:sldIdLst>
     <p:sldId id="503" r:id="rId3"/>
@@ -23,6 +23,14 @@
     <p:sldId id="496" r:id="rId14"/>
     <p:sldId id="499" r:id="rId15"/>
     <p:sldId id="497" r:id="rId16"/>
+    <p:sldId id="510" r:id="rId17"/>
+    <p:sldId id="511" r:id="rId18"/>
+    <p:sldId id="512" r:id="rId19"/>
+    <p:sldId id="513" r:id="rId20"/>
+    <p:sldId id="514" r:id="rId21"/>
+    <p:sldId id="515" r:id="rId22"/>
+    <p:sldId id="516" r:id="rId23"/>
+    <p:sldId id="517" r:id="rId24"/>
   </p:sldIdLst>
   <p:sldSz cx="9144000" cy="6858000" type="screen4x3"/>
   <p:notesSz cx="6858000" cy="9144000"/>
@@ -1173,6 +1181,481 @@
 </p:notes>
 </file>
 
+<file path=ppt/notesSlides/notesSlide15.xml><?xml version="1.0" encoding="utf-8"?>
+<p:notes xmlns:a="http://schemas.openxmlformats.org/drawingml/2006/main" xmlns:r="http://schemas.openxmlformats.org/officeDocument/2006/relationships" xmlns:p="http://schemas.openxmlformats.org/presentationml/2006/main">
+  <p:cSld>
+    <p:spTree>
+      <p:nvGrpSpPr>
+        <p:cNvPr id="1" name=""/>
+        <p:cNvGrpSpPr/>
+        <p:nvPr/>
+      </p:nvGrpSpPr>
+      <p:grpSpPr>
+        <a:xfrm>
+          <a:off x="0" y="0"/>
+          <a:ext cx="0" cy="0"/>
+          <a:chOff x="0" y="0"/>
+          <a:chExt cx="0" cy="0"/>
+        </a:xfrm>
+      </p:grpSpPr>
+      <p:sp>
+        <p:nvSpPr>
+          <p:cNvPr id="49154" name="Rectangle 7"/>
+          <p:cNvSpPr>
+            <a:spLocks noGrp="1" noChangeArrowheads="1"/>
+          </p:cNvSpPr>
+          <p:nvPr>
+            <p:ph type="sldNum" sz="quarter" idx="5"/>
+          </p:nvPr>
+        </p:nvSpPr>
+        <p:spPr>
+          <a:noFill/>
+        </p:spPr>
+        <p:txBody>
+          <a:bodyPr/>
+          <a:lstStyle/>
+          <a:p>
+            <a:fld id="{3632ACF5-D53C-164B-A5FB-68C4E461EBF3}" type="slidenum">
+              <a:rPr lang="en-US"/>
+              <a:pPr/>
+              <a:t>15</a:t>
+            </a:fld>
+            <a:endParaRPr lang="en-US"/>
+          </a:p>
+        </p:txBody>
+      </p:sp>
+      <p:sp>
+        <p:nvSpPr>
+          <p:cNvPr id="49155" name="Rectangle 2"/>
+          <p:cNvSpPr>
+            <a:spLocks noGrp="1" noRot="1" noChangeAspect="1" noChangeArrowheads="1" noTextEdit="1"/>
+          </p:cNvSpPr>
+          <p:nvPr>
+            <p:ph type="sldImg"/>
+          </p:nvPr>
+        </p:nvSpPr>
+        <p:spPr>
+          <a:ln/>
+        </p:spPr>
+      </p:sp>
+      <p:sp>
+        <p:nvSpPr>
+          <p:cNvPr id="49156" name="Rectangle 3"/>
+          <p:cNvSpPr>
+            <a:spLocks noGrp="1" noChangeArrowheads="1"/>
+          </p:cNvSpPr>
+          <p:nvPr>
+            <p:ph type="body" idx="1"/>
+          </p:nvPr>
+        </p:nvSpPr>
+        <p:spPr>
+          <a:noFill/>
+          <a:ln/>
+        </p:spPr>
+        <p:txBody>
+          <a:bodyPr/>
+          <a:lstStyle/>
+          <a:p>
+            <a:pPr eaLnBrk="1" hangingPunct="1"/>
+            <a:endParaRPr lang="es-ES">
+              <a:latin typeface="Arial" charset="0"/>
+            </a:endParaRPr>
+          </a:p>
+        </p:txBody>
+      </p:sp>
+    </p:spTree>
+    <p:extLst>
+      <p:ext uri="{BB962C8B-B14F-4D97-AF65-F5344CB8AC3E}">
+        <p14:creationId xmlns:p14="http://schemas.microsoft.com/office/powerpoint/2010/main" val="1361387992"/>
+      </p:ext>
+    </p:extLst>
+  </p:cSld>
+  <p:clrMapOvr>
+    <a:masterClrMapping/>
+  </p:clrMapOvr>
+</p:notes>
+</file>
+
+<file path=ppt/notesSlides/notesSlide16.xml><?xml version="1.0" encoding="utf-8"?>
+<p:notes xmlns:a="http://schemas.openxmlformats.org/drawingml/2006/main" xmlns:r="http://schemas.openxmlformats.org/officeDocument/2006/relationships" xmlns:p="http://schemas.openxmlformats.org/presentationml/2006/main">
+  <p:cSld>
+    <p:spTree>
+      <p:nvGrpSpPr>
+        <p:cNvPr id="1" name=""/>
+        <p:cNvGrpSpPr/>
+        <p:nvPr/>
+      </p:nvGrpSpPr>
+      <p:grpSpPr>
+        <a:xfrm>
+          <a:off x="0" y="0"/>
+          <a:ext cx="0" cy="0"/>
+          <a:chOff x="0" y="0"/>
+          <a:chExt cx="0" cy="0"/>
+        </a:xfrm>
+      </p:grpSpPr>
+      <p:sp>
+        <p:nvSpPr>
+          <p:cNvPr id="49154" name="Rectangle 7"/>
+          <p:cNvSpPr>
+            <a:spLocks noGrp="1" noChangeArrowheads="1"/>
+          </p:cNvSpPr>
+          <p:nvPr>
+            <p:ph type="sldNum" sz="quarter" idx="5"/>
+          </p:nvPr>
+        </p:nvSpPr>
+        <p:spPr>
+          <a:noFill/>
+        </p:spPr>
+        <p:txBody>
+          <a:bodyPr/>
+          <a:lstStyle/>
+          <a:p>
+            <a:fld id="{3632ACF5-D53C-164B-A5FB-68C4E461EBF3}" type="slidenum">
+              <a:rPr lang="en-US"/>
+              <a:pPr/>
+              <a:t>16</a:t>
+            </a:fld>
+            <a:endParaRPr lang="en-US"/>
+          </a:p>
+        </p:txBody>
+      </p:sp>
+      <p:sp>
+        <p:nvSpPr>
+          <p:cNvPr id="49155" name="Rectangle 2"/>
+          <p:cNvSpPr>
+            <a:spLocks noGrp="1" noRot="1" noChangeAspect="1" noChangeArrowheads="1" noTextEdit="1"/>
+          </p:cNvSpPr>
+          <p:nvPr>
+            <p:ph type="sldImg"/>
+          </p:nvPr>
+        </p:nvSpPr>
+        <p:spPr>
+          <a:ln/>
+        </p:spPr>
+      </p:sp>
+      <p:sp>
+        <p:nvSpPr>
+          <p:cNvPr id="49156" name="Rectangle 3"/>
+          <p:cNvSpPr>
+            <a:spLocks noGrp="1" noChangeArrowheads="1"/>
+          </p:cNvSpPr>
+          <p:nvPr>
+            <p:ph type="body" idx="1"/>
+          </p:nvPr>
+        </p:nvSpPr>
+        <p:spPr>
+          <a:noFill/>
+          <a:ln/>
+        </p:spPr>
+        <p:txBody>
+          <a:bodyPr/>
+          <a:lstStyle/>
+          <a:p>
+            <a:pPr eaLnBrk="1" hangingPunct="1"/>
+            <a:endParaRPr lang="es-ES">
+              <a:latin typeface="Arial" charset="0"/>
+            </a:endParaRPr>
+          </a:p>
+        </p:txBody>
+      </p:sp>
+    </p:spTree>
+    <p:extLst>
+      <p:ext uri="{BB962C8B-B14F-4D97-AF65-F5344CB8AC3E}">
+        <p14:creationId xmlns:p14="http://schemas.microsoft.com/office/powerpoint/2010/main" val="1279740500"/>
+      </p:ext>
+    </p:extLst>
+  </p:cSld>
+  <p:clrMapOvr>
+    <a:masterClrMapping/>
+  </p:clrMapOvr>
+</p:notes>
+</file>
+
+<file path=ppt/notesSlides/notesSlide17.xml><?xml version="1.0" encoding="utf-8"?>
+<p:notes xmlns:a="http://schemas.openxmlformats.org/drawingml/2006/main" xmlns:r="http://schemas.openxmlformats.org/officeDocument/2006/relationships" xmlns:p="http://schemas.openxmlformats.org/presentationml/2006/main">
+  <p:cSld>
+    <p:spTree>
+      <p:nvGrpSpPr>
+        <p:cNvPr id="1" name=""/>
+        <p:cNvGrpSpPr/>
+        <p:nvPr/>
+      </p:nvGrpSpPr>
+      <p:grpSpPr>
+        <a:xfrm>
+          <a:off x="0" y="0"/>
+          <a:ext cx="0" cy="0"/>
+          <a:chOff x="0" y="0"/>
+          <a:chExt cx="0" cy="0"/>
+        </a:xfrm>
+      </p:grpSpPr>
+      <p:sp>
+        <p:nvSpPr>
+          <p:cNvPr id="49154" name="Rectangle 7"/>
+          <p:cNvSpPr>
+            <a:spLocks noGrp="1" noChangeArrowheads="1"/>
+          </p:cNvSpPr>
+          <p:nvPr>
+            <p:ph type="sldNum" sz="quarter" idx="5"/>
+          </p:nvPr>
+        </p:nvSpPr>
+        <p:spPr>
+          <a:noFill/>
+        </p:spPr>
+        <p:txBody>
+          <a:bodyPr/>
+          <a:lstStyle/>
+          <a:p>
+            <a:fld id="{3632ACF5-D53C-164B-A5FB-68C4E461EBF3}" type="slidenum">
+              <a:rPr lang="en-US"/>
+              <a:pPr/>
+              <a:t>17</a:t>
+            </a:fld>
+            <a:endParaRPr lang="en-US"/>
+          </a:p>
+        </p:txBody>
+      </p:sp>
+      <p:sp>
+        <p:nvSpPr>
+          <p:cNvPr id="49155" name="Rectangle 2"/>
+          <p:cNvSpPr>
+            <a:spLocks noGrp="1" noRot="1" noChangeAspect="1" noChangeArrowheads="1" noTextEdit="1"/>
+          </p:cNvSpPr>
+          <p:nvPr>
+            <p:ph type="sldImg"/>
+          </p:nvPr>
+        </p:nvSpPr>
+        <p:spPr>
+          <a:ln/>
+        </p:spPr>
+      </p:sp>
+      <p:sp>
+        <p:nvSpPr>
+          <p:cNvPr id="49156" name="Rectangle 3"/>
+          <p:cNvSpPr>
+            <a:spLocks noGrp="1" noChangeArrowheads="1"/>
+          </p:cNvSpPr>
+          <p:nvPr>
+            <p:ph type="body" idx="1"/>
+          </p:nvPr>
+        </p:nvSpPr>
+        <p:spPr>
+          <a:noFill/>
+          <a:ln/>
+        </p:spPr>
+        <p:txBody>
+          <a:bodyPr/>
+          <a:lstStyle/>
+          <a:p>
+            <a:pPr eaLnBrk="1" hangingPunct="1"/>
+            <a:endParaRPr lang="es-ES">
+              <a:latin typeface="Arial" charset="0"/>
+            </a:endParaRPr>
+          </a:p>
+        </p:txBody>
+      </p:sp>
+    </p:spTree>
+    <p:extLst>
+      <p:ext uri="{BB962C8B-B14F-4D97-AF65-F5344CB8AC3E}">
+        <p14:creationId xmlns:p14="http://schemas.microsoft.com/office/powerpoint/2010/main" val="825878722"/>
+      </p:ext>
+    </p:extLst>
+  </p:cSld>
+  <p:clrMapOvr>
+    <a:masterClrMapping/>
+  </p:clrMapOvr>
+</p:notes>
+</file>
+
+<file path=ppt/notesSlides/notesSlide18.xml><?xml version="1.0" encoding="utf-8"?>
+<p:notes xmlns:a="http://schemas.openxmlformats.org/drawingml/2006/main" xmlns:r="http://schemas.openxmlformats.org/officeDocument/2006/relationships" xmlns:p="http://schemas.openxmlformats.org/presentationml/2006/main">
+  <p:cSld>
+    <p:spTree>
+      <p:nvGrpSpPr>
+        <p:cNvPr id="1" name=""/>
+        <p:cNvGrpSpPr/>
+        <p:nvPr/>
+      </p:nvGrpSpPr>
+      <p:grpSpPr>
+        <a:xfrm>
+          <a:off x="0" y="0"/>
+          <a:ext cx="0" cy="0"/>
+          <a:chOff x="0" y="0"/>
+          <a:chExt cx="0" cy="0"/>
+        </a:xfrm>
+      </p:grpSpPr>
+      <p:sp>
+        <p:nvSpPr>
+          <p:cNvPr id="49154" name="Rectangle 7"/>
+          <p:cNvSpPr>
+            <a:spLocks noGrp="1" noChangeArrowheads="1"/>
+          </p:cNvSpPr>
+          <p:nvPr>
+            <p:ph type="sldNum" sz="quarter" idx="5"/>
+          </p:nvPr>
+        </p:nvSpPr>
+        <p:spPr>
+          <a:noFill/>
+        </p:spPr>
+        <p:txBody>
+          <a:bodyPr/>
+          <a:lstStyle/>
+          <a:p>
+            <a:fld id="{3632ACF5-D53C-164B-A5FB-68C4E461EBF3}" type="slidenum">
+              <a:rPr lang="en-US"/>
+              <a:pPr/>
+              <a:t>18</a:t>
+            </a:fld>
+            <a:endParaRPr lang="en-US"/>
+          </a:p>
+        </p:txBody>
+      </p:sp>
+      <p:sp>
+        <p:nvSpPr>
+          <p:cNvPr id="49155" name="Rectangle 2"/>
+          <p:cNvSpPr>
+            <a:spLocks noGrp="1" noRot="1" noChangeAspect="1" noChangeArrowheads="1" noTextEdit="1"/>
+          </p:cNvSpPr>
+          <p:nvPr>
+            <p:ph type="sldImg"/>
+          </p:nvPr>
+        </p:nvSpPr>
+        <p:spPr>
+          <a:ln/>
+        </p:spPr>
+      </p:sp>
+      <p:sp>
+        <p:nvSpPr>
+          <p:cNvPr id="49156" name="Rectangle 3"/>
+          <p:cNvSpPr>
+            <a:spLocks noGrp="1" noChangeArrowheads="1"/>
+          </p:cNvSpPr>
+          <p:nvPr>
+            <p:ph type="body" idx="1"/>
+          </p:nvPr>
+        </p:nvSpPr>
+        <p:spPr>
+          <a:noFill/>
+          <a:ln/>
+        </p:spPr>
+        <p:txBody>
+          <a:bodyPr/>
+          <a:lstStyle/>
+          <a:p>
+            <a:pPr eaLnBrk="1" hangingPunct="1"/>
+            <a:endParaRPr lang="es-ES">
+              <a:latin typeface="Arial" charset="0"/>
+            </a:endParaRPr>
+          </a:p>
+        </p:txBody>
+      </p:sp>
+    </p:spTree>
+    <p:extLst>
+      <p:ext uri="{BB962C8B-B14F-4D97-AF65-F5344CB8AC3E}">
+        <p14:creationId xmlns:p14="http://schemas.microsoft.com/office/powerpoint/2010/main" val="4157668898"/>
+      </p:ext>
+    </p:extLst>
+  </p:cSld>
+  <p:clrMapOvr>
+    <a:masterClrMapping/>
+  </p:clrMapOvr>
+</p:notes>
+</file>
+
+<file path=ppt/notesSlides/notesSlide19.xml><?xml version="1.0" encoding="utf-8"?>
+<p:notes xmlns:a="http://schemas.openxmlformats.org/drawingml/2006/main" xmlns:r="http://schemas.openxmlformats.org/officeDocument/2006/relationships" xmlns:p="http://schemas.openxmlformats.org/presentationml/2006/main">
+  <p:cSld>
+    <p:spTree>
+      <p:nvGrpSpPr>
+        <p:cNvPr id="1" name=""/>
+        <p:cNvGrpSpPr/>
+        <p:nvPr/>
+      </p:nvGrpSpPr>
+      <p:grpSpPr>
+        <a:xfrm>
+          <a:off x="0" y="0"/>
+          <a:ext cx="0" cy="0"/>
+          <a:chOff x="0" y="0"/>
+          <a:chExt cx="0" cy="0"/>
+        </a:xfrm>
+      </p:grpSpPr>
+      <p:sp>
+        <p:nvSpPr>
+          <p:cNvPr id="49154" name="Rectangle 7"/>
+          <p:cNvSpPr>
+            <a:spLocks noGrp="1" noChangeArrowheads="1"/>
+          </p:cNvSpPr>
+          <p:nvPr>
+            <p:ph type="sldNum" sz="quarter" idx="5"/>
+          </p:nvPr>
+        </p:nvSpPr>
+        <p:spPr>
+          <a:noFill/>
+        </p:spPr>
+        <p:txBody>
+          <a:bodyPr/>
+          <a:lstStyle/>
+          <a:p>
+            <a:fld id="{3632ACF5-D53C-164B-A5FB-68C4E461EBF3}" type="slidenum">
+              <a:rPr lang="en-US"/>
+              <a:pPr/>
+              <a:t>19</a:t>
+            </a:fld>
+            <a:endParaRPr lang="en-US"/>
+          </a:p>
+        </p:txBody>
+      </p:sp>
+      <p:sp>
+        <p:nvSpPr>
+          <p:cNvPr id="49155" name="Rectangle 2"/>
+          <p:cNvSpPr>
+            <a:spLocks noGrp="1" noRot="1" noChangeAspect="1" noChangeArrowheads="1" noTextEdit="1"/>
+          </p:cNvSpPr>
+          <p:nvPr>
+            <p:ph type="sldImg"/>
+          </p:nvPr>
+        </p:nvSpPr>
+        <p:spPr>
+          <a:ln/>
+        </p:spPr>
+      </p:sp>
+      <p:sp>
+        <p:nvSpPr>
+          <p:cNvPr id="49156" name="Rectangle 3"/>
+          <p:cNvSpPr>
+            <a:spLocks noGrp="1" noChangeArrowheads="1"/>
+          </p:cNvSpPr>
+          <p:nvPr>
+            <p:ph type="body" idx="1"/>
+          </p:nvPr>
+        </p:nvSpPr>
+        <p:spPr>
+          <a:noFill/>
+          <a:ln/>
+        </p:spPr>
+        <p:txBody>
+          <a:bodyPr/>
+          <a:lstStyle/>
+          <a:p>
+            <a:pPr eaLnBrk="1" hangingPunct="1"/>
+            <a:endParaRPr lang="es-ES">
+              <a:latin typeface="Arial" charset="0"/>
+            </a:endParaRPr>
+          </a:p>
+        </p:txBody>
+      </p:sp>
+    </p:spTree>
+    <p:extLst>
+      <p:ext uri="{BB962C8B-B14F-4D97-AF65-F5344CB8AC3E}">
+        <p14:creationId xmlns:p14="http://schemas.microsoft.com/office/powerpoint/2010/main" val="3139494310"/>
+      </p:ext>
+    </p:extLst>
+  </p:cSld>
+  <p:clrMapOvr>
+    <a:masterClrMapping/>
+  </p:clrMapOvr>
+</p:notes>
+</file>
+
 <file path=ppt/notesSlides/notesSlide2.xml><?xml version="1.0" encoding="utf-8"?>
 <p:notes xmlns:a="http://schemas.openxmlformats.org/drawingml/2006/main" xmlns:r="http://schemas.openxmlformats.org/officeDocument/2006/relationships" xmlns:p="http://schemas.openxmlformats.org/presentationml/2006/main">
   <p:cSld>
@@ -1259,6 +1742,291 @@
     <p:extLst>
       <p:ext uri="{BB962C8B-B14F-4D97-AF65-F5344CB8AC3E}">
         <p14:creationId xmlns:p14="http://schemas.microsoft.com/office/powerpoint/2010/main" val="213951777"/>
+      </p:ext>
+    </p:extLst>
+  </p:cSld>
+  <p:clrMapOvr>
+    <a:masterClrMapping/>
+  </p:clrMapOvr>
+</p:notes>
+</file>
+
+<file path=ppt/notesSlides/notesSlide20.xml><?xml version="1.0" encoding="utf-8"?>
+<p:notes xmlns:a="http://schemas.openxmlformats.org/drawingml/2006/main" xmlns:r="http://schemas.openxmlformats.org/officeDocument/2006/relationships" xmlns:p="http://schemas.openxmlformats.org/presentationml/2006/main">
+  <p:cSld>
+    <p:spTree>
+      <p:nvGrpSpPr>
+        <p:cNvPr id="1" name=""/>
+        <p:cNvGrpSpPr/>
+        <p:nvPr/>
+      </p:nvGrpSpPr>
+      <p:grpSpPr>
+        <a:xfrm>
+          <a:off x="0" y="0"/>
+          <a:ext cx="0" cy="0"/>
+          <a:chOff x="0" y="0"/>
+          <a:chExt cx="0" cy="0"/>
+        </a:xfrm>
+      </p:grpSpPr>
+      <p:sp>
+        <p:nvSpPr>
+          <p:cNvPr id="49154" name="Rectangle 7"/>
+          <p:cNvSpPr>
+            <a:spLocks noGrp="1" noChangeArrowheads="1"/>
+          </p:cNvSpPr>
+          <p:nvPr>
+            <p:ph type="sldNum" sz="quarter" idx="5"/>
+          </p:nvPr>
+        </p:nvSpPr>
+        <p:spPr>
+          <a:noFill/>
+        </p:spPr>
+        <p:txBody>
+          <a:bodyPr/>
+          <a:lstStyle/>
+          <a:p>
+            <a:fld id="{3632ACF5-D53C-164B-A5FB-68C4E461EBF3}" type="slidenum">
+              <a:rPr lang="en-US"/>
+              <a:pPr/>
+              <a:t>20</a:t>
+            </a:fld>
+            <a:endParaRPr lang="en-US"/>
+          </a:p>
+        </p:txBody>
+      </p:sp>
+      <p:sp>
+        <p:nvSpPr>
+          <p:cNvPr id="49155" name="Rectangle 2"/>
+          <p:cNvSpPr>
+            <a:spLocks noGrp="1" noRot="1" noChangeAspect="1" noChangeArrowheads="1" noTextEdit="1"/>
+          </p:cNvSpPr>
+          <p:nvPr>
+            <p:ph type="sldImg"/>
+          </p:nvPr>
+        </p:nvSpPr>
+        <p:spPr>
+          <a:ln/>
+        </p:spPr>
+      </p:sp>
+      <p:sp>
+        <p:nvSpPr>
+          <p:cNvPr id="49156" name="Rectangle 3"/>
+          <p:cNvSpPr>
+            <a:spLocks noGrp="1" noChangeArrowheads="1"/>
+          </p:cNvSpPr>
+          <p:nvPr>
+            <p:ph type="body" idx="1"/>
+          </p:nvPr>
+        </p:nvSpPr>
+        <p:spPr>
+          <a:noFill/>
+          <a:ln/>
+        </p:spPr>
+        <p:txBody>
+          <a:bodyPr/>
+          <a:lstStyle/>
+          <a:p>
+            <a:pPr eaLnBrk="1" hangingPunct="1"/>
+            <a:endParaRPr lang="es-ES">
+              <a:latin typeface="Arial" charset="0"/>
+            </a:endParaRPr>
+          </a:p>
+        </p:txBody>
+      </p:sp>
+    </p:spTree>
+    <p:extLst>
+      <p:ext uri="{BB962C8B-B14F-4D97-AF65-F5344CB8AC3E}">
+        <p14:creationId xmlns:p14="http://schemas.microsoft.com/office/powerpoint/2010/main" val="1038844923"/>
+      </p:ext>
+    </p:extLst>
+  </p:cSld>
+  <p:clrMapOvr>
+    <a:masterClrMapping/>
+  </p:clrMapOvr>
+</p:notes>
+</file>
+
+<file path=ppt/notesSlides/notesSlide21.xml><?xml version="1.0" encoding="utf-8"?>
+<p:notes xmlns:a="http://schemas.openxmlformats.org/drawingml/2006/main" xmlns:r="http://schemas.openxmlformats.org/officeDocument/2006/relationships" xmlns:p="http://schemas.openxmlformats.org/presentationml/2006/main">
+  <p:cSld>
+    <p:spTree>
+      <p:nvGrpSpPr>
+        <p:cNvPr id="1" name=""/>
+        <p:cNvGrpSpPr/>
+        <p:nvPr/>
+      </p:nvGrpSpPr>
+      <p:grpSpPr>
+        <a:xfrm>
+          <a:off x="0" y="0"/>
+          <a:ext cx="0" cy="0"/>
+          <a:chOff x="0" y="0"/>
+          <a:chExt cx="0" cy="0"/>
+        </a:xfrm>
+      </p:grpSpPr>
+      <p:sp>
+        <p:nvSpPr>
+          <p:cNvPr id="49154" name="Rectangle 7"/>
+          <p:cNvSpPr>
+            <a:spLocks noGrp="1" noChangeArrowheads="1"/>
+          </p:cNvSpPr>
+          <p:nvPr>
+            <p:ph type="sldNum" sz="quarter" idx="5"/>
+          </p:nvPr>
+        </p:nvSpPr>
+        <p:spPr>
+          <a:noFill/>
+        </p:spPr>
+        <p:txBody>
+          <a:bodyPr/>
+          <a:lstStyle/>
+          <a:p>
+            <a:fld id="{3632ACF5-D53C-164B-A5FB-68C4E461EBF3}" type="slidenum">
+              <a:rPr lang="en-US"/>
+              <a:pPr/>
+              <a:t>21</a:t>
+            </a:fld>
+            <a:endParaRPr lang="en-US"/>
+          </a:p>
+        </p:txBody>
+      </p:sp>
+      <p:sp>
+        <p:nvSpPr>
+          <p:cNvPr id="49155" name="Rectangle 2"/>
+          <p:cNvSpPr>
+            <a:spLocks noGrp="1" noRot="1" noChangeAspect="1" noChangeArrowheads="1" noTextEdit="1"/>
+          </p:cNvSpPr>
+          <p:nvPr>
+            <p:ph type="sldImg"/>
+          </p:nvPr>
+        </p:nvSpPr>
+        <p:spPr>
+          <a:ln/>
+        </p:spPr>
+      </p:sp>
+      <p:sp>
+        <p:nvSpPr>
+          <p:cNvPr id="49156" name="Rectangle 3"/>
+          <p:cNvSpPr>
+            <a:spLocks noGrp="1" noChangeArrowheads="1"/>
+          </p:cNvSpPr>
+          <p:nvPr>
+            <p:ph type="body" idx="1"/>
+          </p:nvPr>
+        </p:nvSpPr>
+        <p:spPr>
+          <a:noFill/>
+          <a:ln/>
+        </p:spPr>
+        <p:txBody>
+          <a:bodyPr/>
+          <a:lstStyle/>
+          <a:p>
+            <a:pPr eaLnBrk="1" hangingPunct="1"/>
+            <a:endParaRPr lang="es-ES">
+              <a:latin typeface="Arial" charset="0"/>
+            </a:endParaRPr>
+          </a:p>
+        </p:txBody>
+      </p:sp>
+    </p:spTree>
+    <p:extLst>
+      <p:ext uri="{BB962C8B-B14F-4D97-AF65-F5344CB8AC3E}">
+        <p14:creationId xmlns:p14="http://schemas.microsoft.com/office/powerpoint/2010/main" val="609083147"/>
+      </p:ext>
+    </p:extLst>
+  </p:cSld>
+  <p:clrMapOvr>
+    <a:masterClrMapping/>
+  </p:clrMapOvr>
+</p:notes>
+</file>
+
+<file path=ppt/notesSlides/notesSlide22.xml><?xml version="1.0" encoding="utf-8"?>
+<p:notes xmlns:a="http://schemas.openxmlformats.org/drawingml/2006/main" xmlns:r="http://schemas.openxmlformats.org/officeDocument/2006/relationships" xmlns:p="http://schemas.openxmlformats.org/presentationml/2006/main">
+  <p:cSld>
+    <p:spTree>
+      <p:nvGrpSpPr>
+        <p:cNvPr id="1" name=""/>
+        <p:cNvGrpSpPr/>
+        <p:nvPr/>
+      </p:nvGrpSpPr>
+      <p:grpSpPr>
+        <a:xfrm>
+          <a:off x="0" y="0"/>
+          <a:ext cx="0" cy="0"/>
+          <a:chOff x="0" y="0"/>
+          <a:chExt cx="0" cy="0"/>
+        </a:xfrm>
+      </p:grpSpPr>
+      <p:sp>
+        <p:nvSpPr>
+          <p:cNvPr id="49154" name="Rectangle 7"/>
+          <p:cNvSpPr>
+            <a:spLocks noGrp="1" noChangeArrowheads="1"/>
+          </p:cNvSpPr>
+          <p:nvPr>
+            <p:ph type="sldNum" sz="quarter" idx="5"/>
+          </p:nvPr>
+        </p:nvSpPr>
+        <p:spPr>
+          <a:noFill/>
+        </p:spPr>
+        <p:txBody>
+          <a:bodyPr/>
+          <a:lstStyle/>
+          <a:p>
+            <a:fld id="{3632ACF5-D53C-164B-A5FB-68C4E461EBF3}" type="slidenum">
+              <a:rPr lang="en-US"/>
+              <a:pPr/>
+              <a:t>22</a:t>
+            </a:fld>
+            <a:endParaRPr lang="en-US"/>
+          </a:p>
+        </p:txBody>
+      </p:sp>
+      <p:sp>
+        <p:nvSpPr>
+          <p:cNvPr id="49155" name="Rectangle 2"/>
+          <p:cNvSpPr>
+            <a:spLocks noGrp="1" noRot="1" noChangeAspect="1" noChangeArrowheads="1" noTextEdit="1"/>
+          </p:cNvSpPr>
+          <p:nvPr>
+            <p:ph type="sldImg"/>
+          </p:nvPr>
+        </p:nvSpPr>
+        <p:spPr>
+          <a:ln/>
+        </p:spPr>
+      </p:sp>
+      <p:sp>
+        <p:nvSpPr>
+          <p:cNvPr id="49156" name="Rectangle 3"/>
+          <p:cNvSpPr>
+            <a:spLocks noGrp="1" noChangeArrowheads="1"/>
+          </p:cNvSpPr>
+          <p:nvPr>
+            <p:ph type="body" idx="1"/>
+          </p:nvPr>
+        </p:nvSpPr>
+        <p:spPr>
+          <a:noFill/>
+          <a:ln/>
+        </p:spPr>
+        <p:txBody>
+          <a:bodyPr/>
+          <a:lstStyle/>
+          <a:p>
+            <a:pPr eaLnBrk="1" hangingPunct="1"/>
+            <a:endParaRPr lang="es-ES">
+              <a:latin typeface="Arial" charset="0"/>
+            </a:endParaRPr>
+          </a:p>
+        </p:txBody>
+      </p:sp>
+    </p:spTree>
+    <p:extLst>
+      <p:ext uri="{BB962C8B-B14F-4D97-AF65-F5344CB8AC3E}">
+        <p14:creationId xmlns:p14="http://schemas.microsoft.com/office/powerpoint/2010/main" val="3716853680"/>
       </p:ext>
     </p:extLst>
   </p:cSld>
@@ -9922,7 +10690,7 @@
                 </a:solidFill>
                 <a:latin typeface="Trebuchet MS" charset="0"/>
               </a:rPr>
-              <a:t>Domingo Mery</a:t>
+              <a:t>Domingo Mery	Departamento de Ciencia de la Computación</a:t>
             </a:r>
           </a:p>
           <a:p>
@@ -9936,7 +10704,7 @@
                 </a:solidFill>
                 <a:latin typeface="Trebuchet MS" charset="0"/>
               </a:rPr>
-              <a:t>Departamento de Ciencia de la Computación</a:t>
+              <a:t>		Pontificia Universidad Católica de Chile</a:t>
             </a:r>
           </a:p>
           <a:p>
@@ -9950,10 +10718,8 @@
                 </a:solidFill>
                 <a:latin typeface="Trebuchet MS" charset="0"/>
               </a:rPr>
-              <a:t>Pontificia Universidad Católica de Chile</a:t>
-            </a:r>
-          </a:p>
-          <a:p>
+              <a:t>		</a:t>
+            </a:r>
             <a:r>
               <a:rPr lang="es-CL" b="1" dirty="0">
                 <a:solidFill>
@@ -9980,6 +10746,25 @@
             </a:endParaRPr>
           </a:p>
           <a:p>
+            <a:r>
+              <a:rPr lang="es-CL" b="1" dirty="0">
+                <a:solidFill>
+                  <a:schemeClr val="accent2"/>
+                </a:solidFill>
+                <a:latin typeface="Trebuchet MS" charset="0"/>
+              </a:rPr>
+              <a:t>     + Mail:	</a:t>
+            </a:r>
+            <a:r>
+              <a:rPr lang="es-CL" b="1" dirty="0">
+                <a:solidFill>
+                  <a:schemeClr val="accent2"/>
+                </a:solidFill>
+                <a:latin typeface="Trebuchet MS" charset="0"/>
+                <a:hlinkClick r:id="rId4"/>
+              </a:rPr>
+              <a:t>domingo.mery@uc.cl</a:t>
+            </a:r>
             <a:endParaRPr lang="es-CL" b="1" dirty="0">
               <a:solidFill>
                 <a:schemeClr val="accent2"/>
@@ -9988,25 +10773,6 @@
             </a:endParaRPr>
           </a:p>
           <a:p>
-            <a:r>
-              <a:rPr lang="es-CL" b="1" dirty="0">
-                <a:solidFill>
-                  <a:schemeClr val="accent2"/>
-                </a:solidFill>
-                <a:latin typeface="Trebuchet MS" charset="0"/>
-              </a:rPr>
-              <a:t>     + Mail:	</a:t>
-            </a:r>
-            <a:r>
-              <a:rPr lang="es-CL" b="1" dirty="0">
-                <a:solidFill>
-                  <a:schemeClr val="accent2"/>
-                </a:solidFill>
-                <a:latin typeface="Trebuchet MS" charset="0"/>
-                <a:hlinkClick r:id="rId4"/>
-              </a:rPr>
-              <a:t>domingo.mery@uc.cl</a:t>
-            </a:r>
             <a:endParaRPr lang="es-CL" b="1" dirty="0">
               <a:solidFill>
                 <a:schemeClr val="accent2"/>
@@ -10015,6 +10781,25 @@
             </a:endParaRPr>
           </a:p>
           <a:p>
+            <a:r>
+              <a:rPr lang="es-CL" b="1" dirty="0">
+                <a:solidFill>
+                  <a:schemeClr val="accent2"/>
+                </a:solidFill>
+                <a:latin typeface="Trebuchet MS" charset="0"/>
+              </a:rPr>
+              <a:t>     + Zoom: 	</a:t>
+            </a:r>
+            <a:r>
+              <a:rPr lang="es-CL" b="1" dirty="0">
+                <a:solidFill>
+                  <a:schemeClr val="accent2"/>
+                </a:solidFill>
+                <a:latin typeface="Trebuchet MS" charset="0"/>
+                <a:hlinkClick r:id="rId5"/>
+              </a:rPr>
+              <a:t>https://notredame.zoom.us/my/patrones</a:t>
+            </a:r>
             <a:endParaRPr lang="es-CL" b="1" dirty="0">
               <a:solidFill>
                 <a:schemeClr val="accent2"/>
@@ -10023,25 +10808,6 @@
             </a:endParaRPr>
           </a:p>
           <a:p>
-            <a:r>
-              <a:rPr lang="es-CL" b="1" dirty="0">
-                <a:solidFill>
-                  <a:schemeClr val="accent2"/>
-                </a:solidFill>
-                <a:latin typeface="Trebuchet MS" charset="0"/>
-              </a:rPr>
-              <a:t>     + Zoom: 	</a:t>
-            </a:r>
-            <a:r>
-              <a:rPr lang="es-CL" b="1" dirty="0">
-                <a:solidFill>
-                  <a:schemeClr val="accent2"/>
-                </a:solidFill>
-                <a:latin typeface="Trebuchet MS" charset="0"/>
-                <a:hlinkClick r:id="rId5"/>
-              </a:rPr>
-              <a:t>https://notredame.zoom.us/my/patrones</a:t>
-            </a:r>
             <a:endParaRPr lang="es-CL" b="1" dirty="0">
               <a:solidFill>
                 <a:schemeClr val="accent2"/>
@@ -10050,6 +10816,17 @@
             </a:endParaRPr>
           </a:p>
           <a:p>
+            <a:r>
+              <a:rPr lang="es-CL" b="1" dirty="0">
+                <a:solidFill>
+                  <a:schemeClr val="accent2"/>
+                </a:solidFill>
+                <a:latin typeface="Trebuchet MS" charset="0"/>
+              </a:rPr>
+              <a:t>     		Meeting ID: 386 155 8778</a:t>
+            </a:r>
+          </a:p>
+          <a:p>
             <a:endParaRPr lang="es-CL" b="1" dirty="0">
               <a:solidFill>
                 <a:schemeClr val="accent2"/>
@@ -10065,7 +10842,26 @@
                 </a:solidFill>
                 <a:latin typeface="Trebuchet MS" charset="0"/>
               </a:rPr>
-              <a:t>     		Meeting ID: 386 155 8778</a:t>
+              <a:t>     + YouTube: 	</a:t>
+            </a:r>
+            <a:r>
+              <a:rPr lang="es-CL" b="1" dirty="0">
+                <a:solidFill>
+                  <a:schemeClr val="accent2"/>
+                </a:solidFill>
+                <a:latin typeface="Trebuchet MS" charset="0"/>
+                <a:hlinkClick r:id="rId6"/>
+              </a:rPr>
+              <a:t>http:/youtube.com/domingomery</a:t>
+            </a:r>
+            <a:r>
+              <a:rPr lang="es-CL" b="1" dirty="0">
+                <a:solidFill>
+                  <a:schemeClr val="accent2"/>
+                </a:solidFill>
+                <a:latin typeface="Trebuchet MS" charset="0"/>
+              </a:rPr>
+              <a:t> </a:t>
             </a:r>
           </a:p>
           <a:p>
@@ -10084,7 +10880,7 @@
                 </a:solidFill>
                 <a:latin typeface="Trebuchet MS" charset="0"/>
               </a:rPr>
-              <a:t>     + YouTube: 	</a:t>
+              <a:t>     + GitHub: 	</a:t>
             </a:r>
             <a:r>
               <a:rPr lang="es-CL" b="1" dirty="0">
@@ -10092,21 +10888,10 @@
                   <a:schemeClr val="accent2"/>
                 </a:solidFill>
                 <a:latin typeface="Trebuchet MS" charset="0"/>
-                <a:hlinkClick r:id="rId6"/>
-              </a:rPr>
-              <a:t>http:/youtube.com/domingomery</a:t>
-            </a:r>
-            <a:r>
-              <a:rPr lang="es-CL" b="1" dirty="0">
-                <a:solidFill>
-                  <a:schemeClr val="accent2"/>
-                </a:solidFill>
-                <a:latin typeface="Trebuchet MS" charset="0"/>
-              </a:rPr>
-              <a:t> </a:t>
-            </a:r>
-          </a:p>
-          <a:p>
+                <a:hlinkClick r:id="rId7"/>
+              </a:rPr>
+              <a:t>https://github.com/domingomery/patrones</a:t>
+            </a:r>
             <a:endParaRPr lang="es-CL" b="1" dirty="0">
               <a:solidFill>
                 <a:schemeClr val="accent2"/>
@@ -10115,25 +10900,6 @@
             </a:endParaRPr>
           </a:p>
           <a:p>
-            <a:r>
-              <a:rPr lang="es-CL" b="1" dirty="0">
-                <a:solidFill>
-                  <a:schemeClr val="accent2"/>
-                </a:solidFill>
-                <a:latin typeface="Trebuchet MS" charset="0"/>
-              </a:rPr>
-              <a:t>     + GitHub: 	</a:t>
-            </a:r>
-            <a:r>
-              <a:rPr lang="es-CL" b="1" dirty="0">
-                <a:solidFill>
-                  <a:schemeClr val="accent2"/>
-                </a:solidFill>
-                <a:latin typeface="Trebuchet MS" charset="0"/>
-                <a:hlinkClick r:id="rId7"/>
-              </a:rPr>
-              <a:t>https://github.com/domingomery/patrones</a:t>
-            </a:r>
             <a:endParaRPr lang="es-CL" b="1" dirty="0">
               <a:solidFill>
                 <a:schemeClr val="accent2"/>
@@ -10142,6 +10908,25 @@
             </a:endParaRPr>
           </a:p>
           <a:p>
+            <a:r>
+              <a:rPr lang="es-CL" b="1" dirty="0">
+                <a:solidFill>
+                  <a:schemeClr val="accent2"/>
+                </a:solidFill>
+                <a:latin typeface="Trebuchet MS" charset="0"/>
+              </a:rPr>
+              <a:t>     + Web: 	</a:t>
+            </a:r>
+            <a:r>
+              <a:rPr lang="es-CL" b="1" dirty="0">
+                <a:solidFill>
+                  <a:schemeClr val="accent2"/>
+                </a:solidFill>
+                <a:latin typeface="Trebuchet MS" charset="0"/>
+                <a:hlinkClick r:id="rId8"/>
+              </a:rPr>
+              <a:t>https://domingomery.ing.uc.cl/teaching/patrones/</a:t>
+            </a:r>
             <a:endParaRPr lang="es-CL" b="1" dirty="0">
               <a:solidFill>
                 <a:schemeClr val="accent2"/>
@@ -10150,36 +10935,6 @@
             </a:endParaRPr>
           </a:p>
           <a:p>
-            <a:r>
-              <a:rPr lang="es-CL" b="1" dirty="0">
-                <a:solidFill>
-                  <a:schemeClr val="accent2"/>
-                </a:solidFill>
-                <a:latin typeface="Trebuchet MS" charset="0"/>
-              </a:rPr>
-              <a:t>     + Web: 	</a:t>
-            </a:r>
-            <a:r>
-              <a:rPr lang="es-CL" b="1" dirty="0">
-                <a:solidFill>
-                  <a:schemeClr val="accent2"/>
-                </a:solidFill>
-                <a:latin typeface="Trebuchet MS" charset="0"/>
-                <a:hlinkClick r:id="rId8"/>
-              </a:rPr>
-              <a:t>https://domingomery.ing.uc.cl/teaching/patrones/</a:t>
-            </a:r>
-            <a:r>
-              <a:rPr lang="es-CL" b="1" dirty="0">
-                <a:solidFill>
-                  <a:schemeClr val="accent2"/>
-                </a:solidFill>
-                <a:latin typeface="Trebuchet MS" charset="0"/>
-              </a:rPr>
-              <a:t> </a:t>
-            </a:r>
-          </a:p>
-          <a:p>
             <a:endParaRPr lang="es-CL" b="1" dirty="0">
               <a:solidFill>
                 <a:schemeClr val="accent2"/>
@@ -10195,12 +10950,2730 @@
                 </a:solidFill>
                 <a:latin typeface="Trebuchet MS" charset="0"/>
               </a:rPr>
+              <a:t>     + Google Classroom: Class Code asifzvs </a:t>
+            </a:r>
+          </a:p>
+          <a:p>
+            <a:endParaRPr lang="es-CL" b="1" dirty="0">
+              <a:solidFill>
+                <a:schemeClr val="accent2"/>
+              </a:solidFill>
+              <a:latin typeface="Trebuchet MS" charset="0"/>
+            </a:endParaRPr>
+          </a:p>
+          <a:p>
+            <a:r>
+              <a:rPr lang="es-CL" b="1" dirty="0">
+                <a:solidFill>
+                  <a:schemeClr val="accent2"/>
+                </a:solidFill>
+                <a:latin typeface="Trebuchet MS" charset="0"/>
+              </a:rPr>
               <a:t>     + Twitter: 	@CVCND</a:t>
             </a:r>
           </a:p>
         </p:txBody>
       </p:sp>
     </p:spTree>
+  </p:cSld>
+  <p:clrMapOvr>
+    <a:masterClrMapping/>
+  </p:clrMapOvr>
+</p:sld>
+</file>
+
+<file path=ppt/slides/slide15.xml><?xml version="1.0" encoding="utf-8"?>
+<p:sld xmlns:a="http://schemas.openxmlformats.org/drawingml/2006/main" xmlns:r="http://schemas.openxmlformats.org/officeDocument/2006/relationships" xmlns:p="http://schemas.openxmlformats.org/presentationml/2006/main">
+  <p:cSld>
+    <p:spTree>
+      <p:nvGrpSpPr>
+        <p:cNvPr id="1" name=""/>
+        <p:cNvGrpSpPr/>
+        <p:nvPr/>
+      </p:nvGrpSpPr>
+      <p:grpSpPr>
+        <a:xfrm>
+          <a:off x="0" y="0"/>
+          <a:ext cx="0" cy="0"/>
+          <a:chOff x="0" y="0"/>
+          <a:chExt cx="0" cy="0"/>
+        </a:xfrm>
+      </p:grpSpPr>
+      <p:sp>
+        <p:nvSpPr>
+          <p:cNvPr id="24578" name="Text Box 2"/>
+          <p:cNvSpPr txBox="1">
+            <a:spLocks noChangeArrowheads="1"/>
+          </p:cNvSpPr>
+          <p:nvPr/>
+        </p:nvSpPr>
+        <p:spPr bwMode="auto">
+          <a:xfrm>
+            <a:off x="447675" y="313137"/>
+            <a:ext cx="8490263" cy="6401753"/>
+          </a:xfrm>
+          <a:prstGeom prst="rect">
+            <a:avLst/>
+          </a:prstGeom>
+          <a:noFill/>
+          <a:ln w="9525">
+            <a:noFill/>
+            <a:miter lim="800000"/>
+            <a:headEnd/>
+            <a:tailEnd/>
+          </a:ln>
+        </p:spPr>
+        <p:txBody>
+          <a:bodyPr wrap="square">
+            <a:prstTxWarp prst="textNoShape">
+              <a:avLst/>
+            </a:prstTxWarp>
+            <a:spAutoFit/>
+          </a:bodyPr>
+          <a:lstStyle/>
+          <a:p>
+            <a:r>
+              <a:rPr lang="es-ES" sz="3200" b="1" dirty="0">
+                <a:solidFill>
+                  <a:schemeClr val="accent2"/>
+                </a:solidFill>
+                <a:latin typeface="Trebuchet MS" charset="0"/>
+              </a:rPr>
+              <a:t>Coordenadas</a:t>
+            </a:r>
+          </a:p>
+          <a:p>
+            <a:endParaRPr lang="es-CL" b="1" dirty="0">
+              <a:solidFill>
+                <a:schemeClr val="accent2"/>
+              </a:solidFill>
+              <a:latin typeface="Trebuchet MS" charset="0"/>
+            </a:endParaRPr>
+          </a:p>
+          <a:p>
+            <a:endParaRPr lang="es-CL" b="1" dirty="0">
+              <a:solidFill>
+                <a:schemeClr val="accent2"/>
+              </a:solidFill>
+              <a:latin typeface="Trebuchet MS" charset="0"/>
+            </a:endParaRPr>
+          </a:p>
+          <a:p>
+            <a:r>
+              <a:rPr lang="es-CL" b="1" dirty="0">
+                <a:solidFill>
+                  <a:schemeClr val="tx2">
+                    <a:lumMod val="50000"/>
+                    <a:lumOff val="50000"/>
+                  </a:schemeClr>
+                </a:solidFill>
+                <a:latin typeface="Trebuchet MS" charset="0"/>
+              </a:rPr>
+              <a:t>Domingo Mery	Departamento de Ciencia de la Computación</a:t>
+            </a:r>
+          </a:p>
+          <a:p>
+            <a:r>
+              <a:rPr lang="es-CL" b="1" dirty="0">
+                <a:solidFill>
+                  <a:schemeClr val="tx2">
+                    <a:lumMod val="50000"/>
+                    <a:lumOff val="50000"/>
+                  </a:schemeClr>
+                </a:solidFill>
+                <a:latin typeface="Trebuchet MS" charset="0"/>
+              </a:rPr>
+              <a:t>		Pontificia Universidad Católica de Chile</a:t>
+            </a:r>
+          </a:p>
+          <a:p>
+            <a:r>
+              <a:rPr lang="es-CL" b="1" dirty="0">
+                <a:solidFill>
+                  <a:schemeClr val="tx2">
+                    <a:lumMod val="50000"/>
+                    <a:lumOff val="50000"/>
+                  </a:schemeClr>
+                </a:solidFill>
+                <a:latin typeface="Trebuchet MS" charset="0"/>
+              </a:rPr>
+              <a:t>		</a:t>
+            </a:r>
+            <a:r>
+              <a:rPr lang="es-CL" b="1" dirty="0">
+                <a:solidFill>
+                  <a:schemeClr val="accent2"/>
+                </a:solidFill>
+                <a:latin typeface="Trebuchet MS" charset="0"/>
+                <a:hlinkClick r:id="rId3"/>
+              </a:rPr>
+              <a:t>http://domingomery.ing.uc.cl</a:t>
+            </a:r>
+            <a:endParaRPr lang="es-CL" b="1" dirty="0">
+              <a:solidFill>
+                <a:schemeClr val="accent2"/>
+              </a:solidFill>
+              <a:latin typeface="Trebuchet MS" charset="0"/>
+            </a:endParaRPr>
+          </a:p>
+          <a:p>
+            <a:endParaRPr lang="es-CL" b="1" dirty="0">
+              <a:solidFill>
+                <a:schemeClr val="accent2"/>
+              </a:solidFill>
+              <a:latin typeface="Trebuchet MS" charset="0"/>
+            </a:endParaRPr>
+          </a:p>
+          <a:p>
+            <a:r>
+              <a:rPr lang="es-CL" b="1" dirty="0">
+                <a:solidFill>
+                  <a:schemeClr val="accent2"/>
+                </a:solidFill>
+                <a:latin typeface="Trebuchet MS" charset="0"/>
+              </a:rPr>
+              <a:t>     + Mail:	</a:t>
+            </a:r>
+            <a:r>
+              <a:rPr lang="es-CL" b="1" dirty="0">
+                <a:solidFill>
+                  <a:schemeClr val="accent2"/>
+                </a:solidFill>
+                <a:latin typeface="Trebuchet MS" charset="0"/>
+                <a:hlinkClick r:id="rId4"/>
+              </a:rPr>
+              <a:t>domingo.mery@uc.cl</a:t>
+            </a:r>
+            <a:endParaRPr lang="es-CL" b="1" dirty="0">
+              <a:solidFill>
+                <a:schemeClr val="accent2"/>
+              </a:solidFill>
+              <a:latin typeface="Trebuchet MS" charset="0"/>
+            </a:endParaRPr>
+          </a:p>
+          <a:p>
+            <a:endParaRPr lang="es-CL" b="1" dirty="0">
+              <a:solidFill>
+                <a:schemeClr val="accent2"/>
+              </a:solidFill>
+              <a:latin typeface="Trebuchet MS" charset="0"/>
+            </a:endParaRPr>
+          </a:p>
+          <a:p>
+            <a:r>
+              <a:rPr lang="es-CL" b="1" dirty="0">
+                <a:solidFill>
+                  <a:schemeClr val="accent2"/>
+                </a:solidFill>
+                <a:latin typeface="Trebuchet MS" charset="0"/>
+              </a:rPr>
+              <a:t>     + Zoom: 	</a:t>
+            </a:r>
+            <a:r>
+              <a:rPr lang="es-CL" b="1" dirty="0">
+                <a:solidFill>
+                  <a:schemeClr val="accent2"/>
+                </a:solidFill>
+                <a:latin typeface="Trebuchet MS" charset="0"/>
+                <a:hlinkClick r:id="rId5"/>
+              </a:rPr>
+              <a:t>https://notredame.zoom.us/my/patrones</a:t>
+            </a:r>
+            <a:endParaRPr lang="es-CL" b="1" dirty="0">
+              <a:solidFill>
+                <a:schemeClr val="accent2"/>
+              </a:solidFill>
+              <a:latin typeface="Trebuchet MS" charset="0"/>
+            </a:endParaRPr>
+          </a:p>
+          <a:p>
+            <a:endParaRPr lang="es-CL" b="1" dirty="0">
+              <a:solidFill>
+                <a:schemeClr val="accent2"/>
+              </a:solidFill>
+              <a:latin typeface="Trebuchet MS" charset="0"/>
+            </a:endParaRPr>
+          </a:p>
+          <a:p>
+            <a:r>
+              <a:rPr lang="es-CL" b="1" dirty="0">
+                <a:solidFill>
+                  <a:schemeClr val="accent2"/>
+                </a:solidFill>
+                <a:latin typeface="Trebuchet MS" charset="0"/>
+              </a:rPr>
+              <a:t>     		Meeting ID: 386 155 8778</a:t>
+            </a:r>
+          </a:p>
+          <a:p>
+            <a:endParaRPr lang="es-CL" b="1" dirty="0">
+              <a:solidFill>
+                <a:schemeClr val="accent2"/>
+              </a:solidFill>
+              <a:latin typeface="Trebuchet MS" charset="0"/>
+            </a:endParaRPr>
+          </a:p>
+          <a:p>
+            <a:r>
+              <a:rPr lang="es-CL" b="1" dirty="0">
+                <a:solidFill>
+                  <a:schemeClr val="accent2"/>
+                </a:solidFill>
+                <a:latin typeface="Trebuchet MS" charset="0"/>
+              </a:rPr>
+              <a:t>     + YouTube: 	</a:t>
+            </a:r>
+            <a:r>
+              <a:rPr lang="es-CL" b="1" dirty="0">
+                <a:solidFill>
+                  <a:schemeClr val="accent2"/>
+                </a:solidFill>
+                <a:latin typeface="Trebuchet MS" charset="0"/>
+                <a:hlinkClick r:id="rId6"/>
+              </a:rPr>
+              <a:t>http:/youtube.com/domingomery</a:t>
+            </a:r>
+            <a:r>
+              <a:rPr lang="es-CL" b="1" dirty="0">
+                <a:solidFill>
+                  <a:schemeClr val="accent2"/>
+                </a:solidFill>
+                <a:latin typeface="Trebuchet MS" charset="0"/>
+              </a:rPr>
+              <a:t> </a:t>
+            </a:r>
+          </a:p>
+          <a:p>
+            <a:endParaRPr lang="es-CL" b="1" dirty="0">
+              <a:solidFill>
+                <a:schemeClr val="accent2"/>
+              </a:solidFill>
+              <a:latin typeface="Trebuchet MS" charset="0"/>
+            </a:endParaRPr>
+          </a:p>
+          <a:p>
+            <a:r>
+              <a:rPr lang="es-CL" b="1" dirty="0">
+                <a:solidFill>
+                  <a:schemeClr val="accent2"/>
+                </a:solidFill>
+                <a:latin typeface="Trebuchet MS" charset="0"/>
+              </a:rPr>
+              <a:t>     + GitHub: 	</a:t>
+            </a:r>
+            <a:r>
+              <a:rPr lang="es-CL" b="1" dirty="0">
+                <a:solidFill>
+                  <a:schemeClr val="accent2"/>
+                </a:solidFill>
+                <a:latin typeface="Trebuchet MS" charset="0"/>
+                <a:hlinkClick r:id="rId7"/>
+              </a:rPr>
+              <a:t>https://github.com/domingomery/patrones</a:t>
+            </a:r>
+            <a:endParaRPr lang="es-CL" b="1" dirty="0">
+              <a:solidFill>
+                <a:schemeClr val="accent2"/>
+              </a:solidFill>
+              <a:latin typeface="Trebuchet MS" charset="0"/>
+            </a:endParaRPr>
+          </a:p>
+          <a:p>
+            <a:endParaRPr lang="es-CL" b="1" dirty="0">
+              <a:solidFill>
+                <a:schemeClr val="accent2"/>
+              </a:solidFill>
+              <a:latin typeface="Trebuchet MS" charset="0"/>
+            </a:endParaRPr>
+          </a:p>
+          <a:p>
+            <a:r>
+              <a:rPr lang="es-CL" b="1" dirty="0">
+                <a:solidFill>
+                  <a:schemeClr val="accent2"/>
+                </a:solidFill>
+                <a:latin typeface="Trebuchet MS" charset="0"/>
+              </a:rPr>
+              <a:t>     + Web: 	</a:t>
+            </a:r>
+            <a:r>
+              <a:rPr lang="es-CL" b="1" dirty="0">
+                <a:solidFill>
+                  <a:schemeClr val="accent2"/>
+                </a:solidFill>
+                <a:latin typeface="Trebuchet MS" charset="0"/>
+                <a:hlinkClick r:id="rId8"/>
+              </a:rPr>
+              <a:t>https://domingomery.ing.uc.cl/teaching/patrones/</a:t>
+            </a:r>
+            <a:endParaRPr lang="es-CL" b="1" dirty="0">
+              <a:solidFill>
+                <a:schemeClr val="accent2"/>
+              </a:solidFill>
+              <a:latin typeface="Trebuchet MS" charset="0"/>
+            </a:endParaRPr>
+          </a:p>
+          <a:p>
+            <a:endParaRPr lang="es-CL" b="1" dirty="0">
+              <a:solidFill>
+                <a:schemeClr val="accent2"/>
+              </a:solidFill>
+              <a:latin typeface="Trebuchet MS" charset="0"/>
+            </a:endParaRPr>
+          </a:p>
+          <a:p>
+            <a:r>
+              <a:rPr lang="es-CL" b="1" dirty="0">
+                <a:solidFill>
+                  <a:schemeClr val="accent2"/>
+                </a:solidFill>
+                <a:latin typeface="Trebuchet MS" charset="0"/>
+              </a:rPr>
+              <a:t>     + Google Classroom: Class Code asifzvs </a:t>
+            </a:r>
+          </a:p>
+          <a:p>
+            <a:endParaRPr lang="es-CL" b="1" dirty="0">
+              <a:solidFill>
+                <a:schemeClr val="accent2"/>
+              </a:solidFill>
+              <a:latin typeface="Trebuchet MS" charset="0"/>
+            </a:endParaRPr>
+          </a:p>
+          <a:p>
+            <a:r>
+              <a:rPr lang="es-CL" b="1" dirty="0">
+                <a:solidFill>
+                  <a:schemeClr val="accent2"/>
+                </a:solidFill>
+                <a:latin typeface="Trebuchet MS" charset="0"/>
+              </a:rPr>
+              <a:t>     + Twitter: 	@CVCND</a:t>
+            </a:r>
+          </a:p>
+        </p:txBody>
+      </p:sp>
+      <p:sp>
+        <p:nvSpPr>
+          <p:cNvPr id="3" name="Rectangle 2">
+            <a:extLst>
+              <a:ext uri="{FF2B5EF4-FFF2-40B4-BE49-F238E27FC236}">
+                <a16:creationId xmlns:a16="http://schemas.microsoft.com/office/drawing/2014/main" id="{47E4230F-F8D6-9142-8202-48957A0E909C}"/>
+              </a:ext>
+            </a:extLst>
+          </p:cNvPr>
+          <p:cNvSpPr/>
+          <p:nvPr/>
+        </p:nvSpPr>
+        <p:spPr>
+          <a:xfrm>
+            <a:off x="-244699" y="2331076"/>
+            <a:ext cx="9800823" cy="4752304"/>
+          </a:xfrm>
+          <a:prstGeom prst="rect">
+            <a:avLst/>
+          </a:prstGeom>
+          <a:solidFill>
+            <a:schemeClr val="bg1">
+              <a:alpha val="87000"/>
+            </a:schemeClr>
+          </a:solidFill>
+          <a:ln>
+            <a:noFill/>
+          </a:ln>
+        </p:spPr>
+        <p:style>
+          <a:lnRef idx="2">
+            <a:schemeClr val="accent1">
+              <a:shade val="50000"/>
+            </a:schemeClr>
+          </a:lnRef>
+          <a:fillRef idx="1">
+            <a:schemeClr val="accent1"/>
+          </a:fillRef>
+          <a:effectRef idx="0">
+            <a:schemeClr val="accent1"/>
+          </a:effectRef>
+          <a:fontRef idx="minor">
+            <a:schemeClr val="lt1"/>
+          </a:fontRef>
+        </p:style>
+        <p:txBody>
+          <a:bodyPr rtlCol="0" anchor="ctr"/>
+          <a:lstStyle/>
+          <a:p>
+            <a:pPr algn="ctr"/>
+            <a:endParaRPr lang="en-US" dirty="0"/>
+          </a:p>
+        </p:txBody>
+      </p:sp>
+      <p:sp>
+        <p:nvSpPr>
+          <p:cNvPr id="4" name="Oval 3">
+            <a:extLst>
+              <a:ext uri="{FF2B5EF4-FFF2-40B4-BE49-F238E27FC236}">
+                <a16:creationId xmlns:a16="http://schemas.microsoft.com/office/drawing/2014/main" id="{61F7F1B5-E4D7-DA47-8148-6D482C5F6B7F}"/>
+              </a:ext>
+            </a:extLst>
+          </p:cNvPr>
+          <p:cNvSpPr/>
+          <p:nvPr/>
+        </p:nvSpPr>
+        <p:spPr>
+          <a:xfrm rot="730027">
+            <a:off x="6890197" y="502276"/>
+            <a:ext cx="2047741" cy="1184856"/>
+          </a:xfrm>
+          <a:prstGeom prst="ellipse">
+            <a:avLst/>
+          </a:prstGeom>
+        </p:spPr>
+        <p:style>
+          <a:lnRef idx="0">
+            <a:schemeClr val="accent2"/>
+          </a:lnRef>
+          <a:fillRef idx="3">
+            <a:schemeClr val="accent2"/>
+          </a:fillRef>
+          <a:effectRef idx="3">
+            <a:schemeClr val="accent2"/>
+          </a:effectRef>
+          <a:fontRef idx="minor">
+            <a:schemeClr val="lt1"/>
+          </a:fontRef>
+        </p:style>
+        <p:txBody>
+          <a:bodyPr rtlCol="0" anchor="ctr"/>
+          <a:lstStyle/>
+          <a:p>
+            <a:pPr algn="ctr"/>
+            <a:r>
+              <a:rPr lang="es-ES_tradnl"/>
+              <a:t>Si quieren saber qué hago</a:t>
+            </a:r>
+          </a:p>
+        </p:txBody>
+      </p:sp>
+    </p:spTree>
+    <p:extLst>
+      <p:ext uri="{BB962C8B-B14F-4D97-AF65-F5344CB8AC3E}">
+        <p14:creationId xmlns:p14="http://schemas.microsoft.com/office/powerpoint/2010/main" val="1284293606"/>
+      </p:ext>
+    </p:extLst>
+  </p:cSld>
+  <p:clrMapOvr>
+    <a:masterClrMapping/>
+  </p:clrMapOvr>
+</p:sld>
+</file>
+
+<file path=ppt/slides/slide16.xml><?xml version="1.0" encoding="utf-8"?>
+<p:sld xmlns:a="http://schemas.openxmlformats.org/drawingml/2006/main" xmlns:r="http://schemas.openxmlformats.org/officeDocument/2006/relationships" xmlns:p="http://schemas.openxmlformats.org/presentationml/2006/main">
+  <p:cSld>
+    <p:spTree>
+      <p:nvGrpSpPr>
+        <p:cNvPr id="1" name=""/>
+        <p:cNvGrpSpPr/>
+        <p:nvPr/>
+      </p:nvGrpSpPr>
+      <p:grpSpPr>
+        <a:xfrm>
+          <a:off x="0" y="0"/>
+          <a:ext cx="0" cy="0"/>
+          <a:chOff x="0" y="0"/>
+          <a:chExt cx="0" cy="0"/>
+        </a:xfrm>
+      </p:grpSpPr>
+      <p:sp>
+        <p:nvSpPr>
+          <p:cNvPr id="24578" name="Text Box 2"/>
+          <p:cNvSpPr txBox="1">
+            <a:spLocks noChangeArrowheads="1"/>
+          </p:cNvSpPr>
+          <p:nvPr/>
+        </p:nvSpPr>
+        <p:spPr bwMode="auto">
+          <a:xfrm>
+            <a:off x="447675" y="313137"/>
+            <a:ext cx="8490263" cy="6401753"/>
+          </a:xfrm>
+          <a:prstGeom prst="rect">
+            <a:avLst/>
+          </a:prstGeom>
+          <a:noFill/>
+          <a:ln w="9525">
+            <a:noFill/>
+            <a:miter lim="800000"/>
+            <a:headEnd/>
+            <a:tailEnd/>
+          </a:ln>
+        </p:spPr>
+        <p:txBody>
+          <a:bodyPr wrap="square">
+            <a:prstTxWarp prst="textNoShape">
+              <a:avLst/>
+            </a:prstTxWarp>
+            <a:spAutoFit/>
+          </a:bodyPr>
+          <a:lstStyle/>
+          <a:p>
+            <a:r>
+              <a:rPr lang="es-ES" sz="3200" b="1" dirty="0">
+                <a:solidFill>
+                  <a:schemeClr val="accent2"/>
+                </a:solidFill>
+                <a:latin typeface="Trebuchet MS" charset="0"/>
+              </a:rPr>
+              <a:t>Coordenadas</a:t>
+            </a:r>
+          </a:p>
+          <a:p>
+            <a:endParaRPr lang="es-CL" b="1" dirty="0">
+              <a:solidFill>
+                <a:schemeClr val="accent2"/>
+              </a:solidFill>
+              <a:latin typeface="Trebuchet MS" charset="0"/>
+            </a:endParaRPr>
+          </a:p>
+          <a:p>
+            <a:endParaRPr lang="es-CL" b="1" dirty="0">
+              <a:solidFill>
+                <a:schemeClr val="accent2"/>
+              </a:solidFill>
+              <a:latin typeface="Trebuchet MS" charset="0"/>
+            </a:endParaRPr>
+          </a:p>
+          <a:p>
+            <a:r>
+              <a:rPr lang="es-CL" b="1" dirty="0">
+                <a:solidFill>
+                  <a:schemeClr val="tx2">
+                    <a:lumMod val="50000"/>
+                    <a:lumOff val="50000"/>
+                  </a:schemeClr>
+                </a:solidFill>
+                <a:latin typeface="Trebuchet MS" charset="0"/>
+              </a:rPr>
+              <a:t>Domingo Mery	Departamento de Ciencia de la Computación</a:t>
+            </a:r>
+          </a:p>
+          <a:p>
+            <a:r>
+              <a:rPr lang="es-CL" b="1" dirty="0">
+                <a:solidFill>
+                  <a:schemeClr val="tx2">
+                    <a:lumMod val="50000"/>
+                    <a:lumOff val="50000"/>
+                  </a:schemeClr>
+                </a:solidFill>
+                <a:latin typeface="Trebuchet MS" charset="0"/>
+              </a:rPr>
+              <a:t>		Pontificia Universidad Católica de Chile</a:t>
+            </a:r>
+          </a:p>
+          <a:p>
+            <a:r>
+              <a:rPr lang="es-CL" b="1" dirty="0">
+                <a:solidFill>
+                  <a:schemeClr val="tx2">
+                    <a:lumMod val="50000"/>
+                    <a:lumOff val="50000"/>
+                  </a:schemeClr>
+                </a:solidFill>
+                <a:latin typeface="Trebuchet MS" charset="0"/>
+              </a:rPr>
+              <a:t>		</a:t>
+            </a:r>
+            <a:r>
+              <a:rPr lang="es-CL" b="1" dirty="0">
+                <a:solidFill>
+                  <a:schemeClr val="accent2"/>
+                </a:solidFill>
+                <a:latin typeface="Trebuchet MS" charset="0"/>
+                <a:hlinkClick r:id="rId3"/>
+              </a:rPr>
+              <a:t>http://domingomery.ing.uc.cl</a:t>
+            </a:r>
+            <a:endParaRPr lang="es-CL" b="1" dirty="0">
+              <a:solidFill>
+                <a:schemeClr val="accent2"/>
+              </a:solidFill>
+              <a:latin typeface="Trebuchet MS" charset="0"/>
+            </a:endParaRPr>
+          </a:p>
+          <a:p>
+            <a:endParaRPr lang="es-CL" b="1" dirty="0">
+              <a:solidFill>
+                <a:schemeClr val="accent2"/>
+              </a:solidFill>
+              <a:latin typeface="Trebuchet MS" charset="0"/>
+            </a:endParaRPr>
+          </a:p>
+          <a:p>
+            <a:r>
+              <a:rPr lang="es-CL" b="1" dirty="0">
+                <a:solidFill>
+                  <a:schemeClr val="accent2"/>
+                </a:solidFill>
+                <a:latin typeface="Trebuchet MS" charset="0"/>
+              </a:rPr>
+              <a:t>     + Mail:	</a:t>
+            </a:r>
+            <a:r>
+              <a:rPr lang="es-CL" b="1" dirty="0">
+                <a:solidFill>
+                  <a:schemeClr val="accent2"/>
+                </a:solidFill>
+                <a:latin typeface="Trebuchet MS" charset="0"/>
+                <a:hlinkClick r:id="rId4"/>
+              </a:rPr>
+              <a:t>domingo.mery@uc.cl</a:t>
+            </a:r>
+            <a:endParaRPr lang="es-CL" b="1" dirty="0">
+              <a:solidFill>
+                <a:schemeClr val="accent2"/>
+              </a:solidFill>
+              <a:latin typeface="Trebuchet MS" charset="0"/>
+            </a:endParaRPr>
+          </a:p>
+          <a:p>
+            <a:endParaRPr lang="es-CL" b="1" dirty="0">
+              <a:solidFill>
+                <a:schemeClr val="accent2"/>
+              </a:solidFill>
+              <a:latin typeface="Trebuchet MS" charset="0"/>
+            </a:endParaRPr>
+          </a:p>
+          <a:p>
+            <a:r>
+              <a:rPr lang="es-CL" b="1" dirty="0">
+                <a:solidFill>
+                  <a:schemeClr val="accent2"/>
+                </a:solidFill>
+                <a:latin typeface="Trebuchet MS" charset="0"/>
+              </a:rPr>
+              <a:t>     + Zoom: 	</a:t>
+            </a:r>
+            <a:r>
+              <a:rPr lang="es-CL" b="1" dirty="0">
+                <a:solidFill>
+                  <a:schemeClr val="accent2"/>
+                </a:solidFill>
+                <a:latin typeface="Trebuchet MS" charset="0"/>
+                <a:hlinkClick r:id="rId5"/>
+              </a:rPr>
+              <a:t>https://notredame.zoom.us/my/patrones</a:t>
+            </a:r>
+            <a:endParaRPr lang="es-CL" b="1" dirty="0">
+              <a:solidFill>
+                <a:schemeClr val="accent2"/>
+              </a:solidFill>
+              <a:latin typeface="Trebuchet MS" charset="0"/>
+            </a:endParaRPr>
+          </a:p>
+          <a:p>
+            <a:endParaRPr lang="es-CL" b="1" dirty="0">
+              <a:solidFill>
+                <a:schemeClr val="accent2"/>
+              </a:solidFill>
+              <a:latin typeface="Trebuchet MS" charset="0"/>
+            </a:endParaRPr>
+          </a:p>
+          <a:p>
+            <a:r>
+              <a:rPr lang="es-CL" b="1" dirty="0">
+                <a:solidFill>
+                  <a:schemeClr val="accent2"/>
+                </a:solidFill>
+                <a:latin typeface="Trebuchet MS" charset="0"/>
+              </a:rPr>
+              <a:t>     		Meeting ID: 386 155 8778</a:t>
+            </a:r>
+          </a:p>
+          <a:p>
+            <a:endParaRPr lang="es-CL" b="1" dirty="0">
+              <a:solidFill>
+                <a:schemeClr val="accent2"/>
+              </a:solidFill>
+              <a:latin typeface="Trebuchet MS" charset="0"/>
+            </a:endParaRPr>
+          </a:p>
+          <a:p>
+            <a:r>
+              <a:rPr lang="es-CL" b="1" dirty="0">
+                <a:solidFill>
+                  <a:schemeClr val="accent2"/>
+                </a:solidFill>
+                <a:latin typeface="Trebuchet MS" charset="0"/>
+              </a:rPr>
+              <a:t>     + YouTube: 	</a:t>
+            </a:r>
+            <a:r>
+              <a:rPr lang="es-CL" b="1" dirty="0">
+                <a:solidFill>
+                  <a:schemeClr val="accent2"/>
+                </a:solidFill>
+                <a:latin typeface="Trebuchet MS" charset="0"/>
+                <a:hlinkClick r:id="rId6"/>
+              </a:rPr>
+              <a:t>http:/youtube.com/domingomery</a:t>
+            </a:r>
+            <a:r>
+              <a:rPr lang="es-CL" b="1" dirty="0">
+                <a:solidFill>
+                  <a:schemeClr val="accent2"/>
+                </a:solidFill>
+                <a:latin typeface="Trebuchet MS" charset="0"/>
+              </a:rPr>
+              <a:t> </a:t>
+            </a:r>
+          </a:p>
+          <a:p>
+            <a:endParaRPr lang="es-CL" b="1" dirty="0">
+              <a:solidFill>
+                <a:schemeClr val="accent2"/>
+              </a:solidFill>
+              <a:latin typeface="Trebuchet MS" charset="0"/>
+            </a:endParaRPr>
+          </a:p>
+          <a:p>
+            <a:r>
+              <a:rPr lang="es-CL" b="1" dirty="0">
+                <a:solidFill>
+                  <a:schemeClr val="accent2"/>
+                </a:solidFill>
+                <a:latin typeface="Trebuchet MS" charset="0"/>
+              </a:rPr>
+              <a:t>     + GitHub: 	</a:t>
+            </a:r>
+            <a:r>
+              <a:rPr lang="es-CL" b="1" dirty="0">
+                <a:solidFill>
+                  <a:schemeClr val="accent2"/>
+                </a:solidFill>
+                <a:latin typeface="Trebuchet MS" charset="0"/>
+                <a:hlinkClick r:id="rId7"/>
+              </a:rPr>
+              <a:t>https://github.com/domingomery/patrones</a:t>
+            </a:r>
+            <a:endParaRPr lang="es-CL" b="1" dirty="0">
+              <a:solidFill>
+                <a:schemeClr val="accent2"/>
+              </a:solidFill>
+              <a:latin typeface="Trebuchet MS" charset="0"/>
+            </a:endParaRPr>
+          </a:p>
+          <a:p>
+            <a:endParaRPr lang="es-CL" b="1" dirty="0">
+              <a:solidFill>
+                <a:schemeClr val="accent2"/>
+              </a:solidFill>
+              <a:latin typeface="Trebuchet MS" charset="0"/>
+            </a:endParaRPr>
+          </a:p>
+          <a:p>
+            <a:r>
+              <a:rPr lang="es-CL" b="1" dirty="0">
+                <a:solidFill>
+                  <a:schemeClr val="accent2"/>
+                </a:solidFill>
+                <a:latin typeface="Trebuchet MS" charset="0"/>
+              </a:rPr>
+              <a:t>     + Web: 	</a:t>
+            </a:r>
+            <a:r>
+              <a:rPr lang="es-CL" b="1" dirty="0">
+                <a:solidFill>
+                  <a:schemeClr val="accent2"/>
+                </a:solidFill>
+                <a:latin typeface="Trebuchet MS" charset="0"/>
+                <a:hlinkClick r:id="rId8"/>
+              </a:rPr>
+              <a:t>https://domingomery.ing.uc.cl/teaching/patrones/</a:t>
+            </a:r>
+            <a:endParaRPr lang="es-CL" b="1" dirty="0">
+              <a:solidFill>
+                <a:schemeClr val="accent2"/>
+              </a:solidFill>
+              <a:latin typeface="Trebuchet MS" charset="0"/>
+            </a:endParaRPr>
+          </a:p>
+          <a:p>
+            <a:endParaRPr lang="es-CL" b="1" dirty="0">
+              <a:solidFill>
+                <a:schemeClr val="accent2"/>
+              </a:solidFill>
+              <a:latin typeface="Trebuchet MS" charset="0"/>
+            </a:endParaRPr>
+          </a:p>
+          <a:p>
+            <a:r>
+              <a:rPr lang="es-CL" b="1" dirty="0">
+                <a:solidFill>
+                  <a:schemeClr val="accent2"/>
+                </a:solidFill>
+                <a:latin typeface="Trebuchet MS" charset="0"/>
+              </a:rPr>
+              <a:t>     + Google Classroom: Class Code asifzvs </a:t>
+            </a:r>
+          </a:p>
+          <a:p>
+            <a:endParaRPr lang="es-CL" b="1" dirty="0">
+              <a:solidFill>
+                <a:schemeClr val="accent2"/>
+              </a:solidFill>
+              <a:latin typeface="Trebuchet MS" charset="0"/>
+            </a:endParaRPr>
+          </a:p>
+          <a:p>
+            <a:r>
+              <a:rPr lang="es-CL" b="1" dirty="0">
+                <a:solidFill>
+                  <a:schemeClr val="accent2"/>
+                </a:solidFill>
+                <a:latin typeface="Trebuchet MS" charset="0"/>
+              </a:rPr>
+              <a:t>     + Twitter: 	@CVCND</a:t>
+            </a:r>
+          </a:p>
+        </p:txBody>
+      </p:sp>
+      <p:sp>
+        <p:nvSpPr>
+          <p:cNvPr id="3" name="Rectangle 2">
+            <a:extLst>
+              <a:ext uri="{FF2B5EF4-FFF2-40B4-BE49-F238E27FC236}">
+                <a16:creationId xmlns:a16="http://schemas.microsoft.com/office/drawing/2014/main" id="{47E4230F-F8D6-9142-8202-48957A0E909C}"/>
+              </a:ext>
+            </a:extLst>
+          </p:cNvPr>
+          <p:cNvSpPr/>
+          <p:nvPr/>
+        </p:nvSpPr>
+        <p:spPr>
+          <a:xfrm>
+            <a:off x="-244699" y="2923504"/>
+            <a:ext cx="9800823" cy="4159876"/>
+          </a:xfrm>
+          <a:prstGeom prst="rect">
+            <a:avLst/>
+          </a:prstGeom>
+          <a:solidFill>
+            <a:schemeClr val="bg1">
+              <a:alpha val="87000"/>
+            </a:schemeClr>
+          </a:solidFill>
+          <a:ln>
+            <a:noFill/>
+          </a:ln>
+        </p:spPr>
+        <p:style>
+          <a:lnRef idx="2">
+            <a:schemeClr val="accent1">
+              <a:shade val="50000"/>
+            </a:schemeClr>
+          </a:lnRef>
+          <a:fillRef idx="1">
+            <a:schemeClr val="accent1"/>
+          </a:fillRef>
+          <a:effectRef idx="0">
+            <a:schemeClr val="accent1"/>
+          </a:effectRef>
+          <a:fontRef idx="minor">
+            <a:schemeClr val="lt1"/>
+          </a:fontRef>
+        </p:style>
+        <p:txBody>
+          <a:bodyPr rtlCol="0" anchor="ctr"/>
+          <a:lstStyle/>
+          <a:p>
+            <a:pPr algn="ctr"/>
+            <a:endParaRPr lang="en-US" dirty="0"/>
+          </a:p>
+        </p:txBody>
+      </p:sp>
+      <p:sp>
+        <p:nvSpPr>
+          <p:cNvPr id="5" name="Rectangle 4">
+            <a:extLst>
+              <a:ext uri="{FF2B5EF4-FFF2-40B4-BE49-F238E27FC236}">
+                <a16:creationId xmlns:a16="http://schemas.microsoft.com/office/drawing/2014/main" id="{4902BA5A-0649-834B-8088-D04291771DF1}"/>
+              </a:ext>
+            </a:extLst>
+          </p:cNvPr>
+          <p:cNvSpPr/>
+          <p:nvPr/>
+        </p:nvSpPr>
+        <p:spPr>
+          <a:xfrm>
+            <a:off x="-244700" y="843566"/>
+            <a:ext cx="9800823" cy="1589832"/>
+          </a:xfrm>
+          <a:prstGeom prst="rect">
+            <a:avLst/>
+          </a:prstGeom>
+          <a:solidFill>
+            <a:schemeClr val="bg1">
+              <a:alpha val="87000"/>
+            </a:schemeClr>
+          </a:solidFill>
+          <a:ln>
+            <a:noFill/>
+          </a:ln>
+        </p:spPr>
+        <p:style>
+          <a:lnRef idx="2">
+            <a:schemeClr val="accent1">
+              <a:shade val="50000"/>
+            </a:schemeClr>
+          </a:lnRef>
+          <a:fillRef idx="1">
+            <a:schemeClr val="accent1"/>
+          </a:fillRef>
+          <a:effectRef idx="0">
+            <a:schemeClr val="accent1"/>
+          </a:effectRef>
+          <a:fontRef idx="minor">
+            <a:schemeClr val="lt1"/>
+          </a:fontRef>
+        </p:style>
+        <p:txBody>
+          <a:bodyPr rtlCol="0" anchor="ctr"/>
+          <a:lstStyle/>
+          <a:p>
+            <a:pPr algn="ctr"/>
+            <a:endParaRPr lang="en-US" dirty="0"/>
+          </a:p>
+        </p:txBody>
+      </p:sp>
+      <p:sp>
+        <p:nvSpPr>
+          <p:cNvPr id="4" name="Oval 3">
+            <a:extLst>
+              <a:ext uri="{FF2B5EF4-FFF2-40B4-BE49-F238E27FC236}">
+                <a16:creationId xmlns:a16="http://schemas.microsoft.com/office/drawing/2014/main" id="{61F7F1B5-E4D7-DA47-8148-6D482C5F6B7F}"/>
+              </a:ext>
+            </a:extLst>
+          </p:cNvPr>
+          <p:cNvSpPr/>
+          <p:nvPr/>
+        </p:nvSpPr>
+        <p:spPr>
+          <a:xfrm>
+            <a:off x="5076985" y="2025215"/>
+            <a:ext cx="2185316" cy="1184856"/>
+          </a:xfrm>
+          <a:prstGeom prst="ellipse">
+            <a:avLst/>
+          </a:prstGeom>
+          <a:gradFill>
+            <a:gsLst>
+              <a:gs pos="0">
+                <a:srgbClr val="FF0000"/>
+              </a:gs>
+              <a:gs pos="80000">
+                <a:srgbClr val="FF0000"/>
+              </a:gs>
+              <a:gs pos="100000">
+                <a:srgbClr val="C00000"/>
+              </a:gs>
+            </a:gsLst>
+          </a:gradFill>
+        </p:spPr>
+        <p:style>
+          <a:lnRef idx="0">
+            <a:schemeClr val="accent2"/>
+          </a:lnRef>
+          <a:fillRef idx="3">
+            <a:schemeClr val="accent2"/>
+          </a:fillRef>
+          <a:effectRef idx="3">
+            <a:schemeClr val="accent2"/>
+          </a:effectRef>
+          <a:fontRef idx="minor">
+            <a:schemeClr val="lt1"/>
+          </a:fontRef>
+        </p:style>
+        <p:txBody>
+          <a:bodyPr rtlCol="0" anchor="ctr"/>
+          <a:lstStyle/>
+          <a:p>
+            <a:pPr algn="ctr"/>
+            <a:r>
+              <a:rPr lang="es-ES_tradnl" dirty="0"/>
+              <a:t>Para comunicarse conmigo</a:t>
+            </a:r>
+          </a:p>
+        </p:txBody>
+      </p:sp>
+    </p:spTree>
+    <p:extLst>
+      <p:ext uri="{BB962C8B-B14F-4D97-AF65-F5344CB8AC3E}">
+        <p14:creationId xmlns:p14="http://schemas.microsoft.com/office/powerpoint/2010/main" val="4101414024"/>
+      </p:ext>
+    </p:extLst>
+  </p:cSld>
+  <p:clrMapOvr>
+    <a:masterClrMapping/>
+  </p:clrMapOvr>
+</p:sld>
+</file>
+
+<file path=ppt/slides/slide17.xml><?xml version="1.0" encoding="utf-8"?>
+<p:sld xmlns:a="http://schemas.openxmlformats.org/drawingml/2006/main" xmlns:r="http://schemas.openxmlformats.org/officeDocument/2006/relationships" xmlns:p="http://schemas.openxmlformats.org/presentationml/2006/main">
+  <p:cSld>
+    <p:spTree>
+      <p:nvGrpSpPr>
+        <p:cNvPr id="1" name=""/>
+        <p:cNvGrpSpPr/>
+        <p:nvPr/>
+      </p:nvGrpSpPr>
+      <p:grpSpPr>
+        <a:xfrm>
+          <a:off x="0" y="0"/>
+          <a:ext cx="0" cy="0"/>
+          <a:chOff x="0" y="0"/>
+          <a:chExt cx="0" cy="0"/>
+        </a:xfrm>
+      </p:grpSpPr>
+      <p:sp>
+        <p:nvSpPr>
+          <p:cNvPr id="24578" name="Text Box 2"/>
+          <p:cNvSpPr txBox="1">
+            <a:spLocks noChangeArrowheads="1"/>
+          </p:cNvSpPr>
+          <p:nvPr/>
+        </p:nvSpPr>
+        <p:spPr bwMode="auto">
+          <a:xfrm>
+            <a:off x="447675" y="313137"/>
+            <a:ext cx="8490263" cy="6401753"/>
+          </a:xfrm>
+          <a:prstGeom prst="rect">
+            <a:avLst/>
+          </a:prstGeom>
+          <a:noFill/>
+          <a:ln w="9525">
+            <a:noFill/>
+            <a:miter lim="800000"/>
+            <a:headEnd/>
+            <a:tailEnd/>
+          </a:ln>
+        </p:spPr>
+        <p:txBody>
+          <a:bodyPr wrap="square">
+            <a:prstTxWarp prst="textNoShape">
+              <a:avLst/>
+            </a:prstTxWarp>
+            <a:spAutoFit/>
+          </a:bodyPr>
+          <a:lstStyle/>
+          <a:p>
+            <a:r>
+              <a:rPr lang="es-ES" sz="3200" b="1" dirty="0">
+                <a:solidFill>
+                  <a:schemeClr val="accent2"/>
+                </a:solidFill>
+                <a:latin typeface="Trebuchet MS" charset="0"/>
+              </a:rPr>
+              <a:t>Coordenadas</a:t>
+            </a:r>
+          </a:p>
+          <a:p>
+            <a:endParaRPr lang="es-CL" b="1" dirty="0">
+              <a:solidFill>
+                <a:schemeClr val="accent2"/>
+              </a:solidFill>
+              <a:latin typeface="Trebuchet MS" charset="0"/>
+            </a:endParaRPr>
+          </a:p>
+          <a:p>
+            <a:endParaRPr lang="es-CL" b="1" dirty="0">
+              <a:solidFill>
+                <a:schemeClr val="accent2"/>
+              </a:solidFill>
+              <a:latin typeface="Trebuchet MS" charset="0"/>
+            </a:endParaRPr>
+          </a:p>
+          <a:p>
+            <a:r>
+              <a:rPr lang="es-CL" b="1" dirty="0">
+                <a:solidFill>
+                  <a:schemeClr val="tx2">
+                    <a:lumMod val="50000"/>
+                    <a:lumOff val="50000"/>
+                  </a:schemeClr>
+                </a:solidFill>
+                <a:latin typeface="Trebuchet MS" charset="0"/>
+              </a:rPr>
+              <a:t>Domingo Mery	Departamento de Ciencia de la Computación</a:t>
+            </a:r>
+          </a:p>
+          <a:p>
+            <a:r>
+              <a:rPr lang="es-CL" b="1" dirty="0">
+                <a:solidFill>
+                  <a:schemeClr val="tx2">
+                    <a:lumMod val="50000"/>
+                    <a:lumOff val="50000"/>
+                  </a:schemeClr>
+                </a:solidFill>
+                <a:latin typeface="Trebuchet MS" charset="0"/>
+              </a:rPr>
+              <a:t>		Pontificia Universidad Católica de Chile</a:t>
+            </a:r>
+          </a:p>
+          <a:p>
+            <a:r>
+              <a:rPr lang="es-CL" b="1" dirty="0">
+                <a:solidFill>
+                  <a:schemeClr val="tx2">
+                    <a:lumMod val="50000"/>
+                    <a:lumOff val="50000"/>
+                  </a:schemeClr>
+                </a:solidFill>
+                <a:latin typeface="Trebuchet MS" charset="0"/>
+              </a:rPr>
+              <a:t>		</a:t>
+            </a:r>
+            <a:r>
+              <a:rPr lang="es-CL" b="1" dirty="0">
+                <a:solidFill>
+                  <a:schemeClr val="accent2"/>
+                </a:solidFill>
+                <a:latin typeface="Trebuchet MS" charset="0"/>
+                <a:hlinkClick r:id="rId3"/>
+              </a:rPr>
+              <a:t>http://domingomery.ing.uc.cl</a:t>
+            </a:r>
+            <a:endParaRPr lang="es-CL" b="1" dirty="0">
+              <a:solidFill>
+                <a:schemeClr val="accent2"/>
+              </a:solidFill>
+              <a:latin typeface="Trebuchet MS" charset="0"/>
+            </a:endParaRPr>
+          </a:p>
+          <a:p>
+            <a:endParaRPr lang="es-CL" b="1" dirty="0">
+              <a:solidFill>
+                <a:schemeClr val="accent2"/>
+              </a:solidFill>
+              <a:latin typeface="Trebuchet MS" charset="0"/>
+            </a:endParaRPr>
+          </a:p>
+          <a:p>
+            <a:r>
+              <a:rPr lang="es-CL" b="1" dirty="0">
+                <a:solidFill>
+                  <a:schemeClr val="accent2"/>
+                </a:solidFill>
+                <a:latin typeface="Trebuchet MS" charset="0"/>
+              </a:rPr>
+              <a:t>     + Mail:	</a:t>
+            </a:r>
+            <a:r>
+              <a:rPr lang="es-CL" b="1" dirty="0">
+                <a:solidFill>
+                  <a:schemeClr val="accent2"/>
+                </a:solidFill>
+                <a:latin typeface="Trebuchet MS" charset="0"/>
+                <a:hlinkClick r:id="rId4"/>
+              </a:rPr>
+              <a:t>domingo.mery@uc.cl</a:t>
+            </a:r>
+            <a:endParaRPr lang="es-CL" b="1" dirty="0">
+              <a:solidFill>
+                <a:schemeClr val="accent2"/>
+              </a:solidFill>
+              <a:latin typeface="Trebuchet MS" charset="0"/>
+            </a:endParaRPr>
+          </a:p>
+          <a:p>
+            <a:endParaRPr lang="es-CL" b="1" dirty="0">
+              <a:solidFill>
+                <a:schemeClr val="accent2"/>
+              </a:solidFill>
+              <a:latin typeface="Trebuchet MS" charset="0"/>
+            </a:endParaRPr>
+          </a:p>
+          <a:p>
+            <a:r>
+              <a:rPr lang="es-CL" b="1" dirty="0">
+                <a:solidFill>
+                  <a:schemeClr val="accent2"/>
+                </a:solidFill>
+                <a:latin typeface="Trebuchet MS" charset="0"/>
+              </a:rPr>
+              <a:t>     + Zoom: 	</a:t>
+            </a:r>
+            <a:r>
+              <a:rPr lang="es-CL" b="1" dirty="0">
+                <a:solidFill>
+                  <a:schemeClr val="accent2"/>
+                </a:solidFill>
+                <a:latin typeface="Trebuchet MS" charset="0"/>
+                <a:hlinkClick r:id="rId5"/>
+              </a:rPr>
+              <a:t>https://notredame.zoom.us/my/patrones</a:t>
+            </a:r>
+            <a:endParaRPr lang="es-CL" b="1" dirty="0">
+              <a:solidFill>
+                <a:schemeClr val="accent2"/>
+              </a:solidFill>
+              <a:latin typeface="Trebuchet MS" charset="0"/>
+            </a:endParaRPr>
+          </a:p>
+          <a:p>
+            <a:endParaRPr lang="es-CL" b="1" dirty="0">
+              <a:solidFill>
+                <a:schemeClr val="accent2"/>
+              </a:solidFill>
+              <a:latin typeface="Trebuchet MS" charset="0"/>
+            </a:endParaRPr>
+          </a:p>
+          <a:p>
+            <a:r>
+              <a:rPr lang="es-CL" b="1" dirty="0">
+                <a:solidFill>
+                  <a:schemeClr val="accent2"/>
+                </a:solidFill>
+                <a:latin typeface="Trebuchet MS" charset="0"/>
+              </a:rPr>
+              <a:t>     		Meeting ID: 386 155 8778</a:t>
+            </a:r>
+          </a:p>
+          <a:p>
+            <a:endParaRPr lang="es-CL" b="1" dirty="0">
+              <a:solidFill>
+                <a:schemeClr val="accent2"/>
+              </a:solidFill>
+              <a:latin typeface="Trebuchet MS" charset="0"/>
+            </a:endParaRPr>
+          </a:p>
+          <a:p>
+            <a:r>
+              <a:rPr lang="es-CL" b="1" dirty="0">
+                <a:solidFill>
+                  <a:schemeClr val="accent2"/>
+                </a:solidFill>
+                <a:latin typeface="Trebuchet MS" charset="0"/>
+              </a:rPr>
+              <a:t>     + YouTube: 	</a:t>
+            </a:r>
+            <a:r>
+              <a:rPr lang="es-CL" b="1" dirty="0">
+                <a:solidFill>
+                  <a:schemeClr val="accent2"/>
+                </a:solidFill>
+                <a:latin typeface="Trebuchet MS" charset="0"/>
+                <a:hlinkClick r:id="rId6"/>
+              </a:rPr>
+              <a:t>http:/youtube.com/domingomery</a:t>
+            </a:r>
+            <a:r>
+              <a:rPr lang="es-CL" b="1" dirty="0">
+                <a:solidFill>
+                  <a:schemeClr val="accent2"/>
+                </a:solidFill>
+                <a:latin typeface="Trebuchet MS" charset="0"/>
+              </a:rPr>
+              <a:t> </a:t>
+            </a:r>
+          </a:p>
+          <a:p>
+            <a:endParaRPr lang="es-CL" b="1" dirty="0">
+              <a:solidFill>
+                <a:schemeClr val="accent2"/>
+              </a:solidFill>
+              <a:latin typeface="Trebuchet MS" charset="0"/>
+            </a:endParaRPr>
+          </a:p>
+          <a:p>
+            <a:r>
+              <a:rPr lang="es-CL" b="1" dirty="0">
+                <a:solidFill>
+                  <a:schemeClr val="accent2"/>
+                </a:solidFill>
+                <a:latin typeface="Trebuchet MS" charset="0"/>
+              </a:rPr>
+              <a:t>     + GitHub: 	</a:t>
+            </a:r>
+            <a:r>
+              <a:rPr lang="es-CL" b="1" dirty="0">
+                <a:solidFill>
+                  <a:schemeClr val="accent2"/>
+                </a:solidFill>
+                <a:latin typeface="Trebuchet MS" charset="0"/>
+                <a:hlinkClick r:id="rId7"/>
+              </a:rPr>
+              <a:t>https://github.com/domingomery/patrones</a:t>
+            </a:r>
+            <a:endParaRPr lang="es-CL" b="1" dirty="0">
+              <a:solidFill>
+                <a:schemeClr val="accent2"/>
+              </a:solidFill>
+              <a:latin typeface="Trebuchet MS" charset="0"/>
+            </a:endParaRPr>
+          </a:p>
+          <a:p>
+            <a:endParaRPr lang="es-CL" b="1" dirty="0">
+              <a:solidFill>
+                <a:schemeClr val="accent2"/>
+              </a:solidFill>
+              <a:latin typeface="Trebuchet MS" charset="0"/>
+            </a:endParaRPr>
+          </a:p>
+          <a:p>
+            <a:r>
+              <a:rPr lang="es-CL" b="1" dirty="0">
+                <a:solidFill>
+                  <a:schemeClr val="accent2"/>
+                </a:solidFill>
+                <a:latin typeface="Trebuchet MS" charset="0"/>
+              </a:rPr>
+              <a:t>     + Web: 	</a:t>
+            </a:r>
+            <a:r>
+              <a:rPr lang="es-CL" b="1" dirty="0">
+                <a:solidFill>
+                  <a:schemeClr val="accent2"/>
+                </a:solidFill>
+                <a:latin typeface="Trebuchet MS" charset="0"/>
+                <a:hlinkClick r:id="rId8"/>
+              </a:rPr>
+              <a:t>https://domingomery.ing.uc.cl/teaching/patrones/</a:t>
+            </a:r>
+            <a:endParaRPr lang="es-CL" b="1" dirty="0">
+              <a:solidFill>
+                <a:schemeClr val="accent2"/>
+              </a:solidFill>
+              <a:latin typeface="Trebuchet MS" charset="0"/>
+            </a:endParaRPr>
+          </a:p>
+          <a:p>
+            <a:endParaRPr lang="es-CL" b="1" dirty="0">
+              <a:solidFill>
+                <a:schemeClr val="accent2"/>
+              </a:solidFill>
+              <a:latin typeface="Trebuchet MS" charset="0"/>
+            </a:endParaRPr>
+          </a:p>
+          <a:p>
+            <a:r>
+              <a:rPr lang="es-CL" b="1" dirty="0">
+                <a:solidFill>
+                  <a:schemeClr val="accent2"/>
+                </a:solidFill>
+                <a:latin typeface="Trebuchet MS" charset="0"/>
+              </a:rPr>
+              <a:t>     + Google Classroom: Class Code asifzvs </a:t>
+            </a:r>
+          </a:p>
+          <a:p>
+            <a:endParaRPr lang="es-CL" b="1" dirty="0">
+              <a:solidFill>
+                <a:schemeClr val="accent2"/>
+              </a:solidFill>
+              <a:latin typeface="Trebuchet MS" charset="0"/>
+            </a:endParaRPr>
+          </a:p>
+          <a:p>
+            <a:r>
+              <a:rPr lang="es-CL" b="1" dirty="0">
+                <a:solidFill>
+                  <a:schemeClr val="accent2"/>
+                </a:solidFill>
+                <a:latin typeface="Trebuchet MS" charset="0"/>
+              </a:rPr>
+              <a:t>     + Twitter: 	@CVCND</a:t>
+            </a:r>
+          </a:p>
+        </p:txBody>
+      </p:sp>
+      <p:sp>
+        <p:nvSpPr>
+          <p:cNvPr id="3" name="Rectangle 2">
+            <a:extLst>
+              <a:ext uri="{FF2B5EF4-FFF2-40B4-BE49-F238E27FC236}">
+                <a16:creationId xmlns:a16="http://schemas.microsoft.com/office/drawing/2014/main" id="{47E4230F-F8D6-9142-8202-48957A0E909C}"/>
+              </a:ext>
+            </a:extLst>
+          </p:cNvPr>
+          <p:cNvSpPr/>
+          <p:nvPr/>
+        </p:nvSpPr>
+        <p:spPr>
+          <a:xfrm>
+            <a:off x="-244699" y="3966692"/>
+            <a:ext cx="9800823" cy="3116687"/>
+          </a:xfrm>
+          <a:prstGeom prst="rect">
+            <a:avLst/>
+          </a:prstGeom>
+          <a:solidFill>
+            <a:schemeClr val="bg1">
+              <a:alpha val="87000"/>
+            </a:schemeClr>
+          </a:solidFill>
+          <a:ln>
+            <a:noFill/>
+          </a:ln>
+        </p:spPr>
+        <p:style>
+          <a:lnRef idx="2">
+            <a:schemeClr val="accent1">
+              <a:shade val="50000"/>
+            </a:schemeClr>
+          </a:lnRef>
+          <a:fillRef idx="1">
+            <a:schemeClr val="accent1"/>
+          </a:fillRef>
+          <a:effectRef idx="0">
+            <a:schemeClr val="accent1"/>
+          </a:effectRef>
+          <a:fontRef idx="minor">
+            <a:schemeClr val="lt1"/>
+          </a:fontRef>
+        </p:style>
+        <p:txBody>
+          <a:bodyPr rtlCol="0" anchor="ctr"/>
+          <a:lstStyle/>
+          <a:p>
+            <a:pPr algn="ctr"/>
+            <a:endParaRPr lang="en-US" dirty="0"/>
+          </a:p>
+        </p:txBody>
+      </p:sp>
+      <p:sp>
+        <p:nvSpPr>
+          <p:cNvPr id="5" name="Rectangle 4">
+            <a:extLst>
+              <a:ext uri="{FF2B5EF4-FFF2-40B4-BE49-F238E27FC236}">
+                <a16:creationId xmlns:a16="http://schemas.microsoft.com/office/drawing/2014/main" id="{4902BA5A-0649-834B-8088-D04291771DF1}"/>
+              </a:ext>
+            </a:extLst>
+          </p:cNvPr>
+          <p:cNvSpPr/>
+          <p:nvPr/>
+        </p:nvSpPr>
+        <p:spPr>
+          <a:xfrm>
+            <a:off x="-244700" y="843566"/>
+            <a:ext cx="9800823" cy="2047742"/>
+          </a:xfrm>
+          <a:prstGeom prst="rect">
+            <a:avLst/>
+          </a:prstGeom>
+          <a:solidFill>
+            <a:schemeClr val="bg1">
+              <a:alpha val="87000"/>
+            </a:schemeClr>
+          </a:solidFill>
+          <a:ln>
+            <a:noFill/>
+          </a:ln>
+        </p:spPr>
+        <p:style>
+          <a:lnRef idx="2">
+            <a:schemeClr val="accent1">
+              <a:shade val="50000"/>
+            </a:schemeClr>
+          </a:lnRef>
+          <a:fillRef idx="1">
+            <a:schemeClr val="accent1"/>
+          </a:fillRef>
+          <a:effectRef idx="0">
+            <a:schemeClr val="accent1"/>
+          </a:effectRef>
+          <a:fontRef idx="minor">
+            <a:schemeClr val="lt1"/>
+          </a:fontRef>
+        </p:style>
+        <p:txBody>
+          <a:bodyPr rtlCol="0" anchor="ctr"/>
+          <a:lstStyle/>
+          <a:p>
+            <a:pPr algn="ctr"/>
+            <a:endParaRPr lang="en-US" dirty="0"/>
+          </a:p>
+        </p:txBody>
+      </p:sp>
+      <p:sp>
+        <p:nvSpPr>
+          <p:cNvPr id="4" name="Oval 3">
+            <a:extLst>
+              <a:ext uri="{FF2B5EF4-FFF2-40B4-BE49-F238E27FC236}">
+                <a16:creationId xmlns:a16="http://schemas.microsoft.com/office/drawing/2014/main" id="{61F7F1B5-E4D7-DA47-8148-6D482C5F6B7F}"/>
+              </a:ext>
+            </a:extLst>
+          </p:cNvPr>
+          <p:cNvSpPr/>
+          <p:nvPr/>
+        </p:nvSpPr>
+        <p:spPr>
+          <a:xfrm rot="682772">
+            <a:off x="6643040" y="2216784"/>
+            <a:ext cx="2391378" cy="1349049"/>
+          </a:xfrm>
+          <a:prstGeom prst="ellipse">
+            <a:avLst/>
+          </a:prstGeom>
+          <a:gradFill>
+            <a:gsLst>
+              <a:gs pos="0">
+                <a:srgbClr val="FFC000"/>
+              </a:gs>
+              <a:gs pos="80000">
+                <a:srgbClr val="FF0000"/>
+              </a:gs>
+              <a:gs pos="100000">
+                <a:srgbClr val="C00000"/>
+              </a:gs>
+            </a:gsLst>
+          </a:gradFill>
+        </p:spPr>
+        <p:style>
+          <a:lnRef idx="0">
+            <a:schemeClr val="accent2"/>
+          </a:lnRef>
+          <a:fillRef idx="3">
+            <a:schemeClr val="accent2"/>
+          </a:fillRef>
+          <a:effectRef idx="3">
+            <a:schemeClr val="accent2"/>
+          </a:effectRef>
+          <a:fontRef idx="minor">
+            <a:schemeClr val="lt1"/>
+          </a:fontRef>
+        </p:style>
+        <p:txBody>
+          <a:bodyPr rtlCol="0" anchor="ctr"/>
+          <a:lstStyle/>
+          <a:p>
+            <a:pPr algn="ctr"/>
+            <a:r>
+              <a:rPr lang="es-ES_tradnl" dirty="0"/>
+              <a:t>Clases online y reuniones conmigo</a:t>
+            </a:r>
+          </a:p>
+        </p:txBody>
+      </p:sp>
+    </p:spTree>
+    <p:extLst>
+      <p:ext uri="{BB962C8B-B14F-4D97-AF65-F5344CB8AC3E}">
+        <p14:creationId xmlns:p14="http://schemas.microsoft.com/office/powerpoint/2010/main" val="1678729795"/>
+      </p:ext>
+    </p:extLst>
+  </p:cSld>
+  <p:clrMapOvr>
+    <a:masterClrMapping/>
+  </p:clrMapOvr>
+</p:sld>
+</file>
+
+<file path=ppt/slides/slide18.xml><?xml version="1.0" encoding="utf-8"?>
+<p:sld xmlns:a="http://schemas.openxmlformats.org/drawingml/2006/main" xmlns:r="http://schemas.openxmlformats.org/officeDocument/2006/relationships" xmlns:p="http://schemas.openxmlformats.org/presentationml/2006/main">
+  <p:cSld>
+    <p:spTree>
+      <p:nvGrpSpPr>
+        <p:cNvPr id="1" name=""/>
+        <p:cNvGrpSpPr/>
+        <p:nvPr/>
+      </p:nvGrpSpPr>
+      <p:grpSpPr>
+        <a:xfrm>
+          <a:off x="0" y="0"/>
+          <a:ext cx="0" cy="0"/>
+          <a:chOff x="0" y="0"/>
+          <a:chExt cx="0" cy="0"/>
+        </a:xfrm>
+      </p:grpSpPr>
+      <p:sp>
+        <p:nvSpPr>
+          <p:cNvPr id="24578" name="Text Box 2"/>
+          <p:cNvSpPr txBox="1">
+            <a:spLocks noChangeArrowheads="1"/>
+          </p:cNvSpPr>
+          <p:nvPr/>
+        </p:nvSpPr>
+        <p:spPr bwMode="auto">
+          <a:xfrm>
+            <a:off x="447675" y="313137"/>
+            <a:ext cx="8490263" cy="6401753"/>
+          </a:xfrm>
+          <a:prstGeom prst="rect">
+            <a:avLst/>
+          </a:prstGeom>
+          <a:noFill/>
+          <a:ln w="9525">
+            <a:noFill/>
+            <a:miter lim="800000"/>
+            <a:headEnd/>
+            <a:tailEnd/>
+          </a:ln>
+        </p:spPr>
+        <p:txBody>
+          <a:bodyPr wrap="square">
+            <a:prstTxWarp prst="textNoShape">
+              <a:avLst/>
+            </a:prstTxWarp>
+            <a:spAutoFit/>
+          </a:bodyPr>
+          <a:lstStyle/>
+          <a:p>
+            <a:r>
+              <a:rPr lang="es-ES" sz="3200" b="1" dirty="0">
+                <a:solidFill>
+                  <a:schemeClr val="accent2"/>
+                </a:solidFill>
+                <a:latin typeface="Trebuchet MS" charset="0"/>
+              </a:rPr>
+              <a:t>Coordenadas</a:t>
+            </a:r>
+          </a:p>
+          <a:p>
+            <a:endParaRPr lang="es-CL" b="1" dirty="0">
+              <a:solidFill>
+                <a:schemeClr val="accent2"/>
+              </a:solidFill>
+              <a:latin typeface="Trebuchet MS" charset="0"/>
+            </a:endParaRPr>
+          </a:p>
+          <a:p>
+            <a:endParaRPr lang="es-CL" b="1" dirty="0">
+              <a:solidFill>
+                <a:schemeClr val="accent2"/>
+              </a:solidFill>
+              <a:latin typeface="Trebuchet MS" charset="0"/>
+            </a:endParaRPr>
+          </a:p>
+          <a:p>
+            <a:r>
+              <a:rPr lang="es-CL" b="1" dirty="0">
+                <a:solidFill>
+                  <a:schemeClr val="tx2">
+                    <a:lumMod val="50000"/>
+                    <a:lumOff val="50000"/>
+                  </a:schemeClr>
+                </a:solidFill>
+                <a:latin typeface="Trebuchet MS" charset="0"/>
+              </a:rPr>
+              <a:t>Domingo Mery	Departamento de Ciencia de la Computación</a:t>
+            </a:r>
+          </a:p>
+          <a:p>
+            <a:r>
+              <a:rPr lang="es-CL" b="1" dirty="0">
+                <a:solidFill>
+                  <a:schemeClr val="tx2">
+                    <a:lumMod val="50000"/>
+                    <a:lumOff val="50000"/>
+                  </a:schemeClr>
+                </a:solidFill>
+                <a:latin typeface="Trebuchet MS" charset="0"/>
+              </a:rPr>
+              <a:t>		Pontificia Universidad Católica de Chile</a:t>
+            </a:r>
+          </a:p>
+          <a:p>
+            <a:r>
+              <a:rPr lang="es-CL" b="1" dirty="0">
+                <a:solidFill>
+                  <a:schemeClr val="tx2">
+                    <a:lumMod val="50000"/>
+                    <a:lumOff val="50000"/>
+                  </a:schemeClr>
+                </a:solidFill>
+                <a:latin typeface="Trebuchet MS" charset="0"/>
+              </a:rPr>
+              <a:t>		</a:t>
+            </a:r>
+            <a:r>
+              <a:rPr lang="es-CL" b="1" dirty="0">
+                <a:solidFill>
+                  <a:schemeClr val="accent2"/>
+                </a:solidFill>
+                <a:latin typeface="Trebuchet MS" charset="0"/>
+                <a:hlinkClick r:id="rId3"/>
+              </a:rPr>
+              <a:t>http://domingomery.ing.uc.cl</a:t>
+            </a:r>
+            <a:endParaRPr lang="es-CL" b="1" dirty="0">
+              <a:solidFill>
+                <a:schemeClr val="accent2"/>
+              </a:solidFill>
+              <a:latin typeface="Trebuchet MS" charset="0"/>
+            </a:endParaRPr>
+          </a:p>
+          <a:p>
+            <a:endParaRPr lang="es-CL" b="1" dirty="0">
+              <a:solidFill>
+                <a:schemeClr val="accent2"/>
+              </a:solidFill>
+              <a:latin typeface="Trebuchet MS" charset="0"/>
+            </a:endParaRPr>
+          </a:p>
+          <a:p>
+            <a:r>
+              <a:rPr lang="es-CL" b="1" dirty="0">
+                <a:solidFill>
+                  <a:schemeClr val="accent2"/>
+                </a:solidFill>
+                <a:latin typeface="Trebuchet MS" charset="0"/>
+              </a:rPr>
+              <a:t>     + Mail:	</a:t>
+            </a:r>
+            <a:r>
+              <a:rPr lang="es-CL" b="1" dirty="0">
+                <a:solidFill>
+                  <a:schemeClr val="accent2"/>
+                </a:solidFill>
+                <a:latin typeface="Trebuchet MS" charset="0"/>
+                <a:hlinkClick r:id="rId4"/>
+              </a:rPr>
+              <a:t>domingo.mery@uc.cl</a:t>
+            </a:r>
+            <a:endParaRPr lang="es-CL" b="1" dirty="0">
+              <a:solidFill>
+                <a:schemeClr val="accent2"/>
+              </a:solidFill>
+              <a:latin typeface="Trebuchet MS" charset="0"/>
+            </a:endParaRPr>
+          </a:p>
+          <a:p>
+            <a:endParaRPr lang="es-CL" b="1" dirty="0">
+              <a:solidFill>
+                <a:schemeClr val="accent2"/>
+              </a:solidFill>
+              <a:latin typeface="Trebuchet MS" charset="0"/>
+            </a:endParaRPr>
+          </a:p>
+          <a:p>
+            <a:r>
+              <a:rPr lang="es-CL" b="1" dirty="0">
+                <a:solidFill>
+                  <a:schemeClr val="accent2"/>
+                </a:solidFill>
+                <a:latin typeface="Trebuchet MS" charset="0"/>
+              </a:rPr>
+              <a:t>     + Zoom: 	</a:t>
+            </a:r>
+            <a:r>
+              <a:rPr lang="es-CL" b="1" dirty="0">
+                <a:solidFill>
+                  <a:schemeClr val="accent2"/>
+                </a:solidFill>
+                <a:latin typeface="Trebuchet MS" charset="0"/>
+                <a:hlinkClick r:id="rId5"/>
+              </a:rPr>
+              <a:t>https://notredame.zoom.us/my/patrones</a:t>
+            </a:r>
+            <a:endParaRPr lang="es-CL" b="1" dirty="0">
+              <a:solidFill>
+                <a:schemeClr val="accent2"/>
+              </a:solidFill>
+              <a:latin typeface="Trebuchet MS" charset="0"/>
+            </a:endParaRPr>
+          </a:p>
+          <a:p>
+            <a:endParaRPr lang="es-CL" b="1" dirty="0">
+              <a:solidFill>
+                <a:schemeClr val="accent2"/>
+              </a:solidFill>
+              <a:latin typeface="Trebuchet MS" charset="0"/>
+            </a:endParaRPr>
+          </a:p>
+          <a:p>
+            <a:r>
+              <a:rPr lang="es-CL" b="1" dirty="0">
+                <a:solidFill>
+                  <a:schemeClr val="accent2"/>
+                </a:solidFill>
+                <a:latin typeface="Trebuchet MS" charset="0"/>
+              </a:rPr>
+              <a:t>     		Meeting ID: 386 155 8778</a:t>
+            </a:r>
+          </a:p>
+          <a:p>
+            <a:endParaRPr lang="es-CL" b="1" dirty="0">
+              <a:solidFill>
+                <a:schemeClr val="accent2"/>
+              </a:solidFill>
+              <a:latin typeface="Trebuchet MS" charset="0"/>
+            </a:endParaRPr>
+          </a:p>
+          <a:p>
+            <a:r>
+              <a:rPr lang="es-CL" b="1" dirty="0">
+                <a:solidFill>
+                  <a:schemeClr val="accent2"/>
+                </a:solidFill>
+                <a:latin typeface="Trebuchet MS" charset="0"/>
+              </a:rPr>
+              <a:t>     + YouTube: 	</a:t>
+            </a:r>
+            <a:r>
+              <a:rPr lang="es-CL" b="1" dirty="0">
+                <a:solidFill>
+                  <a:schemeClr val="accent2"/>
+                </a:solidFill>
+                <a:latin typeface="Trebuchet MS" charset="0"/>
+                <a:hlinkClick r:id="rId6"/>
+              </a:rPr>
+              <a:t>http:/youtube.com/domingomery</a:t>
+            </a:r>
+            <a:r>
+              <a:rPr lang="es-CL" b="1" dirty="0">
+                <a:solidFill>
+                  <a:schemeClr val="accent2"/>
+                </a:solidFill>
+                <a:latin typeface="Trebuchet MS" charset="0"/>
+              </a:rPr>
+              <a:t> </a:t>
+            </a:r>
+          </a:p>
+          <a:p>
+            <a:endParaRPr lang="es-CL" b="1" dirty="0">
+              <a:solidFill>
+                <a:schemeClr val="accent2"/>
+              </a:solidFill>
+              <a:latin typeface="Trebuchet MS" charset="0"/>
+            </a:endParaRPr>
+          </a:p>
+          <a:p>
+            <a:r>
+              <a:rPr lang="es-CL" b="1" dirty="0">
+                <a:solidFill>
+                  <a:schemeClr val="accent2"/>
+                </a:solidFill>
+                <a:latin typeface="Trebuchet MS" charset="0"/>
+              </a:rPr>
+              <a:t>     + GitHub: 	</a:t>
+            </a:r>
+            <a:r>
+              <a:rPr lang="es-CL" b="1" dirty="0">
+                <a:solidFill>
+                  <a:schemeClr val="accent2"/>
+                </a:solidFill>
+                <a:latin typeface="Trebuchet MS" charset="0"/>
+                <a:hlinkClick r:id="rId7"/>
+              </a:rPr>
+              <a:t>https://github.com/domingomery/patrones</a:t>
+            </a:r>
+            <a:endParaRPr lang="es-CL" b="1" dirty="0">
+              <a:solidFill>
+                <a:schemeClr val="accent2"/>
+              </a:solidFill>
+              <a:latin typeface="Trebuchet MS" charset="0"/>
+            </a:endParaRPr>
+          </a:p>
+          <a:p>
+            <a:endParaRPr lang="es-CL" b="1" dirty="0">
+              <a:solidFill>
+                <a:schemeClr val="accent2"/>
+              </a:solidFill>
+              <a:latin typeface="Trebuchet MS" charset="0"/>
+            </a:endParaRPr>
+          </a:p>
+          <a:p>
+            <a:r>
+              <a:rPr lang="es-CL" b="1" dirty="0">
+                <a:solidFill>
+                  <a:schemeClr val="accent2"/>
+                </a:solidFill>
+                <a:latin typeface="Trebuchet MS" charset="0"/>
+              </a:rPr>
+              <a:t>     + Web: 	</a:t>
+            </a:r>
+            <a:r>
+              <a:rPr lang="es-CL" b="1" dirty="0">
+                <a:solidFill>
+                  <a:schemeClr val="accent2"/>
+                </a:solidFill>
+                <a:latin typeface="Trebuchet MS" charset="0"/>
+                <a:hlinkClick r:id="rId8"/>
+              </a:rPr>
+              <a:t>https://domingomery.ing.uc.cl/teaching/patrones/</a:t>
+            </a:r>
+            <a:endParaRPr lang="es-CL" b="1" dirty="0">
+              <a:solidFill>
+                <a:schemeClr val="accent2"/>
+              </a:solidFill>
+              <a:latin typeface="Trebuchet MS" charset="0"/>
+            </a:endParaRPr>
+          </a:p>
+          <a:p>
+            <a:endParaRPr lang="es-CL" b="1" dirty="0">
+              <a:solidFill>
+                <a:schemeClr val="accent2"/>
+              </a:solidFill>
+              <a:latin typeface="Trebuchet MS" charset="0"/>
+            </a:endParaRPr>
+          </a:p>
+          <a:p>
+            <a:r>
+              <a:rPr lang="es-CL" b="1" dirty="0">
+                <a:solidFill>
+                  <a:schemeClr val="accent2"/>
+                </a:solidFill>
+                <a:latin typeface="Trebuchet MS" charset="0"/>
+              </a:rPr>
+              <a:t>     + Google Classroom: Class Code asifzvs </a:t>
+            </a:r>
+          </a:p>
+          <a:p>
+            <a:endParaRPr lang="es-CL" b="1" dirty="0">
+              <a:solidFill>
+                <a:schemeClr val="accent2"/>
+              </a:solidFill>
+              <a:latin typeface="Trebuchet MS" charset="0"/>
+            </a:endParaRPr>
+          </a:p>
+          <a:p>
+            <a:r>
+              <a:rPr lang="es-CL" b="1" dirty="0">
+                <a:solidFill>
+                  <a:schemeClr val="accent2"/>
+                </a:solidFill>
+                <a:latin typeface="Trebuchet MS" charset="0"/>
+              </a:rPr>
+              <a:t>     + Twitter: 	@CVCND</a:t>
+            </a:r>
+          </a:p>
+        </p:txBody>
+      </p:sp>
+      <p:sp>
+        <p:nvSpPr>
+          <p:cNvPr id="3" name="Rectangle 2">
+            <a:extLst>
+              <a:ext uri="{FF2B5EF4-FFF2-40B4-BE49-F238E27FC236}">
+                <a16:creationId xmlns:a16="http://schemas.microsoft.com/office/drawing/2014/main" id="{47E4230F-F8D6-9142-8202-48957A0E909C}"/>
+              </a:ext>
+            </a:extLst>
+          </p:cNvPr>
+          <p:cNvSpPr/>
+          <p:nvPr/>
+        </p:nvSpPr>
+        <p:spPr>
+          <a:xfrm>
+            <a:off x="-244699" y="4533363"/>
+            <a:ext cx="9800823" cy="2550016"/>
+          </a:xfrm>
+          <a:prstGeom prst="rect">
+            <a:avLst/>
+          </a:prstGeom>
+          <a:solidFill>
+            <a:schemeClr val="bg1">
+              <a:alpha val="87000"/>
+            </a:schemeClr>
+          </a:solidFill>
+          <a:ln>
+            <a:noFill/>
+          </a:ln>
+        </p:spPr>
+        <p:style>
+          <a:lnRef idx="2">
+            <a:schemeClr val="accent1">
+              <a:shade val="50000"/>
+            </a:schemeClr>
+          </a:lnRef>
+          <a:fillRef idx="1">
+            <a:schemeClr val="accent1"/>
+          </a:fillRef>
+          <a:effectRef idx="0">
+            <a:schemeClr val="accent1"/>
+          </a:effectRef>
+          <a:fontRef idx="minor">
+            <a:schemeClr val="lt1"/>
+          </a:fontRef>
+        </p:style>
+        <p:txBody>
+          <a:bodyPr rtlCol="0" anchor="ctr"/>
+          <a:lstStyle/>
+          <a:p>
+            <a:pPr algn="ctr"/>
+            <a:endParaRPr lang="en-US" dirty="0"/>
+          </a:p>
+        </p:txBody>
+      </p:sp>
+      <p:sp>
+        <p:nvSpPr>
+          <p:cNvPr id="5" name="Rectangle 4">
+            <a:extLst>
+              <a:ext uri="{FF2B5EF4-FFF2-40B4-BE49-F238E27FC236}">
+                <a16:creationId xmlns:a16="http://schemas.microsoft.com/office/drawing/2014/main" id="{4902BA5A-0649-834B-8088-D04291771DF1}"/>
+              </a:ext>
+            </a:extLst>
+          </p:cNvPr>
+          <p:cNvSpPr/>
+          <p:nvPr/>
+        </p:nvSpPr>
+        <p:spPr>
+          <a:xfrm>
+            <a:off x="-244700" y="843565"/>
+            <a:ext cx="9800823" cy="3071611"/>
+          </a:xfrm>
+          <a:prstGeom prst="rect">
+            <a:avLst/>
+          </a:prstGeom>
+          <a:solidFill>
+            <a:schemeClr val="bg1">
+              <a:alpha val="87000"/>
+            </a:schemeClr>
+          </a:solidFill>
+          <a:ln>
+            <a:noFill/>
+          </a:ln>
+        </p:spPr>
+        <p:style>
+          <a:lnRef idx="2">
+            <a:schemeClr val="accent1">
+              <a:shade val="50000"/>
+            </a:schemeClr>
+          </a:lnRef>
+          <a:fillRef idx="1">
+            <a:schemeClr val="accent1"/>
+          </a:fillRef>
+          <a:effectRef idx="0">
+            <a:schemeClr val="accent1"/>
+          </a:effectRef>
+          <a:fontRef idx="minor">
+            <a:schemeClr val="lt1"/>
+          </a:fontRef>
+        </p:style>
+        <p:txBody>
+          <a:bodyPr rtlCol="0" anchor="ctr"/>
+          <a:lstStyle/>
+          <a:p>
+            <a:pPr algn="ctr"/>
+            <a:endParaRPr lang="en-US" dirty="0"/>
+          </a:p>
+        </p:txBody>
+      </p:sp>
+      <p:sp>
+        <p:nvSpPr>
+          <p:cNvPr id="4" name="Oval 3">
+            <a:extLst>
+              <a:ext uri="{FF2B5EF4-FFF2-40B4-BE49-F238E27FC236}">
+                <a16:creationId xmlns:a16="http://schemas.microsoft.com/office/drawing/2014/main" id="{61F7F1B5-E4D7-DA47-8148-6D482C5F6B7F}"/>
+              </a:ext>
+            </a:extLst>
+          </p:cNvPr>
+          <p:cNvSpPr/>
+          <p:nvPr/>
+        </p:nvSpPr>
+        <p:spPr>
+          <a:xfrm rot="682772">
+            <a:off x="6388548" y="3651659"/>
+            <a:ext cx="2391378" cy="1349049"/>
+          </a:xfrm>
+          <a:prstGeom prst="ellipse">
+            <a:avLst/>
+          </a:prstGeom>
+          <a:gradFill>
+            <a:gsLst>
+              <a:gs pos="0">
+                <a:srgbClr val="92D050"/>
+              </a:gs>
+              <a:gs pos="50000">
+                <a:srgbClr val="00B050"/>
+              </a:gs>
+              <a:gs pos="100000">
+                <a:srgbClr val="00B0F0"/>
+              </a:gs>
+            </a:gsLst>
+          </a:gradFill>
+        </p:spPr>
+        <p:style>
+          <a:lnRef idx="0">
+            <a:schemeClr val="accent2"/>
+          </a:lnRef>
+          <a:fillRef idx="3">
+            <a:schemeClr val="accent2"/>
+          </a:fillRef>
+          <a:effectRef idx="3">
+            <a:schemeClr val="accent2"/>
+          </a:effectRef>
+          <a:fontRef idx="minor">
+            <a:schemeClr val="lt1"/>
+          </a:fontRef>
+        </p:style>
+        <p:txBody>
+          <a:bodyPr rtlCol="0" anchor="ctr"/>
+          <a:lstStyle/>
+          <a:p>
+            <a:pPr algn="ctr"/>
+            <a:r>
+              <a:rPr lang="es-ES_tradnl" dirty="0"/>
+              <a:t>Clases grabadas</a:t>
+            </a:r>
+          </a:p>
+        </p:txBody>
+      </p:sp>
+    </p:spTree>
+    <p:extLst>
+      <p:ext uri="{BB962C8B-B14F-4D97-AF65-F5344CB8AC3E}">
+        <p14:creationId xmlns:p14="http://schemas.microsoft.com/office/powerpoint/2010/main" val="3018926556"/>
+      </p:ext>
+    </p:extLst>
+  </p:cSld>
+  <p:clrMapOvr>
+    <a:masterClrMapping/>
+  </p:clrMapOvr>
+</p:sld>
+</file>
+
+<file path=ppt/slides/slide19.xml><?xml version="1.0" encoding="utf-8"?>
+<p:sld xmlns:a="http://schemas.openxmlformats.org/drawingml/2006/main" xmlns:r="http://schemas.openxmlformats.org/officeDocument/2006/relationships" xmlns:p="http://schemas.openxmlformats.org/presentationml/2006/main">
+  <p:cSld>
+    <p:spTree>
+      <p:nvGrpSpPr>
+        <p:cNvPr id="1" name=""/>
+        <p:cNvGrpSpPr/>
+        <p:nvPr/>
+      </p:nvGrpSpPr>
+      <p:grpSpPr>
+        <a:xfrm>
+          <a:off x="0" y="0"/>
+          <a:ext cx="0" cy="0"/>
+          <a:chOff x="0" y="0"/>
+          <a:chExt cx="0" cy="0"/>
+        </a:xfrm>
+      </p:grpSpPr>
+      <p:sp>
+        <p:nvSpPr>
+          <p:cNvPr id="24578" name="Text Box 2"/>
+          <p:cNvSpPr txBox="1">
+            <a:spLocks noChangeArrowheads="1"/>
+          </p:cNvSpPr>
+          <p:nvPr/>
+        </p:nvSpPr>
+        <p:spPr bwMode="auto">
+          <a:xfrm>
+            <a:off x="447675" y="313137"/>
+            <a:ext cx="8490263" cy="6401753"/>
+          </a:xfrm>
+          <a:prstGeom prst="rect">
+            <a:avLst/>
+          </a:prstGeom>
+          <a:noFill/>
+          <a:ln w="9525">
+            <a:noFill/>
+            <a:miter lim="800000"/>
+            <a:headEnd/>
+            <a:tailEnd/>
+          </a:ln>
+        </p:spPr>
+        <p:txBody>
+          <a:bodyPr wrap="square">
+            <a:prstTxWarp prst="textNoShape">
+              <a:avLst/>
+            </a:prstTxWarp>
+            <a:spAutoFit/>
+          </a:bodyPr>
+          <a:lstStyle/>
+          <a:p>
+            <a:r>
+              <a:rPr lang="es-ES" sz="3200" b="1" dirty="0">
+                <a:solidFill>
+                  <a:schemeClr val="accent2"/>
+                </a:solidFill>
+                <a:latin typeface="Trebuchet MS" charset="0"/>
+              </a:rPr>
+              <a:t>Coordenadas</a:t>
+            </a:r>
+          </a:p>
+          <a:p>
+            <a:endParaRPr lang="es-CL" b="1" dirty="0">
+              <a:solidFill>
+                <a:schemeClr val="accent2"/>
+              </a:solidFill>
+              <a:latin typeface="Trebuchet MS" charset="0"/>
+            </a:endParaRPr>
+          </a:p>
+          <a:p>
+            <a:endParaRPr lang="es-CL" b="1" dirty="0">
+              <a:solidFill>
+                <a:schemeClr val="accent2"/>
+              </a:solidFill>
+              <a:latin typeface="Trebuchet MS" charset="0"/>
+            </a:endParaRPr>
+          </a:p>
+          <a:p>
+            <a:r>
+              <a:rPr lang="es-CL" b="1" dirty="0">
+                <a:solidFill>
+                  <a:schemeClr val="tx2">
+                    <a:lumMod val="50000"/>
+                    <a:lumOff val="50000"/>
+                  </a:schemeClr>
+                </a:solidFill>
+                <a:latin typeface="Trebuchet MS" charset="0"/>
+              </a:rPr>
+              <a:t>Domingo Mery	Departamento de Ciencia de la Computación</a:t>
+            </a:r>
+          </a:p>
+          <a:p>
+            <a:r>
+              <a:rPr lang="es-CL" b="1" dirty="0">
+                <a:solidFill>
+                  <a:schemeClr val="tx2">
+                    <a:lumMod val="50000"/>
+                    <a:lumOff val="50000"/>
+                  </a:schemeClr>
+                </a:solidFill>
+                <a:latin typeface="Trebuchet MS" charset="0"/>
+              </a:rPr>
+              <a:t>		Pontificia Universidad Católica de Chile</a:t>
+            </a:r>
+          </a:p>
+          <a:p>
+            <a:r>
+              <a:rPr lang="es-CL" b="1" dirty="0">
+                <a:solidFill>
+                  <a:schemeClr val="tx2">
+                    <a:lumMod val="50000"/>
+                    <a:lumOff val="50000"/>
+                  </a:schemeClr>
+                </a:solidFill>
+                <a:latin typeface="Trebuchet MS" charset="0"/>
+              </a:rPr>
+              <a:t>		</a:t>
+            </a:r>
+            <a:r>
+              <a:rPr lang="es-CL" b="1" dirty="0">
+                <a:solidFill>
+                  <a:schemeClr val="accent2"/>
+                </a:solidFill>
+                <a:latin typeface="Trebuchet MS" charset="0"/>
+                <a:hlinkClick r:id="rId3"/>
+              </a:rPr>
+              <a:t>http://domingomery.ing.uc.cl</a:t>
+            </a:r>
+            <a:endParaRPr lang="es-CL" b="1" dirty="0">
+              <a:solidFill>
+                <a:schemeClr val="accent2"/>
+              </a:solidFill>
+              <a:latin typeface="Trebuchet MS" charset="0"/>
+            </a:endParaRPr>
+          </a:p>
+          <a:p>
+            <a:endParaRPr lang="es-CL" b="1" dirty="0">
+              <a:solidFill>
+                <a:schemeClr val="accent2"/>
+              </a:solidFill>
+              <a:latin typeface="Trebuchet MS" charset="0"/>
+            </a:endParaRPr>
+          </a:p>
+          <a:p>
+            <a:r>
+              <a:rPr lang="es-CL" b="1" dirty="0">
+                <a:solidFill>
+                  <a:schemeClr val="accent2"/>
+                </a:solidFill>
+                <a:latin typeface="Trebuchet MS" charset="0"/>
+              </a:rPr>
+              <a:t>     + Mail:	</a:t>
+            </a:r>
+            <a:r>
+              <a:rPr lang="es-CL" b="1" dirty="0">
+                <a:solidFill>
+                  <a:schemeClr val="accent2"/>
+                </a:solidFill>
+                <a:latin typeface="Trebuchet MS" charset="0"/>
+                <a:hlinkClick r:id="rId4"/>
+              </a:rPr>
+              <a:t>domingo.mery@uc.cl</a:t>
+            </a:r>
+            <a:endParaRPr lang="es-CL" b="1" dirty="0">
+              <a:solidFill>
+                <a:schemeClr val="accent2"/>
+              </a:solidFill>
+              <a:latin typeface="Trebuchet MS" charset="0"/>
+            </a:endParaRPr>
+          </a:p>
+          <a:p>
+            <a:endParaRPr lang="es-CL" b="1" dirty="0">
+              <a:solidFill>
+                <a:schemeClr val="accent2"/>
+              </a:solidFill>
+              <a:latin typeface="Trebuchet MS" charset="0"/>
+            </a:endParaRPr>
+          </a:p>
+          <a:p>
+            <a:r>
+              <a:rPr lang="es-CL" b="1" dirty="0">
+                <a:solidFill>
+                  <a:schemeClr val="accent2"/>
+                </a:solidFill>
+                <a:latin typeface="Trebuchet MS" charset="0"/>
+              </a:rPr>
+              <a:t>     + Zoom: 	</a:t>
+            </a:r>
+            <a:r>
+              <a:rPr lang="es-CL" b="1" dirty="0">
+                <a:solidFill>
+                  <a:schemeClr val="accent2"/>
+                </a:solidFill>
+                <a:latin typeface="Trebuchet MS" charset="0"/>
+                <a:hlinkClick r:id="rId5"/>
+              </a:rPr>
+              <a:t>https://notredame.zoom.us/my/patrones</a:t>
+            </a:r>
+            <a:endParaRPr lang="es-CL" b="1" dirty="0">
+              <a:solidFill>
+                <a:schemeClr val="accent2"/>
+              </a:solidFill>
+              <a:latin typeface="Trebuchet MS" charset="0"/>
+            </a:endParaRPr>
+          </a:p>
+          <a:p>
+            <a:endParaRPr lang="es-CL" b="1" dirty="0">
+              <a:solidFill>
+                <a:schemeClr val="accent2"/>
+              </a:solidFill>
+              <a:latin typeface="Trebuchet MS" charset="0"/>
+            </a:endParaRPr>
+          </a:p>
+          <a:p>
+            <a:r>
+              <a:rPr lang="es-CL" b="1" dirty="0">
+                <a:solidFill>
+                  <a:schemeClr val="accent2"/>
+                </a:solidFill>
+                <a:latin typeface="Trebuchet MS" charset="0"/>
+              </a:rPr>
+              <a:t>     		Meeting ID: 386 155 8778</a:t>
+            </a:r>
+          </a:p>
+          <a:p>
+            <a:endParaRPr lang="es-CL" b="1" dirty="0">
+              <a:solidFill>
+                <a:schemeClr val="accent2"/>
+              </a:solidFill>
+              <a:latin typeface="Trebuchet MS" charset="0"/>
+            </a:endParaRPr>
+          </a:p>
+          <a:p>
+            <a:r>
+              <a:rPr lang="es-CL" b="1" dirty="0">
+                <a:solidFill>
+                  <a:schemeClr val="accent2"/>
+                </a:solidFill>
+                <a:latin typeface="Trebuchet MS" charset="0"/>
+              </a:rPr>
+              <a:t>     + YouTube: 	</a:t>
+            </a:r>
+            <a:r>
+              <a:rPr lang="es-CL" b="1" dirty="0">
+                <a:solidFill>
+                  <a:schemeClr val="accent2"/>
+                </a:solidFill>
+                <a:latin typeface="Trebuchet MS" charset="0"/>
+                <a:hlinkClick r:id="rId6"/>
+              </a:rPr>
+              <a:t>http:/youtube.com/domingomery</a:t>
+            </a:r>
+            <a:r>
+              <a:rPr lang="es-CL" b="1" dirty="0">
+                <a:solidFill>
+                  <a:schemeClr val="accent2"/>
+                </a:solidFill>
+                <a:latin typeface="Trebuchet MS" charset="0"/>
+              </a:rPr>
+              <a:t> </a:t>
+            </a:r>
+          </a:p>
+          <a:p>
+            <a:endParaRPr lang="es-CL" b="1" dirty="0">
+              <a:solidFill>
+                <a:schemeClr val="accent2"/>
+              </a:solidFill>
+              <a:latin typeface="Trebuchet MS" charset="0"/>
+            </a:endParaRPr>
+          </a:p>
+          <a:p>
+            <a:r>
+              <a:rPr lang="es-CL" b="1" dirty="0">
+                <a:solidFill>
+                  <a:schemeClr val="accent2"/>
+                </a:solidFill>
+                <a:latin typeface="Trebuchet MS" charset="0"/>
+              </a:rPr>
+              <a:t>     + GitHub: 	</a:t>
+            </a:r>
+            <a:r>
+              <a:rPr lang="es-CL" b="1" dirty="0">
+                <a:solidFill>
+                  <a:schemeClr val="accent2"/>
+                </a:solidFill>
+                <a:latin typeface="Trebuchet MS" charset="0"/>
+                <a:hlinkClick r:id="rId7"/>
+              </a:rPr>
+              <a:t>https://github.com/domingomery/patrones</a:t>
+            </a:r>
+            <a:endParaRPr lang="es-CL" b="1" dirty="0">
+              <a:solidFill>
+                <a:schemeClr val="accent2"/>
+              </a:solidFill>
+              <a:latin typeface="Trebuchet MS" charset="0"/>
+            </a:endParaRPr>
+          </a:p>
+          <a:p>
+            <a:endParaRPr lang="es-CL" b="1" dirty="0">
+              <a:solidFill>
+                <a:schemeClr val="accent2"/>
+              </a:solidFill>
+              <a:latin typeface="Trebuchet MS" charset="0"/>
+            </a:endParaRPr>
+          </a:p>
+          <a:p>
+            <a:r>
+              <a:rPr lang="es-CL" b="1" dirty="0">
+                <a:solidFill>
+                  <a:schemeClr val="accent2"/>
+                </a:solidFill>
+                <a:latin typeface="Trebuchet MS" charset="0"/>
+              </a:rPr>
+              <a:t>     + Web: 	</a:t>
+            </a:r>
+            <a:r>
+              <a:rPr lang="es-CL" b="1" dirty="0">
+                <a:solidFill>
+                  <a:schemeClr val="accent2"/>
+                </a:solidFill>
+                <a:latin typeface="Trebuchet MS" charset="0"/>
+                <a:hlinkClick r:id="rId8"/>
+              </a:rPr>
+              <a:t>https://domingomery.ing.uc.cl/teaching/patrones/</a:t>
+            </a:r>
+            <a:endParaRPr lang="es-CL" b="1" dirty="0">
+              <a:solidFill>
+                <a:schemeClr val="accent2"/>
+              </a:solidFill>
+              <a:latin typeface="Trebuchet MS" charset="0"/>
+            </a:endParaRPr>
+          </a:p>
+          <a:p>
+            <a:endParaRPr lang="es-CL" b="1" dirty="0">
+              <a:solidFill>
+                <a:schemeClr val="accent2"/>
+              </a:solidFill>
+              <a:latin typeface="Trebuchet MS" charset="0"/>
+            </a:endParaRPr>
+          </a:p>
+          <a:p>
+            <a:r>
+              <a:rPr lang="es-CL" b="1" dirty="0">
+                <a:solidFill>
+                  <a:schemeClr val="accent2"/>
+                </a:solidFill>
+                <a:latin typeface="Trebuchet MS" charset="0"/>
+              </a:rPr>
+              <a:t>     + Google Classroom: Class Code asifzvs </a:t>
+            </a:r>
+          </a:p>
+          <a:p>
+            <a:endParaRPr lang="es-CL" b="1" dirty="0">
+              <a:solidFill>
+                <a:schemeClr val="accent2"/>
+              </a:solidFill>
+              <a:latin typeface="Trebuchet MS" charset="0"/>
+            </a:endParaRPr>
+          </a:p>
+          <a:p>
+            <a:r>
+              <a:rPr lang="es-CL" b="1" dirty="0">
+                <a:solidFill>
+                  <a:schemeClr val="accent2"/>
+                </a:solidFill>
+                <a:latin typeface="Trebuchet MS" charset="0"/>
+              </a:rPr>
+              <a:t>     + Twitter: 	@CVCND</a:t>
+            </a:r>
+          </a:p>
+        </p:txBody>
+      </p:sp>
+      <p:sp>
+        <p:nvSpPr>
+          <p:cNvPr id="3" name="Rectangle 2">
+            <a:extLst>
+              <a:ext uri="{FF2B5EF4-FFF2-40B4-BE49-F238E27FC236}">
+                <a16:creationId xmlns:a16="http://schemas.microsoft.com/office/drawing/2014/main" id="{47E4230F-F8D6-9142-8202-48957A0E909C}"/>
+              </a:ext>
+            </a:extLst>
+          </p:cNvPr>
+          <p:cNvSpPr/>
+          <p:nvPr/>
+        </p:nvSpPr>
+        <p:spPr>
+          <a:xfrm>
+            <a:off x="-244699" y="5035639"/>
+            <a:ext cx="9800823" cy="2047740"/>
+          </a:xfrm>
+          <a:prstGeom prst="rect">
+            <a:avLst/>
+          </a:prstGeom>
+          <a:solidFill>
+            <a:schemeClr val="bg1">
+              <a:alpha val="87000"/>
+            </a:schemeClr>
+          </a:solidFill>
+          <a:ln>
+            <a:noFill/>
+          </a:ln>
+        </p:spPr>
+        <p:style>
+          <a:lnRef idx="2">
+            <a:schemeClr val="accent1">
+              <a:shade val="50000"/>
+            </a:schemeClr>
+          </a:lnRef>
+          <a:fillRef idx="1">
+            <a:schemeClr val="accent1"/>
+          </a:fillRef>
+          <a:effectRef idx="0">
+            <a:schemeClr val="accent1"/>
+          </a:effectRef>
+          <a:fontRef idx="minor">
+            <a:schemeClr val="lt1"/>
+          </a:fontRef>
+        </p:style>
+        <p:txBody>
+          <a:bodyPr rtlCol="0" anchor="ctr"/>
+          <a:lstStyle/>
+          <a:p>
+            <a:pPr algn="ctr"/>
+            <a:endParaRPr lang="en-US" dirty="0"/>
+          </a:p>
+        </p:txBody>
+      </p:sp>
+      <p:sp>
+        <p:nvSpPr>
+          <p:cNvPr id="5" name="Rectangle 4">
+            <a:extLst>
+              <a:ext uri="{FF2B5EF4-FFF2-40B4-BE49-F238E27FC236}">
+                <a16:creationId xmlns:a16="http://schemas.microsoft.com/office/drawing/2014/main" id="{4902BA5A-0649-834B-8088-D04291771DF1}"/>
+              </a:ext>
+            </a:extLst>
+          </p:cNvPr>
+          <p:cNvSpPr/>
+          <p:nvPr/>
+        </p:nvSpPr>
+        <p:spPr>
+          <a:xfrm>
+            <a:off x="-244700" y="843565"/>
+            <a:ext cx="9800823" cy="3651162"/>
+          </a:xfrm>
+          <a:prstGeom prst="rect">
+            <a:avLst/>
+          </a:prstGeom>
+          <a:solidFill>
+            <a:schemeClr val="bg1">
+              <a:alpha val="87000"/>
+            </a:schemeClr>
+          </a:solidFill>
+          <a:ln>
+            <a:noFill/>
+          </a:ln>
+        </p:spPr>
+        <p:style>
+          <a:lnRef idx="2">
+            <a:schemeClr val="accent1">
+              <a:shade val="50000"/>
+            </a:schemeClr>
+          </a:lnRef>
+          <a:fillRef idx="1">
+            <a:schemeClr val="accent1"/>
+          </a:fillRef>
+          <a:effectRef idx="0">
+            <a:schemeClr val="accent1"/>
+          </a:effectRef>
+          <a:fontRef idx="minor">
+            <a:schemeClr val="lt1"/>
+          </a:fontRef>
+        </p:style>
+        <p:txBody>
+          <a:bodyPr rtlCol="0" anchor="ctr"/>
+          <a:lstStyle/>
+          <a:p>
+            <a:pPr algn="ctr"/>
+            <a:endParaRPr lang="en-US" dirty="0"/>
+          </a:p>
+        </p:txBody>
+      </p:sp>
+      <p:sp>
+        <p:nvSpPr>
+          <p:cNvPr id="4" name="Oval 3">
+            <a:extLst>
+              <a:ext uri="{FF2B5EF4-FFF2-40B4-BE49-F238E27FC236}">
+                <a16:creationId xmlns:a16="http://schemas.microsoft.com/office/drawing/2014/main" id="{61F7F1B5-E4D7-DA47-8148-6D482C5F6B7F}"/>
+              </a:ext>
+            </a:extLst>
+          </p:cNvPr>
+          <p:cNvSpPr/>
+          <p:nvPr/>
+        </p:nvSpPr>
+        <p:spPr>
+          <a:xfrm rot="682772">
+            <a:off x="7055162" y="4032599"/>
+            <a:ext cx="2391378" cy="1349049"/>
+          </a:xfrm>
+          <a:prstGeom prst="ellipse">
+            <a:avLst/>
+          </a:prstGeom>
+          <a:gradFill>
+            <a:gsLst>
+              <a:gs pos="0">
+                <a:schemeClr val="accent4">
+                  <a:lumMod val="50000"/>
+                  <a:lumOff val="50000"/>
+                </a:schemeClr>
+              </a:gs>
+              <a:gs pos="50000">
+                <a:schemeClr val="tx2">
+                  <a:lumMod val="50000"/>
+                  <a:lumOff val="50000"/>
+                </a:schemeClr>
+              </a:gs>
+              <a:gs pos="100000">
+                <a:srgbClr val="00B0F0"/>
+              </a:gs>
+            </a:gsLst>
+          </a:gradFill>
+        </p:spPr>
+        <p:style>
+          <a:lnRef idx="0">
+            <a:schemeClr val="accent2"/>
+          </a:lnRef>
+          <a:fillRef idx="3">
+            <a:schemeClr val="accent2"/>
+          </a:fillRef>
+          <a:effectRef idx="3">
+            <a:schemeClr val="accent2"/>
+          </a:effectRef>
+          <a:fontRef idx="minor">
+            <a:schemeClr val="lt1"/>
+          </a:fontRef>
+        </p:style>
+        <p:txBody>
+          <a:bodyPr rtlCol="0" anchor="ctr"/>
+          <a:lstStyle/>
+          <a:p>
+            <a:pPr algn="ctr"/>
+            <a:r>
+              <a:rPr lang="es-ES_tradnl" dirty="0"/>
+              <a:t>Repositorio, foro, enunciados</a:t>
+            </a:r>
+          </a:p>
+        </p:txBody>
+      </p:sp>
+    </p:spTree>
+    <p:extLst>
+      <p:ext uri="{BB962C8B-B14F-4D97-AF65-F5344CB8AC3E}">
+        <p14:creationId xmlns:p14="http://schemas.microsoft.com/office/powerpoint/2010/main" val="4027869201"/>
+      </p:ext>
+    </p:extLst>
   </p:cSld>
   <p:clrMapOvr>
     <a:masterClrMapping/>
@@ -10347,6 +13820,1640 @@
         </p:txBody>
       </p:sp>
     </p:spTree>
+  </p:cSld>
+  <p:clrMapOvr>
+    <a:masterClrMapping/>
+  </p:clrMapOvr>
+</p:sld>
+</file>
+
+<file path=ppt/slides/slide20.xml><?xml version="1.0" encoding="utf-8"?>
+<p:sld xmlns:a="http://schemas.openxmlformats.org/drawingml/2006/main" xmlns:r="http://schemas.openxmlformats.org/officeDocument/2006/relationships" xmlns:p="http://schemas.openxmlformats.org/presentationml/2006/main">
+  <p:cSld>
+    <p:spTree>
+      <p:nvGrpSpPr>
+        <p:cNvPr id="1" name=""/>
+        <p:cNvGrpSpPr/>
+        <p:nvPr/>
+      </p:nvGrpSpPr>
+      <p:grpSpPr>
+        <a:xfrm>
+          <a:off x="0" y="0"/>
+          <a:ext cx="0" cy="0"/>
+          <a:chOff x="0" y="0"/>
+          <a:chExt cx="0" cy="0"/>
+        </a:xfrm>
+      </p:grpSpPr>
+      <p:sp>
+        <p:nvSpPr>
+          <p:cNvPr id="24578" name="Text Box 2"/>
+          <p:cNvSpPr txBox="1">
+            <a:spLocks noChangeArrowheads="1"/>
+          </p:cNvSpPr>
+          <p:nvPr/>
+        </p:nvSpPr>
+        <p:spPr bwMode="auto">
+          <a:xfrm>
+            <a:off x="447675" y="313137"/>
+            <a:ext cx="8490263" cy="6401753"/>
+          </a:xfrm>
+          <a:prstGeom prst="rect">
+            <a:avLst/>
+          </a:prstGeom>
+          <a:noFill/>
+          <a:ln w="9525">
+            <a:noFill/>
+            <a:miter lim="800000"/>
+            <a:headEnd/>
+            <a:tailEnd/>
+          </a:ln>
+        </p:spPr>
+        <p:txBody>
+          <a:bodyPr wrap="square">
+            <a:prstTxWarp prst="textNoShape">
+              <a:avLst/>
+            </a:prstTxWarp>
+            <a:spAutoFit/>
+          </a:bodyPr>
+          <a:lstStyle/>
+          <a:p>
+            <a:r>
+              <a:rPr lang="es-ES" sz="3200" b="1" dirty="0">
+                <a:solidFill>
+                  <a:schemeClr val="accent2"/>
+                </a:solidFill>
+                <a:latin typeface="Trebuchet MS" charset="0"/>
+              </a:rPr>
+              <a:t>Coordenadas</a:t>
+            </a:r>
+          </a:p>
+          <a:p>
+            <a:endParaRPr lang="es-CL" b="1" dirty="0">
+              <a:solidFill>
+                <a:schemeClr val="accent2"/>
+              </a:solidFill>
+              <a:latin typeface="Trebuchet MS" charset="0"/>
+            </a:endParaRPr>
+          </a:p>
+          <a:p>
+            <a:endParaRPr lang="es-CL" b="1" dirty="0">
+              <a:solidFill>
+                <a:schemeClr val="accent2"/>
+              </a:solidFill>
+              <a:latin typeface="Trebuchet MS" charset="0"/>
+            </a:endParaRPr>
+          </a:p>
+          <a:p>
+            <a:r>
+              <a:rPr lang="es-CL" b="1" dirty="0">
+                <a:solidFill>
+                  <a:schemeClr val="tx2">
+                    <a:lumMod val="50000"/>
+                    <a:lumOff val="50000"/>
+                  </a:schemeClr>
+                </a:solidFill>
+                <a:latin typeface="Trebuchet MS" charset="0"/>
+              </a:rPr>
+              <a:t>Domingo Mery	Departamento de Ciencia de la Computación</a:t>
+            </a:r>
+          </a:p>
+          <a:p>
+            <a:r>
+              <a:rPr lang="es-CL" b="1" dirty="0">
+                <a:solidFill>
+                  <a:schemeClr val="tx2">
+                    <a:lumMod val="50000"/>
+                    <a:lumOff val="50000"/>
+                  </a:schemeClr>
+                </a:solidFill>
+                <a:latin typeface="Trebuchet MS" charset="0"/>
+              </a:rPr>
+              <a:t>		Pontificia Universidad Católica de Chile</a:t>
+            </a:r>
+          </a:p>
+          <a:p>
+            <a:r>
+              <a:rPr lang="es-CL" b="1" dirty="0">
+                <a:solidFill>
+                  <a:schemeClr val="tx2">
+                    <a:lumMod val="50000"/>
+                    <a:lumOff val="50000"/>
+                  </a:schemeClr>
+                </a:solidFill>
+                <a:latin typeface="Trebuchet MS" charset="0"/>
+              </a:rPr>
+              <a:t>		</a:t>
+            </a:r>
+            <a:r>
+              <a:rPr lang="es-CL" b="1" dirty="0">
+                <a:solidFill>
+                  <a:schemeClr val="accent2"/>
+                </a:solidFill>
+                <a:latin typeface="Trebuchet MS" charset="0"/>
+                <a:hlinkClick r:id="rId3"/>
+              </a:rPr>
+              <a:t>http://domingomery.ing.uc.cl</a:t>
+            </a:r>
+            <a:endParaRPr lang="es-CL" b="1" dirty="0">
+              <a:solidFill>
+                <a:schemeClr val="accent2"/>
+              </a:solidFill>
+              <a:latin typeface="Trebuchet MS" charset="0"/>
+            </a:endParaRPr>
+          </a:p>
+          <a:p>
+            <a:endParaRPr lang="es-CL" b="1" dirty="0">
+              <a:solidFill>
+                <a:schemeClr val="accent2"/>
+              </a:solidFill>
+              <a:latin typeface="Trebuchet MS" charset="0"/>
+            </a:endParaRPr>
+          </a:p>
+          <a:p>
+            <a:r>
+              <a:rPr lang="es-CL" b="1" dirty="0">
+                <a:solidFill>
+                  <a:schemeClr val="accent2"/>
+                </a:solidFill>
+                <a:latin typeface="Trebuchet MS" charset="0"/>
+              </a:rPr>
+              <a:t>     + Mail:	</a:t>
+            </a:r>
+            <a:r>
+              <a:rPr lang="es-CL" b="1" dirty="0">
+                <a:solidFill>
+                  <a:schemeClr val="accent2"/>
+                </a:solidFill>
+                <a:latin typeface="Trebuchet MS" charset="0"/>
+                <a:hlinkClick r:id="rId4"/>
+              </a:rPr>
+              <a:t>domingo.mery@uc.cl</a:t>
+            </a:r>
+            <a:endParaRPr lang="es-CL" b="1" dirty="0">
+              <a:solidFill>
+                <a:schemeClr val="accent2"/>
+              </a:solidFill>
+              <a:latin typeface="Trebuchet MS" charset="0"/>
+            </a:endParaRPr>
+          </a:p>
+          <a:p>
+            <a:endParaRPr lang="es-CL" b="1" dirty="0">
+              <a:solidFill>
+                <a:schemeClr val="accent2"/>
+              </a:solidFill>
+              <a:latin typeface="Trebuchet MS" charset="0"/>
+            </a:endParaRPr>
+          </a:p>
+          <a:p>
+            <a:r>
+              <a:rPr lang="es-CL" b="1" dirty="0">
+                <a:solidFill>
+                  <a:schemeClr val="accent2"/>
+                </a:solidFill>
+                <a:latin typeface="Trebuchet MS" charset="0"/>
+              </a:rPr>
+              <a:t>     + Zoom: 	</a:t>
+            </a:r>
+            <a:r>
+              <a:rPr lang="es-CL" b="1" dirty="0">
+                <a:solidFill>
+                  <a:schemeClr val="accent2"/>
+                </a:solidFill>
+                <a:latin typeface="Trebuchet MS" charset="0"/>
+                <a:hlinkClick r:id="rId5"/>
+              </a:rPr>
+              <a:t>https://notredame.zoom.us/my/patrones</a:t>
+            </a:r>
+            <a:endParaRPr lang="es-CL" b="1" dirty="0">
+              <a:solidFill>
+                <a:schemeClr val="accent2"/>
+              </a:solidFill>
+              <a:latin typeface="Trebuchet MS" charset="0"/>
+            </a:endParaRPr>
+          </a:p>
+          <a:p>
+            <a:endParaRPr lang="es-CL" b="1" dirty="0">
+              <a:solidFill>
+                <a:schemeClr val="accent2"/>
+              </a:solidFill>
+              <a:latin typeface="Trebuchet MS" charset="0"/>
+            </a:endParaRPr>
+          </a:p>
+          <a:p>
+            <a:r>
+              <a:rPr lang="es-CL" b="1" dirty="0">
+                <a:solidFill>
+                  <a:schemeClr val="accent2"/>
+                </a:solidFill>
+                <a:latin typeface="Trebuchet MS" charset="0"/>
+              </a:rPr>
+              <a:t>     		Meeting ID: 386 155 8778</a:t>
+            </a:r>
+          </a:p>
+          <a:p>
+            <a:endParaRPr lang="es-CL" b="1" dirty="0">
+              <a:solidFill>
+                <a:schemeClr val="accent2"/>
+              </a:solidFill>
+              <a:latin typeface="Trebuchet MS" charset="0"/>
+            </a:endParaRPr>
+          </a:p>
+          <a:p>
+            <a:r>
+              <a:rPr lang="es-CL" b="1" dirty="0">
+                <a:solidFill>
+                  <a:schemeClr val="accent2"/>
+                </a:solidFill>
+                <a:latin typeface="Trebuchet MS" charset="0"/>
+              </a:rPr>
+              <a:t>     + YouTube: 	</a:t>
+            </a:r>
+            <a:r>
+              <a:rPr lang="es-CL" b="1" dirty="0">
+                <a:solidFill>
+                  <a:schemeClr val="accent2"/>
+                </a:solidFill>
+                <a:latin typeface="Trebuchet MS" charset="0"/>
+                <a:hlinkClick r:id="rId6"/>
+              </a:rPr>
+              <a:t>http:/youtube.com/domingomery</a:t>
+            </a:r>
+            <a:r>
+              <a:rPr lang="es-CL" b="1" dirty="0">
+                <a:solidFill>
+                  <a:schemeClr val="accent2"/>
+                </a:solidFill>
+                <a:latin typeface="Trebuchet MS" charset="0"/>
+              </a:rPr>
+              <a:t> </a:t>
+            </a:r>
+          </a:p>
+          <a:p>
+            <a:endParaRPr lang="es-CL" b="1" dirty="0">
+              <a:solidFill>
+                <a:schemeClr val="accent2"/>
+              </a:solidFill>
+              <a:latin typeface="Trebuchet MS" charset="0"/>
+            </a:endParaRPr>
+          </a:p>
+          <a:p>
+            <a:r>
+              <a:rPr lang="es-CL" b="1" dirty="0">
+                <a:solidFill>
+                  <a:schemeClr val="accent2"/>
+                </a:solidFill>
+                <a:latin typeface="Trebuchet MS" charset="0"/>
+              </a:rPr>
+              <a:t>     + GitHub: 	</a:t>
+            </a:r>
+            <a:r>
+              <a:rPr lang="es-CL" b="1" dirty="0">
+                <a:solidFill>
+                  <a:schemeClr val="accent2"/>
+                </a:solidFill>
+                <a:latin typeface="Trebuchet MS" charset="0"/>
+                <a:hlinkClick r:id="rId7"/>
+              </a:rPr>
+              <a:t>https://github.com/domingomery/patrones</a:t>
+            </a:r>
+            <a:endParaRPr lang="es-CL" b="1" dirty="0">
+              <a:solidFill>
+                <a:schemeClr val="accent2"/>
+              </a:solidFill>
+              <a:latin typeface="Trebuchet MS" charset="0"/>
+            </a:endParaRPr>
+          </a:p>
+          <a:p>
+            <a:endParaRPr lang="es-CL" b="1" dirty="0">
+              <a:solidFill>
+                <a:schemeClr val="accent2"/>
+              </a:solidFill>
+              <a:latin typeface="Trebuchet MS" charset="0"/>
+            </a:endParaRPr>
+          </a:p>
+          <a:p>
+            <a:r>
+              <a:rPr lang="es-CL" b="1" dirty="0">
+                <a:solidFill>
+                  <a:schemeClr val="accent2"/>
+                </a:solidFill>
+                <a:latin typeface="Trebuchet MS" charset="0"/>
+              </a:rPr>
+              <a:t>     + Web: 	</a:t>
+            </a:r>
+            <a:r>
+              <a:rPr lang="es-CL" b="1" dirty="0">
+                <a:solidFill>
+                  <a:schemeClr val="accent2"/>
+                </a:solidFill>
+                <a:latin typeface="Trebuchet MS" charset="0"/>
+                <a:hlinkClick r:id="rId8"/>
+              </a:rPr>
+              <a:t>https://domingomery.ing.uc.cl/teaching/patrones/</a:t>
+            </a:r>
+            <a:endParaRPr lang="es-CL" b="1" dirty="0">
+              <a:solidFill>
+                <a:schemeClr val="accent2"/>
+              </a:solidFill>
+              <a:latin typeface="Trebuchet MS" charset="0"/>
+            </a:endParaRPr>
+          </a:p>
+          <a:p>
+            <a:endParaRPr lang="es-CL" b="1" dirty="0">
+              <a:solidFill>
+                <a:schemeClr val="accent2"/>
+              </a:solidFill>
+              <a:latin typeface="Trebuchet MS" charset="0"/>
+            </a:endParaRPr>
+          </a:p>
+          <a:p>
+            <a:r>
+              <a:rPr lang="es-CL" b="1" dirty="0">
+                <a:solidFill>
+                  <a:schemeClr val="accent2"/>
+                </a:solidFill>
+                <a:latin typeface="Trebuchet MS" charset="0"/>
+              </a:rPr>
+              <a:t>     + Google Classroom: Class Code asifzvs </a:t>
+            </a:r>
+          </a:p>
+          <a:p>
+            <a:endParaRPr lang="es-CL" b="1" dirty="0">
+              <a:solidFill>
+                <a:schemeClr val="accent2"/>
+              </a:solidFill>
+              <a:latin typeface="Trebuchet MS" charset="0"/>
+            </a:endParaRPr>
+          </a:p>
+          <a:p>
+            <a:r>
+              <a:rPr lang="es-CL" b="1" dirty="0">
+                <a:solidFill>
+                  <a:schemeClr val="accent2"/>
+                </a:solidFill>
+                <a:latin typeface="Trebuchet MS" charset="0"/>
+              </a:rPr>
+              <a:t>     + Twitter: 	@CVCND</a:t>
+            </a:r>
+          </a:p>
+        </p:txBody>
+      </p:sp>
+      <p:sp>
+        <p:nvSpPr>
+          <p:cNvPr id="3" name="Rectangle 2">
+            <a:extLst>
+              <a:ext uri="{FF2B5EF4-FFF2-40B4-BE49-F238E27FC236}">
+                <a16:creationId xmlns:a16="http://schemas.microsoft.com/office/drawing/2014/main" id="{47E4230F-F8D6-9142-8202-48957A0E909C}"/>
+              </a:ext>
+            </a:extLst>
+          </p:cNvPr>
+          <p:cNvSpPr/>
+          <p:nvPr/>
+        </p:nvSpPr>
+        <p:spPr>
+          <a:xfrm>
+            <a:off x="-244699" y="5604307"/>
+            <a:ext cx="9800823" cy="1479072"/>
+          </a:xfrm>
+          <a:prstGeom prst="rect">
+            <a:avLst/>
+          </a:prstGeom>
+          <a:solidFill>
+            <a:schemeClr val="bg1">
+              <a:alpha val="87000"/>
+            </a:schemeClr>
+          </a:solidFill>
+          <a:ln>
+            <a:noFill/>
+          </a:ln>
+        </p:spPr>
+        <p:style>
+          <a:lnRef idx="2">
+            <a:schemeClr val="accent1">
+              <a:shade val="50000"/>
+            </a:schemeClr>
+          </a:lnRef>
+          <a:fillRef idx="1">
+            <a:schemeClr val="accent1"/>
+          </a:fillRef>
+          <a:effectRef idx="0">
+            <a:schemeClr val="accent1"/>
+          </a:effectRef>
+          <a:fontRef idx="minor">
+            <a:schemeClr val="lt1"/>
+          </a:fontRef>
+        </p:style>
+        <p:txBody>
+          <a:bodyPr rtlCol="0" anchor="ctr"/>
+          <a:lstStyle/>
+          <a:p>
+            <a:pPr algn="ctr"/>
+            <a:endParaRPr lang="en-US" dirty="0"/>
+          </a:p>
+        </p:txBody>
+      </p:sp>
+      <p:sp>
+        <p:nvSpPr>
+          <p:cNvPr id="5" name="Rectangle 4">
+            <a:extLst>
+              <a:ext uri="{FF2B5EF4-FFF2-40B4-BE49-F238E27FC236}">
+                <a16:creationId xmlns:a16="http://schemas.microsoft.com/office/drawing/2014/main" id="{4902BA5A-0649-834B-8088-D04291771DF1}"/>
+              </a:ext>
+            </a:extLst>
+          </p:cNvPr>
+          <p:cNvSpPr/>
+          <p:nvPr/>
+        </p:nvSpPr>
+        <p:spPr>
+          <a:xfrm>
+            <a:off x="-244700" y="843565"/>
+            <a:ext cx="9800823" cy="4179196"/>
+          </a:xfrm>
+          <a:prstGeom prst="rect">
+            <a:avLst/>
+          </a:prstGeom>
+          <a:solidFill>
+            <a:schemeClr val="bg1">
+              <a:alpha val="87000"/>
+            </a:schemeClr>
+          </a:solidFill>
+          <a:ln>
+            <a:noFill/>
+          </a:ln>
+        </p:spPr>
+        <p:style>
+          <a:lnRef idx="2">
+            <a:schemeClr val="accent1">
+              <a:shade val="50000"/>
+            </a:schemeClr>
+          </a:lnRef>
+          <a:fillRef idx="1">
+            <a:schemeClr val="accent1"/>
+          </a:fillRef>
+          <a:effectRef idx="0">
+            <a:schemeClr val="accent1"/>
+          </a:effectRef>
+          <a:fontRef idx="minor">
+            <a:schemeClr val="lt1"/>
+          </a:fontRef>
+        </p:style>
+        <p:txBody>
+          <a:bodyPr rtlCol="0" anchor="ctr"/>
+          <a:lstStyle/>
+          <a:p>
+            <a:pPr algn="ctr"/>
+            <a:endParaRPr lang="en-US" dirty="0"/>
+          </a:p>
+        </p:txBody>
+      </p:sp>
+      <p:sp>
+        <p:nvSpPr>
+          <p:cNvPr id="4" name="Oval 3">
+            <a:extLst>
+              <a:ext uri="{FF2B5EF4-FFF2-40B4-BE49-F238E27FC236}">
+                <a16:creationId xmlns:a16="http://schemas.microsoft.com/office/drawing/2014/main" id="{61F7F1B5-E4D7-DA47-8148-6D482C5F6B7F}"/>
+              </a:ext>
+            </a:extLst>
+          </p:cNvPr>
+          <p:cNvSpPr/>
+          <p:nvPr/>
+        </p:nvSpPr>
+        <p:spPr>
+          <a:xfrm rot="682772">
+            <a:off x="7055162" y="4032599"/>
+            <a:ext cx="2391378" cy="1349049"/>
+          </a:xfrm>
+          <a:prstGeom prst="ellipse">
+            <a:avLst/>
+          </a:prstGeom>
+          <a:gradFill>
+            <a:gsLst>
+              <a:gs pos="0">
+                <a:schemeClr val="accent2">
+                  <a:lumMod val="75000"/>
+                </a:schemeClr>
+              </a:gs>
+              <a:gs pos="50000">
+                <a:schemeClr val="accent2">
+                  <a:lumMod val="40000"/>
+                  <a:lumOff val="60000"/>
+                </a:schemeClr>
+              </a:gs>
+              <a:gs pos="100000">
+                <a:schemeClr val="accent2">
+                  <a:lumMod val="20000"/>
+                  <a:lumOff val="80000"/>
+                </a:schemeClr>
+              </a:gs>
+            </a:gsLst>
+          </a:gradFill>
+        </p:spPr>
+        <p:style>
+          <a:lnRef idx="0">
+            <a:schemeClr val="accent2"/>
+          </a:lnRef>
+          <a:fillRef idx="3">
+            <a:schemeClr val="accent2"/>
+          </a:fillRef>
+          <a:effectRef idx="3">
+            <a:schemeClr val="accent2"/>
+          </a:effectRef>
+          <a:fontRef idx="minor">
+            <a:schemeClr val="lt1"/>
+          </a:fontRef>
+        </p:style>
+        <p:txBody>
+          <a:bodyPr rtlCol="0" anchor="ctr"/>
+          <a:lstStyle/>
+          <a:p>
+            <a:pPr algn="ctr"/>
+            <a:r>
+              <a:rPr lang="es-ES_tradnl" dirty="0"/>
+              <a:t>Links a todo, calendario</a:t>
+            </a:r>
+          </a:p>
+        </p:txBody>
+      </p:sp>
+    </p:spTree>
+    <p:extLst>
+      <p:ext uri="{BB962C8B-B14F-4D97-AF65-F5344CB8AC3E}">
+        <p14:creationId xmlns:p14="http://schemas.microsoft.com/office/powerpoint/2010/main" val="3585729449"/>
+      </p:ext>
+    </p:extLst>
+  </p:cSld>
+  <p:clrMapOvr>
+    <a:masterClrMapping/>
+  </p:clrMapOvr>
+</p:sld>
+</file>
+
+<file path=ppt/slides/slide21.xml><?xml version="1.0" encoding="utf-8"?>
+<p:sld xmlns:a="http://schemas.openxmlformats.org/drawingml/2006/main" xmlns:r="http://schemas.openxmlformats.org/officeDocument/2006/relationships" xmlns:p="http://schemas.openxmlformats.org/presentationml/2006/main">
+  <p:cSld>
+    <p:spTree>
+      <p:nvGrpSpPr>
+        <p:cNvPr id="1" name=""/>
+        <p:cNvGrpSpPr/>
+        <p:nvPr/>
+      </p:nvGrpSpPr>
+      <p:grpSpPr>
+        <a:xfrm>
+          <a:off x="0" y="0"/>
+          <a:ext cx="0" cy="0"/>
+          <a:chOff x="0" y="0"/>
+          <a:chExt cx="0" cy="0"/>
+        </a:xfrm>
+      </p:grpSpPr>
+      <p:sp>
+        <p:nvSpPr>
+          <p:cNvPr id="24578" name="Text Box 2"/>
+          <p:cNvSpPr txBox="1">
+            <a:spLocks noChangeArrowheads="1"/>
+          </p:cNvSpPr>
+          <p:nvPr/>
+        </p:nvSpPr>
+        <p:spPr bwMode="auto">
+          <a:xfrm>
+            <a:off x="447675" y="313137"/>
+            <a:ext cx="8490263" cy="6401753"/>
+          </a:xfrm>
+          <a:prstGeom prst="rect">
+            <a:avLst/>
+          </a:prstGeom>
+          <a:noFill/>
+          <a:ln w="9525">
+            <a:noFill/>
+            <a:miter lim="800000"/>
+            <a:headEnd/>
+            <a:tailEnd/>
+          </a:ln>
+        </p:spPr>
+        <p:txBody>
+          <a:bodyPr wrap="square">
+            <a:prstTxWarp prst="textNoShape">
+              <a:avLst/>
+            </a:prstTxWarp>
+            <a:spAutoFit/>
+          </a:bodyPr>
+          <a:lstStyle/>
+          <a:p>
+            <a:r>
+              <a:rPr lang="es-ES" sz="3200" b="1" dirty="0">
+                <a:solidFill>
+                  <a:schemeClr val="accent2"/>
+                </a:solidFill>
+                <a:latin typeface="Trebuchet MS" charset="0"/>
+              </a:rPr>
+              <a:t>Coordenadas</a:t>
+            </a:r>
+          </a:p>
+          <a:p>
+            <a:endParaRPr lang="es-CL" b="1" dirty="0">
+              <a:solidFill>
+                <a:schemeClr val="accent2"/>
+              </a:solidFill>
+              <a:latin typeface="Trebuchet MS" charset="0"/>
+            </a:endParaRPr>
+          </a:p>
+          <a:p>
+            <a:endParaRPr lang="es-CL" b="1" dirty="0">
+              <a:solidFill>
+                <a:schemeClr val="accent2"/>
+              </a:solidFill>
+              <a:latin typeface="Trebuchet MS" charset="0"/>
+            </a:endParaRPr>
+          </a:p>
+          <a:p>
+            <a:r>
+              <a:rPr lang="es-CL" b="1" dirty="0">
+                <a:solidFill>
+                  <a:schemeClr val="tx2">
+                    <a:lumMod val="50000"/>
+                    <a:lumOff val="50000"/>
+                  </a:schemeClr>
+                </a:solidFill>
+                <a:latin typeface="Trebuchet MS" charset="0"/>
+              </a:rPr>
+              <a:t>Domingo Mery	Departamento de Ciencia de la Computación</a:t>
+            </a:r>
+          </a:p>
+          <a:p>
+            <a:r>
+              <a:rPr lang="es-CL" b="1" dirty="0">
+                <a:solidFill>
+                  <a:schemeClr val="tx2">
+                    <a:lumMod val="50000"/>
+                    <a:lumOff val="50000"/>
+                  </a:schemeClr>
+                </a:solidFill>
+                <a:latin typeface="Trebuchet MS" charset="0"/>
+              </a:rPr>
+              <a:t>		Pontificia Universidad Católica de Chile</a:t>
+            </a:r>
+          </a:p>
+          <a:p>
+            <a:r>
+              <a:rPr lang="es-CL" b="1" dirty="0">
+                <a:solidFill>
+                  <a:schemeClr val="tx2">
+                    <a:lumMod val="50000"/>
+                    <a:lumOff val="50000"/>
+                  </a:schemeClr>
+                </a:solidFill>
+                <a:latin typeface="Trebuchet MS" charset="0"/>
+              </a:rPr>
+              <a:t>		</a:t>
+            </a:r>
+            <a:r>
+              <a:rPr lang="es-CL" b="1" dirty="0">
+                <a:solidFill>
+                  <a:schemeClr val="accent2"/>
+                </a:solidFill>
+                <a:latin typeface="Trebuchet MS" charset="0"/>
+                <a:hlinkClick r:id="rId3"/>
+              </a:rPr>
+              <a:t>http://domingomery.ing.uc.cl</a:t>
+            </a:r>
+            <a:endParaRPr lang="es-CL" b="1" dirty="0">
+              <a:solidFill>
+                <a:schemeClr val="accent2"/>
+              </a:solidFill>
+              <a:latin typeface="Trebuchet MS" charset="0"/>
+            </a:endParaRPr>
+          </a:p>
+          <a:p>
+            <a:endParaRPr lang="es-CL" b="1" dirty="0">
+              <a:solidFill>
+                <a:schemeClr val="accent2"/>
+              </a:solidFill>
+              <a:latin typeface="Trebuchet MS" charset="0"/>
+            </a:endParaRPr>
+          </a:p>
+          <a:p>
+            <a:r>
+              <a:rPr lang="es-CL" b="1" dirty="0">
+                <a:solidFill>
+                  <a:schemeClr val="accent2"/>
+                </a:solidFill>
+                <a:latin typeface="Trebuchet MS" charset="0"/>
+              </a:rPr>
+              <a:t>     + Mail:	</a:t>
+            </a:r>
+            <a:r>
+              <a:rPr lang="es-CL" b="1" dirty="0">
+                <a:solidFill>
+                  <a:schemeClr val="accent2"/>
+                </a:solidFill>
+                <a:latin typeface="Trebuchet MS" charset="0"/>
+                <a:hlinkClick r:id="rId4"/>
+              </a:rPr>
+              <a:t>domingo.mery@uc.cl</a:t>
+            </a:r>
+            <a:endParaRPr lang="es-CL" b="1" dirty="0">
+              <a:solidFill>
+                <a:schemeClr val="accent2"/>
+              </a:solidFill>
+              <a:latin typeface="Trebuchet MS" charset="0"/>
+            </a:endParaRPr>
+          </a:p>
+          <a:p>
+            <a:endParaRPr lang="es-CL" b="1" dirty="0">
+              <a:solidFill>
+                <a:schemeClr val="accent2"/>
+              </a:solidFill>
+              <a:latin typeface="Trebuchet MS" charset="0"/>
+            </a:endParaRPr>
+          </a:p>
+          <a:p>
+            <a:r>
+              <a:rPr lang="es-CL" b="1" dirty="0">
+                <a:solidFill>
+                  <a:schemeClr val="accent2"/>
+                </a:solidFill>
+                <a:latin typeface="Trebuchet MS" charset="0"/>
+              </a:rPr>
+              <a:t>     + Zoom: 	</a:t>
+            </a:r>
+            <a:r>
+              <a:rPr lang="es-CL" b="1" dirty="0">
+                <a:solidFill>
+                  <a:schemeClr val="accent2"/>
+                </a:solidFill>
+                <a:latin typeface="Trebuchet MS" charset="0"/>
+                <a:hlinkClick r:id="rId5"/>
+              </a:rPr>
+              <a:t>https://notredame.zoom.us/my/patrones</a:t>
+            </a:r>
+            <a:endParaRPr lang="es-CL" b="1" dirty="0">
+              <a:solidFill>
+                <a:schemeClr val="accent2"/>
+              </a:solidFill>
+              <a:latin typeface="Trebuchet MS" charset="0"/>
+            </a:endParaRPr>
+          </a:p>
+          <a:p>
+            <a:endParaRPr lang="es-CL" b="1" dirty="0">
+              <a:solidFill>
+                <a:schemeClr val="accent2"/>
+              </a:solidFill>
+              <a:latin typeface="Trebuchet MS" charset="0"/>
+            </a:endParaRPr>
+          </a:p>
+          <a:p>
+            <a:r>
+              <a:rPr lang="es-CL" b="1" dirty="0">
+                <a:solidFill>
+                  <a:schemeClr val="accent2"/>
+                </a:solidFill>
+                <a:latin typeface="Trebuchet MS" charset="0"/>
+              </a:rPr>
+              <a:t>     		Meeting ID: 386 155 8778</a:t>
+            </a:r>
+          </a:p>
+          <a:p>
+            <a:endParaRPr lang="es-CL" b="1" dirty="0">
+              <a:solidFill>
+                <a:schemeClr val="accent2"/>
+              </a:solidFill>
+              <a:latin typeface="Trebuchet MS" charset="0"/>
+            </a:endParaRPr>
+          </a:p>
+          <a:p>
+            <a:r>
+              <a:rPr lang="es-CL" b="1" dirty="0">
+                <a:solidFill>
+                  <a:schemeClr val="accent2"/>
+                </a:solidFill>
+                <a:latin typeface="Trebuchet MS" charset="0"/>
+              </a:rPr>
+              <a:t>     + YouTube: 	</a:t>
+            </a:r>
+            <a:r>
+              <a:rPr lang="es-CL" b="1" dirty="0">
+                <a:solidFill>
+                  <a:schemeClr val="accent2"/>
+                </a:solidFill>
+                <a:latin typeface="Trebuchet MS" charset="0"/>
+                <a:hlinkClick r:id="rId6"/>
+              </a:rPr>
+              <a:t>http:/youtube.com/domingomery</a:t>
+            </a:r>
+            <a:r>
+              <a:rPr lang="es-CL" b="1" dirty="0">
+                <a:solidFill>
+                  <a:schemeClr val="accent2"/>
+                </a:solidFill>
+                <a:latin typeface="Trebuchet MS" charset="0"/>
+              </a:rPr>
+              <a:t> </a:t>
+            </a:r>
+          </a:p>
+          <a:p>
+            <a:endParaRPr lang="es-CL" b="1" dirty="0">
+              <a:solidFill>
+                <a:schemeClr val="accent2"/>
+              </a:solidFill>
+              <a:latin typeface="Trebuchet MS" charset="0"/>
+            </a:endParaRPr>
+          </a:p>
+          <a:p>
+            <a:r>
+              <a:rPr lang="es-CL" b="1" dirty="0">
+                <a:solidFill>
+                  <a:schemeClr val="accent2"/>
+                </a:solidFill>
+                <a:latin typeface="Trebuchet MS" charset="0"/>
+              </a:rPr>
+              <a:t>     + GitHub: 	</a:t>
+            </a:r>
+            <a:r>
+              <a:rPr lang="es-CL" b="1" dirty="0">
+                <a:solidFill>
+                  <a:schemeClr val="accent2"/>
+                </a:solidFill>
+                <a:latin typeface="Trebuchet MS" charset="0"/>
+                <a:hlinkClick r:id="rId7"/>
+              </a:rPr>
+              <a:t>https://github.com/domingomery/patrones</a:t>
+            </a:r>
+            <a:endParaRPr lang="es-CL" b="1" dirty="0">
+              <a:solidFill>
+                <a:schemeClr val="accent2"/>
+              </a:solidFill>
+              <a:latin typeface="Trebuchet MS" charset="0"/>
+            </a:endParaRPr>
+          </a:p>
+          <a:p>
+            <a:endParaRPr lang="es-CL" b="1" dirty="0">
+              <a:solidFill>
+                <a:schemeClr val="accent2"/>
+              </a:solidFill>
+              <a:latin typeface="Trebuchet MS" charset="0"/>
+            </a:endParaRPr>
+          </a:p>
+          <a:p>
+            <a:r>
+              <a:rPr lang="es-CL" b="1" dirty="0">
+                <a:solidFill>
+                  <a:schemeClr val="accent2"/>
+                </a:solidFill>
+                <a:latin typeface="Trebuchet MS" charset="0"/>
+              </a:rPr>
+              <a:t>     + Web: 	</a:t>
+            </a:r>
+            <a:r>
+              <a:rPr lang="es-CL" b="1" dirty="0">
+                <a:solidFill>
+                  <a:schemeClr val="accent2"/>
+                </a:solidFill>
+                <a:latin typeface="Trebuchet MS" charset="0"/>
+                <a:hlinkClick r:id="rId8"/>
+              </a:rPr>
+              <a:t>https://domingomery.ing.uc.cl/teaching/patrones/</a:t>
+            </a:r>
+            <a:endParaRPr lang="es-CL" b="1" dirty="0">
+              <a:solidFill>
+                <a:schemeClr val="accent2"/>
+              </a:solidFill>
+              <a:latin typeface="Trebuchet MS" charset="0"/>
+            </a:endParaRPr>
+          </a:p>
+          <a:p>
+            <a:endParaRPr lang="es-CL" b="1" dirty="0">
+              <a:solidFill>
+                <a:schemeClr val="accent2"/>
+              </a:solidFill>
+              <a:latin typeface="Trebuchet MS" charset="0"/>
+            </a:endParaRPr>
+          </a:p>
+          <a:p>
+            <a:r>
+              <a:rPr lang="es-CL" b="1" dirty="0">
+                <a:solidFill>
+                  <a:schemeClr val="accent2"/>
+                </a:solidFill>
+                <a:latin typeface="Trebuchet MS" charset="0"/>
+              </a:rPr>
+              <a:t>     + Google Classroom: Class Code asifzvs </a:t>
+            </a:r>
+          </a:p>
+          <a:p>
+            <a:endParaRPr lang="es-CL" b="1" dirty="0">
+              <a:solidFill>
+                <a:schemeClr val="accent2"/>
+              </a:solidFill>
+              <a:latin typeface="Trebuchet MS" charset="0"/>
+            </a:endParaRPr>
+          </a:p>
+          <a:p>
+            <a:r>
+              <a:rPr lang="es-CL" b="1" dirty="0">
+                <a:solidFill>
+                  <a:schemeClr val="accent2"/>
+                </a:solidFill>
+                <a:latin typeface="Trebuchet MS" charset="0"/>
+              </a:rPr>
+              <a:t>     + Twitter: 	@CVCND</a:t>
+            </a:r>
+          </a:p>
+        </p:txBody>
+      </p:sp>
+      <p:sp>
+        <p:nvSpPr>
+          <p:cNvPr id="3" name="Rectangle 2">
+            <a:extLst>
+              <a:ext uri="{FF2B5EF4-FFF2-40B4-BE49-F238E27FC236}">
+                <a16:creationId xmlns:a16="http://schemas.microsoft.com/office/drawing/2014/main" id="{47E4230F-F8D6-9142-8202-48957A0E909C}"/>
+              </a:ext>
+            </a:extLst>
+          </p:cNvPr>
+          <p:cNvSpPr/>
+          <p:nvPr/>
+        </p:nvSpPr>
+        <p:spPr>
+          <a:xfrm>
+            <a:off x="-244699" y="6143223"/>
+            <a:ext cx="9800823" cy="940156"/>
+          </a:xfrm>
+          <a:prstGeom prst="rect">
+            <a:avLst/>
+          </a:prstGeom>
+          <a:solidFill>
+            <a:schemeClr val="bg1">
+              <a:alpha val="87000"/>
+            </a:schemeClr>
+          </a:solidFill>
+          <a:ln>
+            <a:noFill/>
+          </a:ln>
+        </p:spPr>
+        <p:style>
+          <a:lnRef idx="2">
+            <a:schemeClr val="accent1">
+              <a:shade val="50000"/>
+            </a:schemeClr>
+          </a:lnRef>
+          <a:fillRef idx="1">
+            <a:schemeClr val="accent1"/>
+          </a:fillRef>
+          <a:effectRef idx="0">
+            <a:schemeClr val="accent1"/>
+          </a:effectRef>
+          <a:fontRef idx="minor">
+            <a:schemeClr val="lt1"/>
+          </a:fontRef>
+        </p:style>
+        <p:txBody>
+          <a:bodyPr rtlCol="0" anchor="ctr"/>
+          <a:lstStyle/>
+          <a:p>
+            <a:pPr algn="ctr"/>
+            <a:endParaRPr lang="en-US" dirty="0"/>
+          </a:p>
+        </p:txBody>
+      </p:sp>
+      <p:sp>
+        <p:nvSpPr>
+          <p:cNvPr id="5" name="Rectangle 4">
+            <a:extLst>
+              <a:ext uri="{FF2B5EF4-FFF2-40B4-BE49-F238E27FC236}">
+                <a16:creationId xmlns:a16="http://schemas.microsoft.com/office/drawing/2014/main" id="{4902BA5A-0649-834B-8088-D04291771DF1}"/>
+              </a:ext>
+            </a:extLst>
+          </p:cNvPr>
+          <p:cNvSpPr/>
+          <p:nvPr/>
+        </p:nvSpPr>
+        <p:spPr>
+          <a:xfrm>
+            <a:off x="-244700" y="843565"/>
+            <a:ext cx="9800823" cy="4760742"/>
+          </a:xfrm>
+          <a:prstGeom prst="rect">
+            <a:avLst/>
+          </a:prstGeom>
+          <a:solidFill>
+            <a:schemeClr val="bg1">
+              <a:alpha val="87000"/>
+            </a:schemeClr>
+          </a:solidFill>
+          <a:ln>
+            <a:noFill/>
+          </a:ln>
+        </p:spPr>
+        <p:style>
+          <a:lnRef idx="2">
+            <a:schemeClr val="accent1">
+              <a:shade val="50000"/>
+            </a:schemeClr>
+          </a:lnRef>
+          <a:fillRef idx="1">
+            <a:schemeClr val="accent1"/>
+          </a:fillRef>
+          <a:effectRef idx="0">
+            <a:schemeClr val="accent1"/>
+          </a:effectRef>
+          <a:fontRef idx="minor">
+            <a:schemeClr val="lt1"/>
+          </a:fontRef>
+        </p:style>
+        <p:txBody>
+          <a:bodyPr rtlCol="0" anchor="ctr"/>
+          <a:lstStyle/>
+          <a:p>
+            <a:pPr algn="ctr"/>
+            <a:endParaRPr lang="en-US" dirty="0"/>
+          </a:p>
+        </p:txBody>
+      </p:sp>
+      <p:sp>
+        <p:nvSpPr>
+          <p:cNvPr id="4" name="Oval 3">
+            <a:extLst>
+              <a:ext uri="{FF2B5EF4-FFF2-40B4-BE49-F238E27FC236}">
+                <a16:creationId xmlns:a16="http://schemas.microsoft.com/office/drawing/2014/main" id="{61F7F1B5-E4D7-DA47-8148-6D482C5F6B7F}"/>
+              </a:ext>
+            </a:extLst>
+          </p:cNvPr>
+          <p:cNvSpPr/>
+          <p:nvPr/>
+        </p:nvSpPr>
+        <p:spPr>
+          <a:xfrm rot="682772">
+            <a:off x="7055161" y="5143183"/>
+            <a:ext cx="2391378" cy="1349049"/>
+          </a:xfrm>
+          <a:prstGeom prst="ellipse">
+            <a:avLst/>
+          </a:prstGeom>
+          <a:gradFill>
+            <a:gsLst>
+              <a:gs pos="0">
+                <a:srgbClr val="FFFF66"/>
+              </a:gs>
+              <a:gs pos="50000">
+                <a:srgbClr val="E3AC83"/>
+              </a:gs>
+              <a:gs pos="100000">
+                <a:schemeClr val="accent2">
+                  <a:lumMod val="20000"/>
+                  <a:lumOff val="80000"/>
+                </a:schemeClr>
+              </a:gs>
+            </a:gsLst>
+          </a:gradFill>
+        </p:spPr>
+        <p:style>
+          <a:lnRef idx="0">
+            <a:schemeClr val="accent2"/>
+          </a:lnRef>
+          <a:fillRef idx="3">
+            <a:schemeClr val="accent2"/>
+          </a:fillRef>
+          <a:effectRef idx="3">
+            <a:schemeClr val="accent2"/>
+          </a:effectRef>
+          <a:fontRef idx="minor">
+            <a:schemeClr val="lt1"/>
+          </a:fontRef>
+        </p:style>
+        <p:txBody>
+          <a:bodyPr rtlCol="0" anchor="ctr"/>
+          <a:lstStyle/>
+          <a:p>
+            <a:pPr algn="ctr"/>
+            <a:r>
+              <a:rPr lang="es-ES_tradnl" dirty="0"/>
+              <a:t>Para subir las tareas</a:t>
+            </a:r>
+          </a:p>
+        </p:txBody>
+      </p:sp>
+    </p:spTree>
+    <p:extLst>
+      <p:ext uri="{BB962C8B-B14F-4D97-AF65-F5344CB8AC3E}">
+        <p14:creationId xmlns:p14="http://schemas.microsoft.com/office/powerpoint/2010/main" val="1882244851"/>
+      </p:ext>
+    </p:extLst>
+  </p:cSld>
+  <p:clrMapOvr>
+    <a:masterClrMapping/>
+  </p:clrMapOvr>
+</p:sld>
+</file>
+
+<file path=ppt/slides/slide22.xml><?xml version="1.0" encoding="utf-8"?>
+<p:sld xmlns:a="http://schemas.openxmlformats.org/drawingml/2006/main" xmlns:r="http://schemas.openxmlformats.org/officeDocument/2006/relationships" xmlns:p="http://schemas.openxmlformats.org/presentationml/2006/main">
+  <p:cSld>
+    <p:spTree>
+      <p:nvGrpSpPr>
+        <p:cNvPr id="1" name=""/>
+        <p:cNvGrpSpPr/>
+        <p:nvPr/>
+      </p:nvGrpSpPr>
+      <p:grpSpPr>
+        <a:xfrm>
+          <a:off x="0" y="0"/>
+          <a:ext cx="0" cy="0"/>
+          <a:chOff x="0" y="0"/>
+          <a:chExt cx="0" cy="0"/>
+        </a:xfrm>
+      </p:grpSpPr>
+      <p:sp>
+        <p:nvSpPr>
+          <p:cNvPr id="24578" name="Text Box 2"/>
+          <p:cNvSpPr txBox="1">
+            <a:spLocks noChangeArrowheads="1"/>
+          </p:cNvSpPr>
+          <p:nvPr/>
+        </p:nvSpPr>
+        <p:spPr bwMode="auto">
+          <a:xfrm>
+            <a:off x="447675" y="313137"/>
+            <a:ext cx="8490263" cy="6401753"/>
+          </a:xfrm>
+          <a:prstGeom prst="rect">
+            <a:avLst/>
+          </a:prstGeom>
+          <a:noFill/>
+          <a:ln w="9525">
+            <a:noFill/>
+            <a:miter lim="800000"/>
+            <a:headEnd/>
+            <a:tailEnd/>
+          </a:ln>
+        </p:spPr>
+        <p:txBody>
+          <a:bodyPr wrap="square">
+            <a:prstTxWarp prst="textNoShape">
+              <a:avLst/>
+            </a:prstTxWarp>
+            <a:spAutoFit/>
+          </a:bodyPr>
+          <a:lstStyle/>
+          <a:p>
+            <a:r>
+              <a:rPr lang="es-ES" sz="3200" b="1" dirty="0">
+                <a:solidFill>
+                  <a:schemeClr val="accent2"/>
+                </a:solidFill>
+                <a:latin typeface="Trebuchet MS" charset="0"/>
+              </a:rPr>
+              <a:t>Coordenadas</a:t>
+            </a:r>
+          </a:p>
+          <a:p>
+            <a:endParaRPr lang="es-CL" b="1" dirty="0">
+              <a:solidFill>
+                <a:schemeClr val="accent2"/>
+              </a:solidFill>
+              <a:latin typeface="Trebuchet MS" charset="0"/>
+            </a:endParaRPr>
+          </a:p>
+          <a:p>
+            <a:endParaRPr lang="es-CL" b="1" dirty="0">
+              <a:solidFill>
+                <a:schemeClr val="accent2"/>
+              </a:solidFill>
+              <a:latin typeface="Trebuchet MS" charset="0"/>
+            </a:endParaRPr>
+          </a:p>
+          <a:p>
+            <a:r>
+              <a:rPr lang="es-CL" b="1" dirty="0">
+                <a:solidFill>
+                  <a:schemeClr val="tx2">
+                    <a:lumMod val="50000"/>
+                    <a:lumOff val="50000"/>
+                  </a:schemeClr>
+                </a:solidFill>
+                <a:latin typeface="Trebuchet MS" charset="0"/>
+              </a:rPr>
+              <a:t>Domingo Mery	Departamento de Ciencia de la Computación</a:t>
+            </a:r>
+          </a:p>
+          <a:p>
+            <a:r>
+              <a:rPr lang="es-CL" b="1" dirty="0">
+                <a:solidFill>
+                  <a:schemeClr val="tx2">
+                    <a:lumMod val="50000"/>
+                    <a:lumOff val="50000"/>
+                  </a:schemeClr>
+                </a:solidFill>
+                <a:latin typeface="Trebuchet MS" charset="0"/>
+              </a:rPr>
+              <a:t>		Pontificia Universidad Católica de Chile</a:t>
+            </a:r>
+          </a:p>
+          <a:p>
+            <a:r>
+              <a:rPr lang="es-CL" b="1" dirty="0">
+                <a:solidFill>
+                  <a:schemeClr val="tx2">
+                    <a:lumMod val="50000"/>
+                    <a:lumOff val="50000"/>
+                  </a:schemeClr>
+                </a:solidFill>
+                <a:latin typeface="Trebuchet MS" charset="0"/>
+              </a:rPr>
+              <a:t>		</a:t>
+            </a:r>
+            <a:r>
+              <a:rPr lang="es-CL" b="1" dirty="0">
+                <a:solidFill>
+                  <a:schemeClr val="accent2"/>
+                </a:solidFill>
+                <a:latin typeface="Trebuchet MS" charset="0"/>
+                <a:hlinkClick r:id="rId3"/>
+              </a:rPr>
+              <a:t>http://domingomery.ing.uc.cl</a:t>
+            </a:r>
+            <a:endParaRPr lang="es-CL" b="1" dirty="0">
+              <a:solidFill>
+                <a:schemeClr val="accent2"/>
+              </a:solidFill>
+              <a:latin typeface="Trebuchet MS" charset="0"/>
+            </a:endParaRPr>
+          </a:p>
+          <a:p>
+            <a:endParaRPr lang="es-CL" b="1" dirty="0">
+              <a:solidFill>
+                <a:schemeClr val="accent2"/>
+              </a:solidFill>
+              <a:latin typeface="Trebuchet MS" charset="0"/>
+            </a:endParaRPr>
+          </a:p>
+          <a:p>
+            <a:r>
+              <a:rPr lang="es-CL" b="1" dirty="0">
+                <a:solidFill>
+                  <a:schemeClr val="accent2"/>
+                </a:solidFill>
+                <a:latin typeface="Trebuchet MS" charset="0"/>
+              </a:rPr>
+              <a:t>     + Mail:	</a:t>
+            </a:r>
+            <a:r>
+              <a:rPr lang="es-CL" b="1" dirty="0">
+                <a:solidFill>
+                  <a:schemeClr val="accent2"/>
+                </a:solidFill>
+                <a:latin typeface="Trebuchet MS" charset="0"/>
+                <a:hlinkClick r:id="rId4"/>
+              </a:rPr>
+              <a:t>domingo.mery@uc.cl</a:t>
+            </a:r>
+            <a:endParaRPr lang="es-CL" b="1" dirty="0">
+              <a:solidFill>
+                <a:schemeClr val="accent2"/>
+              </a:solidFill>
+              <a:latin typeface="Trebuchet MS" charset="0"/>
+            </a:endParaRPr>
+          </a:p>
+          <a:p>
+            <a:endParaRPr lang="es-CL" b="1" dirty="0">
+              <a:solidFill>
+                <a:schemeClr val="accent2"/>
+              </a:solidFill>
+              <a:latin typeface="Trebuchet MS" charset="0"/>
+            </a:endParaRPr>
+          </a:p>
+          <a:p>
+            <a:r>
+              <a:rPr lang="es-CL" b="1" dirty="0">
+                <a:solidFill>
+                  <a:schemeClr val="accent2"/>
+                </a:solidFill>
+                <a:latin typeface="Trebuchet MS" charset="0"/>
+              </a:rPr>
+              <a:t>     + Zoom: 	</a:t>
+            </a:r>
+            <a:r>
+              <a:rPr lang="es-CL" b="1" dirty="0">
+                <a:solidFill>
+                  <a:schemeClr val="accent2"/>
+                </a:solidFill>
+                <a:latin typeface="Trebuchet MS" charset="0"/>
+                <a:hlinkClick r:id="rId5"/>
+              </a:rPr>
+              <a:t>https://notredame.zoom.us/my/patrones</a:t>
+            </a:r>
+            <a:endParaRPr lang="es-CL" b="1" dirty="0">
+              <a:solidFill>
+                <a:schemeClr val="accent2"/>
+              </a:solidFill>
+              <a:latin typeface="Trebuchet MS" charset="0"/>
+            </a:endParaRPr>
+          </a:p>
+          <a:p>
+            <a:endParaRPr lang="es-CL" b="1" dirty="0">
+              <a:solidFill>
+                <a:schemeClr val="accent2"/>
+              </a:solidFill>
+              <a:latin typeface="Trebuchet MS" charset="0"/>
+            </a:endParaRPr>
+          </a:p>
+          <a:p>
+            <a:r>
+              <a:rPr lang="es-CL" b="1" dirty="0">
+                <a:solidFill>
+                  <a:schemeClr val="accent2"/>
+                </a:solidFill>
+                <a:latin typeface="Trebuchet MS" charset="0"/>
+              </a:rPr>
+              <a:t>     		Meeting ID: 386 155 8778</a:t>
+            </a:r>
+          </a:p>
+          <a:p>
+            <a:endParaRPr lang="es-CL" b="1" dirty="0">
+              <a:solidFill>
+                <a:schemeClr val="accent2"/>
+              </a:solidFill>
+              <a:latin typeface="Trebuchet MS" charset="0"/>
+            </a:endParaRPr>
+          </a:p>
+          <a:p>
+            <a:r>
+              <a:rPr lang="es-CL" b="1" dirty="0">
+                <a:solidFill>
+                  <a:schemeClr val="accent2"/>
+                </a:solidFill>
+                <a:latin typeface="Trebuchet MS" charset="0"/>
+              </a:rPr>
+              <a:t>     + YouTube: 	</a:t>
+            </a:r>
+            <a:r>
+              <a:rPr lang="es-CL" b="1" dirty="0">
+                <a:solidFill>
+                  <a:schemeClr val="accent2"/>
+                </a:solidFill>
+                <a:latin typeface="Trebuchet MS" charset="0"/>
+                <a:hlinkClick r:id="rId6"/>
+              </a:rPr>
+              <a:t>http:/youtube.com/domingomery</a:t>
+            </a:r>
+            <a:r>
+              <a:rPr lang="es-CL" b="1" dirty="0">
+                <a:solidFill>
+                  <a:schemeClr val="accent2"/>
+                </a:solidFill>
+                <a:latin typeface="Trebuchet MS" charset="0"/>
+              </a:rPr>
+              <a:t> </a:t>
+            </a:r>
+          </a:p>
+          <a:p>
+            <a:endParaRPr lang="es-CL" b="1" dirty="0">
+              <a:solidFill>
+                <a:schemeClr val="accent2"/>
+              </a:solidFill>
+              <a:latin typeface="Trebuchet MS" charset="0"/>
+            </a:endParaRPr>
+          </a:p>
+          <a:p>
+            <a:r>
+              <a:rPr lang="es-CL" b="1" dirty="0">
+                <a:solidFill>
+                  <a:schemeClr val="accent2"/>
+                </a:solidFill>
+                <a:latin typeface="Trebuchet MS" charset="0"/>
+              </a:rPr>
+              <a:t>     + GitHub: 	</a:t>
+            </a:r>
+            <a:r>
+              <a:rPr lang="es-CL" b="1" dirty="0">
+                <a:solidFill>
+                  <a:schemeClr val="accent2"/>
+                </a:solidFill>
+                <a:latin typeface="Trebuchet MS" charset="0"/>
+                <a:hlinkClick r:id="rId7"/>
+              </a:rPr>
+              <a:t>https://github.com/domingomery/patrones</a:t>
+            </a:r>
+            <a:endParaRPr lang="es-CL" b="1" dirty="0">
+              <a:solidFill>
+                <a:schemeClr val="accent2"/>
+              </a:solidFill>
+              <a:latin typeface="Trebuchet MS" charset="0"/>
+            </a:endParaRPr>
+          </a:p>
+          <a:p>
+            <a:endParaRPr lang="es-CL" b="1" dirty="0">
+              <a:solidFill>
+                <a:schemeClr val="accent2"/>
+              </a:solidFill>
+              <a:latin typeface="Trebuchet MS" charset="0"/>
+            </a:endParaRPr>
+          </a:p>
+          <a:p>
+            <a:r>
+              <a:rPr lang="es-CL" b="1" dirty="0">
+                <a:solidFill>
+                  <a:schemeClr val="accent2"/>
+                </a:solidFill>
+                <a:latin typeface="Trebuchet MS" charset="0"/>
+              </a:rPr>
+              <a:t>     + Web: 	</a:t>
+            </a:r>
+            <a:r>
+              <a:rPr lang="es-CL" b="1" dirty="0">
+                <a:solidFill>
+                  <a:schemeClr val="accent2"/>
+                </a:solidFill>
+                <a:latin typeface="Trebuchet MS" charset="0"/>
+                <a:hlinkClick r:id="rId8"/>
+              </a:rPr>
+              <a:t>https://domingomery.ing.uc.cl/teaching/patrones/</a:t>
+            </a:r>
+            <a:endParaRPr lang="es-CL" b="1" dirty="0">
+              <a:solidFill>
+                <a:schemeClr val="accent2"/>
+              </a:solidFill>
+              <a:latin typeface="Trebuchet MS" charset="0"/>
+            </a:endParaRPr>
+          </a:p>
+          <a:p>
+            <a:endParaRPr lang="es-CL" b="1" dirty="0">
+              <a:solidFill>
+                <a:schemeClr val="accent2"/>
+              </a:solidFill>
+              <a:latin typeface="Trebuchet MS" charset="0"/>
+            </a:endParaRPr>
+          </a:p>
+          <a:p>
+            <a:r>
+              <a:rPr lang="es-CL" b="1" dirty="0">
+                <a:solidFill>
+                  <a:schemeClr val="accent2"/>
+                </a:solidFill>
+                <a:latin typeface="Trebuchet MS" charset="0"/>
+              </a:rPr>
+              <a:t>     + Google Classroom: Class Code asifzvs </a:t>
+            </a:r>
+          </a:p>
+          <a:p>
+            <a:endParaRPr lang="es-CL" b="1" dirty="0">
+              <a:solidFill>
+                <a:schemeClr val="accent2"/>
+              </a:solidFill>
+              <a:latin typeface="Trebuchet MS" charset="0"/>
+            </a:endParaRPr>
+          </a:p>
+          <a:p>
+            <a:r>
+              <a:rPr lang="es-CL" b="1" dirty="0">
+                <a:solidFill>
+                  <a:schemeClr val="accent2"/>
+                </a:solidFill>
+                <a:latin typeface="Trebuchet MS" charset="0"/>
+              </a:rPr>
+              <a:t>     + Twitter: 	@CVCND</a:t>
+            </a:r>
+          </a:p>
+        </p:txBody>
+      </p:sp>
+      <p:sp>
+        <p:nvSpPr>
+          <p:cNvPr id="5" name="Rectangle 4">
+            <a:extLst>
+              <a:ext uri="{FF2B5EF4-FFF2-40B4-BE49-F238E27FC236}">
+                <a16:creationId xmlns:a16="http://schemas.microsoft.com/office/drawing/2014/main" id="{4902BA5A-0649-834B-8088-D04291771DF1}"/>
+              </a:ext>
+            </a:extLst>
+          </p:cNvPr>
+          <p:cNvSpPr/>
+          <p:nvPr/>
+        </p:nvSpPr>
+        <p:spPr>
+          <a:xfrm>
+            <a:off x="-244700" y="843565"/>
+            <a:ext cx="9800823" cy="5286779"/>
+          </a:xfrm>
+          <a:prstGeom prst="rect">
+            <a:avLst/>
+          </a:prstGeom>
+          <a:solidFill>
+            <a:schemeClr val="bg1">
+              <a:alpha val="87000"/>
+            </a:schemeClr>
+          </a:solidFill>
+          <a:ln>
+            <a:noFill/>
+          </a:ln>
+        </p:spPr>
+        <p:style>
+          <a:lnRef idx="2">
+            <a:schemeClr val="accent1">
+              <a:shade val="50000"/>
+            </a:schemeClr>
+          </a:lnRef>
+          <a:fillRef idx="1">
+            <a:schemeClr val="accent1"/>
+          </a:fillRef>
+          <a:effectRef idx="0">
+            <a:schemeClr val="accent1"/>
+          </a:effectRef>
+          <a:fontRef idx="minor">
+            <a:schemeClr val="lt1"/>
+          </a:fontRef>
+        </p:style>
+        <p:txBody>
+          <a:bodyPr rtlCol="0" anchor="ctr"/>
+          <a:lstStyle/>
+          <a:p>
+            <a:pPr algn="ctr"/>
+            <a:endParaRPr lang="en-US" dirty="0"/>
+          </a:p>
+        </p:txBody>
+      </p:sp>
+      <p:sp>
+        <p:nvSpPr>
+          <p:cNvPr id="4" name="Oval 3">
+            <a:extLst>
+              <a:ext uri="{FF2B5EF4-FFF2-40B4-BE49-F238E27FC236}">
+                <a16:creationId xmlns:a16="http://schemas.microsoft.com/office/drawing/2014/main" id="{61F7F1B5-E4D7-DA47-8148-6D482C5F6B7F}"/>
+              </a:ext>
+            </a:extLst>
+          </p:cNvPr>
+          <p:cNvSpPr/>
+          <p:nvPr/>
+        </p:nvSpPr>
+        <p:spPr>
+          <a:xfrm rot="682772">
+            <a:off x="6643038" y="5673611"/>
+            <a:ext cx="2391378" cy="1349049"/>
+          </a:xfrm>
+          <a:prstGeom prst="ellipse">
+            <a:avLst/>
+          </a:prstGeom>
+          <a:gradFill>
+            <a:gsLst>
+              <a:gs pos="0">
+                <a:srgbClr val="92D050"/>
+              </a:gs>
+              <a:gs pos="50000">
+                <a:srgbClr val="00B050"/>
+              </a:gs>
+              <a:gs pos="100000">
+                <a:srgbClr val="00B0F0"/>
+              </a:gs>
+            </a:gsLst>
+          </a:gradFill>
+        </p:spPr>
+        <p:style>
+          <a:lnRef idx="0">
+            <a:schemeClr val="accent2"/>
+          </a:lnRef>
+          <a:fillRef idx="3">
+            <a:schemeClr val="accent2"/>
+          </a:fillRef>
+          <a:effectRef idx="3">
+            <a:schemeClr val="accent2"/>
+          </a:effectRef>
+          <a:fontRef idx="minor">
+            <a:schemeClr val="lt1"/>
+          </a:fontRef>
+        </p:style>
+        <p:txBody>
+          <a:bodyPr rtlCol="0" anchor="ctr"/>
+          <a:lstStyle/>
+          <a:p>
+            <a:pPr algn="ctr"/>
+            <a:r>
+              <a:rPr lang="es-ES_tradnl" dirty="0"/>
+              <a:t>Noticias de </a:t>
+            </a:r>
+            <a:r>
+              <a:rPr lang="es-ES_tradnl" dirty="0" err="1"/>
+              <a:t>Computer</a:t>
+            </a:r>
+            <a:r>
+              <a:rPr lang="es-ES_tradnl" dirty="0"/>
+              <a:t> </a:t>
+            </a:r>
+            <a:r>
+              <a:rPr lang="es-ES_tradnl" dirty="0" err="1"/>
+              <a:t>Vision</a:t>
+            </a:r>
+            <a:r>
+              <a:rPr lang="es-ES_tradnl" dirty="0"/>
+              <a:t>, ML</a:t>
+            </a:r>
+            <a:r>
+              <a:rPr lang="es-ES_tradnl"/>
+              <a:t>, etc.</a:t>
+            </a:r>
+            <a:endParaRPr lang="es-ES_tradnl" dirty="0"/>
+          </a:p>
+        </p:txBody>
+      </p:sp>
+    </p:spTree>
+    <p:extLst>
+      <p:ext uri="{BB962C8B-B14F-4D97-AF65-F5344CB8AC3E}">
+        <p14:creationId xmlns:p14="http://schemas.microsoft.com/office/powerpoint/2010/main" val="1949536523"/>
+      </p:ext>
+    </p:extLst>
   </p:cSld>
   <p:clrMapOvr>
     <a:masterClrMapping/>
